--- a/ppt/Universality Class.pptx
+++ b/ppt/Universality Class.pptx
@@ -3409,7 +3409,12 @@
             <p:ph type="subTitle" idx="1"/>
           </p:nvPr>
         </p:nvSpPr>
-        <p:spPr/>
+        <p:spPr>
+          <a:xfrm>
+            <a:off x="1524000" y="3602037"/>
+            <a:ext cx="9144000" cy="2269373"/>
+          </a:xfrm>
+        </p:spPr>
         <p:txBody>
           <a:bodyPr/>
           <a:lstStyle/>
@@ -3423,7 +3428,21 @@
             <a:pPr algn="r"/>
             <a:r>
               <a:rPr lang="en-US" altLang="ko-KR" dirty="0"/>
-              <a:t>LEE SungBin</a:t>
+              <a:t>SungBin LEE</a:t>
+            </a:r>
+          </a:p>
+          <a:p>
+            <a:pPr algn="r"/>
+            <a:r>
+              <a:rPr lang="en-US" altLang="ko-KR" dirty="0"/>
+              <a:t>Dept. of Physics and Astronomy</a:t>
+            </a:r>
+          </a:p>
+          <a:p>
+            <a:pPr algn="r"/>
+            <a:r>
+              <a:rPr lang="en-US" altLang="ko-KR" dirty="0"/>
+              <a:t>Seoul National University</a:t>
             </a:r>
             <a:endParaRPr lang="ko-KR" altLang="en-US" dirty="0"/>
           </a:p>
@@ -10788,14 +10807,14 @@
               <p:nvPr>
                 <p:extLst>
                   <p:ext uri="{D42A27DB-BD31-4B8C-83A1-F6EECF244321}">
-                    <p14:modId xmlns:p14="http://schemas.microsoft.com/office/powerpoint/2010/main" val="645253871"/>
+                    <p14:modId xmlns:p14="http://schemas.microsoft.com/office/powerpoint/2010/main" val="3750447721"/>
                   </p:ext>
                 </p:extLst>
               </p:nvPr>
             </p:nvGraphicFramePr>
             <p:xfrm>
               <a:off x="838200" y="2606548"/>
-              <a:ext cx="10515600" cy="1644904"/>
+              <a:ext cx="10515600" cy="2893568"/>
             </p:xfrm>
             <a:graphic>
               <a:graphicData uri="http://schemas.openxmlformats.org/drawingml/2006/table">
@@ -11632,6 +11651,592 @@
                       </a:ext>
                     </a:extLst>
                   </a:tr>
+                  <a:tr h="370840">
+                    <a:tc>
+                      <a:txBody>
+                        <a:bodyPr/>
+                        <a:lstStyle/>
+                        <a:p>
+                          <a:pPr algn="ctr" latinLnBrk="1"/>
+                          <a14:m>
+                            <m:oMathPara xmlns:m="http://schemas.openxmlformats.org/officeDocument/2006/math">
+                              <m:oMathParaPr>
+                                <m:jc m:val="centerGroup"/>
+                              </m:oMathParaPr>
+                              <m:oMath xmlns:m="http://schemas.openxmlformats.org/officeDocument/2006/math">
+                                <m:r>
+                                  <a:rPr lang="en-US" altLang="ko-KR" b="1" i="1" smtClean="0">
+                                    <a:latin typeface="Cambria Math" panose="02040503050406030204" pitchFamily="18" charset="0"/>
+                                  </a:rPr>
+                                  <m:t>𝒅</m:t>
+                                </m:r>
+                                <m:r>
+                                  <a:rPr lang="en-US" altLang="ko-KR" b="1" i="1" smtClean="0">
+                                    <a:latin typeface="Cambria Math" panose="02040503050406030204" pitchFamily="18" charset="0"/>
+                                  </a:rPr>
+                                  <m:t>−</m:t>
+                                </m:r>
+                                <m:sSub>
+                                  <m:sSubPr>
+                                    <m:ctrlPr>
+                                      <a:rPr lang="en-US" altLang="ko-KR" b="1" i="0" smtClean="0">
+                                        <a:latin typeface="Cambria Math" panose="02040503050406030204" pitchFamily="18" charset="0"/>
+                                      </a:rPr>
+                                    </m:ctrlPr>
+                                  </m:sSubPr>
+                                  <m:e>
+                                    <m:r>
+                                      <a:rPr lang="en-US" altLang="ko-KR" b="1" i="0" smtClean="0">
+                                        <a:latin typeface="Cambria Math" panose="02040503050406030204" pitchFamily="18" charset="0"/>
+                                      </a:rPr>
+                                      <m:t>𝚫</m:t>
+                                    </m:r>
+                                  </m:e>
+                                  <m:sub>
+                                    <m:r>
+                                      <a:rPr lang="en-US" altLang="ko-KR" b="1" i="1" smtClean="0">
+                                        <a:latin typeface="Cambria Math" panose="02040503050406030204" pitchFamily="18" charset="0"/>
+                                      </a:rPr>
+                                      <m:t>𝓽</m:t>
+                                    </m:r>
+                                  </m:sub>
+                                </m:sSub>
+                              </m:oMath>
+                            </m:oMathPara>
+                          </a14:m>
+                          <a:endParaRPr lang="ko-KR" altLang="en-US" b="1" i="1" dirty="0"/>
+                        </a:p>
+                      </a:txBody>
+                      <a:tcPr anchor="ctr"/>
+                    </a:tc>
+                    <a:tc>
+                      <a:txBody>
+                        <a:bodyPr/>
+                        <a:lstStyle/>
+                        <a:p>
+                          <a:pPr algn="ctr" latinLnBrk="1"/>
+                          <a14:m>
+                            <m:oMathPara xmlns:m="http://schemas.openxmlformats.org/officeDocument/2006/math">
+                              <m:oMathParaPr>
+                                <m:jc m:val="centerGroup"/>
+                              </m:oMathParaPr>
+                              <m:oMath xmlns:m="http://schemas.openxmlformats.org/officeDocument/2006/math">
+                                <m:r>
+                                  <a:rPr lang="en-US" altLang="ko-KR" b="0" i="1" smtClean="0">
+                                    <a:latin typeface="Cambria Math" panose="02040503050406030204" pitchFamily="18" charset="0"/>
+                                  </a:rPr>
+                                  <m:t>2−</m:t>
+                                </m:r>
+                                <m:f>
+                                  <m:fPr>
+                                    <m:ctrlPr>
+                                      <a:rPr lang="en-US" altLang="ko-KR" b="0" i="1" smtClean="0">
+                                        <a:latin typeface="Cambria Math" panose="02040503050406030204" pitchFamily="18" charset="0"/>
+                                      </a:rPr>
+                                    </m:ctrlPr>
+                                  </m:fPr>
+                                  <m:num>
+                                    <m:r>
+                                      <a:rPr lang="en-US" altLang="ko-KR" b="0" i="1" smtClean="0">
+                                        <a:latin typeface="Cambria Math" panose="02040503050406030204" pitchFamily="18" charset="0"/>
+                                      </a:rPr>
+                                      <m:t>2</m:t>
+                                    </m:r>
+                                  </m:num>
+                                  <m:den>
+                                    <m:r>
+                                      <a:rPr lang="en-US" altLang="ko-KR" b="0" i="1" smtClean="0">
+                                        <a:latin typeface="Cambria Math" panose="02040503050406030204" pitchFamily="18" charset="0"/>
+                                      </a:rPr>
+                                      <m:t>3</m:t>
+                                    </m:r>
+                                  </m:den>
+                                </m:f>
+                                <m:r>
+                                  <a:rPr lang="en-US" altLang="ko-KR" b="0" i="1" smtClean="0">
+                                    <a:latin typeface="Cambria Math" panose="02040503050406030204" pitchFamily="18" charset="0"/>
+                                  </a:rPr>
+                                  <m:t>𝜀</m:t>
+                                </m:r>
+                                <m:r>
+                                  <a:rPr lang="en-US" altLang="ko-KR" b="0" i="1" smtClean="0">
+                                    <a:latin typeface="Cambria Math" panose="02040503050406030204" pitchFamily="18" charset="0"/>
+                                  </a:rPr>
+                                  <m:t>+</m:t>
+                                </m:r>
+                                <m:f>
+                                  <m:fPr>
+                                    <m:ctrlPr>
+                                      <a:rPr lang="en-US" altLang="ko-KR" b="0" i="1" smtClean="0">
+                                        <a:latin typeface="Cambria Math" panose="02040503050406030204" pitchFamily="18" charset="0"/>
+                                      </a:rPr>
+                                    </m:ctrlPr>
+                                  </m:fPr>
+                                  <m:num>
+                                    <m:r>
+                                      <a:rPr lang="en-US" altLang="ko-KR" b="0" i="1" smtClean="0">
+                                        <a:latin typeface="Cambria Math" panose="02040503050406030204" pitchFamily="18" charset="0"/>
+                                      </a:rPr>
+                                      <m:t>19</m:t>
+                                    </m:r>
+                                  </m:num>
+                                  <m:den>
+                                    <m:r>
+                                      <a:rPr lang="en-US" altLang="ko-KR" b="0" i="1" smtClean="0">
+                                        <a:latin typeface="Cambria Math" panose="02040503050406030204" pitchFamily="18" charset="0"/>
+                                      </a:rPr>
+                                      <m:t>162</m:t>
+                                    </m:r>
+                                  </m:den>
+                                </m:f>
+                                <m:sSup>
+                                  <m:sSupPr>
+                                    <m:ctrlPr>
+                                      <a:rPr lang="en-US" altLang="ko-KR" b="0" i="1" smtClean="0">
+                                        <a:latin typeface="Cambria Math" panose="02040503050406030204" pitchFamily="18" charset="0"/>
+                                      </a:rPr>
+                                    </m:ctrlPr>
+                                  </m:sSupPr>
+                                  <m:e>
+                                    <m:r>
+                                      <a:rPr lang="en-US" altLang="ko-KR" b="0" i="1" smtClean="0">
+                                        <a:latin typeface="Cambria Math" panose="02040503050406030204" pitchFamily="18" charset="0"/>
+                                      </a:rPr>
+                                      <m:t>𝜀</m:t>
+                                    </m:r>
+                                  </m:e>
+                                  <m:sup>
+                                    <m:r>
+                                      <a:rPr lang="en-US" altLang="ko-KR" b="0" i="1" smtClean="0">
+                                        <a:latin typeface="Cambria Math" panose="02040503050406030204" pitchFamily="18" charset="0"/>
+                                      </a:rPr>
+                                      <m:t>2</m:t>
+                                    </m:r>
+                                  </m:sup>
+                                </m:sSup>
+                                <m:r>
+                                  <a:rPr lang="en-US" altLang="ko-KR" b="0" i="1" smtClean="0">
+                                    <a:latin typeface="Cambria Math" panose="02040503050406030204" pitchFamily="18" charset="0"/>
+                                  </a:rPr>
+                                  <m:t>+⋯</m:t>
+                                </m:r>
+                              </m:oMath>
+                            </m:oMathPara>
+                          </a14:m>
+                          <a:endParaRPr lang="ko-KR" altLang="en-US" i="1" dirty="0"/>
+                        </a:p>
+                      </a:txBody>
+                      <a:tcPr anchor="ctr"/>
+                    </a:tc>
+                    <a:tc>
+                      <a:txBody>
+                        <a:bodyPr/>
+                        <a:lstStyle/>
+                        <a:p>
+                          <a:pPr algn="ctr" latinLnBrk="1"/>
+                          <a14:m>
+                            <m:oMathPara xmlns:m="http://schemas.openxmlformats.org/officeDocument/2006/math">
+                              <m:oMathParaPr>
+                                <m:jc m:val="centerGroup"/>
+                              </m:oMathParaPr>
+                              <m:oMath xmlns:m="http://schemas.openxmlformats.org/officeDocument/2006/math">
+                                <m:r>
+                                  <a:rPr lang="en-US" altLang="ko-KR" b="1" i="1" smtClean="0">
+                                    <a:latin typeface="Cambria Math" panose="02040503050406030204" pitchFamily="18" charset="0"/>
+                                  </a:rPr>
+                                  <m:t>𝟏</m:t>
+                                </m:r>
+                                <m:r>
+                                  <a:rPr lang="en-US" altLang="ko-KR" b="1" i="1" smtClean="0">
+                                    <a:latin typeface="Cambria Math" panose="02040503050406030204" pitchFamily="18" charset="0"/>
+                                  </a:rPr>
+                                  <m:t>.</m:t>
+                                </m:r>
+                                <m:r>
+                                  <a:rPr lang="en-US" altLang="ko-KR" b="1" i="1" smtClean="0">
+                                    <a:latin typeface="Cambria Math" panose="02040503050406030204" pitchFamily="18" charset="0"/>
+                                  </a:rPr>
+                                  <m:t>𝟒𝟓</m:t>
+                                </m:r>
+                                <m:r>
+                                  <a:rPr lang="en-US" altLang="ko-KR" b="1" i="1" smtClean="0">
+                                    <a:latin typeface="Cambria Math" panose="02040503050406030204" pitchFamily="18" charset="0"/>
+                                  </a:rPr>
+                                  <m:t> </m:t>
+                                </m:r>
+                                <m:d>
+                                  <m:dPr>
+                                    <m:ctrlPr>
+                                      <a:rPr lang="en-US" altLang="ko-KR" b="1" i="1" smtClean="0">
+                                        <a:latin typeface="Cambria Math" panose="02040503050406030204" pitchFamily="18" charset="0"/>
+                                      </a:rPr>
+                                    </m:ctrlPr>
+                                  </m:dPr>
+                                  <m:e>
+                                    <m:r>
+                                      <a:rPr lang="en-US" altLang="ko-KR" b="1" i="1" smtClean="0">
+                                        <a:latin typeface="Cambria Math" panose="02040503050406030204" pitchFamily="18" charset="0"/>
+                                      </a:rPr>
+                                      <m:t>𝟏</m:t>
+                                    </m:r>
+                                    <m:r>
+                                      <a:rPr lang="en-US" altLang="ko-KR" b="1" i="1" smtClean="0">
+                                        <a:latin typeface="Cambria Math" panose="02040503050406030204" pitchFamily="18" charset="0"/>
+                                      </a:rPr>
+                                      <m:t>.</m:t>
+                                    </m:r>
+                                    <m:r>
+                                      <a:rPr lang="en-US" altLang="ko-KR" b="1" i="1" smtClean="0">
+                                        <a:latin typeface="Cambria Math" panose="02040503050406030204" pitchFamily="18" charset="0"/>
+                                      </a:rPr>
+                                      <m:t>𝟒𝟏𝟑</m:t>
+                                    </m:r>
+                                  </m:e>
+                                </m:d>
+                              </m:oMath>
+                            </m:oMathPara>
+                          </a14:m>
+                          <a:endParaRPr lang="ko-KR" altLang="en-US" b="1" i="0" dirty="0"/>
+                        </a:p>
+                      </a:txBody>
+                      <a:tcPr anchor="ctr"/>
+                    </a:tc>
+                    <a:tc>
+                      <a:txBody>
+                        <a:bodyPr/>
+                        <a:lstStyle/>
+                        <a:p>
+                          <a:pPr algn="ctr" latinLnBrk="1"/>
+                          <a14:m>
+                            <m:oMathPara xmlns:m="http://schemas.openxmlformats.org/officeDocument/2006/math">
+                              <m:oMathParaPr>
+                                <m:jc m:val="centerGroup"/>
+                              </m:oMathParaPr>
+                              <m:oMath xmlns:m="http://schemas.openxmlformats.org/officeDocument/2006/math">
+                                <m:r>
+                                  <a:rPr lang="en-US" altLang="ko-KR" b="0" i="1" smtClean="0">
+                                    <a:latin typeface="Cambria Math" panose="02040503050406030204" pitchFamily="18" charset="0"/>
+                                  </a:rPr>
+                                  <m:t>1.14 </m:t>
+                                </m:r>
+                                <m:d>
+                                  <m:dPr>
+                                    <m:ctrlPr>
+                                      <a:rPr lang="en-US" altLang="ko-KR" b="0" i="1" smtClean="0">
+                                        <a:latin typeface="Cambria Math" panose="02040503050406030204" pitchFamily="18" charset="0"/>
+                                      </a:rPr>
+                                    </m:ctrlPr>
+                                  </m:dPr>
+                                  <m:e>
+                                    <m:r>
+                                      <a:rPr lang="en-US" altLang="ko-KR" b="0" i="1" smtClean="0">
+                                        <a:latin typeface="Cambria Math" panose="02040503050406030204" pitchFamily="18" charset="0"/>
+                                      </a:rPr>
+                                      <m:t>1</m:t>
+                                    </m:r>
+                                  </m:e>
+                                </m:d>
+                              </m:oMath>
+                            </m:oMathPara>
+                          </a14:m>
+                          <a:endParaRPr lang="ko-KR" altLang="en-US" i="0" dirty="0"/>
+                        </a:p>
+                      </a:txBody>
+                      <a:tcPr anchor="ctr"/>
+                    </a:tc>
+                    <a:extLst>
+                      <a:ext uri="{0D108BD9-81ED-4DB2-BD59-A6C34878D82A}">
+                        <a16:rowId xmlns:a16="http://schemas.microsoft.com/office/drawing/2014/main" val="2185149833"/>
+                      </a:ext>
+                    </a:extLst>
+                  </a:tr>
+                  <a:tr h="370840">
+                    <a:tc>
+                      <a:txBody>
+                        <a:bodyPr/>
+                        <a:lstStyle/>
+                        <a:p>
+                          <a:pPr algn="ctr" latinLnBrk="1"/>
+                          <a14:m>
+                            <m:oMathPara xmlns:m="http://schemas.openxmlformats.org/officeDocument/2006/math">
+                              <m:oMathParaPr>
+                                <m:jc m:val="centerGroup"/>
+                              </m:oMathParaPr>
+                              <m:oMath xmlns:m="http://schemas.openxmlformats.org/officeDocument/2006/math">
+                                <m:r>
+                                  <a:rPr lang="en-US" altLang="ko-KR" b="1" i="1" smtClean="0">
+                                    <a:latin typeface="Cambria Math" panose="02040503050406030204" pitchFamily="18" charset="0"/>
+                                  </a:rPr>
+                                  <m:t>𝒅</m:t>
+                                </m:r>
+                                <m:r>
+                                  <a:rPr lang="en-US" altLang="ko-KR" b="1" i="1" smtClean="0">
+                                    <a:latin typeface="Cambria Math" panose="02040503050406030204" pitchFamily="18" charset="0"/>
+                                  </a:rPr>
+                                  <m:t>−</m:t>
+                                </m:r>
+                                <m:sSub>
+                                  <m:sSubPr>
+                                    <m:ctrlPr>
+                                      <a:rPr lang="en-US" altLang="ko-KR" b="1" i="0" smtClean="0">
+                                        <a:latin typeface="Cambria Math" panose="02040503050406030204" pitchFamily="18" charset="0"/>
+                                      </a:rPr>
+                                    </m:ctrlPr>
+                                  </m:sSubPr>
+                                  <m:e>
+                                    <m:r>
+                                      <a:rPr lang="en-US" altLang="ko-KR" b="1" i="0" smtClean="0">
+                                        <a:latin typeface="Cambria Math" panose="02040503050406030204" pitchFamily="18" charset="0"/>
+                                      </a:rPr>
+                                      <m:t>𝚫</m:t>
+                                    </m:r>
+                                  </m:e>
+                                  <m:sub>
+                                    <m:r>
+                                      <a:rPr lang="en-US" altLang="ko-KR" b="1" i="1" smtClean="0">
+                                        <a:latin typeface="Cambria Math" panose="02040503050406030204" pitchFamily="18" charset="0"/>
+                                      </a:rPr>
+                                      <m:t>𝓱</m:t>
+                                    </m:r>
+                                  </m:sub>
+                                </m:sSub>
+                              </m:oMath>
+                            </m:oMathPara>
+                          </a14:m>
+                          <a:endParaRPr lang="ko-KR" altLang="en-US" b="1" i="1" dirty="0"/>
+                        </a:p>
+                      </a:txBody>
+                      <a:tcPr anchor="ctr"/>
+                    </a:tc>
+                    <a:tc>
+                      <a:txBody>
+                        <a:bodyPr/>
+                        <a:lstStyle/>
+                        <a:p>
+                          <a:pPr algn="ctr" latinLnBrk="1"/>
+                          <a14:m>
+                            <m:oMathPara xmlns:m="http://schemas.openxmlformats.org/officeDocument/2006/math">
+                              <m:oMathParaPr>
+                                <m:jc m:val="centerGroup"/>
+                              </m:oMathParaPr>
+                              <m:oMath xmlns:m="http://schemas.openxmlformats.org/officeDocument/2006/math">
+                                <m:r>
+                                  <a:rPr lang="en-US" altLang="ko-KR" b="0" i="1" smtClean="0">
+                                    <a:latin typeface="Cambria Math" panose="02040503050406030204" pitchFamily="18" charset="0"/>
+                                  </a:rPr>
+                                  <m:t>1−</m:t>
+                                </m:r>
+                                <m:f>
+                                  <m:fPr>
+                                    <m:ctrlPr>
+                                      <a:rPr lang="en-US" altLang="ko-KR" b="0" i="1" smtClean="0">
+                                        <a:latin typeface="Cambria Math" panose="02040503050406030204" pitchFamily="18" charset="0"/>
+                                      </a:rPr>
+                                    </m:ctrlPr>
+                                  </m:fPr>
+                                  <m:num>
+                                    <m:r>
+                                      <a:rPr lang="en-US" altLang="ko-KR" b="0" i="1" smtClean="0">
+                                        <a:latin typeface="Cambria Math" panose="02040503050406030204" pitchFamily="18" charset="0"/>
+                                      </a:rPr>
+                                      <m:t>𝜀</m:t>
+                                    </m:r>
+                                  </m:num>
+                                  <m:den>
+                                    <m:r>
+                                      <a:rPr lang="en-US" altLang="ko-KR" b="0" i="1" smtClean="0">
+                                        <a:latin typeface="Cambria Math" panose="02040503050406030204" pitchFamily="18" charset="0"/>
+                                      </a:rPr>
+                                      <m:t>2</m:t>
+                                    </m:r>
+                                  </m:den>
+                                </m:f>
+                                <m:r>
+                                  <a:rPr lang="en-US" altLang="ko-KR" b="0" i="1" smtClean="0">
+                                    <a:latin typeface="Cambria Math" panose="02040503050406030204" pitchFamily="18" charset="0"/>
+                                  </a:rPr>
+                                  <m:t>+</m:t>
+                                </m:r>
+                                <m:f>
+                                  <m:fPr>
+                                    <m:ctrlPr>
+                                      <a:rPr lang="en-US" altLang="ko-KR" b="0" i="1" smtClean="0">
+                                        <a:latin typeface="Cambria Math" panose="02040503050406030204" pitchFamily="18" charset="0"/>
+                                      </a:rPr>
+                                    </m:ctrlPr>
+                                  </m:fPr>
+                                  <m:num>
+                                    <m:sSup>
+                                      <m:sSupPr>
+                                        <m:ctrlPr>
+                                          <a:rPr lang="en-US" altLang="ko-KR" b="0" i="1" smtClean="0">
+                                            <a:latin typeface="Cambria Math" panose="02040503050406030204" pitchFamily="18" charset="0"/>
+                                          </a:rPr>
+                                        </m:ctrlPr>
+                                      </m:sSupPr>
+                                      <m:e>
+                                        <m:r>
+                                          <a:rPr lang="en-US" altLang="ko-KR" b="0" i="1" smtClean="0">
+                                            <a:latin typeface="Cambria Math" panose="02040503050406030204" pitchFamily="18" charset="0"/>
+                                          </a:rPr>
+                                          <m:t>𝜀</m:t>
+                                        </m:r>
+                                      </m:e>
+                                      <m:sup>
+                                        <m:r>
+                                          <a:rPr lang="en-US" altLang="ko-KR" b="0" i="1" smtClean="0">
+                                            <a:latin typeface="Cambria Math" panose="02040503050406030204" pitchFamily="18" charset="0"/>
+                                          </a:rPr>
+                                          <m:t>2</m:t>
+                                        </m:r>
+                                      </m:sup>
+                                    </m:sSup>
+                                  </m:num>
+                                  <m:den>
+                                    <m:r>
+                                      <a:rPr lang="en-US" altLang="ko-KR" b="0" i="1" smtClean="0">
+                                        <a:latin typeface="Cambria Math" panose="02040503050406030204" pitchFamily="18" charset="0"/>
+                                      </a:rPr>
+                                      <m:t>108</m:t>
+                                    </m:r>
+                                  </m:den>
+                                </m:f>
+                                <m:r>
+                                  <a:rPr lang="en-US" altLang="ko-KR" b="0" i="1" smtClean="0">
+                                    <a:latin typeface="Cambria Math" panose="02040503050406030204" pitchFamily="18" charset="0"/>
+                                  </a:rPr>
+                                  <m:t>+⋯</m:t>
+                                </m:r>
+                              </m:oMath>
+                            </m:oMathPara>
+                          </a14:m>
+                          <a:endParaRPr lang="ko-KR" altLang="en-US" i="1" dirty="0"/>
+                        </a:p>
+                      </a:txBody>
+                      <a:tcPr anchor="ctr"/>
+                    </a:tc>
+                    <a:tc>
+                      <a:txBody>
+                        <a:bodyPr/>
+                        <a:lstStyle/>
+                        <a:p>
+                          <a:pPr algn="ctr" latinLnBrk="1"/>
+                          <a14:m>
+                            <m:oMathPara xmlns:m="http://schemas.openxmlformats.org/officeDocument/2006/math">
+                              <m:oMathParaPr>
+                                <m:jc m:val="centerGroup"/>
+                              </m:oMathParaPr>
+                              <m:oMath xmlns:m="http://schemas.openxmlformats.org/officeDocument/2006/math">
+                                <m:r>
+                                  <a:rPr lang="en-US" altLang="ko-KR" b="1" i="1" smtClean="0">
+                                    <a:latin typeface="Cambria Math" panose="02040503050406030204" pitchFamily="18" charset="0"/>
+                                  </a:rPr>
+                                  <m:t>𝟎</m:t>
+                                </m:r>
+                                <m:r>
+                                  <a:rPr lang="en-US" altLang="ko-KR" b="1" i="1" smtClean="0">
+                                    <a:latin typeface="Cambria Math" panose="02040503050406030204" pitchFamily="18" charset="0"/>
+                                  </a:rPr>
+                                  <m:t>.</m:t>
+                                </m:r>
+                                <m:r>
+                                  <a:rPr lang="en-US" altLang="ko-KR" b="1" i="1" smtClean="0">
+                                    <a:latin typeface="Cambria Math" panose="02040503050406030204" pitchFamily="18" charset="0"/>
+                                  </a:rPr>
+                                  <m:t>𝟓𝟏</m:t>
+                                </m:r>
+                                <m:r>
+                                  <a:rPr lang="en-US" altLang="ko-KR" b="1" i="1" smtClean="0">
+                                    <a:latin typeface="Cambria Math" panose="02040503050406030204" pitchFamily="18" charset="0"/>
+                                  </a:rPr>
+                                  <m:t> </m:t>
+                                </m:r>
+                                <m:d>
+                                  <m:dPr>
+                                    <m:ctrlPr>
+                                      <a:rPr lang="en-US" altLang="ko-KR" b="1" i="1" smtClean="0">
+                                        <a:latin typeface="Cambria Math" panose="02040503050406030204" pitchFamily="18" charset="0"/>
+                                      </a:rPr>
+                                    </m:ctrlPr>
+                                  </m:dPr>
+                                  <m:e>
+                                    <m:r>
+                                      <a:rPr lang="en-US" altLang="ko-KR" b="1" i="1" smtClean="0">
+                                        <a:latin typeface="Cambria Math" panose="02040503050406030204" pitchFamily="18" charset="0"/>
+                                      </a:rPr>
+                                      <m:t>𝟎</m:t>
+                                    </m:r>
+                                    <m:r>
+                                      <a:rPr lang="en-US" altLang="ko-KR" b="1" i="1" smtClean="0">
+                                        <a:latin typeface="Cambria Math" panose="02040503050406030204" pitchFamily="18" charset="0"/>
+                                      </a:rPr>
+                                      <m:t>.</m:t>
+                                    </m:r>
+                                    <m:r>
+                                      <a:rPr lang="en-US" altLang="ko-KR" b="1" i="1" smtClean="0">
+                                        <a:latin typeface="Cambria Math" panose="02040503050406030204" pitchFamily="18" charset="0"/>
+                                      </a:rPr>
+                                      <m:t>𝟓𝟏𝟖</m:t>
+                                    </m:r>
+                                  </m:e>
+                                </m:d>
+                              </m:oMath>
+                            </m:oMathPara>
+                          </a14:m>
+                          <a:endParaRPr lang="ko-KR" altLang="en-US" b="1" i="0" dirty="0"/>
+                        </a:p>
+                      </a:txBody>
+                      <a:tcPr anchor="ctr"/>
+                    </a:tc>
+                    <a:tc>
+                      <a:txBody>
+                        <a:bodyPr/>
+                        <a:lstStyle/>
+                        <a:p>
+                          <a:pPr algn="ctr" latinLnBrk="1"/>
+                          <a14:m>
+                            <m:oMathPara xmlns:m="http://schemas.openxmlformats.org/officeDocument/2006/math">
+                              <m:oMathParaPr>
+                                <m:jc m:val="centerGroup"/>
+                              </m:oMathParaPr>
+                              <m:oMath xmlns:m="http://schemas.openxmlformats.org/officeDocument/2006/math">
+                                <m:r>
+                                  <a:rPr lang="en-US" altLang="ko-KR" b="0" i="1" smtClean="0">
+                                    <a:latin typeface="Cambria Math" panose="02040503050406030204" pitchFamily="18" charset="0"/>
+                                  </a:rPr>
+                                  <m:t>0.04 </m:t>
+                                </m:r>
+                                <m:d>
+                                  <m:dPr>
+                                    <m:ctrlPr>
+                                      <a:rPr lang="en-US" altLang="ko-KR" b="0" i="1" smtClean="0">
+                                        <a:latin typeface="Cambria Math" panose="02040503050406030204" pitchFamily="18" charset="0"/>
+                                      </a:rPr>
+                                    </m:ctrlPr>
+                                  </m:dPr>
+                                  <m:e>
+                                    <m:r>
+                                      <a:rPr lang="en-US" altLang="ko-KR" b="0" i="1" smtClean="0">
+                                        <a:latin typeface="Cambria Math" panose="02040503050406030204" pitchFamily="18" charset="0"/>
+                                      </a:rPr>
+                                      <m:t>0.125</m:t>
+                                    </m:r>
+                                  </m:e>
+                                </m:d>
+                              </m:oMath>
+                            </m:oMathPara>
+                          </a14:m>
+                          <a:endParaRPr lang="ko-KR" altLang="en-US" i="0" dirty="0"/>
+                        </a:p>
+                      </a:txBody>
+                      <a:tcPr anchor="ctr"/>
+                    </a:tc>
+                    <a:extLst>
+                      <a:ext uri="{0D108BD9-81ED-4DB2-BD59-A6C34878D82A}">
+                        <a16:rowId xmlns:a16="http://schemas.microsoft.com/office/drawing/2014/main" val="948992114"/>
+                      </a:ext>
+                    </a:extLst>
+                  </a:tr>
                 </a:tbl>
               </a:graphicData>
             </a:graphic>
@@ -11653,14 +12258,14 @@
               <p:nvPr>
                 <p:extLst>
                   <p:ext uri="{D42A27DB-BD31-4B8C-83A1-F6EECF244321}">
-                    <p14:modId xmlns:p14="http://schemas.microsoft.com/office/powerpoint/2010/main" val="645253871"/>
+                    <p14:modId xmlns:p14="http://schemas.microsoft.com/office/powerpoint/2010/main" val="3750447721"/>
                   </p:ext>
                 </p:extLst>
               </p:nvPr>
             </p:nvGraphicFramePr>
             <p:xfrm>
               <a:off x="838200" y="2606548"/>
-              <a:ext cx="10515600" cy="1644904"/>
+              <a:ext cx="10515600" cy="2893568"/>
             </p:xfrm>
             <a:graphic>
               <a:graphicData uri="http://schemas.openxmlformats.org/drawingml/2006/table">
@@ -11726,7 +12331,7 @@
                         <a:blipFill>
                           <a:blip r:embed="rId3"/>
                           <a:stretch>
-                            <a:fillRect l="-77184" t="-7692" r="-131016" b="-320000"/>
+                            <a:fillRect l="-77184" t="-7692" r="-131016" b="-635385"/>
                           </a:stretch>
                         </a:blipFill>
                       </a:tcPr>
@@ -11743,7 +12348,7 @@
                         <a:blipFill>
                           <a:blip r:embed="rId3"/>
                           <a:stretch>
-                            <a:fillRect l="-274586" t="-7692" r="-103039" b="-320000"/>
+                            <a:fillRect l="-274586" t="-7692" r="-103039" b="-635385"/>
                           </a:stretch>
                         </a:blipFill>
                       </a:tcPr>
@@ -11760,7 +12365,7 @@
                         <a:blipFill>
                           <a:blip r:embed="rId3"/>
                           <a:stretch>
-                            <a:fillRect l="-365499" t="-7692" r="-539" b="-320000"/>
+                            <a:fillRect l="-365499" t="-7692" r="-539" b="-635385"/>
                           </a:stretch>
                         </a:blipFill>
                       </a:tcPr>
@@ -11784,7 +12389,7 @@
                         <a:blipFill>
                           <a:blip r:embed="rId3"/>
                           <a:stretch>
-                            <a:fillRect l="-231" t="-70000" r="-300000" b="-108000"/>
+                            <a:fillRect l="-231" t="-70000" r="-300000" b="-313000"/>
                           </a:stretch>
                         </a:blipFill>
                       </a:tcPr>
@@ -11801,7 +12406,7 @@
                         <a:blipFill>
                           <a:blip r:embed="rId3"/>
                           <a:stretch>
-                            <a:fillRect l="-77184" t="-70000" r="-131016" b="-108000"/>
+                            <a:fillRect l="-77184" t="-70000" r="-131016" b="-313000"/>
                           </a:stretch>
                         </a:blipFill>
                       </a:tcPr>
@@ -11818,7 +12423,7 @@
                         <a:blipFill>
                           <a:blip r:embed="rId3"/>
                           <a:stretch>
-                            <a:fillRect l="-274586" t="-70000" r="-103039" b="-108000"/>
+                            <a:fillRect l="-274586" t="-70000" r="-103039" b="-313000"/>
                           </a:stretch>
                         </a:blipFill>
                       </a:tcPr>
@@ -11835,7 +12440,7 @@
                         <a:blipFill>
                           <a:blip r:embed="rId3"/>
                           <a:stretch>
-                            <a:fillRect l="-365499" t="-70000" r="-539" b="-108000"/>
+                            <a:fillRect l="-365499" t="-70000" r="-539" b="-313000"/>
                           </a:stretch>
                         </a:blipFill>
                       </a:tcPr>
@@ -11859,7 +12464,7 @@
                         <a:blipFill>
                           <a:blip r:embed="rId3"/>
                           <a:stretch>
-                            <a:fillRect l="-231" t="-160377" r="-300000" b="-1887"/>
+                            <a:fillRect l="-231" t="-160377" r="-300000" b="-195283"/>
                           </a:stretch>
                         </a:blipFill>
                       </a:tcPr>
@@ -11876,7 +12481,7 @@
                         <a:blipFill>
                           <a:blip r:embed="rId3"/>
                           <a:stretch>
-                            <a:fillRect l="-77184" t="-160377" r="-131016" b="-1887"/>
+                            <a:fillRect l="-77184" t="-160377" r="-131016" b="-195283"/>
                           </a:stretch>
                         </a:blipFill>
                       </a:tcPr>
@@ -11893,7 +12498,7 @@
                         <a:blipFill>
                           <a:blip r:embed="rId3"/>
                           <a:stretch>
-                            <a:fillRect l="-274586" t="-160377" r="-103039" b="-1887"/>
+                            <a:fillRect l="-274586" t="-160377" r="-103039" b="-195283"/>
                           </a:stretch>
                         </a:blipFill>
                       </a:tcPr>
@@ -11910,7 +12515,7 @@
                         <a:blipFill>
                           <a:blip r:embed="rId3"/>
                           <a:stretch>
-                            <a:fillRect l="-365499" t="-160377" r="-539" b="-1887"/>
+                            <a:fillRect l="-365499" t="-160377" r="-539" b="-195283"/>
                           </a:stretch>
                         </a:blipFill>
                       </a:tcPr>
@@ -11918,6 +12523,156 @@
                     <a:extLst>
                       <a:ext uri="{0D108BD9-81ED-4DB2-BD59-A6C34878D82A}">
                         <a16:rowId xmlns:a16="http://schemas.microsoft.com/office/drawing/2014/main" val="405488101"/>
+                      </a:ext>
+                    </a:extLst>
+                  </a:tr>
+                  <a:tr h="606806">
+                    <a:tc>
+                      <a:txBody>
+                        <a:bodyPr/>
+                        <a:lstStyle/>
+                        <a:p>
+                          <a:endParaRPr lang="ko-KR"/>
+                        </a:p>
+                      </a:txBody>
+                      <a:tcPr anchor="ctr">
+                        <a:blipFill>
+                          <a:blip r:embed="rId3"/>
+                          <a:stretch>
+                            <a:fillRect l="-231" t="-278788" r="-300000" b="-109091"/>
+                          </a:stretch>
+                        </a:blipFill>
+                      </a:tcPr>
+                    </a:tc>
+                    <a:tc>
+                      <a:txBody>
+                        <a:bodyPr/>
+                        <a:lstStyle/>
+                        <a:p>
+                          <a:endParaRPr lang="ko-KR"/>
+                        </a:p>
+                      </a:txBody>
+                      <a:tcPr anchor="ctr">
+                        <a:blipFill>
+                          <a:blip r:embed="rId3"/>
+                          <a:stretch>
+                            <a:fillRect l="-77184" t="-278788" r="-131016" b="-109091"/>
+                          </a:stretch>
+                        </a:blipFill>
+                      </a:tcPr>
+                    </a:tc>
+                    <a:tc>
+                      <a:txBody>
+                        <a:bodyPr/>
+                        <a:lstStyle/>
+                        <a:p>
+                          <a:endParaRPr lang="ko-KR"/>
+                        </a:p>
+                      </a:txBody>
+                      <a:tcPr anchor="ctr">
+                        <a:blipFill>
+                          <a:blip r:embed="rId3"/>
+                          <a:stretch>
+                            <a:fillRect l="-274586" t="-278788" r="-103039" b="-109091"/>
+                          </a:stretch>
+                        </a:blipFill>
+                      </a:tcPr>
+                    </a:tc>
+                    <a:tc>
+                      <a:txBody>
+                        <a:bodyPr/>
+                        <a:lstStyle/>
+                        <a:p>
+                          <a:endParaRPr lang="ko-KR"/>
+                        </a:p>
+                      </a:txBody>
+                      <a:tcPr anchor="ctr">
+                        <a:blipFill>
+                          <a:blip r:embed="rId3"/>
+                          <a:stretch>
+                            <a:fillRect l="-365499" t="-278788" r="-539" b="-109091"/>
+                          </a:stretch>
+                        </a:blipFill>
+                      </a:tcPr>
+                    </a:tc>
+                    <a:extLst>
+                      <a:ext uri="{0D108BD9-81ED-4DB2-BD59-A6C34878D82A}">
+                        <a16:rowId xmlns:a16="http://schemas.microsoft.com/office/drawing/2014/main" val="2185149833"/>
+                      </a:ext>
+                    </a:extLst>
+                  </a:tr>
+                  <a:tr h="641858">
+                    <a:tc>
+                      <a:txBody>
+                        <a:bodyPr/>
+                        <a:lstStyle/>
+                        <a:p>
+                          <a:endParaRPr lang="ko-KR"/>
+                        </a:p>
+                      </a:txBody>
+                      <a:tcPr anchor="ctr">
+                        <a:blipFill>
+                          <a:blip r:embed="rId3"/>
+                          <a:stretch>
+                            <a:fillRect l="-231" t="-353774" r="-300000" b="-1887"/>
+                          </a:stretch>
+                        </a:blipFill>
+                      </a:tcPr>
+                    </a:tc>
+                    <a:tc>
+                      <a:txBody>
+                        <a:bodyPr/>
+                        <a:lstStyle/>
+                        <a:p>
+                          <a:endParaRPr lang="ko-KR"/>
+                        </a:p>
+                      </a:txBody>
+                      <a:tcPr anchor="ctr">
+                        <a:blipFill>
+                          <a:blip r:embed="rId3"/>
+                          <a:stretch>
+                            <a:fillRect l="-77184" t="-353774" r="-131016" b="-1887"/>
+                          </a:stretch>
+                        </a:blipFill>
+                      </a:tcPr>
+                    </a:tc>
+                    <a:tc>
+                      <a:txBody>
+                        <a:bodyPr/>
+                        <a:lstStyle/>
+                        <a:p>
+                          <a:endParaRPr lang="ko-KR"/>
+                        </a:p>
+                      </a:txBody>
+                      <a:tcPr anchor="ctr">
+                        <a:blipFill>
+                          <a:blip r:embed="rId3"/>
+                          <a:stretch>
+                            <a:fillRect l="-274586" t="-353774" r="-103039" b="-1887"/>
+                          </a:stretch>
+                        </a:blipFill>
+                      </a:tcPr>
+                    </a:tc>
+                    <a:tc>
+                      <a:txBody>
+                        <a:bodyPr/>
+                        <a:lstStyle/>
+                        <a:p>
+                          <a:endParaRPr lang="ko-KR"/>
+                        </a:p>
+                      </a:txBody>
+                      <a:tcPr anchor="ctr">
+                        <a:blipFill>
+                          <a:blip r:embed="rId3"/>
+                          <a:stretch>
+                            <a:fillRect l="-365499" t="-353774" r="-539" b="-1887"/>
+                          </a:stretch>
+                        </a:blipFill>
+                      </a:tcPr>
+                    </a:tc>
+                    <a:extLst>
+                      <a:ext uri="{0D108BD9-81ED-4DB2-BD59-A6C34878D82A}">
+                        <a16:rowId xmlns:a16="http://schemas.microsoft.com/office/drawing/2014/main" val="948992114"/>
                       </a:ext>
                     </a:extLst>
                   </a:tr>

--- a/ppt/Universality Class.pptx
+++ b/ppt/Universality Class.pptx
@@ -6,18 +6,19 @@
   </p:sldMasterIdLst>
   <p:sldIdLst>
     <p:sldId id="256" r:id="rId2"/>
-    <p:sldId id="274" r:id="rId3"/>
-    <p:sldId id="275" r:id="rId4"/>
-    <p:sldId id="267" r:id="rId5"/>
-    <p:sldId id="271" r:id="rId6"/>
-    <p:sldId id="272" r:id="rId7"/>
-    <p:sldId id="278" r:id="rId8"/>
-    <p:sldId id="279" r:id="rId9"/>
-    <p:sldId id="280" r:id="rId10"/>
-    <p:sldId id="270" r:id="rId11"/>
-    <p:sldId id="269" r:id="rId12"/>
-    <p:sldId id="276" r:id="rId13"/>
-    <p:sldId id="277" r:id="rId14"/>
+    <p:sldId id="281" r:id="rId3"/>
+    <p:sldId id="274" r:id="rId4"/>
+    <p:sldId id="275" r:id="rId5"/>
+    <p:sldId id="267" r:id="rId6"/>
+    <p:sldId id="271" r:id="rId7"/>
+    <p:sldId id="272" r:id="rId8"/>
+    <p:sldId id="278" r:id="rId9"/>
+    <p:sldId id="279" r:id="rId10"/>
+    <p:sldId id="280" r:id="rId11"/>
+    <p:sldId id="270" r:id="rId12"/>
+    <p:sldId id="269" r:id="rId13"/>
+    <p:sldId id="276" r:id="rId14"/>
+    <p:sldId id="277" r:id="rId15"/>
   </p:sldIdLst>
   <p:sldSz cx="12192000" cy="6858000"/>
   <p:notesSz cx="6858000" cy="9144000"/>
@@ -273,7 +274,7 @@
           <a:p>
             <a:fld id="{45C5E9B6-29D2-4E46-806A-B1748DE28A61}" type="datetimeFigureOut">
               <a:rPr lang="ko-KR" altLang="en-US" smtClean="0"/>
-              <a:t>2023-06-18</a:t>
+              <a:t>2023-06-28</a:t>
             </a:fld>
             <a:endParaRPr lang="ko-KR" altLang="en-US"/>
           </a:p>
@@ -473,7 +474,7 @@
           <a:p>
             <a:fld id="{45C5E9B6-29D2-4E46-806A-B1748DE28A61}" type="datetimeFigureOut">
               <a:rPr lang="ko-KR" altLang="en-US" smtClean="0"/>
-              <a:t>2023-06-18</a:t>
+              <a:t>2023-06-28</a:t>
             </a:fld>
             <a:endParaRPr lang="ko-KR" altLang="en-US"/>
           </a:p>
@@ -683,7 +684,7 @@
           <a:p>
             <a:fld id="{45C5E9B6-29D2-4E46-806A-B1748DE28A61}" type="datetimeFigureOut">
               <a:rPr lang="ko-KR" altLang="en-US" smtClean="0"/>
-              <a:t>2023-06-18</a:t>
+              <a:t>2023-06-28</a:t>
             </a:fld>
             <a:endParaRPr lang="ko-KR" altLang="en-US"/>
           </a:p>
@@ -887,7 +888,7 @@
           <a:p>
             <a:fld id="{45C5E9B6-29D2-4E46-806A-B1748DE28A61}" type="datetimeFigureOut">
               <a:rPr lang="ko-KR" altLang="en-US" smtClean="0"/>
-              <a:t>2023-06-18</a:t>
+              <a:t>2023-06-28</a:t>
             </a:fld>
             <a:endParaRPr lang="ko-KR" altLang="en-US"/>
           </a:p>
@@ -1163,7 +1164,7 @@
           <a:p>
             <a:fld id="{45C5E9B6-29D2-4E46-806A-B1748DE28A61}" type="datetimeFigureOut">
               <a:rPr lang="ko-KR" altLang="en-US" smtClean="0"/>
-              <a:t>2023-06-18</a:t>
+              <a:t>2023-06-28</a:t>
             </a:fld>
             <a:endParaRPr lang="ko-KR" altLang="en-US"/>
           </a:p>
@@ -1431,7 +1432,7 @@
           <a:p>
             <a:fld id="{45C5E9B6-29D2-4E46-806A-B1748DE28A61}" type="datetimeFigureOut">
               <a:rPr lang="ko-KR" altLang="en-US" smtClean="0"/>
-              <a:t>2023-06-18</a:t>
+              <a:t>2023-06-28</a:t>
             </a:fld>
             <a:endParaRPr lang="ko-KR" altLang="en-US"/>
           </a:p>
@@ -1846,7 +1847,7 @@
           <a:p>
             <a:fld id="{45C5E9B6-29D2-4E46-806A-B1748DE28A61}" type="datetimeFigureOut">
               <a:rPr lang="ko-KR" altLang="en-US" smtClean="0"/>
-              <a:t>2023-06-18</a:t>
+              <a:t>2023-06-28</a:t>
             </a:fld>
             <a:endParaRPr lang="ko-KR" altLang="en-US"/>
           </a:p>
@@ -1988,7 +1989,7 @@
           <a:p>
             <a:fld id="{45C5E9B6-29D2-4E46-806A-B1748DE28A61}" type="datetimeFigureOut">
               <a:rPr lang="ko-KR" altLang="en-US" smtClean="0"/>
-              <a:t>2023-06-18</a:t>
+              <a:t>2023-06-28</a:t>
             </a:fld>
             <a:endParaRPr lang="ko-KR" altLang="en-US"/>
           </a:p>
@@ -2101,7 +2102,7 @@
           <a:p>
             <a:fld id="{45C5E9B6-29D2-4E46-806A-B1748DE28A61}" type="datetimeFigureOut">
               <a:rPr lang="ko-KR" altLang="en-US" smtClean="0"/>
-              <a:t>2023-06-18</a:t>
+              <a:t>2023-06-28</a:t>
             </a:fld>
             <a:endParaRPr lang="ko-KR" altLang="en-US"/>
           </a:p>
@@ -2414,7 +2415,7 @@
           <a:p>
             <a:fld id="{45C5E9B6-29D2-4E46-806A-B1748DE28A61}" type="datetimeFigureOut">
               <a:rPr lang="ko-KR" altLang="en-US" smtClean="0"/>
-              <a:t>2023-06-18</a:t>
+              <a:t>2023-06-28</a:t>
             </a:fld>
             <a:endParaRPr lang="ko-KR" altLang="en-US"/>
           </a:p>
@@ -2707,7 +2708,7 @@
           <a:p>
             <a:fld id="{45C5E9B6-29D2-4E46-806A-B1748DE28A61}" type="datetimeFigureOut">
               <a:rPr lang="ko-KR" altLang="en-US" smtClean="0"/>
-              <a:t>2023-06-18</a:t>
+              <a:t>2023-06-28</a:t>
             </a:fld>
             <a:endParaRPr lang="ko-KR" altLang="en-US"/>
           </a:p>
@@ -2950,7 +2951,7 @@
           <a:p>
             <a:fld id="{45C5E9B6-29D2-4E46-806A-B1748DE28A61}" type="datetimeFigureOut">
               <a:rPr lang="ko-KR" altLang="en-US" smtClean="0"/>
-              <a:t>2023-06-18</a:t>
+              <a:t>2023-06-28</a:t>
             </a:fld>
             <a:endParaRPr lang="ko-KR" altLang="en-US"/>
           </a:p>
@@ -3481,6 +3482,4182 @@
           <a:chExt cx="0" cy="0"/>
         </a:xfrm>
       </p:grpSpPr>
+      <mc:AlternateContent xmlns:mc="http://schemas.openxmlformats.org/markup-compatibility/2006" xmlns:a14="http://schemas.microsoft.com/office/drawing/2010/main">
+        <mc:Choice Requires="a14">
+          <p:sp>
+            <p:nvSpPr>
+              <p:cNvPr id="2" name="Title 1">
+                <a:extLst>
+                  <a:ext uri="{FF2B5EF4-FFF2-40B4-BE49-F238E27FC236}">
+                    <a16:creationId xmlns:a16="http://schemas.microsoft.com/office/drawing/2014/main" id="{BDC2CAD1-5F0F-A3E7-7271-0D2E73426F61}"/>
+                  </a:ext>
+                </a:extLst>
+              </p:cNvPr>
+              <p:cNvSpPr>
+                <a:spLocks noGrp="1"/>
+              </p:cNvSpPr>
+              <p:nvPr>
+                <p:ph type="title"/>
+              </p:nvPr>
+            </p:nvSpPr>
+            <p:spPr/>
+            <p:txBody>
+              <a:bodyPr/>
+              <a:lstStyle/>
+              <a:p>
+                <a14:m>
+                  <m:oMath xmlns:m="http://schemas.openxmlformats.org/officeDocument/2006/math">
+                    <m:r>
+                      <a:rPr lang="en-US" altLang="ko-KR" b="0" i="1" smtClean="0">
+                        <a:latin typeface="Cambria Math" panose="02040503050406030204" pitchFamily="18" charset="0"/>
+                      </a:rPr>
+                      <m:t>𝑂</m:t>
+                    </m:r>
+                    <m:d>
+                      <m:dPr>
+                        <m:ctrlPr>
+                          <a:rPr lang="en-US" altLang="ko-KR" b="0" i="1" smtClean="0">
+                            <a:latin typeface="Cambria Math" panose="02040503050406030204" pitchFamily="18" charset="0"/>
+                          </a:rPr>
+                        </m:ctrlPr>
+                      </m:dPr>
+                      <m:e>
+                        <m:r>
+                          <a:rPr lang="en-US" altLang="ko-KR" b="0" i="1" smtClean="0">
+                            <a:latin typeface="Cambria Math" panose="02040503050406030204" pitchFamily="18" charset="0"/>
+                          </a:rPr>
+                          <m:t>𝑛</m:t>
+                        </m:r>
+                        <m:r>
+                          <a:rPr lang="en-US" altLang="ko-KR" b="0" i="1" smtClean="0">
+                            <a:latin typeface="Cambria Math" panose="02040503050406030204" pitchFamily="18" charset="0"/>
+                          </a:rPr>
+                          <m:t>=0, ∞</m:t>
+                        </m:r>
+                      </m:e>
+                    </m:d>
+                  </m:oMath>
+                </a14:m>
+                <a:r>
+                  <a:rPr lang="ko-KR" altLang="en-US" dirty="0"/>
+                  <a:t> </a:t>
+                </a:r>
+                <a:r>
+                  <a:rPr lang="en-US" altLang="ko-KR" dirty="0"/>
+                  <a:t>model at </a:t>
+                </a:r>
+                <a14:m>
+                  <m:oMath xmlns:m="http://schemas.openxmlformats.org/officeDocument/2006/math">
+                    <m:r>
+                      <a:rPr lang="en-US" altLang="ko-KR" b="0" i="1" smtClean="0">
+                        <a:latin typeface="Cambria Math" panose="02040503050406030204" pitchFamily="18" charset="0"/>
+                      </a:rPr>
+                      <m:t>𝑑</m:t>
+                    </m:r>
+                    <m:r>
+                      <a:rPr lang="en-US" altLang="ko-KR" b="0" i="1" smtClean="0">
+                        <a:latin typeface="Cambria Math" panose="02040503050406030204" pitchFamily="18" charset="0"/>
+                      </a:rPr>
+                      <m:t>=3</m:t>
+                    </m:r>
+                  </m:oMath>
+                </a14:m>
+                <a:endParaRPr lang="ko-KR" altLang="en-US" dirty="0"/>
+              </a:p>
+            </p:txBody>
+          </p:sp>
+        </mc:Choice>
+        <mc:Fallback xmlns="">
+          <p:sp>
+            <p:nvSpPr>
+              <p:cNvPr id="2" name="Title 1">
+                <a:extLst>
+                  <a:ext uri="{FF2B5EF4-FFF2-40B4-BE49-F238E27FC236}">
+                    <a16:creationId xmlns:a16="http://schemas.microsoft.com/office/drawing/2014/main" id="{BDC2CAD1-5F0F-A3E7-7271-0D2E73426F61}"/>
+                  </a:ext>
+                </a:extLst>
+              </p:cNvPr>
+              <p:cNvSpPr>
+                <a:spLocks noGrp="1" noRot="1" noChangeAspect="1" noMove="1" noResize="1" noEditPoints="1" noAdjustHandles="1" noChangeArrowheads="1" noChangeShapeType="1" noTextEdit="1"/>
+              </p:cNvSpPr>
+              <p:nvPr>
+                <p:ph type="title"/>
+              </p:nvPr>
+            </p:nvSpPr>
+            <p:spPr>
+              <a:blipFill>
+                <a:blip r:embed="rId2"/>
+                <a:stretch>
+                  <a:fillRect/>
+                </a:stretch>
+              </a:blipFill>
+            </p:spPr>
+            <p:txBody>
+              <a:bodyPr/>
+              <a:lstStyle/>
+              <a:p>
+                <a:r>
+                  <a:rPr lang="ko-KR" altLang="en-US">
+                    <a:noFill/>
+                  </a:rPr>
+                  <a:t> </a:t>
+                </a:r>
+              </a:p>
+            </p:txBody>
+          </p:sp>
+        </mc:Fallback>
+      </mc:AlternateContent>
+      <mc:AlternateContent xmlns:mc="http://schemas.openxmlformats.org/markup-compatibility/2006" xmlns:a14="http://schemas.microsoft.com/office/drawing/2010/main">
+        <mc:Choice Requires="a14">
+          <p:graphicFrame>
+            <p:nvGraphicFramePr>
+              <p:cNvPr id="5" name="Table 5">
+                <a:extLst>
+                  <a:ext uri="{FF2B5EF4-FFF2-40B4-BE49-F238E27FC236}">
+                    <a16:creationId xmlns:a16="http://schemas.microsoft.com/office/drawing/2014/main" id="{A679695A-C065-7D2C-79A5-06E0451101AD}"/>
+                  </a:ext>
+                </a:extLst>
+              </p:cNvPr>
+              <p:cNvGraphicFramePr>
+                <a:graphicFrameLocks noGrp="1"/>
+              </p:cNvGraphicFramePr>
+              <p:nvPr>
+                <p:extLst>
+                  <p:ext uri="{D42A27DB-BD31-4B8C-83A1-F6EECF244321}">
+                    <p14:modId xmlns:p14="http://schemas.microsoft.com/office/powerpoint/2010/main" val="1972436347"/>
+                  </p:ext>
+                </p:extLst>
+              </p:nvPr>
+            </p:nvGraphicFramePr>
+            <p:xfrm>
+              <a:off x="838200" y="1874389"/>
+              <a:ext cx="10515600" cy="4500880"/>
+            </p:xfrm>
+            <a:graphic>
+              <a:graphicData uri="http://schemas.openxmlformats.org/drawingml/2006/table">
+                <a:tbl>
+                  <a:tblPr firstRow="1" bandRow="1">
+                    <a:tableStyleId>{793D81CF-94F2-401A-BA57-92F5A7B2D0C5}</a:tableStyleId>
+                  </a:tblPr>
+                  <a:tblGrid>
+                    <a:gridCol w="2628900">
+                      <a:extLst>
+                        <a:ext uri="{9D8B030D-6E8A-4147-A177-3AD203B41FA5}">
+                          <a16:colId xmlns:a16="http://schemas.microsoft.com/office/drawing/2014/main" val="817749264"/>
+                        </a:ext>
+                      </a:extLst>
+                    </a:gridCol>
+                    <a:gridCol w="2628900">
+                      <a:extLst>
+                        <a:ext uri="{9D8B030D-6E8A-4147-A177-3AD203B41FA5}">
+                          <a16:colId xmlns:a16="http://schemas.microsoft.com/office/drawing/2014/main" val="1391012440"/>
+                        </a:ext>
+                      </a:extLst>
+                    </a:gridCol>
+                    <a:gridCol w="2628900">
+                      <a:extLst>
+                        <a:ext uri="{9D8B030D-6E8A-4147-A177-3AD203B41FA5}">
+                          <a16:colId xmlns:a16="http://schemas.microsoft.com/office/drawing/2014/main" val="2109227712"/>
+                        </a:ext>
+                      </a:extLst>
+                    </a:gridCol>
+                    <a:gridCol w="2628900">
+                      <a:extLst>
+                        <a:ext uri="{9D8B030D-6E8A-4147-A177-3AD203B41FA5}">
+                          <a16:colId xmlns:a16="http://schemas.microsoft.com/office/drawing/2014/main" val="800062085"/>
+                        </a:ext>
+                      </a:extLst>
+                    </a:gridCol>
+                  </a:tblGrid>
+                  <a:tr h="370840">
+                    <a:tc>
+                      <a:txBody>
+                        <a:bodyPr/>
+                        <a:lstStyle/>
+                        <a:p>
+                          <a:pPr algn="ctr" latinLnBrk="1"/>
+                          <a:r>
+                            <a:rPr lang="en-US" altLang="ko-KR" dirty="0"/>
+                            <a:t>Scaling dimensions and </a:t>
+                          </a:r>
+                        </a:p>
+                        <a:p>
+                          <a:pPr algn="ctr" latinLnBrk="1"/>
+                          <a:r>
+                            <a:rPr lang="en-US" altLang="ko-KR" dirty="0"/>
+                            <a:t>Critical exponents</a:t>
+                          </a:r>
+                          <a:endParaRPr lang="ko-KR" altLang="en-US" dirty="0"/>
+                        </a:p>
+                      </a:txBody>
+                      <a:tcPr anchor="ctr"/>
+                    </a:tc>
+                    <a:tc>
+                      <a:txBody>
+                        <a:bodyPr/>
+                        <a:lstStyle/>
+                        <a:p>
+                          <a:pPr algn="ctr" latinLnBrk="1"/>
+                          <a14:m>
+                            <m:oMathPara xmlns:m="http://schemas.openxmlformats.org/officeDocument/2006/math">
+                              <m:oMathParaPr>
+                                <m:jc m:val="centerGroup"/>
+                              </m:oMathParaPr>
+                              <m:oMath xmlns:m="http://schemas.openxmlformats.org/officeDocument/2006/math">
+                                <m:r>
+                                  <a:rPr lang="en-US" altLang="ko-KR" b="1" i="1" smtClean="0">
+                                    <a:latin typeface="Cambria Math" panose="02040503050406030204" pitchFamily="18" charset="0"/>
+                                  </a:rPr>
+                                  <m:t>𝜺</m:t>
+                                </m:r>
+                                <m:r>
+                                  <a:rPr lang="en-US" altLang="ko-KR" b="1" i="1" smtClean="0">
+                                    <a:latin typeface="Cambria Math" panose="02040503050406030204" pitchFamily="18" charset="0"/>
+                                  </a:rPr>
+                                  <m:t>=</m:t>
+                                </m:r>
+                                <m:r>
+                                  <a:rPr lang="en-US" altLang="ko-KR" b="1" i="1" smtClean="0">
+                                    <a:latin typeface="Cambria Math" panose="02040503050406030204" pitchFamily="18" charset="0"/>
+                                  </a:rPr>
+                                  <m:t>𝟏</m:t>
+                                </m:r>
+                                <m:r>
+                                  <a:rPr lang="en-US" altLang="ko-KR" b="1" i="1" smtClean="0">
+                                    <a:latin typeface="Cambria Math" panose="02040503050406030204" pitchFamily="18" charset="0"/>
+                                  </a:rPr>
+                                  <m:t>↔</m:t>
+                                </m:r>
+                                <m:r>
+                                  <a:rPr lang="en-US" altLang="ko-KR" b="1" i="1" smtClean="0">
+                                    <a:latin typeface="Cambria Math" panose="02040503050406030204" pitchFamily="18" charset="0"/>
+                                  </a:rPr>
+                                  <m:t>𝒅</m:t>
+                                </m:r>
+                                <m:r>
+                                  <a:rPr lang="en-US" altLang="ko-KR" b="1" i="1" smtClean="0">
+                                    <a:latin typeface="Cambria Math" panose="02040503050406030204" pitchFamily="18" charset="0"/>
+                                  </a:rPr>
+                                  <m:t>=</m:t>
+                                </m:r>
+                                <m:r>
+                                  <a:rPr lang="en-US" altLang="ko-KR" b="1" i="1" smtClean="0">
+                                    <a:latin typeface="Cambria Math" panose="02040503050406030204" pitchFamily="18" charset="0"/>
+                                  </a:rPr>
+                                  <m:t>𝟑</m:t>
+                                </m:r>
+                              </m:oMath>
+                            </m:oMathPara>
+                          </a14:m>
+                          <a:endParaRPr lang="en-US" altLang="ko-KR" b="1" dirty="0"/>
+                        </a:p>
+                        <a:p>
+                          <a:pPr algn="ctr" latinLnBrk="1"/>
+                          <a14:m>
+                            <m:oMath xmlns:m="http://schemas.openxmlformats.org/officeDocument/2006/math">
+                              <m:r>
+                                <a:rPr lang="en-US" altLang="ko-KR" b="1" i="1" smtClean="0">
+                                  <a:latin typeface="Cambria Math" panose="02040503050406030204" pitchFamily="18" charset="0"/>
+                                </a:rPr>
+                                <m:t>𝑶</m:t>
+                              </m:r>
+                              <m:d>
+                                <m:dPr>
+                                  <m:ctrlPr>
+                                    <a:rPr lang="en-US" altLang="ko-KR" b="1" i="1" smtClean="0">
+                                      <a:latin typeface="Cambria Math" panose="02040503050406030204" pitchFamily="18" charset="0"/>
+                                    </a:rPr>
+                                  </m:ctrlPr>
+                                </m:dPr>
+                                <m:e>
+                                  <m:r>
+                                    <a:rPr lang="en-US" altLang="ko-KR" b="1" i="1" smtClean="0">
+                                      <a:latin typeface="Cambria Math" panose="02040503050406030204" pitchFamily="18" charset="0"/>
+                                    </a:rPr>
+                                    <m:t>𝒏</m:t>
+                                  </m:r>
+                                </m:e>
+                              </m:d>
+                            </m:oMath>
+                          </a14:m>
+                          <a:r>
+                            <a:rPr lang="ko-KR" altLang="en-US" dirty="0"/>
+                            <a:t> </a:t>
+                          </a:r>
+                          <a:r>
+                            <a:rPr lang="en-US" altLang="ko-KR" dirty="0"/>
+                            <a:t>model at </a:t>
+                          </a:r>
+                          <a14:m>
+                            <m:oMath xmlns:m="http://schemas.openxmlformats.org/officeDocument/2006/math">
+                              <m:r>
+                                <a:rPr lang="en-US" altLang="ko-KR" b="1" i="1" smtClean="0">
+                                  <a:latin typeface="Cambria Math" panose="02040503050406030204" pitchFamily="18" charset="0"/>
+                                </a:rPr>
+                                <m:t>𝒏</m:t>
+                              </m:r>
+                              <m:r>
+                                <a:rPr lang="en-US" altLang="ko-KR" b="1" i="1" smtClean="0">
+                                  <a:latin typeface="Cambria Math" panose="02040503050406030204" pitchFamily="18" charset="0"/>
+                                </a:rPr>
+                                <m:t>=</m:t>
+                              </m:r>
+                              <m:r>
+                                <a:rPr lang="en-US" altLang="ko-KR" b="1" i="1" smtClean="0">
+                                  <a:latin typeface="Cambria Math" panose="02040503050406030204" pitchFamily="18" charset="0"/>
+                                </a:rPr>
+                                <m:t>𝟎</m:t>
+                              </m:r>
+                            </m:oMath>
+                          </a14:m>
+                          <a:endParaRPr lang="ko-KR" altLang="en-US" dirty="0"/>
+                        </a:p>
+                      </a:txBody>
+                      <a:tcPr anchor="ctr"/>
+                    </a:tc>
+                    <a:tc>
+                      <a:txBody>
+                        <a:bodyPr/>
+                        <a:lstStyle/>
+                        <a:p>
+                          <a:pPr algn="ctr" latinLnBrk="1"/>
+                          <a14:m>
+                            <m:oMathPara xmlns:m="http://schemas.openxmlformats.org/officeDocument/2006/math">
+                              <m:oMathParaPr>
+                                <m:jc m:val="centerGroup"/>
+                              </m:oMathParaPr>
+                              <m:oMath xmlns:m="http://schemas.openxmlformats.org/officeDocument/2006/math">
+                                <m:r>
+                                  <a:rPr lang="en-US" altLang="ko-KR" b="1" i="1" smtClean="0">
+                                    <a:latin typeface="Cambria Math" panose="02040503050406030204" pitchFamily="18" charset="0"/>
+                                  </a:rPr>
+                                  <m:t>𝜺</m:t>
+                                </m:r>
+                                <m:r>
+                                  <a:rPr lang="en-US" altLang="ko-KR" b="1" i="1" smtClean="0">
+                                    <a:latin typeface="Cambria Math" panose="02040503050406030204" pitchFamily="18" charset="0"/>
+                                  </a:rPr>
+                                  <m:t>=</m:t>
+                                </m:r>
+                                <m:r>
+                                  <a:rPr lang="en-US" altLang="ko-KR" b="1" i="1" smtClean="0">
+                                    <a:latin typeface="Cambria Math" panose="02040503050406030204" pitchFamily="18" charset="0"/>
+                                  </a:rPr>
+                                  <m:t>𝟏</m:t>
+                                </m:r>
+                                <m:r>
+                                  <a:rPr lang="en-US" altLang="ko-KR" b="1" i="1" smtClean="0">
+                                    <a:latin typeface="Cambria Math" panose="02040503050406030204" pitchFamily="18" charset="0"/>
+                                  </a:rPr>
+                                  <m:t>↔</m:t>
+                                </m:r>
+                                <m:r>
+                                  <a:rPr lang="en-US" altLang="ko-KR" b="1" i="1" smtClean="0">
+                                    <a:latin typeface="Cambria Math" panose="02040503050406030204" pitchFamily="18" charset="0"/>
+                                  </a:rPr>
+                                  <m:t>𝒅</m:t>
+                                </m:r>
+                                <m:r>
+                                  <a:rPr lang="en-US" altLang="ko-KR" b="1" i="1" smtClean="0">
+                                    <a:latin typeface="Cambria Math" panose="02040503050406030204" pitchFamily="18" charset="0"/>
+                                  </a:rPr>
+                                  <m:t>=</m:t>
+                                </m:r>
+                                <m:r>
+                                  <a:rPr lang="en-US" altLang="ko-KR" b="1" i="1" smtClean="0">
+                                    <a:latin typeface="Cambria Math" panose="02040503050406030204" pitchFamily="18" charset="0"/>
+                                  </a:rPr>
+                                  <m:t>𝟑</m:t>
+                                </m:r>
+                              </m:oMath>
+                            </m:oMathPara>
+                          </a14:m>
+                          <a:endParaRPr lang="en-US" altLang="ko-KR" b="1" dirty="0"/>
+                        </a:p>
+                        <a:p>
+                          <a:pPr algn="ctr" latinLnBrk="1"/>
+                          <a14:m>
+                            <m:oMath xmlns:m="http://schemas.openxmlformats.org/officeDocument/2006/math">
+                              <m:r>
+                                <a:rPr lang="en-US" altLang="ko-KR" b="1" i="1" smtClean="0">
+                                  <a:latin typeface="Cambria Math" panose="02040503050406030204" pitchFamily="18" charset="0"/>
+                                </a:rPr>
+                                <m:t>𝑶</m:t>
+                              </m:r>
+                              <m:d>
+                                <m:dPr>
+                                  <m:ctrlPr>
+                                    <a:rPr lang="en-US" altLang="ko-KR" b="1" i="1" smtClean="0">
+                                      <a:latin typeface="Cambria Math" panose="02040503050406030204" pitchFamily="18" charset="0"/>
+                                    </a:rPr>
+                                  </m:ctrlPr>
+                                </m:dPr>
+                                <m:e>
+                                  <m:r>
+                                    <a:rPr lang="en-US" altLang="ko-KR" b="1" i="1" smtClean="0">
+                                      <a:latin typeface="Cambria Math" panose="02040503050406030204" pitchFamily="18" charset="0"/>
+                                    </a:rPr>
+                                    <m:t>𝒏</m:t>
+                                  </m:r>
+                                </m:e>
+                              </m:d>
+                            </m:oMath>
+                          </a14:m>
+                          <a:r>
+                            <a:rPr lang="ko-KR" altLang="en-US" dirty="0"/>
+                            <a:t> </a:t>
+                          </a:r>
+                          <a:r>
+                            <a:rPr lang="en-US" altLang="ko-KR" dirty="0"/>
+                            <a:t>model at </a:t>
+                          </a:r>
+                          <a14:m>
+                            <m:oMath xmlns:m="http://schemas.openxmlformats.org/officeDocument/2006/math">
+                              <m:r>
+                                <a:rPr lang="en-US" altLang="ko-KR" b="1" i="1" smtClean="0">
+                                  <a:latin typeface="Cambria Math" panose="02040503050406030204" pitchFamily="18" charset="0"/>
+                                </a:rPr>
+                                <m:t>𝒏</m:t>
+                              </m:r>
+                              <m:r>
+                                <a:rPr lang="en-US" altLang="ko-KR" b="1" i="1" smtClean="0">
+                                  <a:latin typeface="Cambria Math" panose="02040503050406030204" pitchFamily="18" charset="0"/>
+                                </a:rPr>
+                                <m:t>=∞</m:t>
+                              </m:r>
+                            </m:oMath>
+                          </a14:m>
+                          <a:endParaRPr lang="ko-KR" altLang="en-US" dirty="0"/>
+                        </a:p>
+                      </a:txBody>
+                      <a:tcPr anchor="ctr"/>
+                    </a:tc>
+                    <a:tc>
+                      <a:txBody>
+                        <a:bodyPr/>
+                        <a:lstStyle/>
+                        <a:p>
+                          <a:pPr algn="ctr" latinLnBrk="1"/>
+                          <a14:m>
+                            <m:oMath xmlns:m="http://schemas.openxmlformats.org/officeDocument/2006/math">
+                              <m:r>
+                                <a:rPr lang="en-US" altLang="ko-KR" b="1" i="1" smtClean="0">
+                                  <a:latin typeface="Cambria Math" panose="02040503050406030204" pitchFamily="18" charset="0"/>
+                                </a:rPr>
+                                <m:t>𝑶</m:t>
+                              </m:r>
+                              <m:d>
+                                <m:dPr>
+                                  <m:ctrlPr>
+                                    <a:rPr lang="en-US" altLang="ko-KR" b="1" i="1" smtClean="0">
+                                      <a:latin typeface="Cambria Math" panose="02040503050406030204" pitchFamily="18" charset="0"/>
+                                    </a:rPr>
+                                  </m:ctrlPr>
+                                </m:dPr>
+                                <m:e>
+                                  <m:r>
+                                    <a:rPr lang="en-US" altLang="ko-KR" b="1" i="1" smtClean="0">
+                                      <a:latin typeface="Cambria Math" panose="02040503050406030204" pitchFamily="18" charset="0"/>
+                                    </a:rPr>
+                                    <m:t>𝒏</m:t>
+                                  </m:r>
+                                </m:e>
+                              </m:d>
+                            </m:oMath>
+                          </a14:m>
+                          <a:r>
+                            <a:rPr lang="ko-KR" altLang="en-US" dirty="0"/>
+                            <a:t> </a:t>
+                          </a:r>
+                          <a:r>
+                            <a:rPr lang="en-US" altLang="ko-KR" dirty="0"/>
+                            <a:t>model at </a:t>
+                          </a:r>
+                          <a14:m>
+                            <m:oMath xmlns:m="http://schemas.openxmlformats.org/officeDocument/2006/math">
+                              <m:r>
+                                <a:rPr lang="en-US" altLang="ko-KR" b="1" i="1" smtClean="0">
+                                  <a:latin typeface="Cambria Math" panose="02040503050406030204" pitchFamily="18" charset="0"/>
+                                </a:rPr>
+                                <m:t>𝒏</m:t>
+                              </m:r>
+                              <m:r>
+                                <a:rPr lang="en-US" altLang="ko-KR" b="1" i="1" smtClean="0">
+                                  <a:latin typeface="Cambria Math" panose="02040503050406030204" pitchFamily="18" charset="0"/>
+                                </a:rPr>
+                                <m:t>=∞</m:t>
+                              </m:r>
+                            </m:oMath>
+                          </a14:m>
+                          <a:endParaRPr lang="en-US" altLang="ko-KR" dirty="0"/>
+                        </a:p>
+                        <a:p>
+                          <a:pPr algn="ctr" latinLnBrk="1"/>
+                          <a:r>
+                            <a:rPr lang="en-US" altLang="ko-KR" dirty="0"/>
+                            <a:t>Spherical model</a:t>
+                          </a:r>
+                          <a:endParaRPr lang="ko-KR" altLang="en-US" dirty="0"/>
+                        </a:p>
+                      </a:txBody>
+                      <a:tcPr anchor="ctr"/>
+                    </a:tc>
+                    <a:extLst>
+                      <a:ext uri="{0D108BD9-81ED-4DB2-BD59-A6C34878D82A}">
+                        <a16:rowId xmlns:a16="http://schemas.microsoft.com/office/drawing/2014/main" val="105785113"/>
+                      </a:ext>
+                    </a:extLst>
+                  </a:tr>
+                  <a:tr h="370840">
+                    <a:tc>
+                      <a:txBody>
+                        <a:bodyPr/>
+                        <a:lstStyle/>
+                        <a:p>
+                          <a:pPr algn="ctr" latinLnBrk="1"/>
+                          <a14:m>
+                            <m:oMathPara xmlns:m="http://schemas.openxmlformats.org/officeDocument/2006/math">
+                              <m:oMathParaPr>
+                                <m:jc m:val="centerGroup"/>
+                              </m:oMathParaPr>
+                              <m:oMath xmlns:m="http://schemas.openxmlformats.org/officeDocument/2006/math">
+                                <m:sSub>
+                                  <m:sSubPr>
+                                    <m:ctrlPr>
+                                      <a:rPr lang="en-US" altLang="ko-KR" b="1" i="1" smtClean="0">
+                                        <a:latin typeface="Cambria Math" panose="02040503050406030204" pitchFamily="18" charset="0"/>
+                                      </a:rPr>
+                                    </m:ctrlPr>
+                                  </m:sSubPr>
+                                  <m:e>
+                                    <m:r>
+                                      <a:rPr lang="en-US" altLang="ko-KR" b="1" i="0" smtClean="0">
+                                        <a:latin typeface="Cambria Math" panose="02040503050406030204" pitchFamily="18" charset="0"/>
+                                      </a:rPr>
+                                      <m:t>𝚫</m:t>
+                                    </m:r>
+                                  </m:e>
+                                  <m:sub>
+                                    <m:r>
+                                      <a:rPr lang="en-US" altLang="ko-KR" b="1" i="1" smtClean="0">
+                                        <a:latin typeface="Cambria Math" panose="02040503050406030204" pitchFamily="18" charset="0"/>
+                                      </a:rPr>
+                                      <m:t>𝓽</m:t>
+                                    </m:r>
+                                  </m:sub>
+                                </m:sSub>
+                              </m:oMath>
+                            </m:oMathPara>
+                          </a14:m>
+                          <a:endParaRPr lang="ko-KR" altLang="en-US" b="1" i="1" dirty="0"/>
+                        </a:p>
+                      </a:txBody>
+                      <a:tcPr anchor="ctr"/>
+                    </a:tc>
+                    <a:tc>
+                      <a:txBody>
+                        <a:bodyPr/>
+                        <a:lstStyle/>
+                        <a:p>
+                          <a:pPr algn="ctr" latinLnBrk="1"/>
+                          <a14:m>
+                            <m:oMathPara xmlns:m="http://schemas.openxmlformats.org/officeDocument/2006/math">
+                              <m:oMathParaPr>
+                                <m:jc m:val="centerGroup"/>
+                              </m:oMathParaPr>
+                              <m:oMath xmlns:m="http://schemas.openxmlformats.org/officeDocument/2006/math">
+                                <m:f>
+                                  <m:fPr>
+                                    <m:type m:val="lin"/>
+                                    <m:ctrlPr>
+                                      <a:rPr kumimoji="0" lang="ko-KR" altLang="en-US" sz="1800" b="0" i="1" u="none" strike="noStrike" kern="1200" cap="none" spc="0" normalizeH="0" baseline="0" noProof="0" smtClean="0">
+                                        <a:ln>
+                                          <a:noFill/>
+                                        </a:ln>
+                                        <a:solidFill>
+                                          <a:prstClr val="black"/>
+                                        </a:solidFill>
+                                        <a:effectLst/>
+                                        <a:uLnTx/>
+                                        <a:uFillTx/>
+                                        <a:latin typeface="Cambria Math" panose="02040503050406030204" pitchFamily="18" charset="0"/>
+                                        <a:cs typeface="+mn-cs"/>
+                                      </a:rPr>
+                                    </m:ctrlPr>
+                                  </m:fPr>
+                                  <m:num>
+                                    <m:r>
+                                      <a:rPr kumimoji="0" lang="en-US" altLang="ko-KR" sz="1800" b="0" i="1" u="none" strike="noStrike" kern="1200" cap="none" spc="0" normalizeH="0" baseline="0" noProof="0" smtClean="0">
+                                        <a:ln>
+                                          <a:noFill/>
+                                        </a:ln>
+                                        <a:solidFill>
+                                          <a:prstClr val="black"/>
+                                        </a:solidFill>
+                                        <a:effectLst/>
+                                        <a:uLnTx/>
+                                        <a:uFillTx/>
+                                        <a:latin typeface="Cambria Math" panose="02040503050406030204" pitchFamily="18" charset="0"/>
+                                        <a:cs typeface="+mn-cs"/>
+                                      </a:rPr>
+                                      <m:t>213</m:t>
+                                    </m:r>
+                                  </m:num>
+                                  <m:den>
+                                    <m:r>
+                                      <a:rPr kumimoji="0" lang="en-US" altLang="ko-KR" sz="1800" b="0" i="1" u="none" strike="noStrike" kern="1200" cap="none" spc="0" normalizeH="0" baseline="0" noProof="0" smtClean="0">
+                                        <a:ln>
+                                          <a:noFill/>
+                                        </a:ln>
+                                        <a:solidFill>
+                                          <a:prstClr val="black"/>
+                                        </a:solidFill>
+                                        <a:effectLst/>
+                                        <a:uLnTx/>
+                                        <a:uFillTx/>
+                                        <a:latin typeface="Cambria Math" panose="02040503050406030204" pitchFamily="18" charset="0"/>
+                                        <a:cs typeface="+mn-cs"/>
+                                      </a:rPr>
+                                      <m:t>128</m:t>
+                                    </m:r>
+                                  </m:den>
+                                </m:f>
+                                <m:r>
+                                  <a:rPr kumimoji="0" lang="en-US" altLang="ko-KR" sz="1800" b="0" i="1" u="none" strike="noStrike" kern="1200" cap="none" spc="0" normalizeH="0" baseline="0" noProof="0" smtClean="0">
+                                    <a:ln>
+                                      <a:noFill/>
+                                    </a:ln>
+                                    <a:solidFill>
+                                      <a:prstClr val="black"/>
+                                    </a:solidFill>
+                                    <a:effectLst/>
+                                    <a:uLnTx/>
+                                    <a:uFillTx/>
+                                    <a:latin typeface="Cambria Math" panose="02040503050406030204" pitchFamily="18" charset="0"/>
+                                    <a:cs typeface="+mn-cs"/>
+                                  </a:rPr>
+                                  <m:t>=1.664</m:t>
+                                </m:r>
+                              </m:oMath>
+                            </m:oMathPara>
+                          </a14:m>
+                          <a:endParaRPr lang="ko-KR" altLang="en-US" dirty="0"/>
+                        </a:p>
+                      </a:txBody>
+                      <a:tcPr/>
+                    </a:tc>
+                    <a:tc>
+                      <a:txBody>
+                        <a:bodyPr/>
+                        <a:lstStyle/>
+                        <a:p>
+                          <a:pPr algn="ctr" latinLnBrk="1"/>
+                          <a14:m>
+                            <m:oMathPara xmlns:m="http://schemas.openxmlformats.org/officeDocument/2006/math">
+                              <m:oMathParaPr>
+                                <m:jc m:val="centerGroup"/>
+                              </m:oMathParaPr>
+                              <m:oMath xmlns:m="http://schemas.openxmlformats.org/officeDocument/2006/math">
+                                <m:r>
+                                  <a:rPr kumimoji="0" lang="en-US" altLang="ko-KR" sz="1800" b="0" i="1" u="none" strike="noStrike" kern="1200" cap="none" spc="0" normalizeH="0" baseline="0" noProof="0" smtClean="0">
+                                    <a:ln>
+                                      <a:noFill/>
+                                    </a:ln>
+                                    <a:solidFill>
+                                      <a:prstClr val="black"/>
+                                    </a:solidFill>
+                                    <a:effectLst/>
+                                    <a:uLnTx/>
+                                    <a:uFillTx/>
+                                    <a:latin typeface="Cambria Math" panose="02040503050406030204" pitchFamily="18" charset="0"/>
+                                    <a:cs typeface="+mn-cs"/>
+                                  </a:rPr>
+                                  <m:t>1</m:t>
+                                </m:r>
+                              </m:oMath>
+                            </m:oMathPara>
+                          </a14:m>
+                          <a:endParaRPr lang="ko-KR" altLang="en-US" dirty="0"/>
+                        </a:p>
+                      </a:txBody>
+                      <a:tcPr/>
+                    </a:tc>
+                    <a:tc>
+                      <a:txBody>
+                        <a:bodyPr/>
+                        <a:lstStyle/>
+                        <a:p>
+                          <a:pPr algn="ctr" latinLnBrk="1"/>
+                          <a14:m>
+                            <m:oMathPara xmlns:m="http://schemas.openxmlformats.org/officeDocument/2006/math">
+                              <m:oMathParaPr>
+                                <m:jc m:val="centerGroup"/>
+                              </m:oMathParaPr>
+                              <m:oMath xmlns:m="http://schemas.openxmlformats.org/officeDocument/2006/math">
+                                <m:r>
+                                  <a:rPr lang="en-US" altLang="ko-KR" b="0" i="1" smtClean="0">
+                                    <a:latin typeface="Cambria Math" panose="02040503050406030204" pitchFamily="18" charset="0"/>
+                                  </a:rPr>
+                                  <m:t>𝑑</m:t>
+                                </m:r>
+                                <m:r>
+                                  <a:rPr lang="en-US" altLang="ko-KR" b="0" i="1" smtClean="0">
+                                    <a:latin typeface="Cambria Math" panose="02040503050406030204" pitchFamily="18" charset="0"/>
+                                  </a:rPr>
+                                  <m:t>−2</m:t>
+                                </m:r>
+                              </m:oMath>
+                            </m:oMathPara>
+                          </a14:m>
+                          <a:endParaRPr lang="ko-KR" altLang="en-US" dirty="0"/>
+                        </a:p>
+                      </a:txBody>
+                      <a:tcPr/>
+                    </a:tc>
+                    <a:extLst>
+                      <a:ext uri="{0D108BD9-81ED-4DB2-BD59-A6C34878D82A}">
+                        <a16:rowId xmlns:a16="http://schemas.microsoft.com/office/drawing/2014/main" val="716123568"/>
+                      </a:ext>
+                    </a:extLst>
+                  </a:tr>
+                  <a:tr h="370840">
+                    <a:tc>
+                      <a:txBody>
+                        <a:bodyPr/>
+                        <a:lstStyle/>
+                        <a:p>
+                          <a:pPr algn="ctr" latinLnBrk="1"/>
+                          <a14:m>
+                            <m:oMathPara xmlns:m="http://schemas.openxmlformats.org/officeDocument/2006/math">
+                              <m:oMathParaPr>
+                                <m:jc m:val="centerGroup"/>
+                              </m:oMathParaPr>
+                              <m:oMath xmlns:m="http://schemas.openxmlformats.org/officeDocument/2006/math">
+                                <m:sSub>
+                                  <m:sSubPr>
+                                    <m:ctrlPr>
+                                      <a:rPr lang="en-US" altLang="ko-KR" b="1" i="1" smtClean="0">
+                                        <a:latin typeface="Cambria Math" panose="02040503050406030204" pitchFamily="18" charset="0"/>
+                                      </a:rPr>
+                                    </m:ctrlPr>
+                                  </m:sSubPr>
+                                  <m:e>
+                                    <m:r>
+                                      <a:rPr lang="en-US" altLang="ko-KR" b="1" i="0" smtClean="0">
+                                        <a:latin typeface="Cambria Math" panose="02040503050406030204" pitchFamily="18" charset="0"/>
+                                      </a:rPr>
+                                      <m:t>𝚫</m:t>
+                                    </m:r>
+                                  </m:e>
+                                  <m:sub>
+                                    <m:r>
+                                      <a:rPr lang="en-US" altLang="ko-KR" b="1" i="1" smtClean="0">
+                                        <a:latin typeface="Cambria Math" panose="02040503050406030204" pitchFamily="18" charset="0"/>
+                                      </a:rPr>
+                                      <m:t>𝓱</m:t>
+                                    </m:r>
+                                  </m:sub>
+                                </m:sSub>
+                              </m:oMath>
+                            </m:oMathPara>
+                          </a14:m>
+                          <a:endParaRPr lang="ko-KR" altLang="en-US" b="1" i="1" dirty="0"/>
+                        </a:p>
+                      </a:txBody>
+                      <a:tcPr anchor="ctr"/>
+                    </a:tc>
+                    <a:tc>
+                      <a:txBody>
+                        <a:bodyPr/>
+                        <a:lstStyle/>
+                        <a:p>
+                          <a:pPr algn="ctr" latinLnBrk="1"/>
+                          <a14:m>
+                            <m:oMathPara xmlns:m="http://schemas.openxmlformats.org/officeDocument/2006/math">
+                              <m:oMathParaPr>
+                                <m:jc m:val="centerGroup"/>
+                              </m:oMathParaPr>
+                              <m:oMath xmlns:m="http://schemas.openxmlformats.org/officeDocument/2006/math">
+                                <m:f>
+                                  <m:fPr>
+                                    <m:type m:val="lin"/>
+                                    <m:ctrlPr>
+                                      <a:rPr kumimoji="0" lang="ko-KR" altLang="en-US" sz="1800" b="0" i="1" u="none" strike="noStrike" kern="1200" cap="none" spc="0" normalizeH="0" baseline="0" noProof="0" smtClean="0">
+                                        <a:ln>
+                                          <a:noFill/>
+                                        </a:ln>
+                                        <a:solidFill>
+                                          <a:prstClr val="black"/>
+                                        </a:solidFill>
+                                        <a:effectLst/>
+                                        <a:uLnTx/>
+                                        <a:uFillTx/>
+                                        <a:latin typeface="Cambria Math" panose="02040503050406030204" pitchFamily="18" charset="0"/>
+                                        <a:cs typeface="+mn-cs"/>
+                                      </a:rPr>
+                                    </m:ctrlPr>
+                                  </m:fPr>
+                                  <m:num>
+                                    <m:r>
+                                      <a:rPr kumimoji="0" lang="en-US" altLang="ko-KR" sz="1800" b="0" i="1" u="none" strike="noStrike" kern="1200" cap="none" spc="0" normalizeH="0" baseline="0" noProof="0" smtClean="0">
+                                        <a:ln>
+                                          <a:noFill/>
+                                        </a:ln>
+                                        <a:solidFill>
+                                          <a:prstClr val="black"/>
+                                        </a:solidFill>
+                                        <a:effectLst/>
+                                        <a:uLnTx/>
+                                        <a:uFillTx/>
+                                        <a:latin typeface="Cambria Math" panose="02040503050406030204" pitchFamily="18" charset="0"/>
+                                        <a:cs typeface="+mn-cs"/>
+                                      </a:rPr>
+                                      <m:t>319</m:t>
+                                    </m:r>
+                                  </m:num>
+                                  <m:den>
+                                    <m:r>
+                                      <a:rPr kumimoji="0" lang="en-US" altLang="ko-KR" sz="1800" b="0" i="1" u="none" strike="noStrike" kern="1200" cap="none" spc="0" normalizeH="0" baseline="0" noProof="0" smtClean="0">
+                                        <a:ln>
+                                          <a:noFill/>
+                                        </a:ln>
+                                        <a:solidFill>
+                                          <a:prstClr val="black"/>
+                                        </a:solidFill>
+                                        <a:effectLst/>
+                                        <a:uLnTx/>
+                                        <a:uFillTx/>
+                                        <a:latin typeface="Cambria Math" panose="02040503050406030204" pitchFamily="18" charset="0"/>
+                                        <a:cs typeface="+mn-cs"/>
+                                      </a:rPr>
+                                      <m:t>128</m:t>
+                                    </m:r>
+                                  </m:den>
+                                </m:f>
+                                <m:r>
+                                  <a:rPr kumimoji="0" lang="en-US" altLang="ko-KR" sz="1800" b="0" i="1" u="none" strike="noStrike" kern="1200" cap="none" spc="0" normalizeH="0" baseline="0" noProof="0" smtClean="0">
+                                    <a:ln>
+                                      <a:noFill/>
+                                    </a:ln>
+                                    <a:solidFill>
+                                      <a:prstClr val="black"/>
+                                    </a:solidFill>
+                                    <a:effectLst/>
+                                    <a:uLnTx/>
+                                    <a:uFillTx/>
+                                    <a:latin typeface="Cambria Math" panose="02040503050406030204" pitchFamily="18" charset="0"/>
+                                    <a:cs typeface="+mn-cs"/>
+                                  </a:rPr>
+                                  <m:t>=2.492</m:t>
+                                </m:r>
+                              </m:oMath>
+                            </m:oMathPara>
+                          </a14:m>
+                          <a:endParaRPr lang="ko-KR" altLang="en-US" dirty="0"/>
+                        </a:p>
+                      </a:txBody>
+                      <a:tcPr/>
+                    </a:tc>
+                    <a:tc>
+                      <a:txBody>
+                        <a:bodyPr/>
+                        <a:lstStyle/>
+                        <a:p>
+                          <a:pPr algn="ctr" latinLnBrk="1"/>
+                          <a14:m>
+                            <m:oMathPara xmlns:m="http://schemas.openxmlformats.org/officeDocument/2006/math">
+                              <m:oMathParaPr>
+                                <m:jc m:val="centerGroup"/>
+                              </m:oMathParaPr>
+                              <m:oMath xmlns:m="http://schemas.openxmlformats.org/officeDocument/2006/math">
+                                <m:f>
+                                  <m:fPr>
+                                    <m:type m:val="lin"/>
+                                    <m:ctrlPr>
+                                      <a:rPr kumimoji="0" lang="ko-KR" altLang="en-US" sz="1800" b="0" i="1" u="none" strike="noStrike" kern="1200" cap="none" spc="0" normalizeH="0" baseline="0" noProof="0" smtClean="0">
+                                        <a:ln>
+                                          <a:noFill/>
+                                        </a:ln>
+                                        <a:solidFill>
+                                          <a:prstClr val="black"/>
+                                        </a:solidFill>
+                                        <a:effectLst/>
+                                        <a:uLnTx/>
+                                        <a:uFillTx/>
+                                        <a:latin typeface="Cambria Math" panose="02040503050406030204" pitchFamily="18" charset="0"/>
+                                        <a:cs typeface="+mn-cs"/>
+                                      </a:rPr>
+                                    </m:ctrlPr>
+                                  </m:fPr>
+                                  <m:num>
+                                    <m:r>
+                                      <a:rPr kumimoji="0" lang="en-US" altLang="ko-KR" sz="1800" b="0" i="1" u="none" strike="noStrike" kern="1200" cap="none" spc="0" normalizeH="0" baseline="0" noProof="0" smtClean="0">
+                                        <a:ln>
+                                          <a:noFill/>
+                                        </a:ln>
+                                        <a:solidFill>
+                                          <a:prstClr val="black"/>
+                                        </a:solidFill>
+                                        <a:effectLst/>
+                                        <a:uLnTx/>
+                                        <a:uFillTx/>
+                                        <a:latin typeface="Cambria Math" panose="02040503050406030204" pitchFamily="18" charset="0"/>
+                                        <a:cs typeface="+mn-cs"/>
+                                      </a:rPr>
+                                      <m:t>5</m:t>
+                                    </m:r>
+                                  </m:num>
+                                  <m:den>
+                                    <m:r>
+                                      <a:rPr kumimoji="0" lang="en-US" altLang="ko-KR" sz="1800" b="0" i="1" u="none" strike="noStrike" kern="1200" cap="none" spc="0" normalizeH="0" baseline="0" noProof="0" smtClean="0">
+                                        <a:ln>
+                                          <a:noFill/>
+                                        </a:ln>
+                                        <a:solidFill>
+                                          <a:prstClr val="black"/>
+                                        </a:solidFill>
+                                        <a:effectLst/>
+                                        <a:uLnTx/>
+                                        <a:uFillTx/>
+                                        <a:latin typeface="Cambria Math" panose="02040503050406030204" pitchFamily="18" charset="0"/>
+                                        <a:cs typeface="+mn-cs"/>
+                                      </a:rPr>
+                                      <m:t>2</m:t>
+                                    </m:r>
+                                  </m:den>
+                                </m:f>
+                              </m:oMath>
+                            </m:oMathPara>
+                          </a14:m>
+                          <a:endParaRPr lang="ko-KR" altLang="en-US" dirty="0"/>
+                        </a:p>
+                      </a:txBody>
+                      <a:tcPr/>
+                    </a:tc>
+                    <a:tc>
+                      <a:txBody>
+                        <a:bodyPr/>
+                        <a:lstStyle/>
+                        <a:p>
+                          <a:pPr algn="ctr" latinLnBrk="1"/>
+                          <a14:m>
+                            <m:oMathPara xmlns:m="http://schemas.openxmlformats.org/officeDocument/2006/math">
+                              <m:oMathParaPr>
+                                <m:jc m:val="centerGroup"/>
+                              </m:oMathParaPr>
+                              <m:oMath xmlns:m="http://schemas.openxmlformats.org/officeDocument/2006/math">
+                                <m:f>
+                                  <m:fPr>
+                                    <m:type m:val="lin"/>
+                                    <m:ctrlPr>
+                                      <a:rPr lang="ko-KR" altLang="en-US" i="1" smtClean="0">
+                                        <a:latin typeface="Cambria Math" panose="02040503050406030204" pitchFamily="18" charset="0"/>
+                                      </a:rPr>
+                                    </m:ctrlPr>
+                                  </m:fPr>
+                                  <m:num>
+                                    <m:d>
+                                      <m:dPr>
+                                        <m:ctrlPr>
+                                          <a:rPr lang="en-US" altLang="ko-KR" b="0" i="1" smtClean="0">
+                                            <a:latin typeface="Cambria Math" panose="02040503050406030204" pitchFamily="18" charset="0"/>
+                                          </a:rPr>
+                                        </m:ctrlPr>
+                                      </m:dPr>
+                                      <m:e>
+                                        <m:r>
+                                          <a:rPr lang="en-US" altLang="ko-KR" b="0" i="1" smtClean="0">
+                                            <a:latin typeface="Cambria Math" panose="02040503050406030204" pitchFamily="18" charset="0"/>
+                                          </a:rPr>
+                                          <m:t>𝑑</m:t>
+                                        </m:r>
+                                        <m:r>
+                                          <a:rPr lang="en-US" altLang="ko-KR" b="0" i="1" smtClean="0">
+                                            <a:latin typeface="Cambria Math" panose="02040503050406030204" pitchFamily="18" charset="0"/>
+                                          </a:rPr>
+                                          <m:t>+2</m:t>
+                                        </m:r>
+                                      </m:e>
+                                    </m:d>
+                                  </m:num>
+                                  <m:den>
+                                    <m:r>
+                                      <a:rPr lang="en-US" altLang="ko-KR" b="0" i="1" smtClean="0">
+                                        <a:latin typeface="Cambria Math" panose="02040503050406030204" pitchFamily="18" charset="0"/>
+                                      </a:rPr>
+                                      <m:t>2</m:t>
+                                    </m:r>
+                                  </m:den>
+                                </m:f>
+                              </m:oMath>
+                            </m:oMathPara>
+                          </a14:m>
+                          <a:endParaRPr lang="ko-KR" altLang="en-US" dirty="0"/>
+                        </a:p>
+                      </a:txBody>
+                      <a:tcPr/>
+                    </a:tc>
+                    <a:extLst>
+                      <a:ext uri="{0D108BD9-81ED-4DB2-BD59-A6C34878D82A}">
+                        <a16:rowId xmlns:a16="http://schemas.microsoft.com/office/drawing/2014/main" val="276304929"/>
+                      </a:ext>
+                    </a:extLst>
+                  </a:tr>
+                  <a:tr h="370840">
+                    <a:tc>
+                      <a:txBody>
+                        <a:bodyPr/>
+                        <a:lstStyle/>
+                        <a:p>
+                          <a:pPr algn="ctr" latinLnBrk="1"/>
+                          <a14:m>
+                            <m:oMathPara xmlns:m="http://schemas.openxmlformats.org/officeDocument/2006/math">
+                              <m:oMathParaPr>
+                                <m:jc m:val="centerGroup"/>
+                              </m:oMathParaPr>
+                              <m:oMath xmlns:m="http://schemas.openxmlformats.org/officeDocument/2006/math">
+                                <m:r>
+                                  <a:rPr lang="en-US" altLang="ko-KR" b="1" i="1" smtClean="0">
+                                    <a:latin typeface="Cambria Math" panose="02040503050406030204" pitchFamily="18" charset="0"/>
+                                  </a:rPr>
+                                  <m:t>𝒅</m:t>
+                                </m:r>
+                                <m:r>
+                                  <a:rPr lang="en-US" altLang="ko-KR" b="1" i="1" smtClean="0">
+                                    <a:latin typeface="Cambria Math" panose="02040503050406030204" pitchFamily="18" charset="0"/>
+                                  </a:rPr>
+                                  <m:t>−</m:t>
+                                </m:r>
+                                <m:sSub>
+                                  <m:sSubPr>
+                                    <m:ctrlPr>
+                                      <a:rPr lang="en-US" altLang="ko-KR" b="1" i="1" smtClean="0">
+                                        <a:latin typeface="Cambria Math" panose="02040503050406030204" pitchFamily="18" charset="0"/>
+                                      </a:rPr>
+                                    </m:ctrlPr>
+                                  </m:sSubPr>
+                                  <m:e>
+                                    <m:r>
+                                      <a:rPr lang="en-US" altLang="ko-KR" b="1" i="0" smtClean="0">
+                                        <a:latin typeface="Cambria Math" panose="02040503050406030204" pitchFamily="18" charset="0"/>
+                                      </a:rPr>
+                                      <m:t>𝚫</m:t>
+                                    </m:r>
+                                  </m:e>
+                                  <m:sub>
+                                    <m:r>
+                                      <a:rPr lang="en-US" altLang="ko-KR" b="1" i="1" smtClean="0">
+                                        <a:latin typeface="Cambria Math" panose="02040503050406030204" pitchFamily="18" charset="0"/>
+                                      </a:rPr>
+                                      <m:t>𝓽</m:t>
+                                    </m:r>
+                                  </m:sub>
+                                </m:sSub>
+                              </m:oMath>
+                            </m:oMathPara>
+                          </a14:m>
+                          <a:endParaRPr lang="ko-KR" altLang="en-US" b="1" i="1" dirty="0"/>
+                        </a:p>
+                      </a:txBody>
+                      <a:tcPr anchor="ctr"/>
+                    </a:tc>
+                    <a:tc>
+                      <a:txBody>
+                        <a:bodyPr/>
+                        <a:lstStyle/>
+                        <a:p>
+                          <a:pPr algn="ctr" latinLnBrk="1"/>
+                          <a14:m>
+                            <m:oMathPara xmlns:m="http://schemas.openxmlformats.org/officeDocument/2006/math">
+                              <m:oMathParaPr>
+                                <m:jc m:val="centerGroup"/>
+                              </m:oMathParaPr>
+                              <m:oMath xmlns:m="http://schemas.openxmlformats.org/officeDocument/2006/math">
+                                <m:f>
+                                  <m:fPr>
+                                    <m:type m:val="lin"/>
+                                    <m:ctrlPr>
+                                      <a:rPr kumimoji="0" lang="ko-KR" altLang="en-US" sz="1800" b="0" i="1" u="none" strike="noStrike" kern="1200" cap="none" spc="0" normalizeH="0" baseline="0" noProof="0" smtClean="0">
+                                        <a:ln>
+                                          <a:noFill/>
+                                        </a:ln>
+                                        <a:solidFill>
+                                          <a:prstClr val="black"/>
+                                        </a:solidFill>
+                                        <a:effectLst/>
+                                        <a:uLnTx/>
+                                        <a:uFillTx/>
+                                        <a:latin typeface="Cambria Math" panose="02040503050406030204" pitchFamily="18" charset="0"/>
+                                        <a:cs typeface="+mn-cs"/>
+                                      </a:rPr>
+                                    </m:ctrlPr>
+                                  </m:fPr>
+                                  <m:num>
+                                    <m:r>
+                                      <a:rPr kumimoji="0" lang="en-US" altLang="ko-KR" sz="1800" b="0" i="1" u="none" strike="noStrike" kern="1200" cap="none" spc="0" normalizeH="0" baseline="0" noProof="0" smtClean="0">
+                                        <a:ln>
+                                          <a:noFill/>
+                                        </a:ln>
+                                        <a:solidFill>
+                                          <a:prstClr val="black"/>
+                                        </a:solidFill>
+                                        <a:effectLst/>
+                                        <a:uLnTx/>
+                                        <a:uFillTx/>
+                                        <a:latin typeface="Cambria Math" panose="02040503050406030204" pitchFamily="18" charset="0"/>
+                                        <a:cs typeface="+mn-cs"/>
+                                      </a:rPr>
+                                      <m:t>171</m:t>
+                                    </m:r>
+                                  </m:num>
+                                  <m:den>
+                                    <m:r>
+                                      <a:rPr kumimoji="0" lang="en-US" altLang="ko-KR" sz="1800" b="0" i="1" u="none" strike="noStrike" kern="1200" cap="none" spc="0" normalizeH="0" baseline="0" noProof="0" smtClean="0">
+                                        <a:ln>
+                                          <a:noFill/>
+                                        </a:ln>
+                                        <a:solidFill>
+                                          <a:prstClr val="black"/>
+                                        </a:solidFill>
+                                        <a:effectLst/>
+                                        <a:uLnTx/>
+                                        <a:uFillTx/>
+                                        <a:latin typeface="Cambria Math" panose="02040503050406030204" pitchFamily="18" charset="0"/>
+                                        <a:cs typeface="+mn-cs"/>
+                                      </a:rPr>
+                                      <m:t>128</m:t>
+                                    </m:r>
+                                  </m:den>
+                                </m:f>
+                                <m:r>
+                                  <a:rPr kumimoji="0" lang="en-US" altLang="ko-KR" sz="1800" b="0" i="1" u="none" strike="noStrike" kern="1200" cap="none" spc="0" normalizeH="0" baseline="0" noProof="0" smtClean="0">
+                                    <a:ln>
+                                      <a:noFill/>
+                                    </a:ln>
+                                    <a:solidFill>
+                                      <a:prstClr val="black"/>
+                                    </a:solidFill>
+                                    <a:effectLst/>
+                                    <a:uLnTx/>
+                                    <a:uFillTx/>
+                                    <a:latin typeface="Cambria Math" panose="02040503050406030204" pitchFamily="18" charset="0"/>
+                                    <a:cs typeface="+mn-cs"/>
+                                  </a:rPr>
+                                  <m:t>=1.336</m:t>
+                                </m:r>
+                              </m:oMath>
+                            </m:oMathPara>
+                          </a14:m>
+                          <a:endParaRPr lang="ko-KR" altLang="en-US" dirty="0"/>
+                        </a:p>
+                      </a:txBody>
+                      <a:tcPr/>
+                    </a:tc>
+                    <a:tc>
+                      <a:txBody>
+                        <a:bodyPr/>
+                        <a:lstStyle/>
+                        <a:p>
+                          <a:pPr algn="ctr" latinLnBrk="1"/>
+                          <a14:m>
+                            <m:oMathPara xmlns:m="http://schemas.openxmlformats.org/officeDocument/2006/math">
+                              <m:oMathParaPr>
+                                <m:jc m:val="centerGroup"/>
+                              </m:oMathParaPr>
+                              <m:oMath xmlns:m="http://schemas.openxmlformats.org/officeDocument/2006/math">
+                                <m:r>
+                                  <a:rPr kumimoji="0" lang="en-US" altLang="ko-KR" sz="1800" b="0" i="1" u="none" strike="noStrike" kern="1200" cap="none" spc="0" normalizeH="0" baseline="0" noProof="0" smtClean="0">
+                                    <a:ln>
+                                      <a:noFill/>
+                                    </a:ln>
+                                    <a:solidFill>
+                                      <a:prstClr val="black"/>
+                                    </a:solidFill>
+                                    <a:effectLst/>
+                                    <a:uLnTx/>
+                                    <a:uFillTx/>
+                                    <a:latin typeface="Cambria Math" panose="02040503050406030204" pitchFamily="18" charset="0"/>
+                                    <a:cs typeface="+mn-cs"/>
+                                  </a:rPr>
+                                  <m:t>2</m:t>
+                                </m:r>
+                              </m:oMath>
+                            </m:oMathPara>
+                          </a14:m>
+                          <a:endParaRPr lang="ko-KR" altLang="en-US" dirty="0"/>
+                        </a:p>
+                      </a:txBody>
+                      <a:tcPr/>
+                    </a:tc>
+                    <a:tc>
+                      <a:txBody>
+                        <a:bodyPr/>
+                        <a:lstStyle/>
+                        <a:p>
+                          <a:pPr algn="ctr" latinLnBrk="1"/>
+                          <a14:m>
+                            <m:oMathPara xmlns:m="http://schemas.openxmlformats.org/officeDocument/2006/math">
+                              <m:oMathParaPr>
+                                <m:jc m:val="centerGroup"/>
+                              </m:oMathParaPr>
+                              <m:oMath xmlns:m="http://schemas.openxmlformats.org/officeDocument/2006/math">
+                                <m:r>
+                                  <a:rPr lang="en-US" altLang="ko-KR" b="0" i="1" smtClean="0">
+                                    <a:latin typeface="Cambria Math" panose="02040503050406030204" pitchFamily="18" charset="0"/>
+                                  </a:rPr>
+                                  <m:t>2</m:t>
+                                </m:r>
+                              </m:oMath>
+                            </m:oMathPara>
+                          </a14:m>
+                          <a:endParaRPr lang="ko-KR" altLang="en-US" dirty="0"/>
+                        </a:p>
+                      </a:txBody>
+                      <a:tcPr/>
+                    </a:tc>
+                    <a:extLst>
+                      <a:ext uri="{0D108BD9-81ED-4DB2-BD59-A6C34878D82A}">
+                        <a16:rowId xmlns:a16="http://schemas.microsoft.com/office/drawing/2014/main" val="2433927649"/>
+                      </a:ext>
+                    </a:extLst>
+                  </a:tr>
+                  <a:tr h="370840">
+                    <a:tc>
+                      <a:txBody>
+                        <a:bodyPr/>
+                        <a:lstStyle/>
+                        <a:p>
+                          <a:pPr algn="ctr" latinLnBrk="1"/>
+                          <a14:m>
+                            <m:oMathPara xmlns:m="http://schemas.openxmlformats.org/officeDocument/2006/math">
+                              <m:oMathParaPr>
+                                <m:jc m:val="centerGroup"/>
+                              </m:oMathParaPr>
+                              <m:oMath xmlns:m="http://schemas.openxmlformats.org/officeDocument/2006/math">
+                                <m:r>
+                                  <a:rPr lang="en-US" altLang="ko-KR" b="1" i="1" smtClean="0">
+                                    <a:latin typeface="Cambria Math" panose="02040503050406030204" pitchFamily="18" charset="0"/>
+                                  </a:rPr>
+                                  <m:t>𝒅</m:t>
+                                </m:r>
+                                <m:r>
+                                  <a:rPr lang="en-US" altLang="ko-KR" b="1" i="1" smtClean="0">
+                                    <a:latin typeface="Cambria Math" panose="02040503050406030204" pitchFamily="18" charset="0"/>
+                                  </a:rPr>
+                                  <m:t>−</m:t>
+                                </m:r>
+                                <m:sSub>
+                                  <m:sSubPr>
+                                    <m:ctrlPr>
+                                      <a:rPr lang="en-US" altLang="ko-KR" b="1" i="1" smtClean="0">
+                                        <a:latin typeface="Cambria Math" panose="02040503050406030204" pitchFamily="18" charset="0"/>
+                                      </a:rPr>
+                                    </m:ctrlPr>
+                                  </m:sSubPr>
+                                  <m:e>
+                                    <m:r>
+                                      <a:rPr lang="en-US" altLang="ko-KR" b="1" i="0" smtClean="0">
+                                        <a:latin typeface="Cambria Math" panose="02040503050406030204" pitchFamily="18" charset="0"/>
+                                      </a:rPr>
+                                      <m:t>𝚫</m:t>
+                                    </m:r>
+                                  </m:e>
+                                  <m:sub>
+                                    <m:r>
+                                      <a:rPr lang="en-US" altLang="ko-KR" b="1" i="1" smtClean="0">
+                                        <a:latin typeface="Cambria Math" panose="02040503050406030204" pitchFamily="18" charset="0"/>
+                                      </a:rPr>
+                                      <m:t>𝓱</m:t>
+                                    </m:r>
+                                  </m:sub>
+                                </m:sSub>
+                              </m:oMath>
+                            </m:oMathPara>
+                          </a14:m>
+                          <a:endParaRPr lang="ko-KR" altLang="en-US" b="1" i="1" dirty="0"/>
+                        </a:p>
+                      </a:txBody>
+                      <a:tcPr anchor="ctr"/>
+                    </a:tc>
+                    <a:tc>
+                      <a:txBody>
+                        <a:bodyPr/>
+                        <a:lstStyle/>
+                        <a:p>
+                          <a:pPr algn="ctr" latinLnBrk="1"/>
+                          <a14:m>
+                            <m:oMathPara xmlns:m="http://schemas.openxmlformats.org/officeDocument/2006/math">
+                              <m:oMathParaPr>
+                                <m:jc m:val="centerGroup"/>
+                              </m:oMathParaPr>
+                              <m:oMath xmlns:m="http://schemas.openxmlformats.org/officeDocument/2006/math">
+                                <m:f>
+                                  <m:fPr>
+                                    <m:type m:val="lin"/>
+                                    <m:ctrlPr>
+                                      <a:rPr kumimoji="0" lang="ko-KR" altLang="en-US" sz="1800" b="0" i="1" u="none" strike="noStrike" kern="1200" cap="none" spc="0" normalizeH="0" baseline="0" noProof="0" smtClean="0">
+                                        <a:ln>
+                                          <a:noFill/>
+                                        </a:ln>
+                                        <a:solidFill>
+                                          <a:prstClr val="black"/>
+                                        </a:solidFill>
+                                        <a:effectLst/>
+                                        <a:uLnTx/>
+                                        <a:uFillTx/>
+                                        <a:latin typeface="Cambria Math" panose="02040503050406030204" pitchFamily="18" charset="0"/>
+                                        <a:cs typeface="+mn-cs"/>
+                                      </a:rPr>
+                                    </m:ctrlPr>
+                                  </m:fPr>
+                                  <m:num>
+                                    <m:r>
+                                      <a:rPr kumimoji="0" lang="en-US" altLang="ko-KR" sz="1800" b="0" i="1" u="none" strike="noStrike" kern="1200" cap="none" spc="0" normalizeH="0" baseline="0" noProof="0" smtClean="0">
+                                        <a:ln>
+                                          <a:noFill/>
+                                        </a:ln>
+                                        <a:solidFill>
+                                          <a:prstClr val="black"/>
+                                        </a:solidFill>
+                                        <a:effectLst/>
+                                        <a:uLnTx/>
+                                        <a:uFillTx/>
+                                        <a:latin typeface="Cambria Math" panose="02040503050406030204" pitchFamily="18" charset="0"/>
+                                        <a:cs typeface="+mn-cs"/>
+                                      </a:rPr>
+                                      <m:t>65</m:t>
+                                    </m:r>
+                                  </m:num>
+                                  <m:den>
+                                    <m:r>
+                                      <a:rPr kumimoji="0" lang="en-US" altLang="ko-KR" sz="1800" b="0" i="1" u="none" strike="noStrike" kern="1200" cap="none" spc="0" normalizeH="0" baseline="0" noProof="0" smtClean="0">
+                                        <a:ln>
+                                          <a:noFill/>
+                                        </a:ln>
+                                        <a:solidFill>
+                                          <a:prstClr val="black"/>
+                                        </a:solidFill>
+                                        <a:effectLst/>
+                                        <a:uLnTx/>
+                                        <a:uFillTx/>
+                                        <a:latin typeface="Cambria Math" panose="02040503050406030204" pitchFamily="18" charset="0"/>
+                                        <a:cs typeface="+mn-cs"/>
+                                      </a:rPr>
+                                      <m:t>128</m:t>
+                                    </m:r>
+                                  </m:den>
+                                </m:f>
+                                <m:r>
+                                  <a:rPr kumimoji="0" lang="en-US" altLang="ko-KR" sz="1800" b="0" i="1" u="none" strike="noStrike" kern="1200" cap="none" spc="0" normalizeH="0" baseline="0" noProof="0" smtClean="0">
+                                    <a:ln>
+                                      <a:noFill/>
+                                    </a:ln>
+                                    <a:solidFill>
+                                      <a:prstClr val="black"/>
+                                    </a:solidFill>
+                                    <a:effectLst/>
+                                    <a:uLnTx/>
+                                    <a:uFillTx/>
+                                    <a:latin typeface="Cambria Math" panose="02040503050406030204" pitchFamily="18" charset="0"/>
+                                    <a:cs typeface="+mn-cs"/>
+                                  </a:rPr>
+                                  <m:t>=0.508</m:t>
+                                </m:r>
+                              </m:oMath>
+                            </m:oMathPara>
+                          </a14:m>
+                          <a:endParaRPr lang="ko-KR" altLang="en-US" dirty="0"/>
+                        </a:p>
+                      </a:txBody>
+                      <a:tcPr/>
+                    </a:tc>
+                    <a:tc>
+                      <a:txBody>
+                        <a:bodyPr/>
+                        <a:lstStyle/>
+                        <a:p>
+                          <a:pPr algn="ctr" latinLnBrk="1"/>
+                          <a14:m>
+                            <m:oMathPara xmlns:m="http://schemas.openxmlformats.org/officeDocument/2006/math">
+                              <m:oMathParaPr>
+                                <m:jc m:val="centerGroup"/>
+                              </m:oMathParaPr>
+                              <m:oMath xmlns:m="http://schemas.openxmlformats.org/officeDocument/2006/math">
+                                <m:f>
+                                  <m:fPr>
+                                    <m:type m:val="lin"/>
+                                    <m:ctrlPr>
+                                      <a:rPr kumimoji="0" lang="ko-KR" altLang="en-US" sz="1800" b="0" i="1" u="none" strike="noStrike" kern="1200" cap="none" spc="0" normalizeH="0" baseline="0" noProof="0" smtClean="0">
+                                        <a:ln>
+                                          <a:noFill/>
+                                        </a:ln>
+                                        <a:solidFill>
+                                          <a:prstClr val="black"/>
+                                        </a:solidFill>
+                                        <a:effectLst/>
+                                        <a:uLnTx/>
+                                        <a:uFillTx/>
+                                        <a:latin typeface="Cambria Math" panose="02040503050406030204" pitchFamily="18" charset="0"/>
+                                        <a:cs typeface="+mn-cs"/>
+                                      </a:rPr>
+                                    </m:ctrlPr>
+                                  </m:fPr>
+                                  <m:num>
+                                    <m:r>
+                                      <a:rPr kumimoji="0" lang="en-US" altLang="ko-KR" sz="1800" b="0" i="1" u="none" strike="noStrike" kern="1200" cap="none" spc="0" normalizeH="0" baseline="0" noProof="0" smtClean="0">
+                                        <a:ln>
+                                          <a:noFill/>
+                                        </a:ln>
+                                        <a:solidFill>
+                                          <a:prstClr val="black"/>
+                                        </a:solidFill>
+                                        <a:effectLst/>
+                                        <a:uLnTx/>
+                                        <a:uFillTx/>
+                                        <a:latin typeface="Cambria Math" panose="02040503050406030204" pitchFamily="18" charset="0"/>
+                                        <a:cs typeface="+mn-cs"/>
+                                      </a:rPr>
+                                      <m:t>1</m:t>
+                                    </m:r>
+                                  </m:num>
+                                  <m:den>
+                                    <m:r>
+                                      <a:rPr kumimoji="0" lang="en-US" altLang="ko-KR" sz="1800" b="0" i="1" u="none" strike="noStrike" kern="1200" cap="none" spc="0" normalizeH="0" baseline="0" noProof="0" smtClean="0">
+                                        <a:ln>
+                                          <a:noFill/>
+                                        </a:ln>
+                                        <a:solidFill>
+                                          <a:prstClr val="black"/>
+                                        </a:solidFill>
+                                        <a:effectLst/>
+                                        <a:uLnTx/>
+                                        <a:uFillTx/>
+                                        <a:latin typeface="Cambria Math" panose="02040503050406030204" pitchFamily="18" charset="0"/>
+                                        <a:cs typeface="+mn-cs"/>
+                                      </a:rPr>
+                                      <m:t>2</m:t>
+                                    </m:r>
+                                  </m:den>
+                                </m:f>
+                              </m:oMath>
+                            </m:oMathPara>
+                          </a14:m>
+                          <a:endParaRPr lang="ko-KR" altLang="en-US" dirty="0"/>
+                        </a:p>
+                      </a:txBody>
+                      <a:tcPr/>
+                    </a:tc>
+                    <a:tc>
+                      <a:txBody>
+                        <a:bodyPr/>
+                        <a:lstStyle/>
+                        <a:p>
+                          <a:pPr algn="ctr" latinLnBrk="1"/>
+                          <a14:m>
+                            <m:oMathPara xmlns:m="http://schemas.openxmlformats.org/officeDocument/2006/math">
+                              <m:oMathParaPr>
+                                <m:jc m:val="centerGroup"/>
+                              </m:oMathParaPr>
+                              <m:oMath xmlns:m="http://schemas.openxmlformats.org/officeDocument/2006/math">
+                                <m:f>
+                                  <m:fPr>
+                                    <m:type m:val="lin"/>
+                                    <m:ctrlPr>
+                                      <a:rPr lang="ko-KR" altLang="en-US" i="1" smtClean="0">
+                                        <a:latin typeface="Cambria Math" panose="02040503050406030204" pitchFamily="18" charset="0"/>
+                                      </a:rPr>
+                                    </m:ctrlPr>
+                                  </m:fPr>
+                                  <m:num>
+                                    <m:d>
+                                      <m:dPr>
+                                        <m:ctrlPr>
+                                          <a:rPr lang="en-US" altLang="ko-KR" b="0" i="1" smtClean="0">
+                                            <a:latin typeface="Cambria Math" panose="02040503050406030204" pitchFamily="18" charset="0"/>
+                                          </a:rPr>
+                                        </m:ctrlPr>
+                                      </m:dPr>
+                                      <m:e>
+                                        <m:r>
+                                          <a:rPr lang="en-US" altLang="ko-KR" b="0" i="1" smtClean="0">
+                                            <a:latin typeface="Cambria Math" panose="02040503050406030204" pitchFamily="18" charset="0"/>
+                                          </a:rPr>
+                                          <m:t>𝑑</m:t>
+                                        </m:r>
+                                        <m:r>
+                                          <a:rPr lang="en-US" altLang="ko-KR" b="0" i="1" smtClean="0">
+                                            <a:latin typeface="Cambria Math" panose="02040503050406030204" pitchFamily="18" charset="0"/>
+                                          </a:rPr>
+                                          <m:t>−2</m:t>
+                                        </m:r>
+                                      </m:e>
+                                    </m:d>
+                                  </m:num>
+                                  <m:den>
+                                    <m:r>
+                                      <a:rPr lang="en-US" altLang="ko-KR" b="0" i="1" smtClean="0">
+                                        <a:latin typeface="Cambria Math" panose="02040503050406030204" pitchFamily="18" charset="0"/>
+                                      </a:rPr>
+                                      <m:t>2</m:t>
+                                    </m:r>
+                                  </m:den>
+                                </m:f>
+                              </m:oMath>
+                            </m:oMathPara>
+                          </a14:m>
+                          <a:endParaRPr lang="ko-KR" altLang="en-US" dirty="0"/>
+                        </a:p>
+                      </a:txBody>
+                      <a:tcPr/>
+                    </a:tc>
+                    <a:extLst>
+                      <a:ext uri="{0D108BD9-81ED-4DB2-BD59-A6C34878D82A}">
+                        <a16:rowId xmlns:a16="http://schemas.microsoft.com/office/drawing/2014/main" val="1058165080"/>
+                      </a:ext>
+                    </a:extLst>
+                  </a:tr>
+                  <a:tr h="370840">
+                    <a:tc>
+                      <a:txBody>
+                        <a:bodyPr/>
+                        <a:lstStyle/>
+                        <a:p>
+                          <a:pPr algn="ctr" latinLnBrk="1"/>
+                          <a14:m>
+                            <m:oMathPara xmlns:m="http://schemas.openxmlformats.org/officeDocument/2006/math">
+                              <m:oMathParaPr>
+                                <m:jc m:val="centerGroup"/>
+                              </m:oMathParaPr>
+                              <m:oMath xmlns:m="http://schemas.openxmlformats.org/officeDocument/2006/math">
+                                <m:r>
+                                  <a:rPr lang="en-US" altLang="ko-KR" sz="2000" b="1" i="1" smtClean="0">
+                                    <a:latin typeface="Cambria Math" panose="02040503050406030204" pitchFamily="18" charset="0"/>
+                                  </a:rPr>
+                                  <m:t>𝜶</m:t>
+                                </m:r>
+                              </m:oMath>
+                            </m:oMathPara>
+                          </a14:m>
+                          <a:endParaRPr lang="ko-KR" altLang="en-US" sz="2000" b="1" i="1" dirty="0"/>
+                        </a:p>
+                      </a:txBody>
+                      <a:tcPr anchor="ctr"/>
+                    </a:tc>
+                    <a:tc>
+                      <a:txBody>
+                        <a:bodyPr/>
+                        <a:lstStyle/>
+                        <a:p>
+                          <a:pPr algn="ctr" latinLnBrk="1"/>
+                          <a14:m>
+                            <m:oMathPara xmlns:m="http://schemas.openxmlformats.org/officeDocument/2006/math">
+                              <m:oMathParaPr>
+                                <m:jc m:val="centerGroup"/>
+                              </m:oMathParaPr>
+                              <m:oMath xmlns:m="http://schemas.openxmlformats.org/officeDocument/2006/math">
+                                <m:f>
+                                  <m:fPr>
+                                    <m:type m:val="lin"/>
+                                    <m:ctrlPr>
+                                      <a:rPr kumimoji="0" lang="ko-KR" altLang="en-US" sz="1800" b="0" i="1" u="none" strike="noStrike" kern="1200" cap="none" spc="0" normalizeH="0" baseline="0" noProof="0" smtClean="0">
+                                        <a:ln>
+                                          <a:noFill/>
+                                        </a:ln>
+                                        <a:solidFill>
+                                          <a:prstClr val="black"/>
+                                        </a:solidFill>
+                                        <a:effectLst/>
+                                        <a:uLnTx/>
+                                        <a:uFillTx/>
+                                        <a:latin typeface="Cambria Math" panose="02040503050406030204" pitchFamily="18" charset="0"/>
+                                        <a:cs typeface="+mn-cs"/>
+                                      </a:rPr>
+                                    </m:ctrlPr>
+                                  </m:fPr>
+                                  <m:num>
+                                    <m:r>
+                                      <a:rPr kumimoji="0" lang="en-US" altLang="ko-KR" sz="1800" b="0" i="1" u="none" strike="noStrike" kern="1200" cap="none" spc="0" normalizeH="0" baseline="0" noProof="0" smtClean="0">
+                                        <a:ln>
+                                          <a:noFill/>
+                                        </a:ln>
+                                        <a:solidFill>
+                                          <a:prstClr val="black"/>
+                                        </a:solidFill>
+                                        <a:effectLst/>
+                                        <a:uLnTx/>
+                                        <a:uFillTx/>
+                                        <a:latin typeface="Cambria Math" panose="02040503050406030204" pitchFamily="18" charset="0"/>
+                                        <a:cs typeface="+mn-cs"/>
+                                      </a:rPr>
+                                      <m:t>25</m:t>
+                                    </m:r>
+                                  </m:num>
+                                  <m:den>
+                                    <m:r>
+                                      <a:rPr kumimoji="0" lang="en-US" altLang="ko-KR" sz="1800" b="0" i="1" u="none" strike="noStrike" kern="1200" cap="none" spc="0" normalizeH="0" baseline="0" noProof="0" smtClean="0">
+                                        <a:ln>
+                                          <a:noFill/>
+                                        </a:ln>
+                                        <a:solidFill>
+                                          <a:prstClr val="black"/>
+                                        </a:solidFill>
+                                        <a:effectLst/>
+                                        <a:uLnTx/>
+                                        <a:uFillTx/>
+                                        <a:latin typeface="Cambria Math" panose="02040503050406030204" pitchFamily="18" charset="0"/>
+                                        <a:cs typeface="+mn-cs"/>
+                                      </a:rPr>
+                                      <m:t>128</m:t>
+                                    </m:r>
+                                  </m:den>
+                                </m:f>
+                                <m:r>
+                                  <a:rPr kumimoji="0" lang="en-US" altLang="ko-KR" sz="1800" b="0" i="1" u="none" strike="noStrike" kern="1200" cap="none" spc="0" normalizeH="0" baseline="0" noProof="0" smtClean="0">
+                                    <a:ln>
+                                      <a:noFill/>
+                                    </a:ln>
+                                    <a:solidFill>
+                                      <a:prstClr val="black"/>
+                                    </a:solidFill>
+                                    <a:effectLst/>
+                                    <a:uLnTx/>
+                                    <a:uFillTx/>
+                                    <a:latin typeface="Cambria Math" panose="02040503050406030204" pitchFamily="18" charset="0"/>
+                                    <a:cs typeface="+mn-cs"/>
+                                  </a:rPr>
+                                  <m:t>=0.195</m:t>
+                                </m:r>
+                              </m:oMath>
+                            </m:oMathPara>
+                          </a14:m>
+                          <a:endParaRPr lang="ko-KR" altLang="en-US" dirty="0"/>
+                        </a:p>
+                      </a:txBody>
+                      <a:tcPr/>
+                    </a:tc>
+                    <a:tc>
+                      <a:txBody>
+                        <a:bodyPr/>
+                        <a:lstStyle/>
+                        <a:p>
+                          <a:pPr algn="ctr" latinLnBrk="1"/>
+                          <a14:m>
+                            <m:oMathPara xmlns:m="http://schemas.openxmlformats.org/officeDocument/2006/math">
+                              <m:oMathParaPr>
+                                <m:jc m:val="centerGroup"/>
+                              </m:oMathParaPr>
+                              <m:oMath xmlns:m="http://schemas.openxmlformats.org/officeDocument/2006/math">
+                                <m:r>
+                                  <a:rPr kumimoji="0" lang="en-US" altLang="ko-KR" sz="1800" b="0" i="1" u="none" strike="noStrike" kern="1200" cap="none" spc="0" normalizeH="0" baseline="0" noProof="0" smtClean="0">
+                                    <a:ln>
+                                      <a:noFill/>
+                                    </a:ln>
+                                    <a:solidFill>
+                                      <a:prstClr val="black"/>
+                                    </a:solidFill>
+                                    <a:effectLst/>
+                                    <a:uLnTx/>
+                                    <a:uFillTx/>
+                                    <a:latin typeface="Cambria Math" panose="02040503050406030204" pitchFamily="18" charset="0"/>
+                                    <a:cs typeface="+mn-cs"/>
+                                  </a:rPr>
+                                  <m:t>−</m:t>
+                                </m:r>
+                                <m:f>
+                                  <m:fPr>
+                                    <m:type m:val="lin"/>
+                                    <m:ctrlPr>
+                                      <a:rPr kumimoji="0" lang="ko-KR" altLang="en-US" sz="1800" b="0" i="1" u="none" strike="noStrike" kern="1200" cap="none" spc="0" normalizeH="0" baseline="0" noProof="0" smtClean="0">
+                                        <a:ln>
+                                          <a:noFill/>
+                                        </a:ln>
+                                        <a:solidFill>
+                                          <a:prstClr val="black"/>
+                                        </a:solidFill>
+                                        <a:effectLst/>
+                                        <a:uLnTx/>
+                                        <a:uFillTx/>
+                                        <a:latin typeface="Cambria Math" panose="02040503050406030204" pitchFamily="18" charset="0"/>
+                                        <a:cs typeface="+mn-cs"/>
+                                      </a:rPr>
+                                    </m:ctrlPr>
+                                  </m:fPr>
+                                  <m:num>
+                                    <m:r>
+                                      <a:rPr kumimoji="0" lang="en-US" altLang="ko-KR" sz="1800" b="0" i="1" u="none" strike="noStrike" kern="1200" cap="none" spc="0" normalizeH="0" baseline="0" noProof="0" smtClean="0">
+                                        <a:ln>
+                                          <a:noFill/>
+                                        </a:ln>
+                                        <a:solidFill>
+                                          <a:prstClr val="black"/>
+                                        </a:solidFill>
+                                        <a:effectLst/>
+                                        <a:uLnTx/>
+                                        <a:uFillTx/>
+                                        <a:latin typeface="Cambria Math" panose="02040503050406030204" pitchFamily="18" charset="0"/>
+                                        <a:cs typeface="+mn-cs"/>
+                                      </a:rPr>
+                                      <m:t>3</m:t>
+                                    </m:r>
+                                  </m:num>
+                                  <m:den>
+                                    <m:r>
+                                      <a:rPr kumimoji="0" lang="en-US" altLang="ko-KR" sz="1800" b="0" i="1" u="none" strike="noStrike" kern="1200" cap="none" spc="0" normalizeH="0" baseline="0" noProof="0" smtClean="0">
+                                        <a:ln>
+                                          <a:noFill/>
+                                        </a:ln>
+                                        <a:solidFill>
+                                          <a:prstClr val="black"/>
+                                        </a:solidFill>
+                                        <a:effectLst/>
+                                        <a:uLnTx/>
+                                        <a:uFillTx/>
+                                        <a:latin typeface="Cambria Math" panose="02040503050406030204" pitchFamily="18" charset="0"/>
+                                        <a:cs typeface="+mn-cs"/>
+                                      </a:rPr>
+                                      <m:t>4</m:t>
+                                    </m:r>
+                                  </m:den>
+                                </m:f>
+                              </m:oMath>
+                            </m:oMathPara>
+                          </a14:m>
+                          <a:endParaRPr lang="ko-KR" altLang="en-US" dirty="0"/>
+                        </a:p>
+                      </a:txBody>
+                      <a:tcPr/>
+                    </a:tc>
+                    <a:tc>
+                      <a:txBody>
+                        <a:bodyPr/>
+                        <a:lstStyle/>
+                        <a:p>
+                          <a:pPr algn="ctr" latinLnBrk="1"/>
+                          <a14:m>
+                            <m:oMathPara xmlns:m="http://schemas.openxmlformats.org/officeDocument/2006/math">
+                              <m:oMathParaPr>
+                                <m:jc m:val="centerGroup"/>
+                              </m:oMathParaPr>
+                              <m:oMath xmlns:m="http://schemas.openxmlformats.org/officeDocument/2006/math">
+                                <m:f>
+                                  <m:fPr>
+                                    <m:type m:val="lin"/>
+                                    <m:ctrlPr>
+                                      <a:rPr lang="ko-KR" altLang="en-US" i="1" smtClean="0">
+                                        <a:latin typeface="Cambria Math" panose="02040503050406030204" pitchFamily="18" charset="0"/>
+                                      </a:rPr>
+                                    </m:ctrlPr>
+                                  </m:fPr>
+                                  <m:num>
+                                    <m:d>
+                                      <m:dPr>
+                                        <m:ctrlPr>
+                                          <a:rPr lang="en-US" altLang="ko-KR" b="0" i="1" smtClean="0">
+                                            <a:latin typeface="Cambria Math" panose="02040503050406030204" pitchFamily="18" charset="0"/>
+                                          </a:rPr>
+                                        </m:ctrlPr>
+                                      </m:dPr>
+                                      <m:e>
+                                        <m:r>
+                                          <a:rPr lang="en-US" altLang="ko-KR" b="0" i="1" smtClean="0">
+                                            <a:latin typeface="Cambria Math" panose="02040503050406030204" pitchFamily="18" charset="0"/>
+                                          </a:rPr>
+                                          <m:t>𝑑</m:t>
+                                        </m:r>
+                                        <m:r>
+                                          <a:rPr lang="en-US" altLang="ko-KR" b="0" i="1" smtClean="0">
+                                            <a:latin typeface="Cambria Math" panose="02040503050406030204" pitchFamily="18" charset="0"/>
+                                          </a:rPr>
+                                          <m:t>−4</m:t>
+                                        </m:r>
+                                      </m:e>
+                                    </m:d>
+                                  </m:num>
+                                  <m:den>
+                                    <m:d>
+                                      <m:dPr>
+                                        <m:ctrlPr>
+                                          <a:rPr lang="en-US" altLang="ko-KR" b="0" i="1" smtClean="0">
+                                            <a:latin typeface="Cambria Math" panose="02040503050406030204" pitchFamily="18" charset="0"/>
+                                          </a:rPr>
+                                        </m:ctrlPr>
+                                      </m:dPr>
+                                      <m:e>
+                                        <m:r>
+                                          <a:rPr lang="en-US" altLang="ko-KR" b="0" i="1" smtClean="0">
+                                            <a:latin typeface="Cambria Math" panose="02040503050406030204" pitchFamily="18" charset="0"/>
+                                          </a:rPr>
+                                          <m:t>𝑑</m:t>
+                                        </m:r>
+                                        <m:r>
+                                          <a:rPr lang="en-US" altLang="ko-KR" b="0" i="1" smtClean="0">
+                                            <a:latin typeface="Cambria Math" panose="02040503050406030204" pitchFamily="18" charset="0"/>
+                                          </a:rPr>
+                                          <m:t>−2</m:t>
+                                        </m:r>
+                                      </m:e>
+                                    </m:d>
+                                  </m:den>
+                                </m:f>
+                              </m:oMath>
+                            </m:oMathPara>
+                          </a14:m>
+                          <a:endParaRPr lang="ko-KR" altLang="en-US" dirty="0"/>
+                        </a:p>
+                      </a:txBody>
+                      <a:tcPr/>
+                    </a:tc>
+                    <a:extLst>
+                      <a:ext uri="{0D108BD9-81ED-4DB2-BD59-A6C34878D82A}">
+                        <a16:rowId xmlns:a16="http://schemas.microsoft.com/office/drawing/2014/main" val="4089143451"/>
+                      </a:ext>
+                    </a:extLst>
+                  </a:tr>
+                  <a:tr h="370840">
+                    <a:tc>
+                      <a:txBody>
+                        <a:bodyPr/>
+                        <a:lstStyle/>
+                        <a:p>
+                          <a:pPr algn="ctr" latinLnBrk="1"/>
+                          <a14:m>
+                            <m:oMathPara xmlns:m="http://schemas.openxmlformats.org/officeDocument/2006/math">
+                              <m:oMathParaPr>
+                                <m:jc m:val="centerGroup"/>
+                              </m:oMathParaPr>
+                              <m:oMath xmlns:m="http://schemas.openxmlformats.org/officeDocument/2006/math">
+                                <m:r>
+                                  <a:rPr lang="en-US" altLang="ko-KR" sz="2000" b="1" i="1" smtClean="0">
+                                    <a:latin typeface="Cambria Math" panose="02040503050406030204" pitchFamily="18" charset="0"/>
+                                  </a:rPr>
+                                  <m:t>𝜷</m:t>
+                                </m:r>
+                              </m:oMath>
+                            </m:oMathPara>
+                          </a14:m>
+                          <a:endParaRPr lang="ko-KR" altLang="en-US" sz="2000" b="1" i="1" dirty="0"/>
+                        </a:p>
+                      </a:txBody>
+                      <a:tcPr anchor="ctr"/>
+                    </a:tc>
+                    <a:tc>
+                      <a:txBody>
+                        <a:bodyPr/>
+                        <a:lstStyle/>
+                        <a:p>
+                          <a:pPr algn="ctr" latinLnBrk="1"/>
+                          <a14:m>
+                            <m:oMathPara xmlns:m="http://schemas.openxmlformats.org/officeDocument/2006/math">
+                              <m:oMathParaPr>
+                                <m:jc m:val="centerGroup"/>
+                              </m:oMathParaPr>
+                              <m:oMath xmlns:m="http://schemas.openxmlformats.org/officeDocument/2006/math">
+                                <m:f>
+                                  <m:fPr>
+                                    <m:type m:val="lin"/>
+                                    <m:ctrlPr>
+                                      <a:rPr kumimoji="0" lang="ko-KR" altLang="en-US" sz="1800" b="0" i="1" u="none" strike="noStrike" kern="1200" cap="none" spc="0" normalizeH="0" baseline="0" noProof="0" smtClean="0">
+                                        <a:ln>
+                                          <a:noFill/>
+                                        </a:ln>
+                                        <a:solidFill>
+                                          <a:prstClr val="black"/>
+                                        </a:solidFill>
+                                        <a:effectLst/>
+                                        <a:uLnTx/>
+                                        <a:uFillTx/>
+                                        <a:latin typeface="Cambria Math" panose="02040503050406030204" pitchFamily="18" charset="0"/>
+                                        <a:cs typeface="+mn-cs"/>
+                                      </a:rPr>
+                                    </m:ctrlPr>
+                                  </m:fPr>
+                                  <m:num>
+                                    <m:r>
+                                      <a:rPr kumimoji="0" lang="en-US" altLang="ko-KR" sz="1800" b="0" i="1" u="none" strike="noStrike" kern="1200" cap="none" spc="0" normalizeH="0" baseline="0" noProof="0" smtClean="0">
+                                        <a:ln>
+                                          <a:noFill/>
+                                        </a:ln>
+                                        <a:solidFill>
+                                          <a:prstClr val="black"/>
+                                        </a:solidFill>
+                                        <a:effectLst/>
+                                        <a:uLnTx/>
+                                        <a:uFillTx/>
+                                        <a:latin typeface="Cambria Math" panose="02040503050406030204" pitchFamily="18" charset="0"/>
+                                        <a:cs typeface="+mn-cs"/>
+                                      </a:rPr>
+                                      <m:t>161</m:t>
+                                    </m:r>
+                                  </m:num>
+                                  <m:den>
+                                    <m:r>
+                                      <a:rPr kumimoji="0" lang="en-US" altLang="ko-KR" sz="1800" b="0" i="1" u="none" strike="noStrike" kern="1200" cap="none" spc="0" normalizeH="0" baseline="0" noProof="0" smtClean="0">
+                                        <a:ln>
+                                          <a:noFill/>
+                                        </a:ln>
+                                        <a:solidFill>
+                                          <a:prstClr val="black"/>
+                                        </a:solidFill>
+                                        <a:effectLst/>
+                                        <a:uLnTx/>
+                                        <a:uFillTx/>
+                                        <a:latin typeface="Cambria Math" panose="02040503050406030204" pitchFamily="18" charset="0"/>
+                                        <a:cs typeface="+mn-cs"/>
+                                      </a:rPr>
+                                      <m:t>512</m:t>
+                                    </m:r>
+                                  </m:den>
+                                </m:f>
+                                <m:r>
+                                  <a:rPr kumimoji="0" lang="en-US" altLang="ko-KR" sz="1800" b="0" i="1" u="none" strike="noStrike" kern="1200" cap="none" spc="0" normalizeH="0" baseline="0" noProof="0" smtClean="0">
+                                    <a:ln>
+                                      <a:noFill/>
+                                    </a:ln>
+                                    <a:solidFill>
+                                      <a:prstClr val="black"/>
+                                    </a:solidFill>
+                                    <a:effectLst/>
+                                    <a:uLnTx/>
+                                    <a:uFillTx/>
+                                    <a:latin typeface="Cambria Math" panose="02040503050406030204" pitchFamily="18" charset="0"/>
+                                    <a:cs typeface="+mn-cs"/>
+                                  </a:rPr>
+                                  <m:t>=0.314</m:t>
+                                </m:r>
+                              </m:oMath>
+                            </m:oMathPara>
+                          </a14:m>
+                          <a:endParaRPr lang="ko-KR" altLang="en-US" dirty="0"/>
+                        </a:p>
+                      </a:txBody>
+                      <a:tcPr/>
+                    </a:tc>
+                    <a:tc>
+                      <a:txBody>
+                        <a:bodyPr/>
+                        <a:lstStyle/>
+                        <a:p>
+                          <a:pPr algn="ctr" latinLnBrk="1"/>
+                          <a14:m>
+                            <m:oMathPara xmlns:m="http://schemas.openxmlformats.org/officeDocument/2006/math">
+                              <m:oMathParaPr>
+                                <m:jc m:val="centerGroup"/>
+                              </m:oMathParaPr>
+                              <m:oMath xmlns:m="http://schemas.openxmlformats.org/officeDocument/2006/math">
+                                <m:f>
+                                  <m:fPr>
+                                    <m:type m:val="lin"/>
+                                    <m:ctrlPr>
+                                      <a:rPr kumimoji="0" lang="ko-KR" altLang="en-US" sz="1800" b="0" i="1" u="none" strike="noStrike" kern="1200" cap="none" spc="0" normalizeH="0" baseline="0" noProof="0" smtClean="0">
+                                        <a:ln>
+                                          <a:noFill/>
+                                        </a:ln>
+                                        <a:solidFill>
+                                          <a:prstClr val="black"/>
+                                        </a:solidFill>
+                                        <a:effectLst/>
+                                        <a:uLnTx/>
+                                        <a:uFillTx/>
+                                        <a:latin typeface="Cambria Math" panose="02040503050406030204" pitchFamily="18" charset="0"/>
+                                        <a:cs typeface="+mn-cs"/>
+                                      </a:rPr>
+                                    </m:ctrlPr>
+                                  </m:fPr>
+                                  <m:num>
+                                    <m:r>
+                                      <a:rPr kumimoji="0" lang="en-US" altLang="ko-KR" sz="1800" b="0" i="1" u="none" strike="noStrike" kern="1200" cap="none" spc="0" normalizeH="0" baseline="0" noProof="0" smtClean="0">
+                                        <a:ln>
+                                          <a:noFill/>
+                                        </a:ln>
+                                        <a:solidFill>
+                                          <a:prstClr val="black"/>
+                                        </a:solidFill>
+                                        <a:effectLst/>
+                                        <a:uLnTx/>
+                                        <a:uFillTx/>
+                                        <a:latin typeface="Cambria Math" panose="02040503050406030204" pitchFamily="18" charset="0"/>
+                                        <a:cs typeface="+mn-cs"/>
+                                      </a:rPr>
+                                      <m:t>1</m:t>
+                                    </m:r>
+                                  </m:num>
+                                  <m:den>
+                                    <m:r>
+                                      <a:rPr kumimoji="0" lang="en-US" altLang="ko-KR" sz="1800" b="0" i="1" u="none" strike="noStrike" kern="1200" cap="none" spc="0" normalizeH="0" baseline="0" noProof="0" smtClean="0">
+                                        <a:ln>
+                                          <a:noFill/>
+                                        </a:ln>
+                                        <a:solidFill>
+                                          <a:prstClr val="black"/>
+                                        </a:solidFill>
+                                        <a:effectLst/>
+                                        <a:uLnTx/>
+                                        <a:uFillTx/>
+                                        <a:latin typeface="Cambria Math" panose="02040503050406030204" pitchFamily="18" charset="0"/>
+                                        <a:cs typeface="+mn-cs"/>
+                                      </a:rPr>
+                                      <m:t>2</m:t>
+                                    </m:r>
+                                  </m:den>
+                                </m:f>
+                              </m:oMath>
+                            </m:oMathPara>
+                          </a14:m>
+                          <a:endParaRPr lang="ko-KR" altLang="en-US" dirty="0"/>
+                        </a:p>
+                      </a:txBody>
+                      <a:tcPr/>
+                    </a:tc>
+                    <a:tc>
+                      <a:txBody>
+                        <a:bodyPr/>
+                        <a:lstStyle/>
+                        <a:p>
+                          <a:pPr algn="ctr" latinLnBrk="1"/>
+                          <a14:m>
+                            <m:oMathPara xmlns:m="http://schemas.openxmlformats.org/officeDocument/2006/math">
+                              <m:oMathParaPr>
+                                <m:jc m:val="centerGroup"/>
+                              </m:oMathParaPr>
+                              <m:oMath xmlns:m="http://schemas.openxmlformats.org/officeDocument/2006/math">
+                                <m:f>
+                                  <m:fPr>
+                                    <m:type m:val="lin"/>
+                                    <m:ctrlPr>
+                                      <a:rPr lang="ko-KR" altLang="en-US" i="1" smtClean="0">
+                                        <a:latin typeface="Cambria Math" panose="02040503050406030204" pitchFamily="18" charset="0"/>
+                                      </a:rPr>
+                                    </m:ctrlPr>
+                                  </m:fPr>
+                                  <m:num>
+                                    <m:r>
+                                      <a:rPr lang="en-US" altLang="ko-KR" b="0" i="1" smtClean="0">
+                                        <a:latin typeface="Cambria Math" panose="02040503050406030204" pitchFamily="18" charset="0"/>
+                                      </a:rPr>
+                                      <m:t>1</m:t>
+                                    </m:r>
+                                  </m:num>
+                                  <m:den>
+                                    <m:r>
+                                      <a:rPr lang="en-US" altLang="ko-KR" b="0" i="1" smtClean="0">
+                                        <a:latin typeface="Cambria Math" panose="02040503050406030204" pitchFamily="18" charset="0"/>
+                                      </a:rPr>
+                                      <m:t>2</m:t>
+                                    </m:r>
+                                  </m:den>
+                                </m:f>
+                              </m:oMath>
+                            </m:oMathPara>
+                          </a14:m>
+                          <a:endParaRPr lang="ko-KR" altLang="en-US" dirty="0"/>
+                        </a:p>
+                      </a:txBody>
+                      <a:tcPr/>
+                    </a:tc>
+                    <a:extLst>
+                      <a:ext uri="{0D108BD9-81ED-4DB2-BD59-A6C34878D82A}">
+                        <a16:rowId xmlns:a16="http://schemas.microsoft.com/office/drawing/2014/main" val="2131826791"/>
+                      </a:ext>
+                    </a:extLst>
+                  </a:tr>
+                  <a:tr h="370840">
+                    <a:tc>
+                      <a:txBody>
+                        <a:bodyPr/>
+                        <a:lstStyle/>
+                        <a:p>
+                          <a:pPr algn="ctr" latinLnBrk="1"/>
+                          <a14:m>
+                            <m:oMathPara xmlns:m="http://schemas.openxmlformats.org/officeDocument/2006/math">
+                              <m:oMathParaPr>
+                                <m:jc m:val="centerGroup"/>
+                              </m:oMathParaPr>
+                              <m:oMath xmlns:m="http://schemas.openxmlformats.org/officeDocument/2006/math">
+                                <m:r>
+                                  <a:rPr lang="en-US" altLang="ko-KR" sz="2000" b="1" i="1" smtClean="0">
+                                    <a:latin typeface="Cambria Math" panose="02040503050406030204" pitchFamily="18" charset="0"/>
+                                  </a:rPr>
+                                  <m:t>𝜸</m:t>
+                                </m:r>
+                              </m:oMath>
+                            </m:oMathPara>
+                          </a14:m>
+                          <a:endParaRPr lang="ko-KR" altLang="en-US" sz="2000" b="1" i="1" dirty="0"/>
+                        </a:p>
+                      </a:txBody>
+                      <a:tcPr anchor="ctr"/>
+                    </a:tc>
+                    <a:tc>
+                      <a:txBody>
+                        <a:bodyPr/>
+                        <a:lstStyle/>
+                        <a:p>
+                          <a:pPr algn="ctr" latinLnBrk="1"/>
+                          <a14:m>
+                            <m:oMathPara xmlns:m="http://schemas.openxmlformats.org/officeDocument/2006/math">
+                              <m:oMathParaPr>
+                                <m:jc m:val="centerGroup"/>
+                              </m:oMathParaPr>
+                              <m:oMath xmlns:m="http://schemas.openxmlformats.org/officeDocument/2006/math">
+                                <m:f>
+                                  <m:fPr>
+                                    <m:type m:val="lin"/>
+                                    <m:ctrlPr>
+                                      <a:rPr kumimoji="0" lang="ko-KR" altLang="en-US" sz="1800" b="0" i="1" u="none" strike="noStrike" kern="1200" cap="none" spc="0" normalizeH="0" baseline="0" noProof="0" smtClean="0">
+                                        <a:ln>
+                                          <a:noFill/>
+                                        </a:ln>
+                                        <a:solidFill>
+                                          <a:prstClr val="black"/>
+                                        </a:solidFill>
+                                        <a:effectLst/>
+                                        <a:uLnTx/>
+                                        <a:uFillTx/>
+                                        <a:latin typeface="Cambria Math" panose="02040503050406030204" pitchFamily="18" charset="0"/>
+                                        <a:cs typeface="+mn-cs"/>
+                                      </a:rPr>
+                                    </m:ctrlPr>
+                                  </m:fPr>
+                                  <m:num>
+                                    <m:r>
+                                      <a:rPr kumimoji="0" lang="en-US" altLang="ko-KR" sz="1800" b="0" i="1" u="none" strike="noStrike" kern="1200" cap="none" spc="0" normalizeH="0" baseline="0" noProof="0" smtClean="0">
+                                        <a:ln>
+                                          <a:noFill/>
+                                        </a:ln>
+                                        <a:solidFill>
+                                          <a:prstClr val="black"/>
+                                        </a:solidFill>
+                                        <a:effectLst/>
+                                        <a:uLnTx/>
+                                        <a:uFillTx/>
+                                        <a:latin typeface="Cambria Math" panose="02040503050406030204" pitchFamily="18" charset="0"/>
+                                        <a:cs typeface="+mn-cs"/>
+                                      </a:rPr>
+                                      <m:t>301</m:t>
+                                    </m:r>
+                                  </m:num>
+                                  <m:den>
+                                    <m:r>
+                                      <a:rPr kumimoji="0" lang="en-US" altLang="ko-KR" sz="1800" b="0" i="1" u="none" strike="noStrike" kern="1200" cap="none" spc="0" normalizeH="0" baseline="0" noProof="0" smtClean="0">
+                                        <a:ln>
+                                          <a:noFill/>
+                                        </a:ln>
+                                        <a:solidFill>
+                                          <a:prstClr val="black"/>
+                                        </a:solidFill>
+                                        <a:effectLst/>
+                                        <a:uLnTx/>
+                                        <a:uFillTx/>
+                                        <a:latin typeface="Cambria Math" panose="02040503050406030204" pitchFamily="18" charset="0"/>
+                                        <a:cs typeface="+mn-cs"/>
+                                      </a:rPr>
+                                      <m:t>256</m:t>
+                                    </m:r>
+                                  </m:den>
+                                </m:f>
+                                <m:r>
+                                  <a:rPr kumimoji="0" lang="en-US" altLang="ko-KR" sz="1800" b="0" i="1" u="none" strike="noStrike" kern="1200" cap="none" spc="0" normalizeH="0" baseline="0" noProof="0" smtClean="0">
+                                    <a:ln>
+                                      <a:noFill/>
+                                    </a:ln>
+                                    <a:solidFill>
+                                      <a:prstClr val="black"/>
+                                    </a:solidFill>
+                                    <a:effectLst/>
+                                    <a:uLnTx/>
+                                    <a:uFillTx/>
+                                    <a:latin typeface="Cambria Math" panose="02040503050406030204" pitchFamily="18" charset="0"/>
+                                    <a:cs typeface="+mn-cs"/>
+                                  </a:rPr>
+                                  <m:t>=1.176</m:t>
+                                </m:r>
+                              </m:oMath>
+                            </m:oMathPara>
+                          </a14:m>
+                          <a:endParaRPr lang="ko-KR" altLang="en-US" dirty="0"/>
+                        </a:p>
+                      </a:txBody>
+                      <a:tcPr/>
+                    </a:tc>
+                    <a:tc>
+                      <a:txBody>
+                        <a:bodyPr/>
+                        <a:lstStyle/>
+                        <a:p>
+                          <a:pPr algn="ctr" latinLnBrk="1"/>
+                          <a14:m>
+                            <m:oMathPara xmlns:m="http://schemas.openxmlformats.org/officeDocument/2006/math">
+                              <m:oMathParaPr>
+                                <m:jc m:val="centerGroup"/>
+                              </m:oMathParaPr>
+                              <m:oMath xmlns:m="http://schemas.openxmlformats.org/officeDocument/2006/math">
+                                <m:f>
+                                  <m:fPr>
+                                    <m:type m:val="lin"/>
+                                    <m:ctrlPr>
+                                      <a:rPr kumimoji="0" lang="ko-KR" altLang="en-US" sz="1800" b="0" i="1" u="none" strike="noStrike" kern="1200" cap="none" spc="0" normalizeH="0" baseline="0" noProof="0" smtClean="0">
+                                        <a:ln>
+                                          <a:noFill/>
+                                        </a:ln>
+                                        <a:solidFill>
+                                          <a:prstClr val="black"/>
+                                        </a:solidFill>
+                                        <a:effectLst/>
+                                        <a:uLnTx/>
+                                        <a:uFillTx/>
+                                        <a:latin typeface="Cambria Math" panose="02040503050406030204" pitchFamily="18" charset="0"/>
+                                        <a:cs typeface="+mn-cs"/>
+                                      </a:rPr>
+                                    </m:ctrlPr>
+                                  </m:fPr>
+                                  <m:num>
+                                    <m:r>
+                                      <a:rPr kumimoji="0" lang="en-US" altLang="ko-KR" sz="1800" b="0" i="1" u="none" strike="noStrike" kern="1200" cap="none" spc="0" normalizeH="0" baseline="0" noProof="0" smtClean="0">
+                                        <a:ln>
+                                          <a:noFill/>
+                                        </a:ln>
+                                        <a:solidFill>
+                                          <a:prstClr val="black"/>
+                                        </a:solidFill>
+                                        <a:effectLst/>
+                                        <a:uLnTx/>
+                                        <a:uFillTx/>
+                                        <a:latin typeface="Cambria Math" panose="02040503050406030204" pitchFamily="18" charset="0"/>
+                                        <a:cs typeface="+mn-cs"/>
+                                      </a:rPr>
+                                      <m:t>7</m:t>
+                                    </m:r>
+                                  </m:num>
+                                  <m:den>
+                                    <m:r>
+                                      <a:rPr kumimoji="0" lang="en-US" altLang="ko-KR" sz="1800" b="0" i="1" u="none" strike="noStrike" kern="1200" cap="none" spc="0" normalizeH="0" baseline="0" noProof="0" smtClean="0">
+                                        <a:ln>
+                                          <a:noFill/>
+                                        </a:ln>
+                                        <a:solidFill>
+                                          <a:prstClr val="black"/>
+                                        </a:solidFill>
+                                        <a:effectLst/>
+                                        <a:uLnTx/>
+                                        <a:uFillTx/>
+                                        <a:latin typeface="Cambria Math" panose="02040503050406030204" pitchFamily="18" charset="0"/>
+                                        <a:cs typeface="+mn-cs"/>
+                                      </a:rPr>
+                                      <m:t>4</m:t>
+                                    </m:r>
+                                  </m:den>
+                                </m:f>
+                              </m:oMath>
+                            </m:oMathPara>
+                          </a14:m>
+                          <a:endParaRPr lang="ko-KR" altLang="en-US" dirty="0"/>
+                        </a:p>
+                      </a:txBody>
+                      <a:tcPr/>
+                    </a:tc>
+                    <a:tc>
+                      <a:txBody>
+                        <a:bodyPr/>
+                        <a:lstStyle/>
+                        <a:p>
+                          <a:pPr algn="ctr" latinLnBrk="1"/>
+                          <a14:m>
+                            <m:oMathPara xmlns:m="http://schemas.openxmlformats.org/officeDocument/2006/math">
+                              <m:oMathParaPr>
+                                <m:jc m:val="centerGroup"/>
+                              </m:oMathParaPr>
+                              <m:oMath xmlns:m="http://schemas.openxmlformats.org/officeDocument/2006/math">
+                                <m:f>
+                                  <m:fPr>
+                                    <m:type m:val="lin"/>
+                                    <m:ctrlPr>
+                                      <a:rPr kumimoji="0" lang="ko-KR" altLang="en-US" sz="1800" b="0" i="1" u="none" strike="noStrike" kern="1200" cap="none" spc="0" normalizeH="0" baseline="0" noProof="0" smtClean="0">
+                                        <a:ln>
+                                          <a:noFill/>
+                                        </a:ln>
+                                        <a:solidFill>
+                                          <a:prstClr val="black"/>
+                                        </a:solidFill>
+                                        <a:effectLst/>
+                                        <a:uLnTx/>
+                                        <a:uFillTx/>
+                                        <a:latin typeface="Cambria Math" panose="02040503050406030204" pitchFamily="18" charset="0"/>
+                                        <a:cs typeface="+mn-cs"/>
+                                      </a:rPr>
+                                    </m:ctrlPr>
+                                  </m:fPr>
+                                  <m:num>
+                                    <m:r>
+                                      <a:rPr kumimoji="0" lang="en-US" altLang="ko-KR" sz="1800" b="0" i="1" u="none" strike="noStrike" kern="1200" cap="none" spc="0" normalizeH="0" baseline="0" noProof="0" smtClean="0">
+                                        <a:ln>
+                                          <a:noFill/>
+                                        </a:ln>
+                                        <a:solidFill>
+                                          <a:prstClr val="black"/>
+                                        </a:solidFill>
+                                        <a:effectLst/>
+                                        <a:uLnTx/>
+                                        <a:uFillTx/>
+                                        <a:latin typeface="Cambria Math" panose="02040503050406030204" pitchFamily="18" charset="0"/>
+                                        <a:cs typeface="+mn-cs"/>
+                                      </a:rPr>
+                                      <m:t>2</m:t>
+                                    </m:r>
+                                  </m:num>
+                                  <m:den>
+                                    <m:d>
+                                      <m:dPr>
+                                        <m:ctrlPr>
+                                          <a:rPr kumimoji="0" lang="en-US" altLang="ko-KR" sz="1800" b="0" i="1" u="none" strike="noStrike" kern="1200" cap="none" spc="0" normalizeH="0" baseline="0" noProof="0" smtClean="0">
+                                            <a:ln>
+                                              <a:noFill/>
+                                            </a:ln>
+                                            <a:solidFill>
+                                              <a:prstClr val="black"/>
+                                            </a:solidFill>
+                                            <a:effectLst/>
+                                            <a:uLnTx/>
+                                            <a:uFillTx/>
+                                            <a:latin typeface="Cambria Math" panose="02040503050406030204" pitchFamily="18" charset="0"/>
+                                            <a:cs typeface="+mn-cs"/>
+                                          </a:rPr>
+                                        </m:ctrlPr>
+                                      </m:dPr>
+                                      <m:e>
+                                        <m:r>
+                                          <a:rPr kumimoji="0" lang="en-US" altLang="ko-KR" sz="1800" b="0" i="1" u="none" strike="noStrike" kern="1200" cap="none" spc="0" normalizeH="0" baseline="0" noProof="0" smtClean="0">
+                                            <a:ln>
+                                              <a:noFill/>
+                                            </a:ln>
+                                            <a:solidFill>
+                                              <a:prstClr val="black"/>
+                                            </a:solidFill>
+                                            <a:effectLst/>
+                                            <a:uLnTx/>
+                                            <a:uFillTx/>
+                                            <a:latin typeface="Cambria Math" panose="02040503050406030204" pitchFamily="18" charset="0"/>
+                                            <a:cs typeface="+mn-cs"/>
+                                          </a:rPr>
+                                          <m:t>𝑑</m:t>
+                                        </m:r>
+                                        <m:r>
+                                          <a:rPr kumimoji="0" lang="en-US" altLang="ko-KR" sz="1800" b="0" i="1" u="none" strike="noStrike" kern="1200" cap="none" spc="0" normalizeH="0" baseline="0" noProof="0" smtClean="0">
+                                            <a:ln>
+                                              <a:noFill/>
+                                            </a:ln>
+                                            <a:solidFill>
+                                              <a:prstClr val="black"/>
+                                            </a:solidFill>
+                                            <a:effectLst/>
+                                            <a:uLnTx/>
+                                            <a:uFillTx/>
+                                            <a:latin typeface="Cambria Math" panose="02040503050406030204" pitchFamily="18" charset="0"/>
+                                            <a:cs typeface="+mn-cs"/>
+                                          </a:rPr>
+                                          <m:t>−2</m:t>
+                                        </m:r>
+                                      </m:e>
+                                    </m:d>
+                                  </m:den>
+                                </m:f>
+                              </m:oMath>
+                            </m:oMathPara>
+                          </a14:m>
+                          <a:endParaRPr lang="ko-KR" altLang="en-US" dirty="0"/>
+                        </a:p>
+                      </a:txBody>
+                      <a:tcPr/>
+                    </a:tc>
+                    <a:extLst>
+                      <a:ext uri="{0D108BD9-81ED-4DB2-BD59-A6C34878D82A}">
+                        <a16:rowId xmlns:a16="http://schemas.microsoft.com/office/drawing/2014/main" val="1194850936"/>
+                      </a:ext>
+                    </a:extLst>
+                  </a:tr>
+                  <a:tr h="370840">
+                    <a:tc>
+                      <a:txBody>
+                        <a:bodyPr/>
+                        <a:lstStyle/>
+                        <a:p>
+                          <a:pPr algn="ctr" latinLnBrk="1"/>
+                          <a14:m>
+                            <m:oMathPara xmlns:m="http://schemas.openxmlformats.org/officeDocument/2006/math">
+                              <m:oMathParaPr>
+                                <m:jc m:val="centerGroup"/>
+                              </m:oMathParaPr>
+                              <m:oMath xmlns:m="http://schemas.openxmlformats.org/officeDocument/2006/math">
+                                <m:r>
+                                  <a:rPr lang="en-US" altLang="ko-KR" sz="2000" b="1" i="1" smtClean="0">
+                                    <a:latin typeface="Cambria Math" panose="02040503050406030204" pitchFamily="18" charset="0"/>
+                                  </a:rPr>
+                                  <m:t>𝜹</m:t>
+                                </m:r>
+                              </m:oMath>
+                            </m:oMathPara>
+                          </a14:m>
+                          <a:endParaRPr lang="ko-KR" altLang="en-US" sz="2000" b="1" i="1" dirty="0"/>
+                        </a:p>
+                      </a:txBody>
+                      <a:tcPr anchor="ctr"/>
+                    </a:tc>
+                    <a:tc>
+                      <a:txBody>
+                        <a:bodyPr/>
+                        <a:lstStyle/>
+                        <a:p>
+                          <a:pPr algn="ctr" latinLnBrk="1"/>
+                          <a14:m>
+                            <m:oMathPara xmlns:m="http://schemas.openxmlformats.org/officeDocument/2006/math">
+                              <m:oMathParaPr>
+                                <m:jc m:val="centerGroup"/>
+                              </m:oMathParaPr>
+                              <m:oMath xmlns:m="http://schemas.openxmlformats.org/officeDocument/2006/math">
+                                <m:f>
+                                  <m:fPr>
+                                    <m:type m:val="lin"/>
+                                    <m:ctrlPr>
+                                      <a:rPr kumimoji="0" lang="ko-KR" altLang="en-US" sz="1800" b="0" i="1" u="none" strike="noStrike" kern="1200" cap="none" spc="0" normalizeH="0" baseline="0" noProof="0" smtClean="0">
+                                        <a:ln>
+                                          <a:noFill/>
+                                        </a:ln>
+                                        <a:solidFill>
+                                          <a:prstClr val="black"/>
+                                        </a:solidFill>
+                                        <a:effectLst/>
+                                        <a:uLnTx/>
+                                        <a:uFillTx/>
+                                        <a:latin typeface="Cambria Math" panose="02040503050406030204" pitchFamily="18" charset="0"/>
+                                        <a:cs typeface="+mn-cs"/>
+                                      </a:rPr>
+                                    </m:ctrlPr>
+                                  </m:fPr>
+                                  <m:num>
+                                    <m:r>
+                                      <a:rPr kumimoji="0" lang="en-US" altLang="ko-KR" sz="1800" b="0" i="1" u="none" strike="noStrike" kern="1200" cap="none" spc="0" normalizeH="0" baseline="0" noProof="0" smtClean="0">
+                                        <a:ln>
+                                          <a:noFill/>
+                                        </a:ln>
+                                        <a:solidFill>
+                                          <a:prstClr val="black"/>
+                                        </a:solidFill>
+                                        <a:effectLst/>
+                                        <a:uLnTx/>
+                                        <a:uFillTx/>
+                                        <a:latin typeface="Cambria Math" panose="02040503050406030204" pitchFamily="18" charset="0"/>
+                                        <a:cs typeface="+mn-cs"/>
+                                      </a:rPr>
+                                      <m:t>143</m:t>
+                                    </m:r>
+                                  </m:num>
+                                  <m:den>
+                                    <m:r>
+                                      <a:rPr kumimoji="0" lang="en-US" altLang="ko-KR" sz="1800" b="0" i="1" u="none" strike="noStrike" kern="1200" cap="none" spc="0" normalizeH="0" baseline="0" noProof="0" smtClean="0">
+                                        <a:ln>
+                                          <a:noFill/>
+                                        </a:ln>
+                                        <a:solidFill>
+                                          <a:prstClr val="black"/>
+                                        </a:solidFill>
+                                        <a:effectLst/>
+                                        <a:uLnTx/>
+                                        <a:uFillTx/>
+                                        <a:latin typeface="Cambria Math" panose="02040503050406030204" pitchFamily="18" charset="0"/>
+                                        <a:cs typeface="+mn-cs"/>
+                                      </a:rPr>
+                                      <m:t>32</m:t>
+                                    </m:r>
+                                  </m:den>
+                                </m:f>
+                                <m:r>
+                                  <a:rPr kumimoji="0" lang="en-US" altLang="ko-KR" sz="1800" b="0" i="1" u="none" strike="noStrike" kern="1200" cap="none" spc="0" normalizeH="0" baseline="0" noProof="0" smtClean="0">
+                                    <a:ln>
+                                      <a:noFill/>
+                                    </a:ln>
+                                    <a:solidFill>
+                                      <a:prstClr val="black"/>
+                                    </a:solidFill>
+                                    <a:effectLst/>
+                                    <a:uLnTx/>
+                                    <a:uFillTx/>
+                                    <a:latin typeface="Cambria Math" panose="02040503050406030204" pitchFamily="18" charset="0"/>
+                                    <a:cs typeface="+mn-cs"/>
+                                  </a:rPr>
+                                  <m:t>=4.469</m:t>
+                                </m:r>
+                              </m:oMath>
+                            </m:oMathPara>
+                          </a14:m>
+                          <a:endParaRPr lang="ko-KR" altLang="en-US" dirty="0"/>
+                        </a:p>
+                      </a:txBody>
+                      <a:tcPr/>
+                    </a:tc>
+                    <a:tc>
+                      <a:txBody>
+                        <a:bodyPr/>
+                        <a:lstStyle/>
+                        <a:p>
+                          <a:pPr algn="ctr" latinLnBrk="1"/>
+                          <a14:m>
+                            <m:oMathPara xmlns:m="http://schemas.openxmlformats.org/officeDocument/2006/math">
+                              <m:oMathParaPr>
+                                <m:jc m:val="centerGroup"/>
+                              </m:oMathParaPr>
+                              <m:oMath xmlns:m="http://schemas.openxmlformats.org/officeDocument/2006/math">
+                                <m:f>
+                                  <m:fPr>
+                                    <m:type m:val="lin"/>
+                                    <m:ctrlPr>
+                                      <a:rPr kumimoji="0" lang="ko-KR" altLang="en-US" sz="1800" b="0" i="1" u="none" strike="noStrike" kern="1200" cap="none" spc="0" normalizeH="0" baseline="0" noProof="0" smtClean="0">
+                                        <a:ln>
+                                          <a:noFill/>
+                                        </a:ln>
+                                        <a:solidFill>
+                                          <a:prstClr val="black"/>
+                                        </a:solidFill>
+                                        <a:effectLst/>
+                                        <a:uLnTx/>
+                                        <a:uFillTx/>
+                                        <a:latin typeface="Cambria Math" panose="02040503050406030204" pitchFamily="18" charset="0"/>
+                                        <a:cs typeface="+mn-cs"/>
+                                      </a:rPr>
+                                    </m:ctrlPr>
+                                  </m:fPr>
+                                  <m:num>
+                                    <m:r>
+                                      <a:rPr kumimoji="0" lang="en-US" altLang="ko-KR" sz="1800" b="0" i="1" u="none" strike="noStrike" kern="1200" cap="none" spc="0" normalizeH="0" baseline="0" noProof="0" smtClean="0">
+                                        <a:ln>
+                                          <a:noFill/>
+                                        </a:ln>
+                                        <a:solidFill>
+                                          <a:prstClr val="black"/>
+                                        </a:solidFill>
+                                        <a:effectLst/>
+                                        <a:uLnTx/>
+                                        <a:uFillTx/>
+                                        <a:latin typeface="Cambria Math" panose="02040503050406030204" pitchFamily="18" charset="0"/>
+                                        <a:cs typeface="+mn-cs"/>
+                                      </a:rPr>
+                                      <m:t>9</m:t>
+                                    </m:r>
+                                  </m:num>
+                                  <m:den>
+                                    <m:r>
+                                      <a:rPr kumimoji="0" lang="en-US" altLang="ko-KR" sz="1800" b="0" i="1" u="none" strike="noStrike" kern="1200" cap="none" spc="0" normalizeH="0" baseline="0" noProof="0" smtClean="0">
+                                        <a:ln>
+                                          <a:noFill/>
+                                        </a:ln>
+                                        <a:solidFill>
+                                          <a:prstClr val="black"/>
+                                        </a:solidFill>
+                                        <a:effectLst/>
+                                        <a:uLnTx/>
+                                        <a:uFillTx/>
+                                        <a:latin typeface="Cambria Math" panose="02040503050406030204" pitchFamily="18" charset="0"/>
+                                        <a:cs typeface="+mn-cs"/>
+                                      </a:rPr>
+                                      <m:t>2</m:t>
+                                    </m:r>
+                                  </m:den>
+                                </m:f>
+                              </m:oMath>
+                            </m:oMathPara>
+                          </a14:m>
+                          <a:endParaRPr lang="ko-KR" altLang="en-US" dirty="0"/>
+                        </a:p>
+                      </a:txBody>
+                      <a:tcPr/>
+                    </a:tc>
+                    <a:tc>
+                      <a:txBody>
+                        <a:bodyPr/>
+                        <a:lstStyle/>
+                        <a:p>
+                          <a:pPr algn="ctr" latinLnBrk="1"/>
+                          <a14:m>
+                            <m:oMathPara xmlns:m="http://schemas.openxmlformats.org/officeDocument/2006/math">
+                              <m:oMathParaPr>
+                                <m:jc m:val="centerGroup"/>
+                              </m:oMathParaPr>
+                              <m:oMath xmlns:m="http://schemas.openxmlformats.org/officeDocument/2006/math">
+                                <m:f>
+                                  <m:fPr>
+                                    <m:type m:val="lin"/>
+                                    <m:ctrlPr>
+                                      <a:rPr kumimoji="0" lang="ko-KR" altLang="en-US" sz="1800" b="0" i="1" u="none" strike="noStrike" kern="1200" cap="none" spc="0" normalizeH="0" baseline="0" noProof="0" smtClean="0">
+                                        <a:ln>
+                                          <a:noFill/>
+                                        </a:ln>
+                                        <a:solidFill>
+                                          <a:prstClr val="black"/>
+                                        </a:solidFill>
+                                        <a:effectLst/>
+                                        <a:uLnTx/>
+                                        <a:uFillTx/>
+                                        <a:latin typeface="Cambria Math" panose="02040503050406030204" pitchFamily="18" charset="0"/>
+                                        <a:cs typeface="+mn-cs"/>
+                                      </a:rPr>
+                                    </m:ctrlPr>
+                                  </m:fPr>
+                                  <m:num>
+                                    <m:d>
+                                      <m:dPr>
+                                        <m:ctrlPr>
+                                          <a:rPr kumimoji="0" lang="en-US" altLang="ko-KR" sz="1800" b="0" i="1" u="none" strike="noStrike" kern="1200" cap="none" spc="0" normalizeH="0" baseline="0" noProof="0" smtClean="0">
+                                            <a:ln>
+                                              <a:noFill/>
+                                            </a:ln>
+                                            <a:solidFill>
+                                              <a:prstClr val="black"/>
+                                            </a:solidFill>
+                                            <a:effectLst/>
+                                            <a:uLnTx/>
+                                            <a:uFillTx/>
+                                            <a:latin typeface="Cambria Math" panose="02040503050406030204" pitchFamily="18" charset="0"/>
+                                            <a:cs typeface="+mn-cs"/>
+                                          </a:rPr>
+                                        </m:ctrlPr>
+                                      </m:dPr>
+                                      <m:e>
+                                        <m:r>
+                                          <a:rPr kumimoji="0" lang="en-US" altLang="ko-KR" sz="1800" b="0" i="1" u="none" strike="noStrike" kern="1200" cap="none" spc="0" normalizeH="0" baseline="0" noProof="0" smtClean="0">
+                                            <a:ln>
+                                              <a:noFill/>
+                                            </a:ln>
+                                            <a:solidFill>
+                                              <a:prstClr val="black"/>
+                                            </a:solidFill>
+                                            <a:effectLst/>
+                                            <a:uLnTx/>
+                                            <a:uFillTx/>
+                                            <a:latin typeface="Cambria Math" panose="02040503050406030204" pitchFamily="18" charset="0"/>
+                                            <a:cs typeface="+mn-cs"/>
+                                          </a:rPr>
+                                          <m:t>𝑑</m:t>
+                                        </m:r>
+                                        <m:r>
+                                          <a:rPr kumimoji="0" lang="en-US" altLang="ko-KR" sz="1800" b="0" i="1" u="none" strike="noStrike" kern="1200" cap="none" spc="0" normalizeH="0" baseline="0" noProof="0" smtClean="0">
+                                            <a:ln>
+                                              <a:noFill/>
+                                            </a:ln>
+                                            <a:solidFill>
+                                              <a:prstClr val="black"/>
+                                            </a:solidFill>
+                                            <a:effectLst/>
+                                            <a:uLnTx/>
+                                            <a:uFillTx/>
+                                            <a:latin typeface="Cambria Math" panose="02040503050406030204" pitchFamily="18" charset="0"/>
+                                            <a:cs typeface="+mn-cs"/>
+                                          </a:rPr>
+                                          <m:t>+2</m:t>
+                                        </m:r>
+                                      </m:e>
+                                    </m:d>
+                                  </m:num>
+                                  <m:den>
+                                    <m:d>
+                                      <m:dPr>
+                                        <m:ctrlPr>
+                                          <a:rPr kumimoji="0" lang="en-US" altLang="ko-KR" sz="1800" b="0" i="1" u="none" strike="noStrike" kern="1200" cap="none" spc="0" normalizeH="0" baseline="0" noProof="0" smtClean="0">
+                                            <a:ln>
+                                              <a:noFill/>
+                                            </a:ln>
+                                            <a:solidFill>
+                                              <a:prstClr val="black"/>
+                                            </a:solidFill>
+                                            <a:effectLst/>
+                                            <a:uLnTx/>
+                                            <a:uFillTx/>
+                                            <a:latin typeface="Cambria Math" panose="02040503050406030204" pitchFamily="18" charset="0"/>
+                                            <a:cs typeface="+mn-cs"/>
+                                          </a:rPr>
+                                        </m:ctrlPr>
+                                      </m:dPr>
+                                      <m:e>
+                                        <m:r>
+                                          <a:rPr kumimoji="0" lang="en-US" altLang="ko-KR" sz="1800" b="0" i="1" u="none" strike="noStrike" kern="1200" cap="none" spc="0" normalizeH="0" baseline="0" noProof="0" smtClean="0">
+                                            <a:ln>
+                                              <a:noFill/>
+                                            </a:ln>
+                                            <a:solidFill>
+                                              <a:prstClr val="black"/>
+                                            </a:solidFill>
+                                            <a:effectLst/>
+                                            <a:uLnTx/>
+                                            <a:uFillTx/>
+                                            <a:latin typeface="Cambria Math" panose="02040503050406030204" pitchFamily="18" charset="0"/>
+                                            <a:cs typeface="+mn-cs"/>
+                                          </a:rPr>
+                                          <m:t>𝑑</m:t>
+                                        </m:r>
+                                        <m:r>
+                                          <a:rPr kumimoji="0" lang="en-US" altLang="ko-KR" sz="1800" b="0" i="1" u="none" strike="noStrike" kern="1200" cap="none" spc="0" normalizeH="0" baseline="0" noProof="0" smtClean="0">
+                                            <a:ln>
+                                              <a:noFill/>
+                                            </a:ln>
+                                            <a:solidFill>
+                                              <a:prstClr val="black"/>
+                                            </a:solidFill>
+                                            <a:effectLst/>
+                                            <a:uLnTx/>
+                                            <a:uFillTx/>
+                                            <a:latin typeface="Cambria Math" panose="02040503050406030204" pitchFamily="18" charset="0"/>
+                                            <a:cs typeface="+mn-cs"/>
+                                          </a:rPr>
+                                          <m:t>−2</m:t>
+                                        </m:r>
+                                      </m:e>
+                                    </m:d>
+                                  </m:den>
+                                </m:f>
+                              </m:oMath>
+                            </m:oMathPara>
+                          </a14:m>
+                          <a:endParaRPr lang="ko-KR" altLang="en-US" dirty="0"/>
+                        </a:p>
+                      </a:txBody>
+                      <a:tcPr/>
+                    </a:tc>
+                    <a:extLst>
+                      <a:ext uri="{0D108BD9-81ED-4DB2-BD59-A6C34878D82A}">
+                        <a16:rowId xmlns:a16="http://schemas.microsoft.com/office/drawing/2014/main" val="186033924"/>
+                      </a:ext>
+                    </a:extLst>
+                  </a:tr>
+                  <a:tr h="370840">
+                    <a:tc>
+                      <a:txBody>
+                        <a:bodyPr/>
+                        <a:lstStyle/>
+                        <a:p>
+                          <a:pPr algn="ctr" latinLnBrk="1"/>
+                          <a14:m>
+                            <m:oMathPara xmlns:m="http://schemas.openxmlformats.org/officeDocument/2006/math">
+                              <m:oMathParaPr>
+                                <m:jc m:val="centerGroup"/>
+                              </m:oMathParaPr>
+                              <m:oMath xmlns:m="http://schemas.openxmlformats.org/officeDocument/2006/math">
+                                <m:r>
+                                  <a:rPr lang="en-US" altLang="ko-KR" sz="2000" b="1" i="1" smtClean="0">
+                                    <a:latin typeface="Cambria Math" panose="02040503050406030204" pitchFamily="18" charset="0"/>
+                                  </a:rPr>
+                                  <m:t>𝝂</m:t>
+                                </m:r>
+                              </m:oMath>
+                            </m:oMathPara>
+                          </a14:m>
+                          <a:endParaRPr lang="ko-KR" altLang="en-US" sz="2000" b="1" i="1" dirty="0"/>
+                        </a:p>
+                      </a:txBody>
+                      <a:tcPr anchor="ctr"/>
+                    </a:tc>
+                    <a:tc>
+                      <a:txBody>
+                        <a:bodyPr/>
+                        <a:lstStyle/>
+                        <a:p>
+                          <a:pPr algn="ctr" latinLnBrk="1"/>
+                          <a14:m>
+                            <m:oMathPara xmlns:m="http://schemas.openxmlformats.org/officeDocument/2006/math">
+                              <m:oMathParaPr>
+                                <m:jc m:val="centerGroup"/>
+                              </m:oMathParaPr>
+                              <m:oMath xmlns:m="http://schemas.openxmlformats.org/officeDocument/2006/math">
+                                <m:f>
+                                  <m:fPr>
+                                    <m:type m:val="lin"/>
+                                    <m:ctrlPr>
+                                      <a:rPr kumimoji="0" lang="ko-KR" altLang="en-US" sz="1800" b="0" i="1" u="none" strike="noStrike" kern="1200" cap="none" spc="0" normalizeH="0" baseline="0" noProof="0" smtClean="0">
+                                        <a:ln>
+                                          <a:noFill/>
+                                        </a:ln>
+                                        <a:solidFill>
+                                          <a:prstClr val="black"/>
+                                        </a:solidFill>
+                                        <a:effectLst/>
+                                        <a:uLnTx/>
+                                        <a:uFillTx/>
+                                        <a:latin typeface="Cambria Math" panose="02040503050406030204" pitchFamily="18" charset="0"/>
+                                        <a:cs typeface="+mn-cs"/>
+                                      </a:rPr>
+                                    </m:ctrlPr>
+                                  </m:fPr>
+                                  <m:num>
+                                    <m:r>
+                                      <a:rPr kumimoji="0" lang="en-US" altLang="ko-KR" sz="1800" b="0" i="1" u="none" strike="noStrike" kern="1200" cap="none" spc="0" normalizeH="0" baseline="0" noProof="0" smtClean="0">
+                                        <a:ln>
+                                          <a:noFill/>
+                                        </a:ln>
+                                        <a:solidFill>
+                                          <a:prstClr val="black"/>
+                                        </a:solidFill>
+                                        <a:effectLst/>
+                                        <a:uLnTx/>
+                                        <a:uFillTx/>
+                                        <a:latin typeface="Cambria Math" panose="02040503050406030204" pitchFamily="18" charset="0"/>
+                                        <a:cs typeface="+mn-cs"/>
+                                      </a:rPr>
+                                      <m:t>303</m:t>
+                                    </m:r>
+                                  </m:num>
+                                  <m:den>
+                                    <m:r>
+                                      <a:rPr kumimoji="0" lang="en-US" altLang="ko-KR" sz="1800" b="0" i="1" u="none" strike="noStrike" kern="1200" cap="none" spc="0" normalizeH="0" baseline="0" noProof="0" smtClean="0">
+                                        <a:ln>
+                                          <a:noFill/>
+                                        </a:ln>
+                                        <a:solidFill>
+                                          <a:prstClr val="black"/>
+                                        </a:solidFill>
+                                        <a:effectLst/>
+                                        <a:uLnTx/>
+                                        <a:uFillTx/>
+                                        <a:latin typeface="Cambria Math" panose="02040503050406030204" pitchFamily="18" charset="0"/>
+                                        <a:cs typeface="+mn-cs"/>
+                                      </a:rPr>
+                                      <m:t>512</m:t>
+                                    </m:r>
+                                  </m:den>
+                                </m:f>
+                                <m:r>
+                                  <a:rPr kumimoji="0" lang="en-US" altLang="ko-KR" sz="1800" b="0" i="1" u="none" strike="noStrike" kern="1200" cap="none" spc="0" normalizeH="0" baseline="0" noProof="0" smtClean="0">
+                                    <a:ln>
+                                      <a:noFill/>
+                                    </a:ln>
+                                    <a:solidFill>
+                                      <a:prstClr val="black"/>
+                                    </a:solidFill>
+                                    <a:effectLst/>
+                                    <a:uLnTx/>
+                                    <a:uFillTx/>
+                                    <a:latin typeface="Cambria Math" panose="02040503050406030204" pitchFamily="18" charset="0"/>
+                                    <a:cs typeface="+mn-cs"/>
+                                  </a:rPr>
+                                  <m:t>=0.592</m:t>
+                                </m:r>
+                              </m:oMath>
+                            </m:oMathPara>
+                          </a14:m>
+                          <a:endParaRPr lang="ko-KR" altLang="en-US" dirty="0"/>
+                        </a:p>
+                      </a:txBody>
+                      <a:tcPr/>
+                    </a:tc>
+                    <a:tc>
+                      <a:txBody>
+                        <a:bodyPr/>
+                        <a:lstStyle/>
+                        <a:p>
+                          <a:pPr algn="ctr" latinLnBrk="1"/>
+                          <a14:m>
+                            <m:oMathPara xmlns:m="http://schemas.openxmlformats.org/officeDocument/2006/math">
+                              <m:oMathParaPr>
+                                <m:jc m:val="centerGroup"/>
+                              </m:oMathParaPr>
+                              <m:oMath xmlns:m="http://schemas.openxmlformats.org/officeDocument/2006/math">
+                                <m:f>
+                                  <m:fPr>
+                                    <m:type m:val="lin"/>
+                                    <m:ctrlPr>
+                                      <a:rPr kumimoji="0" lang="ko-KR" altLang="en-US" sz="1800" b="0" i="1" u="none" strike="noStrike" kern="1200" cap="none" spc="0" normalizeH="0" baseline="0" noProof="0" smtClean="0">
+                                        <a:ln>
+                                          <a:noFill/>
+                                        </a:ln>
+                                        <a:solidFill>
+                                          <a:prstClr val="black"/>
+                                        </a:solidFill>
+                                        <a:effectLst/>
+                                        <a:uLnTx/>
+                                        <a:uFillTx/>
+                                        <a:latin typeface="Cambria Math" panose="02040503050406030204" pitchFamily="18" charset="0"/>
+                                        <a:cs typeface="+mn-cs"/>
+                                      </a:rPr>
+                                    </m:ctrlPr>
+                                  </m:fPr>
+                                  <m:num>
+                                    <m:r>
+                                      <a:rPr kumimoji="0" lang="en-US" altLang="ko-KR" sz="1800" b="0" i="1" u="none" strike="noStrike" kern="1200" cap="none" spc="0" normalizeH="0" baseline="0" noProof="0" smtClean="0">
+                                        <a:ln>
+                                          <a:noFill/>
+                                        </a:ln>
+                                        <a:solidFill>
+                                          <a:prstClr val="black"/>
+                                        </a:solidFill>
+                                        <a:effectLst/>
+                                        <a:uLnTx/>
+                                        <a:uFillTx/>
+                                        <a:latin typeface="Cambria Math" panose="02040503050406030204" pitchFamily="18" charset="0"/>
+                                        <a:cs typeface="+mn-cs"/>
+                                      </a:rPr>
+                                      <m:t>7</m:t>
+                                    </m:r>
+                                  </m:num>
+                                  <m:den>
+                                    <m:r>
+                                      <a:rPr kumimoji="0" lang="en-US" altLang="ko-KR" sz="1800" b="0" i="1" u="none" strike="noStrike" kern="1200" cap="none" spc="0" normalizeH="0" baseline="0" noProof="0" smtClean="0">
+                                        <a:ln>
+                                          <a:noFill/>
+                                        </a:ln>
+                                        <a:solidFill>
+                                          <a:prstClr val="black"/>
+                                        </a:solidFill>
+                                        <a:effectLst/>
+                                        <a:uLnTx/>
+                                        <a:uFillTx/>
+                                        <a:latin typeface="Cambria Math" panose="02040503050406030204" pitchFamily="18" charset="0"/>
+                                        <a:cs typeface="+mn-cs"/>
+                                      </a:rPr>
+                                      <m:t>8</m:t>
+                                    </m:r>
+                                  </m:den>
+                                </m:f>
+                              </m:oMath>
+                            </m:oMathPara>
+                          </a14:m>
+                          <a:endParaRPr lang="ko-KR" altLang="en-US" dirty="0"/>
+                        </a:p>
+                      </a:txBody>
+                      <a:tcPr/>
+                    </a:tc>
+                    <a:tc>
+                      <a:txBody>
+                        <a:bodyPr/>
+                        <a:lstStyle/>
+                        <a:p>
+                          <a:pPr algn="ctr" latinLnBrk="1"/>
+                          <a14:m>
+                            <m:oMathPara xmlns:m="http://schemas.openxmlformats.org/officeDocument/2006/math">
+                              <m:oMathParaPr>
+                                <m:jc m:val="centerGroup"/>
+                              </m:oMathParaPr>
+                              <m:oMath xmlns:m="http://schemas.openxmlformats.org/officeDocument/2006/math">
+                                <m:f>
+                                  <m:fPr>
+                                    <m:type m:val="lin"/>
+                                    <m:ctrlPr>
+                                      <a:rPr kumimoji="0" lang="ko-KR" altLang="en-US" sz="1800" b="0" i="1" u="none" strike="noStrike" kern="1200" cap="none" spc="0" normalizeH="0" baseline="0" noProof="0" smtClean="0">
+                                        <a:ln>
+                                          <a:noFill/>
+                                        </a:ln>
+                                        <a:solidFill>
+                                          <a:prstClr val="black"/>
+                                        </a:solidFill>
+                                        <a:effectLst/>
+                                        <a:uLnTx/>
+                                        <a:uFillTx/>
+                                        <a:latin typeface="Cambria Math" panose="02040503050406030204" pitchFamily="18" charset="0"/>
+                                        <a:cs typeface="+mn-cs"/>
+                                      </a:rPr>
+                                    </m:ctrlPr>
+                                  </m:fPr>
+                                  <m:num>
+                                    <m:r>
+                                      <a:rPr kumimoji="0" lang="en-US" altLang="ko-KR" sz="1800" b="0" i="1" u="none" strike="noStrike" kern="1200" cap="none" spc="0" normalizeH="0" baseline="0" noProof="0" smtClean="0">
+                                        <a:ln>
+                                          <a:noFill/>
+                                        </a:ln>
+                                        <a:solidFill>
+                                          <a:prstClr val="black"/>
+                                        </a:solidFill>
+                                        <a:effectLst/>
+                                        <a:uLnTx/>
+                                        <a:uFillTx/>
+                                        <a:latin typeface="Cambria Math" panose="02040503050406030204" pitchFamily="18" charset="0"/>
+                                        <a:cs typeface="+mn-cs"/>
+                                      </a:rPr>
+                                      <m:t>1</m:t>
+                                    </m:r>
+                                  </m:num>
+                                  <m:den>
+                                    <m:d>
+                                      <m:dPr>
+                                        <m:ctrlPr>
+                                          <a:rPr kumimoji="0" lang="en-US" altLang="ko-KR" sz="1800" b="0" i="1" u="none" strike="noStrike" kern="1200" cap="none" spc="0" normalizeH="0" baseline="0" noProof="0" smtClean="0">
+                                            <a:ln>
+                                              <a:noFill/>
+                                            </a:ln>
+                                            <a:solidFill>
+                                              <a:prstClr val="black"/>
+                                            </a:solidFill>
+                                            <a:effectLst/>
+                                            <a:uLnTx/>
+                                            <a:uFillTx/>
+                                            <a:latin typeface="Cambria Math" panose="02040503050406030204" pitchFamily="18" charset="0"/>
+                                            <a:cs typeface="+mn-cs"/>
+                                          </a:rPr>
+                                        </m:ctrlPr>
+                                      </m:dPr>
+                                      <m:e>
+                                        <m:r>
+                                          <a:rPr kumimoji="0" lang="en-US" altLang="ko-KR" sz="1800" b="0" i="1" u="none" strike="noStrike" kern="1200" cap="none" spc="0" normalizeH="0" baseline="0" noProof="0" smtClean="0">
+                                            <a:ln>
+                                              <a:noFill/>
+                                            </a:ln>
+                                            <a:solidFill>
+                                              <a:prstClr val="black"/>
+                                            </a:solidFill>
+                                            <a:effectLst/>
+                                            <a:uLnTx/>
+                                            <a:uFillTx/>
+                                            <a:latin typeface="Cambria Math" panose="02040503050406030204" pitchFamily="18" charset="0"/>
+                                            <a:cs typeface="+mn-cs"/>
+                                          </a:rPr>
+                                          <m:t>𝑑</m:t>
+                                        </m:r>
+                                        <m:r>
+                                          <a:rPr kumimoji="0" lang="en-US" altLang="ko-KR" sz="1800" b="0" i="1" u="none" strike="noStrike" kern="1200" cap="none" spc="0" normalizeH="0" baseline="0" noProof="0" smtClean="0">
+                                            <a:ln>
+                                              <a:noFill/>
+                                            </a:ln>
+                                            <a:solidFill>
+                                              <a:prstClr val="black"/>
+                                            </a:solidFill>
+                                            <a:effectLst/>
+                                            <a:uLnTx/>
+                                            <a:uFillTx/>
+                                            <a:latin typeface="Cambria Math" panose="02040503050406030204" pitchFamily="18" charset="0"/>
+                                            <a:cs typeface="+mn-cs"/>
+                                          </a:rPr>
+                                          <m:t>−2</m:t>
+                                        </m:r>
+                                      </m:e>
+                                    </m:d>
+                                  </m:den>
+                                </m:f>
+                              </m:oMath>
+                            </m:oMathPara>
+                          </a14:m>
+                          <a:endParaRPr lang="ko-KR" altLang="en-US" dirty="0"/>
+                        </a:p>
+                      </a:txBody>
+                      <a:tcPr/>
+                    </a:tc>
+                    <a:extLst>
+                      <a:ext uri="{0D108BD9-81ED-4DB2-BD59-A6C34878D82A}">
+                        <a16:rowId xmlns:a16="http://schemas.microsoft.com/office/drawing/2014/main" val="1723006947"/>
+                      </a:ext>
+                    </a:extLst>
+                  </a:tr>
+                  <a:tr h="370840">
+                    <a:tc>
+                      <a:txBody>
+                        <a:bodyPr/>
+                        <a:lstStyle/>
+                        <a:p>
+                          <a:pPr algn="ctr" latinLnBrk="1"/>
+                          <a14:m>
+                            <m:oMathPara xmlns:m="http://schemas.openxmlformats.org/officeDocument/2006/math">
+                              <m:oMathParaPr>
+                                <m:jc m:val="centerGroup"/>
+                              </m:oMathParaPr>
+                              <m:oMath xmlns:m="http://schemas.openxmlformats.org/officeDocument/2006/math">
+                                <m:r>
+                                  <a:rPr lang="en-US" altLang="ko-KR" sz="2000" b="1" i="1" smtClean="0">
+                                    <a:latin typeface="Cambria Math" panose="02040503050406030204" pitchFamily="18" charset="0"/>
+                                  </a:rPr>
+                                  <m:t>𝜼</m:t>
+                                </m:r>
+                              </m:oMath>
+                            </m:oMathPara>
+                          </a14:m>
+                          <a:endParaRPr lang="ko-KR" altLang="en-US" sz="2000" b="1" i="1" dirty="0"/>
+                        </a:p>
+                      </a:txBody>
+                      <a:tcPr anchor="ctr"/>
+                    </a:tc>
+                    <a:tc>
+                      <a:txBody>
+                        <a:bodyPr/>
+                        <a:lstStyle/>
+                        <a:p>
+                          <a:pPr algn="ctr" latinLnBrk="1"/>
+                          <a14:m>
+                            <m:oMathPara xmlns:m="http://schemas.openxmlformats.org/officeDocument/2006/math">
+                              <m:oMathParaPr>
+                                <m:jc m:val="centerGroup"/>
+                              </m:oMathParaPr>
+                              <m:oMath xmlns:m="http://schemas.openxmlformats.org/officeDocument/2006/math">
+                                <m:f>
+                                  <m:fPr>
+                                    <m:type m:val="lin"/>
+                                    <m:ctrlPr>
+                                      <a:rPr kumimoji="0" lang="ko-KR" altLang="en-US" sz="1800" b="0" i="1" u="none" strike="noStrike" kern="1200" cap="none" spc="0" normalizeH="0" baseline="0" noProof="0" smtClean="0">
+                                        <a:ln>
+                                          <a:noFill/>
+                                        </a:ln>
+                                        <a:solidFill>
+                                          <a:prstClr val="black"/>
+                                        </a:solidFill>
+                                        <a:effectLst/>
+                                        <a:uLnTx/>
+                                        <a:uFillTx/>
+                                        <a:latin typeface="Cambria Math" panose="02040503050406030204" pitchFamily="18" charset="0"/>
+                                        <a:cs typeface="+mn-cs"/>
+                                      </a:rPr>
+                                    </m:ctrlPr>
+                                  </m:fPr>
+                                  <m:num>
+                                    <m:r>
+                                      <a:rPr kumimoji="0" lang="en-US" altLang="ko-KR" sz="1800" b="0" i="1" u="none" strike="noStrike" kern="1200" cap="none" spc="0" normalizeH="0" baseline="0" noProof="0" smtClean="0">
+                                        <a:ln>
+                                          <a:noFill/>
+                                        </a:ln>
+                                        <a:solidFill>
+                                          <a:prstClr val="black"/>
+                                        </a:solidFill>
+                                        <a:effectLst/>
+                                        <a:uLnTx/>
+                                        <a:uFillTx/>
+                                        <a:latin typeface="Cambria Math" panose="02040503050406030204" pitchFamily="18" charset="0"/>
+                                        <a:cs typeface="+mn-cs"/>
+                                      </a:rPr>
+                                      <m:t>1</m:t>
+                                    </m:r>
+                                  </m:num>
+                                  <m:den>
+                                    <m:r>
+                                      <a:rPr kumimoji="0" lang="en-US" altLang="ko-KR" sz="1800" b="0" i="1" u="none" strike="noStrike" kern="1200" cap="none" spc="0" normalizeH="0" baseline="0" noProof="0" smtClean="0">
+                                        <a:ln>
+                                          <a:noFill/>
+                                        </a:ln>
+                                        <a:solidFill>
+                                          <a:prstClr val="black"/>
+                                        </a:solidFill>
+                                        <a:effectLst/>
+                                        <a:uLnTx/>
+                                        <a:uFillTx/>
+                                        <a:latin typeface="Cambria Math" panose="02040503050406030204" pitchFamily="18" charset="0"/>
+                                        <a:cs typeface="+mn-cs"/>
+                                      </a:rPr>
+                                      <m:t>64</m:t>
+                                    </m:r>
+                                  </m:den>
+                                </m:f>
+                                <m:r>
+                                  <a:rPr kumimoji="0" lang="en-US" altLang="ko-KR" sz="1800" b="0" i="1" u="none" strike="noStrike" kern="1200" cap="none" spc="0" normalizeH="0" baseline="0" noProof="0" smtClean="0">
+                                    <a:ln>
+                                      <a:noFill/>
+                                    </a:ln>
+                                    <a:solidFill>
+                                      <a:prstClr val="black"/>
+                                    </a:solidFill>
+                                    <a:effectLst/>
+                                    <a:uLnTx/>
+                                    <a:uFillTx/>
+                                    <a:latin typeface="Cambria Math" panose="02040503050406030204" pitchFamily="18" charset="0"/>
+                                    <a:cs typeface="+mn-cs"/>
+                                  </a:rPr>
+                                  <m:t>=0.016</m:t>
+                                </m:r>
+                              </m:oMath>
+                            </m:oMathPara>
+                          </a14:m>
+                          <a:endParaRPr lang="ko-KR" altLang="en-US" dirty="0"/>
+                        </a:p>
+                      </a:txBody>
+                      <a:tcPr/>
+                    </a:tc>
+                    <a:tc>
+                      <a:txBody>
+                        <a:bodyPr/>
+                        <a:lstStyle/>
+                        <a:p>
+                          <a:pPr algn="ctr" latinLnBrk="1"/>
+                          <a14:m>
+                            <m:oMathPara xmlns:m="http://schemas.openxmlformats.org/officeDocument/2006/math">
+                              <m:oMathParaPr>
+                                <m:jc m:val="centerGroup"/>
+                              </m:oMathParaPr>
+                              <m:oMath xmlns:m="http://schemas.openxmlformats.org/officeDocument/2006/math">
+                                <m:r>
+                                  <a:rPr kumimoji="0" lang="en-US" altLang="ko-KR" sz="1800" b="0" i="1" u="none" strike="noStrike" kern="1200" cap="none" spc="0" normalizeH="0" baseline="0" noProof="0" smtClean="0">
+                                    <a:ln>
+                                      <a:noFill/>
+                                    </a:ln>
+                                    <a:solidFill>
+                                      <a:prstClr val="black"/>
+                                    </a:solidFill>
+                                    <a:effectLst/>
+                                    <a:uLnTx/>
+                                    <a:uFillTx/>
+                                    <a:latin typeface="Cambria Math" panose="02040503050406030204" pitchFamily="18" charset="0"/>
+                                    <a:cs typeface="+mn-cs"/>
+                                  </a:rPr>
+                                  <m:t>0</m:t>
+                                </m:r>
+                              </m:oMath>
+                            </m:oMathPara>
+                          </a14:m>
+                          <a:endParaRPr lang="ko-KR" altLang="en-US" dirty="0"/>
+                        </a:p>
+                      </a:txBody>
+                      <a:tcPr/>
+                    </a:tc>
+                    <a:tc>
+                      <a:txBody>
+                        <a:bodyPr/>
+                        <a:lstStyle/>
+                        <a:p>
+                          <a:pPr algn="ctr" latinLnBrk="1"/>
+                          <a14:m>
+                            <m:oMathPara xmlns:m="http://schemas.openxmlformats.org/officeDocument/2006/math">
+                              <m:oMathParaPr>
+                                <m:jc m:val="centerGroup"/>
+                              </m:oMathParaPr>
+                              <m:oMath xmlns:m="http://schemas.openxmlformats.org/officeDocument/2006/math">
+                                <m:r>
+                                  <a:rPr lang="en-US" altLang="ko-KR" b="0" i="1" smtClean="0">
+                                    <a:latin typeface="Cambria Math" panose="02040503050406030204" pitchFamily="18" charset="0"/>
+                                  </a:rPr>
+                                  <m:t>0</m:t>
+                                </m:r>
+                              </m:oMath>
+                            </m:oMathPara>
+                          </a14:m>
+                          <a:endParaRPr lang="ko-KR" altLang="en-US" dirty="0"/>
+                        </a:p>
+                      </a:txBody>
+                      <a:tcPr/>
+                    </a:tc>
+                    <a:extLst>
+                      <a:ext uri="{0D108BD9-81ED-4DB2-BD59-A6C34878D82A}">
+                        <a16:rowId xmlns:a16="http://schemas.microsoft.com/office/drawing/2014/main" val="1313305172"/>
+                      </a:ext>
+                    </a:extLst>
+                  </a:tr>
+                </a:tbl>
+              </a:graphicData>
+            </a:graphic>
+          </p:graphicFrame>
+        </mc:Choice>
+        <mc:Fallback xmlns="">
+          <p:graphicFrame>
+            <p:nvGraphicFramePr>
+              <p:cNvPr id="5" name="Table 5">
+                <a:extLst>
+                  <a:ext uri="{FF2B5EF4-FFF2-40B4-BE49-F238E27FC236}">
+                    <a16:creationId xmlns:a16="http://schemas.microsoft.com/office/drawing/2014/main" id="{A679695A-C065-7D2C-79A5-06E0451101AD}"/>
+                  </a:ext>
+                </a:extLst>
+              </p:cNvPr>
+              <p:cNvGraphicFramePr>
+                <a:graphicFrameLocks noGrp="1"/>
+              </p:cNvGraphicFramePr>
+              <p:nvPr>
+                <p:extLst>
+                  <p:ext uri="{D42A27DB-BD31-4B8C-83A1-F6EECF244321}">
+                    <p14:modId xmlns:p14="http://schemas.microsoft.com/office/powerpoint/2010/main" val="1972436347"/>
+                  </p:ext>
+                </p:extLst>
+              </p:nvPr>
+            </p:nvGraphicFramePr>
+            <p:xfrm>
+              <a:off x="838200" y="1874389"/>
+              <a:ext cx="10515600" cy="4500880"/>
+            </p:xfrm>
+            <a:graphic>
+              <a:graphicData uri="http://schemas.openxmlformats.org/drawingml/2006/table">
+                <a:tbl>
+                  <a:tblPr firstRow="1" bandRow="1">
+                    <a:tableStyleId>{793D81CF-94F2-401A-BA57-92F5A7B2D0C5}</a:tableStyleId>
+                  </a:tblPr>
+                  <a:tblGrid>
+                    <a:gridCol w="2628900">
+                      <a:extLst>
+                        <a:ext uri="{9D8B030D-6E8A-4147-A177-3AD203B41FA5}">
+                          <a16:colId xmlns:a16="http://schemas.microsoft.com/office/drawing/2014/main" val="817749264"/>
+                        </a:ext>
+                      </a:extLst>
+                    </a:gridCol>
+                    <a:gridCol w="2628900">
+                      <a:extLst>
+                        <a:ext uri="{9D8B030D-6E8A-4147-A177-3AD203B41FA5}">
+                          <a16:colId xmlns:a16="http://schemas.microsoft.com/office/drawing/2014/main" val="1391012440"/>
+                        </a:ext>
+                      </a:extLst>
+                    </a:gridCol>
+                    <a:gridCol w="2628900">
+                      <a:extLst>
+                        <a:ext uri="{9D8B030D-6E8A-4147-A177-3AD203B41FA5}">
+                          <a16:colId xmlns:a16="http://schemas.microsoft.com/office/drawing/2014/main" val="2109227712"/>
+                        </a:ext>
+                      </a:extLst>
+                    </a:gridCol>
+                    <a:gridCol w="2628900">
+                      <a:extLst>
+                        <a:ext uri="{9D8B030D-6E8A-4147-A177-3AD203B41FA5}">
+                          <a16:colId xmlns:a16="http://schemas.microsoft.com/office/drawing/2014/main" val="800062085"/>
+                        </a:ext>
+                      </a:extLst>
+                    </a:gridCol>
+                  </a:tblGrid>
+                  <a:tr h="640080">
+                    <a:tc>
+                      <a:txBody>
+                        <a:bodyPr/>
+                        <a:lstStyle/>
+                        <a:p>
+                          <a:pPr algn="ctr" latinLnBrk="1"/>
+                          <a:r>
+                            <a:rPr lang="en-US" altLang="ko-KR" dirty="0"/>
+                            <a:t>Scaling dimensions and </a:t>
+                          </a:r>
+                        </a:p>
+                        <a:p>
+                          <a:pPr algn="ctr" latinLnBrk="1"/>
+                          <a:r>
+                            <a:rPr lang="en-US" altLang="ko-KR" dirty="0"/>
+                            <a:t>Critical exponents</a:t>
+                          </a:r>
+                          <a:endParaRPr lang="ko-KR" altLang="en-US" dirty="0"/>
+                        </a:p>
+                      </a:txBody>
+                      <a:tcPr anchor="ctr"/>
+                    </a:tc>
+                    <a:tc>
+                      <a:txBody>
+                        <a:bodyPr/>
+                        <a:lstStyle/>
+                        <a:p>
+                          <a:endParaRPr lang="ko-KR"/>
+                        </a:p>
+                      </a:txBody>
+                      <a:tcPr anchor="ctr">
+                        <a:blipFill>
+                          <a:blip r:embed="rId3"/>
+                          <a:stretch>
+                            <a:fillRect l="-100464" t="-4762" r="-200696" b="-702857"/>
+                          </a:stretch>
+                        </a:blipFill>
+                      </a:tcPr>
+                    </a:tc>
+                    <a:tc>
+                      <a:txBody>
+                        <a:bodyPr/>
+                        <a:lstStyle/>
+                        <a:p>
+                          <a:endParaRPr lang="ko-KR"/>
+                        </a:p>
+                      </a:txBody>
+                      <a:tcPr anchor="ctr">
+                        <a:blipFill>
+                          <a:blip r:embed="rId3"/>
+                          <a:stretch>
+                            <a:fillRect l="-200000" t="-4762" r="-100231" b="-702857"/>
+                          </a:stretch>
+                        </a:blipFill>
+                      </a:tcPr>
+                    </a:tc>
+                    <a:tc>
+                      <a:txBody>
+                        <a:bodyPr/>
+                        <a:lstStyle/>
+                        <a:p>
+                          <a:endParaRPr lang="ko-KR"/>
+                        </a:p>
+                      </a:txBody>
+                      <a:tcPr anchor="ctr">
+                        <a:blipFill>
+                          <a:blip r:embed="rId3"/>
+                          <a:stretch>
+                            <a:fillRect l="-300696" t="-4762" r="-464" b="-702857"/>
+                          </a:stretch>
+                        </a:blipFill>
+                      </a:tcPr>
+                    </a:tc>
+                    <a:extLst>
+                      <a:ext uri="{0D108BD9-81ED-4DB2-BD59-A6C34878D82A}">
+                        <a16:rowId xmlns:a16="http://schemas.microsoft.com/office/drawing/2014/main" val="105785113"/>
+                      </a:ext>
+                    </a:extLst>
+                  </a:tr>
+                  <a:tr h="370840">
+                    <a:tc>
+                      <a:txBody>
+                        <a:bodyPr/>
+                        <a:lstStyle/>
+                        <a:p>
+                          <a:endParaRPr lang="ko-KR"/>
+                        </a:p>
+                      </a:txBody>
+                      <a:tcPr anchor="ctr">
+                        <a:blipFill>
+                          <a:blip r:embed="rId3"/>
+                          <a:stretch>
+                            <a:fillRect l="-231" t="-180328" r="-300000" b="-1109836"/>
+                          </a:stretch>
+                        </a:blipFill>
+                      </a:tcPr>
+                    </a:tc>
+                    <a:tc>
+                      <a:txBody>
+                        <a:bodyPr/>
+                        <a:lstStyle/>
+                        <a:p>
+                          <a:endParaRPr lang="ko-KR"/>
+                        </a:p>
+                      </a:txBody>
+                      <a:tcPr>
+                        <a:blipFill>
+                          <a:blip r:embed="rId3"/>
+                          <a:stretch>
+                            <a:fillRect l="-100464" t="-180328" r="-200696" b="-1109836"/>
+                          </a:stretch>
+                        </a:blipFill>
+                      </a:tcPr>
+                    </a:tc>
+                    <a:tc>
+                      <a:txBody>
+                        <a:bodyPr/>
+                        <a:lstStyle/>
+                        <a:p>
+                          <a:endParaRPr lang="ko-KR"/>
+                        </a:p>
+                      </a:txBody>
+                      <a:tcPr>
+                        <a:blipFill>
+                          <a:blip r:embed="rId3"/>
+                          <a:stretch>
+                            <a:fillRect l="-200000" t="-180328" r="-100231" b="-1109836"/>
+                          </a:stretch>
+                        </a:blipFill>
+                      </a:tcPr>
+                    </a:tc>
+                    <a:tc>
+                      <a:txBody>
+                        <a:bodyPr/>
+                        <a:lstStyle/>
+                        <a:p>
+                          <a:endParaRPr lang="ko-KR"/>
+                        </a:p>
+                      </a:txBody>
+                      <a:tcPr>
+                        <a:blipFill>
+                          <a:blip r:embed="rId3"/>
+                          <a:stretch>
+                            <a:fillRect l="-300696" t="-180328" r="-464" b="-1109836"/>
+                          </a:stretch>
+                        </a:blipFill>
+                      </a:tcPr>
+                    </a:tc>
+                    <a:extLst>
+                      <a:ext uri="{0D108BD9-81ED-4DB2-BD59-A6C34878D82A}">
+                        <a16:rowId xmlns:a16="http://schemas.microsoft.com/office/drawing/2014/main" val="716123568"/>
+                      </a:ext>
+                    </a:extLst>
+                  </a:tr>
+                  <a:tr h="370840">
+                    <a:tc>
+                      <a:txBody>
+                        <a:bodyPr/>
+                        <a:lstStyle/>
+                        <a:p>
+                          <a:endParaRPr lang="ko-KR"/>
+                        </a:p>
+                      </a:txBody>
+                      <a:tcPr anchor="ctr">
+                        <a:blipFill>
+                          <a:blip r:embed="rId3"/>
+                          <a:stretch>
+                            <a:fillRect l="-231" t="-280328" r="-300000" b="-1009836"/>
+                          </a:stretch>
+                        </a:blipFill>
+                      </a:tcPr>
+                    </a:tc>
+                    <a:tc>
+                      <a:txBody>
+                        <a:bodyPr/>
+                        <a:lstStyle/>
+                        <a:p>
+                          <a:endParaRPr lang="ko-KR"/>
+                        </a:p>
+                      </a:txBody>
+                      <a:tcPr>
+                        <a:blipFill>
+                          <a:blip r:embed="rId3"/>
+                          <a:stretch>
+                            <a:fillRect l="-100464" t="-280328" r="-200696" b="-1009836"/>
+                          </a:stretch>
+                        </a:blipFill>
+                      </a:tcPr>
+                    </a:tc>
+                    <a:tc>
+                      <a:txBody>
+                        <a:bodyPr/>
+                        <a:lstStyle/>
+                        <a:p>
+                          <a:endParaRPr lang="ko-KR"/>
+                        </a:p>
+                      </a:txBody>
+                      <a:tcPr>
+                        <a:blipFill>
+                          <a:blip r:embed="rId3"/>
+                          <a:stretch>
+                            <a:fillRect l="-200000" t="-280328" r="-100231" b="-1009836"/>
+                          </a:stretch>
+                        </a:blipFill>
+                      </a:tcPr>
+                    </a:tc>
+                    <a:tc>
+                      <a:txBody>
+                        <a:bodyPr/>
+                        <a:lstStyle/>
+                        <a:p>
+                          <a:endParaRPr lang="ko-KR"/>
+                        </a:p>
+                      </a:txBody>
+                      <a:tcPr>
+                        <a:blipFill>
+                          <a:blip r:embed="rId3"/>
+                          <a:stretch>
+                            <a:fillRect l="-300696" t="-280328" r="-464" b="-1009836"/>
+                          </a:stretch>
+                        </a:blipFill>
+                      </a:tcPr>
+                    </a:tc>
+                    <a:extLst>
+                      <a:ext uri="{0D108BD9-81ED-4DB2-BD59-A6C34878D82A}">
+                        <a16:rowId xmlns:a16="http://schemas.microsoft.com/office/drawing/2014/main" val="276304929"/>
+                      </a:ext>
+                    </a:extLst>
+                  </a:tr>
+                  <a:tr h="370840">
+                    <a:tc>
+                      <a:txBody>
+                        <a:bodyPr/>
+                        <a:lstStyle/>
+                        <a:p>
+                          <a:endParaRPr lang="ko-KR"/>
+                        </a:p>
+                      </a:txBody>
+                      <a:tcPr anchor="ctr">
+                        <a:blipFill>
+                          <a:blip r:embed="rId3"/>
+                          <a:stretch>
+                            <a:fillRect l="-231" t="-380328" r="-300000" b="-909836"/>
+                          </a:stretch>
+                        </a:blipFill>
+                      </a:tcPr>
+                    </a:tc>
+                    <a:tc>
+                      <a:txBody>
+                        <a:bodyPr/>
+                        <a:lstStyle/>
+                        <a:p>
+                          <a:endParaRPr lang="ko-KR"/>
+                        </a:p>
+                      </a:txBody>
+                      <a:tcPr>
+                        <a:blipFill>
+                          <a:blip r:embed="rId3"/>
+                          <a:stretch>
+                            <a:fillRect l="-100464" t="-380328" r="-200696" b="-909836"/>
+                          </a:stretch>
+                        </a:blipFill>
+                      </a:tcPr>
+                    </a:tc>
+                    <a:tc>
+                      <a:txBody>
+                        <a:bodyPr/>
+                        <a:lstStyle/>
+                        <a:p>
+                          <a:endParaRPr lang="ko-KR"/>
+                        </a:p>
+                      </a:txBody>
+                      <a:tcPr>
+                        <a:blipFill>
+                          <a:blip r:embed="rId3"/>
+                          <a:stretch>
+                            <a:fillRect l="-200000" t="-380328" r="-100231" b="-909836"/>
+                          </a:stretch>
+                        </a:blipFill>
+                      </a:tcPr>
+                    </a:tc>
+                    <a:tc>
+                      <a:txBody>
+                        <a:bodyPr/>
+                        <a:lstStyle/>
+                        <a:p>
+                          <a:endParaRPr lang="ko-KR"/>
+                        </a:p>
+                      </a:txBody>
+                      <a:tcPr>
+                        <a:blipFill>
+                          <a:blip r:embed="rId3"/>
+                          <a:stretch>
+                            <a:fillRect l="-300696" t="-380328" r="-464" b="-909836"/>
+                          </a:stretch>
+                        </a:blipFill>
+                      </a:tcPr>
+                    </a:tc>
+                    <a:extLst>
+                      <a:ext uri="{0D108BD9-81ED-4DB2-BD59-A6C34878D82A}">
+                        <a16:rowId xmlns:a16="http://schemas.microsoft.com/office/drawing/2014/main" val="2433927649"/>
+                      </a:ext>
+                    </a:extLst>
+                  </a:tr>
+                  <a:tr h="370840">
+                    <a:tc>
+                      <a:txBody>
+                        <a:bodyPr/>
+                        <a:lstStyle/>
+                        <a:p>
+                          <a:endParaRPr lang="ko-KR"/>
+                        </a:p>
+                      </a:txBody>
+                      <a:tcPr anchor="ctr">
+                        <a:blipFill>
+                          <a:blip r:embed="rId3"/>
+                          <a:stretch>
+                            <a:fillRect l="-231" t="-480328" r="-300000" b="-809836"/>
+                          </a:stretch>
+                        </a:blipFill>
+                      </a:tcPr>
+                    </a:tc>
+                    <a:tc>
+                      <a:txBody>
+                        <a:bodyPr/>
+                        <a:lstStyle/>
+                        <a:p>
+                          <a:endParaRPr lang="ko-KR"/>
+                        </a:p>
+                      </a:txBody>
+                      <a:tcPr>
+                        <a:blipFill>
+                          <a:blip r:embed="rId3"/>
+                          <a:stretch>
+                            <a:fillRect l="-100464" t="-480328" r="-200696" b="-809836"/>
+                          </a:stretch>
+                        </a:blipFill>
+                      </a:tcPr>
+                    </a:tc>
+                    <a:tc>
+                      <a:txBody>
+                        <a:bodyPr/>
+                        <a:lstStyle/>
+                        <a:p>
+                          <a:endParaRPr lang="ko-KR"/>
+                        </a:p>
+                      </a:txBody>
+                      <a:tcPr>
+                        <a:blipFill>
+                          <a:blip r:embed="rId3"/>
+                          <a:stretch>
+                            <a:fillRect l="-200000" t="-480328" r="-100231" b="-809836"/>
+                          </a:stretch>
+                        </a:blipFill>
+                      </a:tcPr>
+                    </a:tc>
+                    <a:tc>
+                      <a:txBody>
+                        <a:bodyPr/>
+                        <a:lstStyle/>
+                        <a:p>
+                          <a:endParaRPr lang="ko-KR"/>
+                        </a:p>
+                      </a:txBody>
+                      <a:tcPr>
+                        <a:blipFill>
+                          <a:blip r:embed="rId3"/>
+                          <a:stretch>
+                            <a:fillRect l="-300696" t="-480328" r="-464" b="-809836"/>
+                          </a:stretch>
+                        </a:blipFill>
+                      </a:tcPr>
+                    </a:tc>
+                    <a:extLst>
+                      <a:ext uri="{0D108BD9-81ED-4DB2-BD59-A6C34878D82A}">
+                        <a16:rowId xmlns:a16="http://schemas.microsoft.com/office/drawing/2014/main" val="1058165080"/>
+                      </a:ext>
+                    </a:extLst>
+                  </a:tr>
+                  <a:tr h="396240">
+                    <a:tc>
+                      <a:txBody>
+                        <a:bodyPr/>
+                        <a:lstStyle/>
+                        <a:p>
+                          <a:endParaRPr lang="ko-KR"/>
+                        </a:p>
+                      </a:txBody>
+                      <a:tcPr anchor="ctr">
+                        <a:blipFill>
+                          <a:blip r:embed="rId3"/>
+                          <a:stretch>
+                            <a:fillRect l="-231" t="-544615" r="-300000" b="-660000"/>
+                          </a:stretch>
+                        </a:blipFill>
+                      </a:tcPr>
+                    </a:tc>
+                    <a:tc>
+                      <a:txBody>
+                        <a:bodyPr/>
+                        <a:lstStyle/>
+                        <a:p>
+                          <a:endParaRPr lang="ko-KR"/>
+                        </a:p>
+                      </a:txBody>
+                      <a:tcPr>
+                        <a:blipFill>
+                          <a:blip r:embed="rId3"/>
+                          <a:stretch>
+                            <a:fillRect l="-100464" t="-544615" r="-200696" b="-660000"/>
+                          </a:stretch>
+                        </a:blipFill>
+                      </a:tcPr>
+                    </a:tc>
+                    <a:tc>
+                      <a:txBody>
+                        <a:bodyPr/>
+                        <a:lstStyle/>
+                        <a:p>
+                          <a:endParaRPr lang="ko-KR"/>
+                        </a:p>
+                      </a:txBody>
+                      <a:tcPr>
+                        <a:blipFill>
+                          <a:blip r:embed="rId3"/>
+                          <a:stretch>
+                            <a:fillRect l="-200000" t="-544615" r="-100231" b="-660000"/>
+                          </a:stretch>
+                        </a:blipFill>
+                      </a:tcPr>
+                    </a:tc>
+                    <a:tc>
+                      <a:txBody>
+                        <a:bodyPr/>
+                        <a:lstStyle/>
+                        <a:p>
+                          <a:endParaRPr lang="ko-KR"/>
+                        </a:p>
+                      </a:txBody>
+                      <a:tcPr>
+                        <a:blipFill>
+                          <a:blip r:embed="rId3"/>
+                          <a:stretch>
+                            <a:fillRect l="-300696" t="-544615" r="-464" b="-660000"/>
+                          </a:stretch>
+                        </a:blipFill>
+                      </a:tcPr>
+                    </a:tc>
+                    <a:extLst>
+                      <a:ext uri="{0D108BD9-81ED-4DB2-BD59-A6C34878D82A}">
+                        <a16:rowId xmlns:a16="http://schemas.microsoft.com/office/drawing/2014/main" val="4089143451"/>
+                      </a:ext>
+                    </a:extLst>
+                  </a:tr>
+                  <a:tr h="396240">
+                    <a:tc>
+                      <a:txBody>
+                        <a:bodyPr/>
+                        <a:lstStyle/>
+                        <a:p>
+                          <a:endParaRPr lang="ko-KR"/>
+                        </a:p>
+                      </a:txBody>
+                      <a:tcPr anchor="ctr">
+                        <a:blipFill>
+                          <a:blip r:embed="rId3"/>
+                          <a:stretch>
+                            <a:fillRect l="-231" t="-644615" r="-300000" b="-560000"/>
+                          </a:stretch>
+                        </a:blipFill>
+                      </a:tcPr>
+                    </a:tc>
+                    <a:tc>
+                      <a:txBody>
+                        <a:bodyPr/>
+                        <a:lstStyle/>
+                        <a:p>
+                          <a:endParaRPr lang="ko-KR"/>
+                        </a:p>
+                      </a:txBody>
+                      <a:tcPr>
+                        <a:blipFill>
+                          <a:blip r:embed="rId3"/>
+                          <a:stretch>
+                            <a:fillRect l="-100464" t="-644615" r="-200696" b="-560000"/>
+                          </a:stretch>
+                        </a:blipFill>
+                      </a:tcPr>
+                    </a:tc>
+                    <a:tc>
+                      <a:txBody>
+                        <a:bodyPr/>
+                        <a:lstStyle/>
+                        <a:p>
+                          <a:endParaRPr lang="ko-KR"/>
+                        </a:p>
+                      </a:txBody>
+                      <a:tcPr>
+                        <a:blipFill>
+                          <a:blip r:embed="rId3"/>
+                          <a:stretch>
+                            <a:fillRect l="-200000" t="-644615" r="-100231" b="-560000"/>
+                          </a:stretch>
+                        </a:blipFill>
+                      </a:tcPr>
+                    </a:tc>
+                    <a:tc>
+                      <a:txBody>
+                        <a:bodyPr/>
+                        <a:lstStyle/>
+                        <a:p>
+                          <a:endParaRPr lang="ko-KR"/>
+                        </a:p>
+                      </a:txBody>
+                      <a:tcPr>
+                        <a:blipFill>
+                          <a:blip r:embed="rId3"/>
+                          <a:stretch>
+                            <a:fillRect l="-300696" t="-644615" r="-464" b="-560000"/>
+                          </a:stretch>
+                        </a:blipFill>
+                      </a:tcPr>
+                    </a:tc>
+                    <a:extLst>
+                      <a:ext uri="{0D108BD9-81ED-4DB2-BD59-A6C34878D82A}">
+                        <a16:rowId xmlns:a16="http://schemas.microsoft.com/office/drawing/2014/main" val="2131826791"/>
+                      </a:ext>
+                    </a:extLst>
+                  </a:tr>
+                  <a:tr h="396240">
+                    <a:tc>
+                      <a:txBody>
+                        <a:bodyPr/>
+                        <a:lstStyle/>
+                        <a:p>
+                          <a:endParaRPr lang="ko-KR"/>
+                        </a:p>
+                      </a:txBody>
+                      <a:tcPr anchor="ctr">
+                        <a:blipFill>
+                          <a:blip r:embed="rId3"/>
+                          <a:stretch>
+                            <a:fillRect l="-231" t="-744615" r="-300000" b="-460000"/>
+                          </a:stretch>
+                        </a:blipFill>
+                      </a:tcPr>
+                    </a:tc>
+                    <a:tc>
+                      <a:txBody>
+                        <a:bodyPr/>
+                        <a:lstStyle/>
+                        <a:p>
+                          <a:endParaRPr lang="ko-KR"/>
+                        </a:p>
+                      </a:txBody>
+                      <a:tcPr>
+                        <a:blipFill>
+                          <a:blip r:embed="rId3"/>
+                          <a:stretch>
+                            <a:fillRect l="-100464" t="-744615" r="-200696" b="-460000"/>
+                          </a:stretch>
+                        </a:blipFill>
+                      </a:tcPr>
+                    </a:tc>
+                    <a:tc>
+                      <a:txBody>
+                        <a:bodyPr/>
+                        <a:lstStyle/>
+                        <a:p>
+                          <a:endParaRPr lang="ko-KR"/>
+                        </a:p>
+                      </a:txBody>
+                      <a:tcPr>
+                        <a:blipFill>
+                          <a:blip r:embed="rId3"/>
+                          <a:stretch>
+                            <a:fillRect l="-200000" t="-744615" r="-100231" b="-460000"/>
+                          </a:stretch>
+                        </a:blipFill>
+                      </a:tcPr>
+                    </a:tc>
+                    <a:tc>
+                      <a:txBody>
+                        <a:bodyPr/>
+                        <a:lstStyle/>
+                        <a:p>
+                          <a:endParaRPr lang="ko-KR"/>
+                        </a:p>
+                      </a:txBody>
+                      <a:tcPr>
+                        <a:blipFill>
+                          <a:blip r:embed="rId3"/>
+                          <a:stretch>
+                            <a:fillRect l="-300696" t="-744615" r="-464" b="-460000"/>
+                          </a:stretch>
+                        </a:blipFill>
+                      </a:tcPr>
+                    </a:tc>
+                    <a:extLst>
+                      <a:ext uri="{0D108BD9-81ED-4DB2-BD59-A6C34878D82A}">
+                        <a16:rowId xmlns:a16="http://schemas.microsoft.com/office/drawing/2014/main" val="1194850936"/>
+                      </a:ext>
+                    </a:extLst>
+                  </a:tr>
+                  <a:tr h="396240">
+                    <a:tc>
+                      <a:txBody>
+                        <a:bodyPr/>
+                        <a:lstStyle/>
+                        <a:p>
+                          <a:endParaRPr lang="ko-KR"/>
+                        </a:p>
+                      </a:txBody>
+                      <a:tcPr anchor="ctr">
+                        <a:blipFill>
+                          <a:blip r:embed="rId3"/>
+                          <a:stretch>
+                            <a:fillRect l="-231" t="-844615" r="-300000" b="-360000"/>
+                          </a:stretch>
+                        </a:blipFill>
+                      </a:tcPr>
+                    </a:tc>
+                    <a:tc>
+                      <a:txBody>
+                        <a:bodyPr/>
+                        <a:lstStyle/>
+                        <a:p>
+                          <a:endParaRPr lang="ko-KR"/>
+                        </a:p>
+                      </a:txBody>
+                      <a:tcPr>
+                        <a:blipFill>
+                          <a:blip r:embed="rId3"/>
+                          <a:stretch>
+                            <a:fillRect l="-100464" t="-844615" r="-200696" b="-360000"/>
+                          </a:stretch>
+                        </a:blipFill>
+                      </a:tcPr>
+                    </a:tc>
+                    <a:tc>
+                      <a:txBody>
+                        <a:bodyPr/>
+                        <a:lstStyle/>
+                        <a:p>
+                          <a:endParaRPr lang="ko-KR"/>
+                        </a:p>
+                      </a:txBody>
+                      <a:tcPr>
+                        <a:blipFill>
+                          <a:blip r:embed="rId3"/>
+                          <a:stretch>
+                            <a:fillRect l="-200000" t="-844615" r="-100231" b="-360000"/>
+                          </a:stretch>
+                        </a:blipFill>
+                      </a:tcPr>
+                    </a:tc>
+                    <a:tc>
+                      <a:txBody>
+                        <a:bodyPr/>
+                        <a:lstStyle/>
+                        <a:p>
+                          <a:endParaRPr lang="ko-KR"/>
+                        </a:p>
+                      </a:txBody>
+                      <a:tcPr>
+                        <a:blipFill>
+                          <a:blip r:embed="rId3"/>
+                          <a:stretch>
+                            <a:fillRect l="-300696" t="-844615" r="-464" b="-360000"/>
+                          </a:stretch>
+                        </a:blipFill>
+                      </a:tcPr>
+                    </a:tc>
+                    <a:extLst>
+                      <a:ext uri="{0D108BD9-81ED-4DB2-BD59-A6C34878D82A}">
+                        <a16:rowId xmlns:a16="http://schemas.microsoft.com/office/drawing/2014/main" val="186033924"/>
+                      </a:ext>
+                    </a:extLst>
+                  </a:tr>
+                  <a:tr h="396240">
+                    <a:tc>
+                      <a:txBody>
+                        <a:bodyPr/>
+                        <a:lstStyle/>
+                        <a:p>
+                          <a:endParaRPr lang="ko-KR"/>
+                        </a:p>
+                      </a:txBody>
+                      <a:tcPr anchor="ctr">
+                        <a:blipFill>
+                          <a:blip r:embed="rId3"/>
+                          <a:stretch>
+                            <a:fillRect l="-231" t="-944615" r="-300000" b="-260000"/>
+                          </a:stretch>
+                        </a:blipFill>
+                      </a:tcPr>
+                    </a:tc>
+                    <a:tc>
+                      <a:txBody>
+                        <a:bodyPr/>
+                        <a:lstStyle/>
+                        <a:p>
+                          <a:endParaRPr lang="ko-KR"/>
+                        </a:p>
+                      </a:txBody>
+                      <a:tcPr>
+                        <a:blipFill>
+                          <a:blip r:embed="rId3"/>
+                          <a:stretch>
+                            <a:fillRect l="-100464" t="-944615" r="-200696" b="-260000"/>
+                          </a:stretch>
+                        </a:blipFill>
+                      </a:tcPr>
+                    </a:tc>
+                    <a:tc>
+                      <a:txBody>
+                        <a:bodyPr/>
+                        <a:lstStyle/>
+                        <a:p>
+                          <a:endParaRPr lang="ko-KR"/>
+                        </a:p>
+                      </a:txBody>
+                      <a:tcPr>
+                        <a:blipFill>
+                          <a:blip r:embed="rId3"/>
+                          <a:stretch>
+                            <a:fillRect l="-200000" t="-944615" r="-100231" b="-260000"/>
+                          </a:stretch>
+                        </a:blipFill>
+                      </a:tcPr>
+                    </a:tc>
+                    <a:tc>
+                      <a:txBody>
+                        <a:bodyPr/>
+                        <a:lstStyle/>
+                        <a:p>
+                          <a:endParaRPr lang="ko-KR"/>
+                        </a:p>
+                      </a:txBody>
+                      <a:tcPr>
+                        <a:blipFill>
+                          <a:blip r:embed="rId3"/>
+                          <a:stretch>
+                            <a:fillRect l="-300696" t="-944615" r="-464" b="-260000"/>
+                          </a:stretch>
+                        </a:blipFill>
+                      </a:tcPr>
+                    </a:tc>
+                    <a:extLst>
+                      <a:ext uri="{0D108BD9-81ED-4DB2-BD59-A6C34878D82A}">
+                        <a16:rowId xmlns:a16="http://schemas.microsoft.com/office/drawing/2014/main" val="1723006947"/>
+                      </a:ext>
+                    </a:extLst>
+                  </a:tr>
+                  <a:tr h="396240">
+                    <a:tc>
+                      <a:txBody>
+                        <a:bodyPr/>
+                        <a:lstStyle/>
+                        <a:p>
+                          <a:endParaRPr lang="ko-KR"/>
+                        </a:p>
+                      </a:txBody>
+                      <a:tcPr anchor="ctr">
+                        <a:blipFill>
+                          <a:blip r:embed="rId3"/>
+                          <a:stretch>
+                            <a:fillRect l="-231" t="-1044615" r="-300000" b="-160000"/>
+                          </a:stretch>
+                        </a:blipFill>
+                      </a:tcPr>
+                    </a:tc>
+                    <a:tc>
+                      <a:txBody>
+                        <a:bodyPr/>
+                        <a:lstStyle/>
+                        <a:p>
+                          <a:endParaRPr lang="ko-KR"/>
+                        </a:p>
+                      </a:txBody>
+                      <a:tcPr>
+                        <a:blipFill>
+                          <a:blip r:embed="rId3"/>
+                          <a:stretch>
+                            <a:fillRect l="-100464" t="-1044615" r="-200696" b="-160000"/>
+                          </a:stretch>
+                        </a:blipFill>
+                      </a:tcPr>
+                    </a:tc>
+                    <a:tc>
+                      <a:txBody>
+                        <a:bodyPr/>
+                        <a:lstStyle/>
+                        <a:p>
+                          <a:endParaRPr lang="ko-KR"/>
+                        </a:p>
+                      </a:txBody>
+                      <a:tcPr>
+                        <a:blipFill>
+                          <a:blip r:embed="rId3"/>
+                          <a:stretch>
+                            <a:fillRect l="-200000" t="-1044615" r="-100231" b="-160000"/>
+                          </a:stretch>
+                        </a:blipFill>
+                      </a:tcPr>
+                    </a:tc>
+                    <a:tc>
+                      <a:txBody>
+                        <a:bodyPr/>
+                        <a:lstStyle/>
+                        <a:p>
+                          <a:endParaRPr lang="ko-KR"/>
+                        </a:p>
+                      </a:txBody>
+                      <a:tcPr>
+                        <a:blipFill>
+                          <a:blip r:embed="rId3"/>
+                          <a:stretch>
+                            <a:fillRect l="-300696" t="-1044615" r="-464" b="-160000"/>
+                          </a:stretch>
+                        </a:blipFill>
+                      </a:tcPr>
+                    </a:tc>
+                    <a:extLst>
+                      <a:ext uri="{0D108BD9-81ED-4DB2-BD59-A6C34878D82A}">
+                        <a16:rowId xmlns:a16="http://schemas.microsoft.com/office/drawing/2014/main" val="1313305172"/>
+                      </a:ext>
+                    </a:extLst>
+                  </a:tr>
+                </a:tbl>
+              </a:graphicData>
+            </a:graphic>
+          </p:graphicFrame>
+        </mc:Fallback>
+      </mc:AlternateContent>
+    </p:spTree>
+    <p:extLst>
+      <p:ext uri="{BB962C8B-B14F-4D97-AF65-F5344CB8AC3E}">
+        <p14:creationId xmlns:p14="http://schemas.microsoft.com/office/powerpoint/2010/main" val="53504164"/>
+      </p:ext>
+    </p:extLst>
+  </p:cSld>
+  <p:clrMapOvr>
+    <a:masterClrMapping/>
+  </p:clrMapOvr>
+</p:sld>
+</file>
+
+<file path=ppt/slides/slide11.xml><?xml version="1.0" encoding="utf-8"?>
+<p:sld xmlns:a="http://schemas.openxmlformats.org/drawingml/2006/main" xmlns:r="http://schemas.openxmlformats.org/officeDocument/2006/relationships" xmlns:p="http://schemas.openxmlformats.org/presentationml/2006/main">
+  <p:cSld>
+    <p:spTree>
+      <p:nvGrpSpPr>
+        <p:cNvPr id="1" name=""/>
+        <p:cNvGrpSpPr/>
+        <p:nvPr/>
+      </p:nvGrpSpPr>
+      <p:grpSpPr>
+        <a:xfrm>
+          <a:off x="0" y="0"/>
+          <a:ext cx="0" cy="0"/>
+          <a:chOff x="0" y="0"/>
+          <a:chExt cx="0" cy="0"/>
+        </a:xfrm>
+      </p:grpSpPr>
       <p:sp>
         <p:nvSpPr>
           <p:cNvPr id="2" name="Title 1">
@@ -4478,7 +8655,7 @@
 </p:sld>
 </file>
 
-<file path=ppt/slides/slide11.xml><?xml version="1.0" encoding="utf-8"?>
+<file path=ppt/slides/slide12.xml><?xml version="1.0" encoding="utf-8"?>
 <p:sld xmlns:a="http://schemas.openxmlformats.org/drawingml/2006/main" xmlns:r="http://schemas.openxmlformats.org/officeDocument/2006/relationships" xmlns:p="http://schemas.openxmlformats.org/presentationml/2006/main">
   <p:cSld>
     <p:spTree>
@@ -6077,7 +10254,7 @@
 </p:sld>
 </file>
 
-<file path=ppt/slides/slide12.xml><?xml version="1.0" encoding="utf-8"?>
+<file path=ppt/slides/slide13.xml><?xml version="1.0" encoding="utf-8"?>
 <p:sld xmlns:a="http://schemas.openxmlformats.org/drawingml/2006/main" xmlns:r="http://schemas.openxmlformats.org/officeDocument/2006/relationships" xmlns:p="http://schemas.openxmlformats.org/presentationml/2006/main">
   <p:cSld>
     <p:spTree>
@@ -7608,7 +11785,7 @@
 </p:sld>
 </file>
 
-<file path=ppt/slides/slide13.xml><?xml version="1.0" encoding="utf-8"?>
+<file path=ppt/slides/slide14.xml><?xml version="1.0" encoding="utf-8"?>
 <p:sld xmlns:a="http://schemas.openxmlformats.org/drawingml/2006/main" xmlns:r="http://schemas.openxmlformats.org/officeDocument/2006/relationships" xmlns:p="http://schemas.openxmlformats.org/presentationml/2006/main">
   <p:cSld>
     <p:spTree>
@@ -7693,6 +11870,1645 @@
 </file>
 
 <file path=ppt/slides/slide2.xml><?xml version="1.0" encoding="utf-8"?>
+<p:sld xmlns:a="http://schemas.openxmlformats.org/drawingml/2006/main" xmlns:r="http://schemas.openxmlformats.org/officeDocument/2006/relationships" xmlns:p="http://schemas.openxmlformats.org/presentationml/2006/main">
+  <p:cSld>
+    <p:spTree>
+      <p:nvGrpSpPr>
+        <p:cNvPr id="1" name=""/>
+        <p:cNvGrpSpPr/>
+        <p:nvPr/>
+      </p:nvGrpSpPr>
+      <p:grpSpPr>
+        <a:xfrm>
+          <a:off x="0" y="0"/>
+          <a:ext cx="0" cy="0"/>
+          <a:chOff x="0" y="0"/>
+          <a:chExt cx="0" cy="0"/>
+        </a:xfrm>
+      </p:grpSpPr>
+      <p:sp>
+        <p:nvSpPr>
+          <p:cNvPr id="2" name="Title 1">
+            <a:extLst>
+              <a:ext uri="{FF2B5EF4-FFF2-40B4-BE49-F238E27FC236}">
+                <a16:creationId xmlns:a16="http://schemas.microsoft.com/office/drawing/2014/main" id="{9A362227-AE06-DC9A-BBF7-6C59C02F90D4}"/>
+              </a:ext>
+            </a:extLst>
+          </p:cNvPr>
+          <p:cNvSpPr>
+            <a:spLocks noGrp="1"/>
+          </p:cNvSpPr>
+          <p:nvPr>
+            <p:ph type="title"/>
+          </p:nvPr>
+        </p:nvSpPr>
+        <p:spPr/>
+        <p:txBody>
+          <a:bodyPr/>
+          <a:lstStyle/>
+          <a:p>
+            <a:r>
+              <a:rPr lang="en-US" altLang="ko-KR" dirty="0"/>
+              <a:t>2D</a:t>
+            </a:r>
+            <a:r>
+              <a:rPr lang="ko-KR" altLang="en-US" dirty="0"/>
+              <a:t> </a:t>
+            </a:r>
+            <a:r>
+              <a:rPr lang="en-US" altLang="ko-KR" dirty="0" err="1"/>
+              <a:t>Ising</a:t>
+            </a:r>
+            <a:r>
+              <a:rPr lang="ko-KR" altLang="en-US" dirty="0"/>
+              <a:t> </a:t>
+            </a:r>
+            <a:r>
+              <a:rPr lang="en-US" altLang="ko-KR" dirty="0"/>
+              <a:t>model</a:t>
+            </a:r>
+            <a:r>
+              <a:rPr lang="ko-KR" altLang="en-US" dirty="0"/>
+              <a:t> </a:t>
+            </a:r>
+            <a:r>
+              <a:rPr lang="en-US" altLang="ko-KR" dirty="0"/>
+              <a:t>on</a:t>
+            </a:r>
+            <a:r>
+              <a:rPr lang="ko-KR" altLang="en-US" dirty="0"/>
+              <a:t> </a:t>
+            </a:r>
+            <a:r>
+              <a:rPr lang="en-US" altLang="ko-KR" dirty="0"/>
+              <a:t>square</a:t>
+            </a:r>
+            <a:r>
+              <a:rPr lang="ko-KR" altLang="en-US" dirty="0"/>
+              <a:t> </a:t>
+            </a:r>
+            <a:r>
+              <a:rPr lang="en-US" altLang="ko-KR" dirty="0"/>
+              <a:t>lattice</a:t>
+            </a:r>
+            <a:endParaRPr lang="ko-KR" altLang="en-US" dirty="0"/>
+          </a:p>
+        </p:txBody>
+      </p:sp>
+      <mc:AlternateContent xmlns:mc="http://schemas.openxmlformats.org/markup-compatibility/2006" xmlns:a14="http://schemas.microsoft.com/office/drawing/2010/main">
+        <mc:Choice Requires="a14">
+          <p:sp>
+            <p:nvSpPr>
+              <p:cNvPr id="3" name="Content Placeholder 2">
+                <a:extLst>
+                  <a:ext uri="{FF2B5EF4-FFF2-40B4-BE49-F238E27FC236}">
+                    <a16:creationId xmlns:a16="http://schemas.microsoft.com/office/drawing/2014/main" id="{750CDB47-9916-96D6-90EC-22ED1FF5F88D}"/>
+                  </a:ext>
+                </a:extLst>
+              </p:cNvPr>
+              <p:cNvSpPr>
+                <a:spLocks noGrp="1"/>
+              </p:cNvSpPr>
+              <p:nvPr>
+                <p:ph idx="1"/>
+              </p:nvPr>
+            </p:nvSpPr>
+            <p:spPr>
+              <a:xfrm>
+                <a:off x="838199" y="1825625"/>
+                <a:ext cx="10688053" cy="4351338"/>
+              </a:xfrm>
+            </p:spPr>
+            <p:txBody>
+              <a:bodyPr/>
+              <a:lstStyle/>
+              <a:p>
+                <a:r>
+                  <a:rPr lang="en-US" altLang="ko-KR" dirty="0"/>
+                  <a:t>Free energy density at </a:t>
+                </a:r>
+                <a14:m>
+                  <m:oMath xmlns:m="http://schemas.openxmlformats.org/officeDocument/2006/math">
+                    <m:r>
+                      <a:rPr lang="en-US" altLang="ko-KR" b="0" i="1" smtClean="0">
+                        <a:latin typeface="Cambria Math" panose="02040503050406030204" pitchFamily="18" charset="0"/>
+                      </a:rPr>
+                      <m:t>𝒽</m:t>
+                    </m:r>
+                    <m:r>
+                      <a:rPr lang="en-US" altLang="ko-KR" b="0" i="1" smtClean="0">
+                        <a:latin typeface="Cambria Math" panose="02040503050406030204" pitchFamily="18" charset="0"/>
+                      </a:rPr>
+                      <m:t>=0</m:t>
+                    </m:r>
+                  </m:oMath>
+                </a14:m>
+                <a:endParaRPr lang="en-US" altLang="ko-KR" b="0" dirty="0"/>
+              </a:p>
+              <a:p>
+                <a:pPr lvl="1"/>
+                <a14:m>
+                  <m:oMath xmlns:m="http://schemas.openxmlformats.org/officeDocument/2006/math">
+                    <m:r>
+                      <a:rPr lang="en-US" altLang="ko-KR" b="0" i="1" smtClean="0">
+                        <a:latin typeface="Cambria Math" panose="02040503050406030204" pitchFamily="18" charset="0"/>
+                      </a:rPr>
+                      <m:t>−</m:t>
+                    </m:r>
+                    <m:r>
+                      <a:rPr lang="en-US" altLang="ko-KR" b="0" i="1" smtClean="0">
+                        <a:latin typeface="Cambria Math" panose="02040503050406030204" pitchFamily="18" charset="0"/>
+                      </a:rPr>
+                      <m:t>𝛽</m:t>
+                    </m:r>
+                    <m:r>
+                      <a:rPr lang="en-US" altLang="ko-KR" b="0" i="1" smtClean="0">
+                        <a:latin typeface="Cambria Math" panose="02040503050406030204" pitchFamily="18" charset="0"/>
+                      </a:rPr>
+                      <m:t>𝒻</m:t>
+                    </m:r>
+                    <m:r>
+                      <a:rPr lang="en-US" altLang="ko-KR" b="0" i="1" smtClean="0">
+                        <a:latin typeface="Cambria Math" panose="02040503050406030204" pitchFamily="18" charset="0"/>
+                      </a:rPr>
+                      <m:t>=</m:t>
+                    </m:r>
+                    <m:f>
+                      <m:fPr>
+                        <m:ctrlPr>
+                          <a:rPr lang="en-US" altLang="ko-KR" b="0" i="1" smtClean="0">
+                            <a:latin typeface="Cambria Math" panose="02040503050406030204" pitchFamily="18" charset="0"/>
+                          </a:rPr>
+                        </m:ctrlPr>
+                      </m:fPr>
+                      <m:num>
+                        <m:r>
+                          <a:rPr lang="en-US" altLang="ko-KR" b="0" i="1" smtClean="0">
+                            <a:latin typeface="Cambria Math" panose="02040503050406030204" pitchFamily="18" charset="0"/>
+                          </a:rPr>
+                          <m:t>1</m:t>
+                        </m:r>
+                      </m:num>
+                      <m:den>
+                        <m:r>
+                          <a:rPr lang="en-US" altLang="ko-KR" b="0" i="1" smtClean="0">
+                            <a:latin typeface="Cambria Math" panose="02040503050406030204" pitchFamily="18" charset="0"/>
+                          </a:rPr>
+                          <m:t>𝑁</m:t>
+                        </m:r>
+                      </m:den>
+                    </m:f>
+                    <m:func>
+                      <m:funcPr>
+                        <m:ctrlPr>
+                          <a:rPr lang="en-US" altLang="ko-KR" b="0" i="1" smtClean="0">
+                            <a:latin typeface="Cambria Math" panose="02040503050406030204" pitchFamily="18" charset="0"/>
+                          </a:rPr>
+                        </m:ctrlPr>
+                      </m:funcPr>
+                      <m:fName>
+                        <m:r>
+                          <m:rPr>
+                            <m:sty m:val="p"/>
+                          </m:rPr>
+                          <a:rPr lang="en-US" altLang="ko-KR" b="0" i="0" smtClean="0">
+                            <a:latin typeface="Cambria Math" panose="02040503050406030204" pitchFamily="18" charset="0"/>
+                          </a:rPr>
+                          <m:t>ln</m:t>
+                        </m:r>
+                      </m:fName>
+                      <m:e>
+                        <m:r>
+                          <a:rPr lang="en-US" altLang="ko-KR" b="0" i="1" smtClean="0">
+                            <a:latin typeface="Cambria Math" panose="02040503050406030204" pitchFamily="18" charset="0"/>
+                          </a:rPr>
+                          <m:t>𝒵</m:t>
+                        </m:r>
+                      </m:e>
+                    </m:func>
+                  </m:oMath>
+                </a14:m>
+                <a:r>
+                  <a:rPr lang="en-US" altLang="ko-KR" dirty="0"/>
+                  <a:t> for partition function </a:t>
+                </a:r>
+                <a14:m>
+                  <m:oMath xmlns:m="http://schemas.openxmlformats.org/officeDocument/2006/math">
+                    <m:r>
+                      <a:rPr lang="en-US" altLang="ko-KR" b="0" i="1" smtClean="0">
+                        <a:latin typeface="Cambria Math" panose="02040503050406030204" pitchFamily="18" charset="0"/>
+                      </a:rPr>
+                      <m:t>𝒵</m:t>
+                    </m:r>
+                    <m:r>
+                      <a:rPr lang="en-US" altLang="ko-KR" b="0" i="1" smtClean="0">
+                        <a:latin typeface="Cambria Math" panose="02040503050406030204" pitchFamily="18" charset="0"/>
+                      </a:rPr>
+                      <m:t>=</m:t>
+                    </m:r>
+                    <m:nary>
+                      <m:naryPr>
+                        <m:chr m:val="∑"/>
+                        <m:supHide m:val="on"/>
+                        <m:ctrlPr>
+                          <a:rPr lang="en-US" altLang="ko-KR" b="0" i="1" smtClean="0">
+                            <a:latin typeface="Cambria Math" panose="02040503050406030204" pitchFamily="18" charset="0"/>
+                          </a:rPr>
+                        </m:ctrlPr>
+                      </m:naryPr>
+                      <m:sub>
+                        <m:d>
+                          <m:dPr>
+                            <m:begChr m:val="{"/>
+                            <m:endChr m:val="}"/>
+                            <m:ctrlPr>
+                              <a:rPr lang="en-US" altLang="ko-KR" b="0" i="1" smtClean="0">
+                                <a:latin typeface="Cambria Math" panose="02040503050406030204" pitchFamily="18" charset="0"/>
+                              </a:rPr>
+                            </m:ctrlPr>
+                          </m:dPr>
+                          <m:e>
+                            <m:r>
+                              <a:rPr lang="en-US" altLang="ko-KR" b="0" i="1" smtClean="0">
+                                <a:latin typeface="Cambria Math" panose="02040503050406030204" pitchFamily="18" charset="0"/>
+                              </a:rPr>
+                              <m:t>𝜎</m:t>
+                            </m:r>
+                          </m:e>
+                        </m:d>
+                      </m:sub>
+                      <m:sup/>
+                      <m:e>
+                        <m:sSup>
+                          <m:sSupPr>
+                            <m:ctrlPr>
+                              <a:rPr lang="en-US" altLang="ko-KR" b="0" i="1" smtClean="0">
+                                <a:latin typeface="Cambria Math" panose="02040503050406030204" pitchFamily="18" charset="0"/>
+                              </a:rPr>
+                            </m:ctrlPr>
+                          </m:sSupPr>
+                          <m:e>
+                            <m:r>
+                              <a:rPr lang="en-US" altLang="ko-KR" b="0" i="1" smtClean="0">
+                                <a:latin typeface="Cambria Math" panose="02040503050406030204" pitchFamily="18" charset="0"/>
+                              </a:rPr>
+                              <m:t>𝑒</m:t>
+                            </m:r>
+                          </m:e>
+                          <m:sup>
+                            <m:r>
+                              <a:rPr lang="en-US" altLang="ko-KR" b="0" i="1" smtClean="0">
+                                <a:latin typeface="Cambria Math" panose="02040503050406030204" pitchFamily="18" charset="0"/>
+                              </a:rPr>
+                              <m:t>𝛽</m:t>
+                            </m:r>
+                            <m:r>
+                              <a:rPr lang="en-US" altLang="ko-KR" b="0" i="1" smtClean="0">
+                                <a:latin typeface="Cambria Math" panose="02040503050406030204" pitchFamily="18" charset="0"/>
+                              </a:rPr>
+                              <m:t>𝒥</m:t>
+                            </m:r>
+                            <m:nary>
+                              <m:naryPr>
+                                <m:chr m:val="∑"/>
+                                <m:supHide m:val="on"/>
+                                <m:ctrlPr>
+                                  <a:rPr lang="en-US" altLang="ko-KR" b="0" i="1" smtClean="0">
+                                    <a:latin typeface="Cambria Math" panose="02040503050406030204" pitchFamily="18" charset="0"/>
+                                  </a:rPr>
+                                </m:ctrlPr>
+                              </m:naryPr>
+                              <m:sub>
+                                <m:d>
+                                  <m:dPr>
+                                    <m:begChr m:val="⟨"/>
+                                    <m:endChr m:val="⟩"/>
+                                    <m:ctrlPr>
+                                      <a:rPr lang="en-US" altLang="ko-KR" b="0" i="1" smtClean="0">
+                                        <a:latin typeface="Cambria Math" panose="02040503050406030204" pitchFamily="18" charset="0"/>
+                                      </a:rPr>
+                                    </m:ctrlPr>
+                                  </m:dPr>
+                                  <m:e>
+                                    <m:r>
+                                      <a:rPr lang="en-US" altLang="ko-KR" b="0" i="1" smtClean="0">
+                                        <a:latin typeface="Cambria Math" panose="02040503050406030204" pitchFamily="18" charset="0"/>
+                                      </a:rPr>
+                                      <m:t>𝒾𝒿</m:t>
+                                    </m:r>
+                                  </m:e>
+                                </m:d>
+                              </m:sub>
+                              <m:sup/>
+                              <m:e>
+                                <m:sSub>
+                                  <m:sSubPr>
+                                    <m:ctrlPr>
+                                      <a:rPr lang="en-US" altLang="ko-KR" b="0" i="1" smtClean="0">
+                                        <a:latin typeface="Cambria Math" panose="02040503050406030204" pitchFamily="18" charset="0"/>
+                                      </a:rPr>
+                                    </m:ctrlPr>
+                                  </m:sSubPr>
+                                  <m:e>
+                                    <m:r>
+                                      <a:rPr lang="en-US" altLang="ko-KR" b="0" i="1" smtClean="0">
+                                        <a:latin typeface="Cambria Math" panose="02040503050406030204" pitchFamily="18" charset="0"/>
+                                      </a:rPr>
+                                      <m:t>𝜎</m:t>
+                                    </m:r>
+                                  </m:e>
+                                  <m:sub>
+                                    <m:r>
+                                      <a:rPr lang="en-US" altLang="ko-KR" b="0" i="1" smtClean="0">
+                                        <a:latin typeface="Cambria Math" panose="02040503050406030204" pitchFamily="18" charset="0"/>
+                                      </a:rPr>
+                                      <m:t>𝒾</m:t>
+                                    </m:r>
+                                  </m:sub>
+                                </m:sSub>
+                                <m:sSub>
+                                  <m:sSubPr>
+                                    <m:ctrlPr>
+                                      <a:rPr lang="en-US" altLang="ko-KR" b="0" i="1" smtClean="0">
+                                        <a:latin typeface="Cambria Math" panose="02040503050406030204" pitchFamily="18" charset="0"/>
+                                      </a:rPr>
+                                    </m:ctrlPr>
+                                  </m:sSubPr>
+                                  <m:e>
+                                    <m:r>
+                                      <a:rPr lang="en-US" altLang="ko-KR" b="0" i="1" smtClean="0">
+                                        <a:latin typeface="Cambria Math" panose="02040503050406030204" pitchFamily="18" charset="0"/>
+                                      </a:rPr>
+                                      <m:t>𝜎</m:t>
+                                    </m:r>
+                                  </m:e>
+                                  <m:sub>
+                                    <m:r>
+                                      <a:rPr lang="en-US" altLang="ko-KR" b="0" i="1" smtClean="0">
+                                        <a:latin typeface="Cambria Math" panose="02040503050406030204" pitchFamily="18" charset="0"/>
+                                      </a:rPr>
+                                      <m:t>𝒿</m:t>
+                                    </m:r>
+                                  </m:sub>
+                                </m:sSub>
+                              </m:e>
+                            </m:nary>
+                            <m:r>
+                              <a:rPr lang="en-US" altLang="ko-KR" b="0" i="1" smtClean="0">
+                                <a:latin typeface="Cambria Math" panose="02040503050406030204" pitchFamily="18" charset="0"/>
+                              </a:rPr>
+                              <m:t>+</m:t>
+                            </m:r>
+                            <m:r>
+                              <a:rPr lang="en-US" altLang="ko-KR" b="0" i="1" smtClean="0">
+                                <a:latin typeface="Cambria Math" panose="02040503050406030204" pitchFamily="18" charset="0"/>
+                              </a:rPr>
+                              <m:t>𝛽</m:t>
+                            </m:r>
+                            <m:r>
+                              <a:rPr lang="en-US" altLang="ko-KR" b="0" i="1" smtClean="0">
+                                <a:latin typeface="Cambria Math" panose="02040503050406030204" pitchFamily="18" charset="0"/>
+                              </a:rPr>
+                              <m:t>𝒽</m:t>
+                            </m:r>
+                            <m:nary>
+                              <m:naryPr>
+                                <m:chr m:val="∑"/>
+                                <m:supHide m:val="on"/>
+                                <m:ctrlPr>
+                                  <a:rPr lang="en-US" altLang="ko-KR" b="0" i="1" smtClean="0">
+                                    <a:latin typeface="Cambria Math" panose="02040503050406030204" pitchFamily="18" charset="0"/>
+                                  </a:rPr>
+                                </m:ctrlPr>
+                              </m:naryPr>
+                              <m:sub>
+                                <m:r>
+                                  <a:rPr lang="en-US" altLang="ko-KR" b="0" i="1" smtClean="0">
+                                    <a:latin typeface="Cambria Math" panose="02040503050406030204" pitchFamily="18" charset="0"/>
+                                  </a:rPr>
+                                  <m:t>𝑖</m:t>
+                                </m:r>
+                              </m:sub>
+                              <m:sup/>
+                              <m:e>
+                                <m:sSub>
+                                  <m:sSubPr>
+                                    <m:ctrlPr>
+                                      <a:rPr lang="en-US" altLang="ko-KR" b="0" i="1" smtClean="0">
+                                        <a:latin typeface="Cambria Math" panose="02040503050406030204" pitchFamily="18" charset="0"/>
+                                      </a:rPr>
+                                    </m:ctrlPr>
+                                  </m:sSubPr>
+                                  <m:e>
+                                    <m:r>
+                                      <a:rPr lang="en-US" altLang="ko-KR" b="0" i="1" smtClean="0">
+                                        <a:latin typeface="Cambria Math" panose="02040503050406030204" pitchFamily="18" charset="0"/>
+                                      </a:rPr>
+                                      <m:t>𝜎</m:t>
+                                    </m:r>
+                                  </m:e>
+                                  <m:sub>
+                                    <m:r>
+                                      <a:rPr lang="en-US" altLang="ko-KR" b="0" i="1" smtClean="0">
+                                        <a:latin typeface="Cambria Math" panose="02040503050406030204" pitchFamily="18" charset="0"/>
+                                      </a:rPr>
+                                      <m:t>𝒾</m:t>
+                                    </m:r>
+                                  </m:sub>
+                                </m:sSub>
+                              </m:e>
+                            </m:nary>
+                          </m:sup>
+                        </m:sSup>
+                      </m:e>
+                    </m:nary>
+                  </m:oMath>
+                </a14:m>
+                <a:r>
+                  <a:rPr lang="en-US" altLang="ko-KR" sz="2800" dirty="0"/>
+                  <a:t> </a:t>
+                </a:r>
+                <a:r>
+                  <a:rPr lang="en-US" altLang="ko-KR" dirty="0"/>
+                  <a:t>for </a:t>
+                </a:r>
+                <a14:m>
+                  <m:oMath xmlns:m="http://schemas.openxmlformats.org/officeDocument/2006/math">
+                    <m:sSub>
+                      <m:sSubPr>
+                        <m:ctrlPr>
+                          <a:rPr lang="en-US" altLang="ko-KR" b="0" i="1" smtClean="0">
+                            <a:latin typeface="Cambria Math" panose="02040503050406030204" pitchFamily="18" charset="0"/>
+                          </a:rPr>
+                        </m:ctrlPr>
+                      </m:sSubPr>
+                      <m:e>
+                        <m:r>
+                          <a:rPr lang="en-US" altLang="ko-KR" b="0" i="1" smtClean="0">
+                            <a:latin typeface="Cambria Math" panose="02040503050406030204" pitchFamily="18" charset="0"/>
+                          </a:rPr>
+                          <m:t>𝜎</m:t>
+                        </m:r>
+                      </m:e>
+                      <m:sub>
+                        <m:r>
+                          <a:rPr lang="en-US" altLang="ko-KR" b="0" i="1" smtClean="0">
+                            <a:latin typeface="Cambria Math" panose="02040503050406030204" pitchFamily="18" charset="0"/>
+                          </a:rPr>
+                          <m:t>𝑖</m:t>
+                        </m:r>
+                      </m:sub>
+                    </m:sSub>
+                    <m:r>
+                      <a:rPr lang="en-US" altLang="ko-KR" b="0" i="1" smtClean="0">
+                        <a:latin typeface="Cambria Math" panose="02040503050406030204" pitchFamily="18" charset="0"/>
+                      </a:rPr>
+                      <m:t>=±1</m:t>
+                    </m:r>
+                  </m:oMath>
+                </a14:m>
+                <a:endParaRPr lang="en-US" altLang="ko-KR" sz="2800" dirty="0"/>
+              </a:p>
+              <a:p>
+                <a:pPr lvl="1"/>
+                <a14:m>
+                  <m:oMath xmlns:m="http://schemas.openxmlformats.org/officeDocument/2006/math">
+                    <m:r>
+                      <a:rPr lang="en-US" altLang="ko-KR" b="0" i="1" smtClean="0">
+                        <a:latin typeface="Cambria Math" panose="02040503050406030204" pitchFamily="18" charset="0"/>
+                      </a:rPr>
+                      <m:t>−</m:t>
+                    </m:r>
+                    <m:r>
+                      <a:rPr lang="en-US" altLang="ko-KR" b="0" i="1" smtClean="0">
+                        <a:latin typeface="Cambria Math" panose="02040503050406030204" pitchFamily="18" charset="0"/>
+                      </a:rPr>
+                      <m:t>𝛽</m:t>
+                    </m:r>
+                    <m:r>
+                      <a:rPr lang="en-US" altLang="ko-KR" b="0" i="1" smtClean="0">
+                        <a:latin typeface="Cambria Math" panose="02040503050406030204" pitchFamily="18" charset="0"/>
+                      </a:rPr>
+                      <m:t>𝒻</m:t>
+                    </m:r>
+                    <m:r>
+                      <a:rPr lang="en-US" altLang="ko-KR" b="0" i="1" smtClean="0">
+                        <a:latin typeface="Cambria Math" panose="02040503050406030204" pitchFamily="18" charset="0"/>
+                      </a:rPr>
+                      <m:t>=</m:t>
+                    </m:r>
+                    <m:func>
+                      <m:funcPr>
+                        <m:ctrlPr>
+                          <a:rPr lang="en-US" altLang="ko-KR" b="0" i="1" smtClean="0">
+                            <a:latin typeface="Cambria Math" panose="02040503050406030204" pitchFamily="18" charset="0"/>
+                          </a:rPr>
+                        </m:ctrlPr>
+                      </m:funcPr>
+                      <m:fName>
+                        <m:r>
+                          <m:rPr>
+                            <m:sty m:val="p"/>
+                          </m:rPr>
+                          <a:rPr lang="en-US" altLang="ko-KR" b="0" i="0" smtClean="0">
+                            <a:latin typeface="Cambria Math" panose="02040503050406030204" pitchFamily="18" charset="0"/>
+                          </a:rPr>
+                          <m:t>ln</m:t>
+                        </m:r>
+                      </m:fName>
+                      <m:e>
+                        <m:r>
+                          <a:rPr lang="en-US" altLang="ko-KR" b="0" i="1" smtClean="0">
+                            <a:latin typeface="Cambria Math" panose="02040503050406030204" pitchFamily="18" charset="0"/>
+                          </a:rPr>
+                          <m:t>2</m:t>
+                        </m:r>
+                      </m:e>
+                    </m:func>
+                    <m:r>
+                      <a:rPr lang="en-US" altLang="ko-KR" b="0" i="1" smtClean="0">
+                        <a:latin typeface="Cambria Math" panose="02040503050406030204" pitchFamily="18" charset="0"/>
+                      </a:rPr>
+                      <m:t>+</m:t>
+                    </m:r>
+                    <m:f>
+                      <m:fPr>
+                        <m:ctrlPr>
+                          <a:rPr lang="en-US" altLang="ko-KR" b="0" i="1" smtClean="0">
+                            <a:latin typeface="Cambria Math" panose="02040503050406030204" pitchFamily="18" charset="0"/>
+                          </a:rPr>
+                        </m:ctrlPr>
+                      </m:fPr>
+                      <m:num>
+                        <m:r>
+                          <a:rPr lang="en-US" altLang="ko-KR" b="0" i="1" smtClean="0">
+                            <a:latin typeface="Cambria Math" panose="02040503050406030204" pitchFamily="18" charset="0"/>
+                          </a:rPr>
+                          <m:t>1</m:t>
+                        </m:r>
+                      </m:num>
+                      <m:den>
+                        <m:r>
+                          <a:rPr lang="en-US" altLang="ko-KR" b="0" i="1" smtClean="0">
+                            <a:latin typeface="Cambria Math" panose="02040503050406030204" pitchFamily="18" charset="0"/>
+                          </a:rPr>
+                          <m:t>2</m:t>
+                        </m:r>
+                        <m:r>
+                          <a:rPr lang="en-US" altLang="ko-KR" b="0" i="1" smtClean="0">
+                            <a:latin typeface="Cambria Math" panose="02040503050406030204" pitchFamily="18" charset="0"/>
+                          </a:rPr>
+                          <m:t>𝜋</m:t>
+                        </m:r>
+                      </m:den>
+                    </m:f>
+                    <m:nary>
+                      <m:naryPr>
+                        <m:ctrlPr>
+                          <a:rPr lang="en-US" altLang="ko-KR" b="0" i="1" smtClean="0">
+                            <a:latin typeface="Cambria Math" panose="02040503050406030204" pitchFamily="18" charset="0"/>
+                          </a:rPr>
+                        </m:ctrlPr>
+                      </m:naryPr>
+                      <m:sub>
+                        <m:r>
+                          <a:rPr lang="en-US" altLang="ko-KR" b="0" i="1" smtClean="0">
+                            <a:latin typeface="Cambria Math" panose="02040503050406030204" pitchFamily="18" charset="0"/>
+                          </a:rPr>
+                          <m:t>0</m:t>
+                        </m:r>
+                      </m:sub>
+                      <m:sup>
+                        <m:r>
+                          <a:rPr lang="en-US" altLang="ko-KR" b="0" i="1" smtClean="0">
+                            <a:latin typeface="Cambria Math" panose="02040503050406030204" pitchFamily="18" charset="0"/>
+                          </a:rPr>
+                          <m:t>𝜋</m:t>
+                        </m:r>
+                      </m:sup>
+                      <m:e>
+                        <m:r>
+                          <a:rPr lang="en-US" altLang="ko-KR" b="0" i="1" smtClean="0">
+                            <a:latin typeface="Cambria Math" panose="02040503050406030204" pitchFamily="18" charset="0"/>
+                          </a:rPr>
+                          <m:t>𝑑</m:t>
+                        </m:r>
+                        <m:r>
+                          <a:rPr lang="en-US" altLang="ko-KR" b="0" i="1" smtClean="0">
+                            <a:latin typeface="Cambria Math" panose="02040503050406030204" pitchFamily="18" charset="0"/>
+                          </a:rPr>
+                          <m:t>𝜃</m:t>
+                        </m:r>
+                        <m:func>
+                          <m:funcPr>
+                            <m:ctrlPr>
+                              <a:rPr lang="en-US" altLang="ko-KR" b="0" i="1" smtClean="0">
+                                <a:latin typeface="Cambria Math" panose="02040503050406030204" pitchFamily="18" charset="0"/>
+                              </a:rPr>
+                            </m:ctrlPr>
+                          </m:funcPr>
+                          <m:fName>
+                            <m:r>
+                              <m:rPr>
+                                <m:sty m:val="p"/>
+                              </m:rPr>
+                              <a:rPr lang="en-US" altLang="ko-KR" b="0" i="0" smtClean="0">
+                                <a:latin typeface="Cambria Math" panose="02040503050406030204" pitchFamily="18" charset="0"/>
+                              </a:rPr>
+                              <m:t>ln</m:t>
+                            </m:r>
+                          </m:fName>
+                          <m:e>
+                            <m:d>
+                              <m:dPr>
+                                <m:begChr m:val="["/>
+                                <m:endChr m:val="]"/>
+                                <m:ctrlPr>
+                                  <a:rPr lang="en-US" altLang="ko-KR" b="0" i="1" smtClean="0">
+                                    <a:latin typeface="Cambria Math" panose="02040503050406030204" pitchFamily="18" charset="0"/>
+                                  </a:rPr>
+                                </m:ctrlPr>
+                              </m:dPr>
+                              <m:e>
+                                <m:f>
+                                  <m:fPr>
+                                    <m:ctrlPr>
+                                      <a:rPr lang="en-US" altLang="ko-KR" i="1">
+                                        <a:latin typeface="Cambria Math" panose="02040503050406030204" pitchFamily="18" charset="0"/>
+                                      </a:rPr>
+                                    </m:ctrlPr>
+                                  </m:fPr>
+                                  <m:num>
+                                    <m:func>
+                                      <m:funcPr>
+                                        <m:ctrlPr>
+                                          <a:rPr lang="en-US" altLang="ko-KR" i="1">
+                                            <a:latin typeface="Cambria Math" panose="02040503050406030204" pitchFamily="18" charset="0"/>
+                                          </a:rPr>
+                                        </m:ctrlPr>
+                                      </m:funcPr>
+                                      <m:fName>
+                                        <m:sSup>
+                                          <m:sSupPr>
+                                            <m:ctrlPr>
+                                              <a:rPr lang="en-US" altLang="ko-KR" i="1">
+                                                <a:latin typeface="Cambria Math" panose="02040503050406030204" pitchFamily="18" charset="0"/>
+                                              </a:rPr>
+                                            </m:ctrlPr>
+                                          </m:sSupPr>
+                                          <m:e>
+                                            <m:r>
+                                              <m:rPr>
+                                                <m:sty m:val="p"/>
+                                              </m:rPr>
+                                              <a:rPr lang="en-US" altLang="ko-KR">
+                                                <a:latin typeface="Cambria Math" panose="02040503050406030204" pitchFamily="18" charset="0"/>
+                                              </a:rPr>
+                                              <m:t>cosh</m:t>
+                                            </m:r>
+                                          </m:e>
+                                          <m:sup>
+                                            <m:r>
+                                              <a:rPr lang="en-US" altLang="ko-KR" i="1">
+                                                <a:latin typeface="Cambria Math" panose="02040503050406030204" pitchFamily="18" charset="0"/>
+                                              </a:rPr>
+                                              <m:t>2</m:t>
+                                            </m:r>
+                                          </m:sup>
+                                        </m:sSup>
+                                      </m:fName>
+                                      <m:e>
+                                        <m:d>
+                                          <m:dPr>
+                                            <m:ctrlPr>
+                                              <a:rPr lang="en-US" altLang="ko-KR" i="1">
+                                                <a:latin typeface="Cambria Math" panose="02040503050406030204" pitchFamily="18" charset="0"/>
+                                              </a:rPr>
+                                            </m:ctrlPr>
+                                          </m:dPr>
+                                          <m:e>
+                                            <m:r>
+                                              <a:rPr lang="en-US" altLang="ko-KR" i="1">
+                                                <a:latin typeface="Cambria Math" panose="02040503050406030204" pitchFamily="18" charset="0"/>
+                                              </a:rPr>
+                                              <m:t>2</m:t>
+                                            </m:r>
+                                            <m:r>
+                                              <a:rPr lang="en-US" altLang="ko-KR" i="1">
+                                                <a:latin typeface="Cambria Math" panose="02040503050406030204" pitchFamily="18" charset="0"/>
+                                              </a:rPr>
+                                              <m:t>𝛽</m:t>
+                                            </m:r>
+                                            <m:r>
+                                              <a:rPr lang="en-US" altLang="ko-KR" i="1">
+                                                <a:latin typeface="Cambria Math" panose="02040503050406030204" pitchFamily="18" charset="0"/>
+                                              </a:rPr>
+                                              <m:t>𝒥</m:t>
+                                            </m:r>
+                                          </m:e>
+                                        </m:d>
+                                      </m:e>
+                                    </m:func>
+                                    <m:r>
+                                      <a:rPr lang="en-US" altLang="ko-KR" i="1">
+                                        <a:latin typeface="Cambria Math" panose="02040503050406030204" pitchFamily="18" charset="0"/>
+                                      </a:rPr>
+                                      <m:t>+</m:t>
+                                    </m:r>
+                                    <m:rad>
+                                      <m:radPr>
+                                        <m:degHide m:val="on"/>
+                                        <m:ctrlPr>
+                                          <a:rPr lang="en-US" altLang="ko-KR" i="1">
+                                            <a:latin typeface="Cambria Math" panose="02040503050406030204" pitchFamily="18" charset="0"/>
+                                          </a:rPr>
+                                        </m:ctrlPr>
+                                      </m:radPr>
+                                      <m:deg/>
+                                      <m:e>
+                                        <m:func>
+                                          <m:funcPr>
+                                            <m:ctrlPr>
+                                              <a:rPr lang="en-US" altLang="ko-KR" i="1">
+                                                <a:latin typeface="Cambria Math" panose="02040503050406030204" pitchFamily="18" charset="0"/>
+                                              </a:rPr>
+                                            </m:ctrlPr>
+                                          </m:funcPr>
+                                          <m:fName>
+                                            <m:sSup>
+                                              <m:sSupPr>
+                                                <m:ctrlPr>
+                                                  <a:rPr lang="en-US" altLang="ko-KR" i="1">
+                                                    <a:latin typeface="Cambria Math" panose="02040503050406030204" pitchFamily="18" charset="0"/>
+                                                  </a:rPr>
+                                                </m:ctrlPr>
+                                              </m:sSupPr>
+                                              <m:e>
+                                                <m:r>
+                                                  <m:rPr>
+                                                    <m:sty m:val="p"/>
+                                                  </m:rPr>
+                                                  <a:rPr lang="en-US" altLang="ko-KR">
+                                                    <a:latin typeface="Cambria Math" panose="02040503050406030204" pitchFamily="18" charset="0"/>
+                                                  </a:rPr>
+                                                  <m:t>sinh</m:t>
+                                                </m:r>
+                                              </m:e>
+                                              <m:sup>
+                                                <m:r>
+                                                  <a:rPr lang="en-US" altLang="ko-KR" i="1">
+                                                    <a:latin typeface="Cambria Math" panose="02040503050406030204" pitchFamily="18" charset="0"/>
+                                                  </a:rPr>
+                                                  <m:t>4</m:t>
+                                                </m:r>
+                                              </m:sup>
+                                            </m:sSup>
+                                          </m:fName>
+                                          <m:e>
+                                            <m:d>
+                                              <m:dPr>
+                                                <m:ctrlPr>
+                                                  <a:rPr lang="en-US" altLang="ko-KR" i="1">
+                                                    <a:latin typeface="Cambria Math" panose="02040503050406030204" pitchFamily="18" charset="0"/>
+                                                  </a:rPr>
+                                                </m:ctrlPr>
+                                              </m:dPr>
+                                              <m:e>
+                                                <m:r>
+                                                  <a:rPr lang="en-US" altLang="ko-KR" i="1">
+                                                    <a:latin typeface="Cambria Math" panose="02040503050406030204" pitchFamily="18" charset="0"/>
+                                                  </a:rPr>
+                                                  <m:t>2</m:t>
+                                                </m:r>
+                                                <m:r>
+                                                  <a:rPr lang="en-US" altLang="ko-KR" i="1">
+                                                    <a:latin typeface="Cambria Math" panose="02040503050406030204" pitchFamily="18" charset="0"/>
+                                                  </a:rPr>
+                                                  <m:t>𝛽</m:t>
+                                                </m:r>
+                                                <m:r>
+                                                  <a:rPr lang="en-US" altLang="ko-KR" i="1">
+                                                    <a:latin typeface="Cambria Math" panose="02040503050406030204" pitchFamily="18" charset="0"/>
+                                                  </a:rPr>
+                                                  <m:t>𝒥</m:t>
+                                                </m:r>
+                                              </m:e>
+                                            </m:d>
+                                          </m:e>
+                                        </m:func>
+                                        <m:r>
+                                          <a:rPr lang="en-US" altLang="ko-KR" i="1">
+                                            <a:latin typeface="Cambria Math" panose="02040503050406030204" pitchFamily="18" charset="0"/>
+                                          </a:rPr>
+                                          <m:t>−2</m:t>
+                                        </m:r>
+                                        <m:func>
+                                          <m:funcPr>
+                                            <m:ctrlPr>
+                                              <a:rPr lang="en-US" altLang="ko-KR" i="1">
+                                                <a:latin typeface="Cambria Math" panose="02040503050406030204" pitchFamily="18" charset="0"/>
+                                              </a:rPr>
+                                            </m:ctrlPr>
+                                          </m:funcPr>
+                                          <m:fName>
+                                            <m:sSup>
+                                              <m:sSupPr>
+                                                <m:ctrlPr>
+                                                  <a:rPr lang="en-US" altLang="ko-KR" i="1">
+                                                    <a:latin typeface="Cambria Math" panose="02040503050406030204" pitchFamily="18" charset="0"/>
+                                                  </a:rPr>
+                                                </m:ctrlPr>
+                                              </m:sSupPr>
+                                              <m:e>
+                                                <m:r>
+                                                  <m:rPr>
+                                                    <m:sty m:val="p"/>
+                                                  </m:rPr>
+                                                  <a:rPr lang="en-US" altLang="ko-KR">
+                                                    <a:latin typeface="Cambria Math" panose="02040503050406030204" pitchFamily="18" charset="0"/>
+                                                  </a:rPr>
+                                                  <m:t>sinh</m:t>
+                                                </m:r>
+                                              </m:e>
+                                              <m:sup>
+                                                <m:r>
+                                                  <a:rPr lang="en-US" altLang="ko-KR" i="1">
+                                                    <a:latin typeface="Cambria Math" panose="02040503050406030204" pitchFamily="18" charset="0"/>
+                                                  </a:rPr>
+                                                  <m:t>2</m:t>
+                                                </m:r>
+                                              </m:sup>
+                                            </m:sSup>
+                                          </m:fName>
+                                          <m:e>
+                                            <m:d>
+                                              <m:dPr>
+                                                <m:ctrlPr>
+                                                  <a:rPr lang="en-US" altLang="ko-KR" i="1">
+                                                    <a:latin typeface="Cambria Math" panose="02040503050406030204" pitchFamily="18" charset="0"/>
+                                                  </a:rPr>
+                                                </m:ctrlPr>
+                                              </m:dPr>
+                                              <m:e>
+                                                <m:r>
+                                                  <a:rPr lang="en-US" altLang="ko-KR" i="1">
+                                                    <a:latin typeface="Cambria Math" panose="02040503050406030204" pitchFamily="18" charset="0"/>
+                                                  </a:rPr>
+                                                  <m:t>2</m:t>
+                                                </m:r>
+                                                <m:r>
+                                                  <a:rPr lang="en-US" altLang="ko-KR" i="1">
+                                                    <a:latin typeface="Cambria Math" panose="02040503050406030204" pitchFamily="18" charset="0"/>
+                                                  </a:rPr>
+                                                  <m:t>𝛽</m:t>
+                                                </m:r>
+                                                <m:r>
+                                                  <a:rPr lang="en-US" altLang="ko-KR" i="1">
+                                                    <a:latin typeface="Cambria Math" panose="02040503050406030204" pitchFamily="18" charset="0"/>
+                                                  </a:rPr>
+                                                  <m:t>𝒥</m:t>
+                                                </m:r>
+                                              </m:e>
+                                            </m:d>
+                                          </m:e>
+                                        </m:func>
+                                        <m:func>
+                                          <m:funcPr>
+                                            <m:ctrlPr>
+                                              <a:rPr lang="en-US" altLang="ko-KR" i="1">
+                                                <a:latin typeface="Cambria Math" panose="02040503050406030204" pitchFamily="18" charset="0"/>
+                                              </a:rPr>
+                                            </m:ctrlPr>
+                                          </m:funcPr>
+                                          <m:fName>
+                                            <m:r>
+                                              <m:rPr>
+                                                <m:sty m:val="p"/>
+                                              </m:rPr>
+                                              <a:rPr lang="en-US" altLang="ko-KR">
+                                                <a:latin typeface="Cambria Math" panose="02040503050406030204" pitchFamily="18" charset="0"/>
+                                              </a:rPr>
+                                              <m:t>cos</m:t>
+                                            </m:r>
+                                          </m:fName>
+                                          <m:e>
+                                            <m:r>
+                                              <a:rPr lang="en-US" altLang="ko-KR" i="1">
+                                                <a:latin typeface="Cambria Math" panose="02040503050406030204" pitchFamily="18" charset="0"/>
+                                              </a:rPr>
+                                              <m:t>2</m:t>
+                                            </m:r>
+                                            <m:r>
+                                              <a:rPr lang="en-US" altLang="ko-KR" i="1">
+                                                <a:latin typeface="Cambria Math" panose="02040503050406030204" pitchFamily="18" charset="0"/>
+                                              </a:rPr>
+                                              <m:t>𝜃</m:t>
+                                            </m:r>
+                                          </m:e>
+                                        </m:func>
+                                        <m:r>
+                                          <a:rPr lang="en-US" altLang="ko-KR" i="1">
+                                            <a:latin typeface="Cambria Math" panose="02040503050406030204" pitchFamily="18" charset="0"/>
+                                          </a:rPr>
+                                          <m:t>+1</m:t>
+                                        </m:r>
+                                      </m:e>
+                                    </m:rad>
+                                  </m:num>
+                                  <m:den>
+                                    <m:r>
+                                      <a:rPr lang="en-US" altLang="ko-KR" i="1">
+                                        <a:latin typeface="Cambria Math" panose="02040503050406030204" pitchFamily="18" charset="0"/>
+                                      </a:rPr>
+                                      <m:t>2</m:t>
+                                    </m:r>
+                                  </m:den>
+                                </m:f>
+                              </m:e>
+                            </m:d>
+                          </m:e>
+                        </m:func>
+                      </m:e>
+                    </m:nary>
+                  </m:oMath>
+                </a14:m>
+                <a:endParaRPr lang="en-US" altLang="ko-KR" b="0" dirty="0"/>
+              </a:p>
+              <a:p>
+                <a:pPr lvl="1"/>
+                <a14:m>
+                  <m:oMath xmlns:m="http://schemas.openxmlformats.org/officeDocument/2006/math">
+                    <m:r>
+                      <a:rPr lang="en-US" altLang="ko-KR" b="0" i="1" smtClean="0">
+                        <a:latin typeface="Cambria Math" panose="02040503050406030204" pitchFamily="18" charset="0"/>
+                      </a:rPr>
+                      <m:t>𝓉</m:t>
+                    </m:r>
+                    <m:r>
+                      <a:rPr lang="en-US" altLang="ko-KR" b="0" i="1" smtClean="0">
+                        <a:latin typeface="Cambria Math" panose="02040503050406030204" pitchFamily="18" charset="0"/>
+                      </a:rPr>
+                      <m:t>=</m:t>
+                    </m:r>
+                    <m:f>
+                      <m:fPr>
+                        <m:ctrlPr>
+                          <a:rPr lang="en-US" altLang="ko-KR" b="0" i="1" smtClean="0">
+                            <a:latin typeface="Cambria Math" panose="02040503050406030204" pitchFamily="18" charset="0"/>
+                          </a:rPr>
+                        </m:ctrlPr>
+                      </m:fPr>
+                      <m:num>
+                        <m:r>
+                          <a:rPr lang="en-US" altLang="ko-KR" b="0" i="1" smtClean="0">
+                            <a:latin typeface="Cambria Math" panose="02040503050406030204" pitchFamily="18" charset="0"/>
+                          </a:rPr>
+                          <m:t>𝑇</m:t>
+                        </m:r>
+                        <m:r>
+                          <a:rPr lang="en-US" altLang="ko-KR" b="0" i="1" smtClean="0">
+                            <a:latin typeface="Cambria Math" panose="02040503050406030204" pitchFamily="18" charset="0"/>
+                          </a:rPr>
+                          <m:t>−</m:t>
+                        </m:r>
+                        <m:sSub>
+                          <m:sSubPr>
+                            <m:ctrlPr>
+                              <a:rPr lang="en-US" altLang="ko-KR" b="0" i="1" smtClean="0">
+                                <a:latin typeface="Cambria Math" panose="02040503050406030204" pitchFamily="18" charset="0"/>
+                              </a:rPr>
+                            </m:ctrlPr>
+                          </m:sSubPr>
+                          <m:e>
+                            <m:r>
+                              <a:rPr lang="en-US" altLang="ko-KR" b="0" i="1" smtClean="0">
+                                <a:latin typeface="Cambria Math" panose="02040503050406030204" pitchFamily="18" charset="0"/>
+                              </a:rPr>
+                              <m:t>𝑇</m:t>
+                            </m:r>
+                          </m:e>
+                          <m:sub>
+                            <m:r>
+                              <a:rPr lang="en-US" altLang="ko-KR" b="0" i="1" smtClean="0">
+                                <a:latin typeface="Cambria Math" panose="02040503050406030204" pitchFamily="18" charset="0"/>
+                              </a:rPr>
+                              <m:t>𝑐</m:t>
+                            </m:r>
+                          </m:sub>
+                        </m:sSub>
+                      </m:num>
+                      <m:den>
+                        <m:sSub>
+                          <m:sSubPr>
+                            <m:ctrlPr>
+                              <a:rPr lang="en-US" altLang="ko-KR" b="0" i="1" smtClean="0">
+                                <a:latin typeface="Cambria Math" panose="02040503050406030204" pitchFamily="18" charset="0"/>
+                              </a:rPr>
+                            </m:ctrlPr>
+                          </m:sSubPr>
+                          <m:e>
+                            <m:r>
+                              <a:rPr lang="en-US" altLang="ko-KR" b="0" i="1" smtClean="0">
+                                <a:latin typeface="Cambria Math" panose="02040503050406030204" pitchFamily="18" charset="0"/>
+                              </a:rPr>
+                              <m:t>𝑇</m:t>
+                            </m:r>
+                          </m:e>
+                          <m:sub>
+                            <m:r>
+                              <a:rPr lang="en-US" altLang="ko-KR" b="0" i="1" smtClean="0">
+                                <a:latin typeface="Cambria Math" panose="02040503050406030204" pitchFamily="18" charset="0"/>
+                              </a:rPr>
+                              <m:t>𝑐</m:t>
+                            </m:r>
+                          </m:sub>
+                        </m:sSub>
+                      </m:den>
+                    </m:f>
+                    <m:r>
+                      <a:rPr lang="en-US" altLang="ko-KR" b="0" i="1" smtClean="0">
+                        <a:latin typeface="Cambria Math" panose="02040503050406030204" pitchFamily="18" charset="0"/>
+                      </a:rPr>
+                      <m:t>↔</m:t>
+                    </m:r>
+                    <m:r>
+                      <a:rPr lang="en-US" altLang="ko-KR" b="0" i="1" smtClean="0">
+                        <a:latin typeface="Cambria Math" panose="02040503050406030204" pitchFamily="18" charset="0"/>
+                      </a:rPr>
+                      <m:t>𝑇</m:t>
+                    </m:r>
+                    <m:r>
+                      <a:rPr lang="en-US" altLang="ko-KR" b="0" i="1" smtClean="0">
+                        <a:latin typeface="Cambria Math" panose="02040503050406030204" pitchFamily="18" charset="0"/>
+                      </a:rPr>
+                      <m:t>=</m:t>
+                    </m:r>
+                    <m:sSub>
+                      <m:sSubPr>
+                        <m:ctrlPr>
+                          <a:rPr lang="en-US" altLang="ko-KR" b="0" i="1" smtClean="0">
+                            <a:latin typeface="Cambria Math" panose="02040503050406030204" pitchFamily="18" charset="0"/>
+                          </a:rPr>
+                        </m:ctrlPr>
+                      </m:sSubPr>
+                      <m:e>
+                        <m:r>
+                          <a:rPr lang="en-US" altLang="ko-KR" b="0" i="1" smtClean="0">
+                            <a:latin typeface="Cambria Math" panose="02040503050406030204" pitchFamily="18" charset="0"/>
+                          </a:rPr>
+                          <m:t>𝑇</m:t>
+                        </m:r>
+                      </m:e>
+                      <m:sub>
+                        <m:r>
+                          <a:rPr lang="en-US" altLang="ko-KR" b="0" i="1" smtClean="0">
+                            <a:latin typeface="Cambria Math" panose="02040503050406030204" pitchFamily="18" charset="0"/>
+                          </a:rPr>
+                          <m:t>𝑐</m:t>
+                        </m:r>
+                      </m:sub>
+                    </m:sSub>
+                    <m:d>
+                      <m:dPr>
+                        <m:ctrlPr>
+                          <a:rPr lang="en-US" altLang="ko-KR" b="0" i="1" smtClean="0">
+                            <a:latin typeface="Cambria Math" panose="02040503050406030204" pitchFamily="18" charset="0"/>
+                          </a:rPr>
+                        </m:ctrlPr>
+                      </m:dPr>
+                      <m:e>
+                        <m:r>
+                          <a:rPr lang="en-US" altLang="ko-KR" b="0" i="1" smtClean="0">
+                            <a:latin typeface="Cambria Math" panose="02040503050406030204" pitchFamily="18" charset="0"/>
+                          </a:rPr>
+                          <m:t>1+</m:t>
+                        </m:r>
+                        <m:r>
+                          <a:rPr lang="en-US" altLang="ko-KR" b="0" i="1" smtClean="0">
+                            <a:latin typeface="Cambria Math" panose="02040503050406030204" pitchFamily="18" charset="0"/>
+                          </a:rPr>
+                          <m:t>𝓉</m:t>
+                        </m:r>
+                      </m:e>
+                    </m:d>
+                    <m:r>
+                      <a:rPr lang="en-US" altLang="ko-KR" b="0" i="1" smtClean="0">
+                        <a:latin typeface="Cambria Math" panose="02040503050406030204" pitchFamily="18" charset="0"/>
+                      </a:rPr>
+                      <m:t>↔</m:t>
+                    </m:r>
+                    <m:r>
+                      <a:rPr lang="en-US" altLang="ko-KR" b="0" i="1" smtClean="0">
+                        <a:latin typeface="Cambria Math" panose="02040503050406030204" pitchFamily="18" charset="0"/>
+                      </a:rPr>
+                      <m:t>𝛽</m:t>
+                    </m:r>
+                    <m:r>
+                      <a:rPr lang="en-US" altLang="ko-KR" b="0" i="1" smtClean="0">
+                        <a:latin typeface="Cambria Math" panose="02040503050406030204" pitchFamily="18" charset="0"/>
+                      </a:rPr>
+                      <m:t>=</m:t>
+                    </m:r>
+                    <m:f>
+                      <m:fPr>
+                        <m:ctrlPr>
+                          <a:rPr lang="en-US" altLang="ko-KR" b="0" i="1" smtClean="0">
+                            <a:latin typeface="Cambria Math" panose="02040503050406030204" pitchFamily="18" charset="0"/>
+                          </a:rPr>
+                        </m:ctrlPr>
+                      </m:fPr>
+                      <m:num>
+                        <m:r>
+                          <a:rPr lang="en-US" altLang="ko-KR" b="0" i="1" smtClean="0">
+                            <a:latin typeface="Cambria Math" panose="02040503050406030204" pitchFamily="18" charset="0"/>
+                          </a:rPr>
+                          <m:t>1</m:t>
+                        </m:r>
+                      </m:num>
+                      <m:den>
+                        <m:r>
+                          <a:rPr lang="en-US" altLang="ko-KR" b="0" i="1" smtClean="0">
+                            <a:latin typeface="Cambria Math" panose="02040503050406030204" pitchFamily="18" charset="0"/>
+                          </a:rPr>
+                          <m:t>𝑇</m:t>
+                        </m:r>
+                      </m:den>
+                    </m:f>
+                    <m:r>
+                      <a:rPr lang="en-US" altLang="ko-KR" b="0" i="1" smtClean="0">
+                        <a:latin typeface="Cambria Math" panose="02040503050406030204" pitchFamily="18" charset="0"/>
+                      </a:rPr>
+                      <m:t>=</m:t>
+                    </m:r>
+                    <m:f>
+                      <m:fPr>
+                        <m:ctrlPr>
+                          <a:rPr lang="en-US" altLang="ko-KR" b="0" i="1" smtClean="0">
+                            <a:latin typeface="Cambria Math" panose="02040503050406030204" pitchFamily="18" charset="0"/>
+                          </a:rPr>
+                        </m:ctrlPr>
+                      </m:fPr>
+                      <m:num>
+                        <m:r>
+                          <a:rPr lang="en-US" altLang="ko-KR" b="0" i="1" smtClean="0">
+                            <a:latin typeface="Cambria Math" panose="02040503050406030204" pitchFamily="18" charset="0"/>
+                          </a:rPr>
+                          <m:t>1</m:t>
+                        </m:r>
+                      </m:num>
+                      <m:den>
+                        <m:sSub>
+                          <m:sSubPr>
+                            <m:ctrlPr>
+                              <a:rPr lang="en-US" altLang="ko-KR" b="0" i="1" smtClean="0">
+                                <a:latin typeface="Cambria Math" panose="02040503050406030204" pitchFamily="18" charset="0"/>
+                              </a:rPr>
+                            </m:ctrlPr>
+                          </m:sSubPr>
+                          <m:e>
+                            <m:r>
+                              <a:rPr lang="en-US" altLang="ko-KR" b="0" i="1" smtClean="0">
+                                <a:latin typeface="Cambria Math" panose="02040503050406030204" pitchFamily="18" charset="0"/>
+                              </a:rPr>
+                              <m:t>𝑇</m:t>
+                            </m:r>
+                          </m:e>
+                          <m:sub>
+                            <m:r>
+                              <a:rPr lang="en-US" altLang="ko-KR" b="0" i="1" smtClean="0">
+                                <a:latin typeface="Cambria Math" panose="02040503050406030204" pitchFamily="18" charset="0"/>
+                              </a:rPr>
+                              <m:t>𝑐</m:t>
+                            </m:r>
+                          </m:sub>
+                        </m:sSub>
+                        <m:d>
+                          <m:dPr>
+                            <m:ctrlPr>
+                              <a:rPr lang="en-US" altLang="ko-KR" b="0" i="1" smtClean="0">
+                                <a:latin typeface="Cambria Math" panose="02040503050406030204" pitchFamily="18" charset="0"/>
+                              </a:rPr>
+                            </m:ctrlPr>
+                          </m:dPr>
+                          <m:e>
+                            <m:r>
+                              <a:rPr lang="en-US" altLang="ko-KR" b="0" i="1" smtClean="0">
+                                <a:latin typeface="Cambria Math" panose="02040503050406030204" pitchFamily="18" charset="0"/>
+                              </a:rPr>
+                              <m:t>1+</m:t>
+                            </m:r>
+                            <m:r>
+                              <a:rPr lang="en-US" altLang="ko-KR" b="0" i="1" smtClean="0">
+                                <a:latin typeface="Cambria Math" panose="02040503050406030204" pitchFamily="18" charset="0"/>
+                              </a:rPr>
+                              <m:t>𝓉</m:t>
+                            </m:r>
+                          </m:e>
+                        </m:d>
+                      </m:den>
+                    </m:f>
+                    <m:r>
+                      <a:rPr lang="en-US" altLang="ko-KR" b="0" i="1" smtClean="0">
+                        <a:latin typeface="Cambria Math" panose="02040503050406030204" pitchFamily="18" charset="0"/>
+                      </a:rPr>
+                      <m:t>≈</m:t>
+                    </m:r>
+                    <m:sSub>
+                      <m:sSubPr>
+                        <m:ctrlPr>
+                          <a:rPr lang="en-US" altLang="ko-KR" b="0" i="1" smtClean="0">
+                            <a:latin typeface="Cambria Math" panose="02040503050406030204" pitchFamily="18" charset="0"/>
+                          </a:rPr>
+                        </m:ctrlPr>
+                      </m:sSubPr>
+                      <m:e>
+                        <m:r>
+                          <a:rPr lang="en-US" altLang="ko-KR" b="0" i="1" smtClean="0">
+                            <a:latin typeface="Cambria Math" panose="02040503050406030204" pitchFamily="18" charset="0"/>
+                          </a:rPr>
+                          <m:t>𝛽</m:t>
+                        </m:r>
+                      </m:e>
+                      <m:sub>
+                        <m:r>
+                          <a:rPr lang="en-US" altLang="ko-KR" b="0" i="1" smtClean="0">
+                            <a:latin typeface="Cambria Math" panose="02040503050406030204" pitchFamily="18" charset="0"/>
+                          </a:rPr>
+                          <m:t>𝑐</m:t>
+                        </m:r>
+                      </m:sub>
+                    </m:sSub>
+                    <m:d>
+                      <m:dPr>
+                        <m:ctrlPr>
+                          <a:rPr lang="en-US" altLang="ko-KR" b="0" i="1" smtClean="0">
+                            <a:latin typeface="Cambria Math" panose="02040503050406030204" pitchFamily="18" charset="0"/>
+                          </a:rPr>
+                        </m:ctrlPr>
+                      </m:dPr>
+                      <m:e>
+                        <m:r>
+                          <a:rPr lang="en-US" altLang="ko-KR" b="0" i="1" smtClean="0">
+                            <a:latin typeface="Cambria Math" panose="02040503050406030204" pitchFamily="18" charset="0"/>
+                          </a:rPr>
+                          <m:t>1−</m:t>
+                        </m:r>
+                        <m:r>
+                          <a:rPr lang="en-US" altLang="ko-KR" b="0" i="1" smtClean="0">
+                            <a:latin typeface="Cambria Math" panose="02040503050406030204" pitchFamily="18" charset="0"/>
+                          </a:rPr>
+                          <m:t>𝑡</m:t>
+                        </m:r>
+                      </m:e>
+                    </m:d>
+                  </m:oMath>
+                </a14:m>
+                <a:endParaRPr lang="en-US" altLang="ko-KR" b="0" dirty="0"/>
+              </a:p>
+              <a:p>
+                <a:endParaRPr lang="en-US" altLang="ko-KR" sz="2400" dirty="0"/>
+              </a:p>
+              <a:p>
+                <a14:m>
+                  <m:oMath xmlns:m="http://schemas.openxmlformats.org/officeDocument/2006/math">
+                    <m:r>
+                      <a:rPr lang="en-US" altLang="ko-KR" b="0" i="1" smtClean="0">
+                        <a:latin typeface="Cambria Math" panose="02040503050406030204" pitchFamily="18" charset="0"/>
+                      </a:rPr>
+                      <m:t>𝒻</m:t>
+                    </m:r>
+                    <m:d>
+                      <m:dPr>
+                        <m:ctrlPr>
+                          <a:rPr lang="en-US" altLang="ko-KR" b="0" i="1" smtClean="0">
+                            <a:latin typeface="Cambria Math" panose="02040503050406030204" pitchFamily="18" charset="0"/>
+                          </a:rPr>
+                        </m:ctrlPr>
+                      </m:dPr>
+                      <m:e>
+                        <m:r>
+                          <a:rPr lang="en-US" altLang="ko-KR" b="0" i="1" smtClean="0">
+                            <a:latin typeface="Cambria Math" panose="02040503050406030204" pitchFamily="18" charset="0"/>
+                          </a:rPr>
+                          <m:t>𝓉</m:t>
+                        </m:r>
+                        <m:r>
+                          <a:rPr lang="en-US" altLang="ko-KR" b="0" i="1" smtClean="0">
+                            <a:latin typeface="Cambria Math" panose="02040503050406030204" pitchFamily="18" charset="0"/>
+                          </a:rPr>
+                          <m:t>,</m:t>
+                        </m:r>
+                        <m:r>
+                          <a:rPr lang="en-US" altLang="ko-KR" b="0" i="1" smtClean="0">
+                            <a:latin typeface="Cambria Math" panose="02040503050406030204" pitchFamily="18" charset="0"/>
+                          </a:rPr>
+                          <m:t>𝒽</m:t>
+                        </m:r>
+                      </m:e>
+                    </m:d>
+                    <m:r>
+                      <a:rPr lang="en-US" altLang="ko-KR" b="0" i="1" smtClean="0">
+                        <a:latin typeface="Cambria Math" panose="02040503050406030204" pitchFamily="18" charset="0"/>
+                      </a:rPr>
+                      <m:t>=</m:t>
+                    </m:r>
+                    <m:sSup>
+                      <m:sSupPr>
+                        <m:ctrlPr>
+                          <a:rPr lang="en-US" altLang="ko-KR" b="0" i="1" smtClean="0">
+                            <a:latin typeface="Cambria Math" panose="02040503050406030204" pitchFamily="18" charset="0"/>
+                          </a:rPr>
+                        </m:ctrlPr>
+                      </m:sSupPr>
+                      <m:e>
+                        <m:r>
+                          <a:rPr lang="en-US" altLang="ko-KR" b="0" i="1" smtClean="0">
+                            <a:latin typeface="Cambria Math" panose="02040503050406030204" pitchFamily="18" charset="0"/>
+                          </a:rPr>
+                          <m:t>ℓ</m:t>
+                        </m:r>
+                      </m:e>
+                      <m:sup>
+                        <m:r>
+                          <a:rPr lang="en-US" altLang="ko-KR" b="0" i="1" smtClean="0">
+                            <a:latin typeface="Cambria Math" panose="02040503050406030204" pitchFamily="18" charset="0"/>
+                          </a:rPr>
+                          <m:t>−</m:t>
+                        </m:r>
+                        <m:r>
+                          <a:rPr lang="en-US" altLang="ko-KR" b="0" i="1" smtClean="0">
+                            <a:latin typeface="Cambria Math" panose="02040503050406030204" pitchFamily="18" charset="0"/>
+                          </a:rPr>
+                          <m:t>𝑑</m:t>
+                        </m:r>
+                      </m:sup>
+                    </m:sSup>
+                    <m:r>
+                      <a:rPr lang="en-US" altLang="ko-KR" b="0" i="1" smtClean="0">
+                        <a:latin typeface="Cambria Math" panose="02040503050406030204" pitchFamily="18" charset="0"/>
+                      </a:rPr>
+                      <m:t>𝒻</m:t>
+                    </m:r>
+                    <m:d>
+                      <m:dPr>
+                        <m:ctrlPr>
+                          <a:rPr lang="en-US" altLang="ko-KR" b="0" i="1" smtClean="0">
+                            <a:latin typeface="Cambria Math" panose="02040503050406030204" pitchFamily="18" charset="0"/>
+                          </a:rPr>
+                        </m:ctrlPr>
+                      </m:dPr>
+                      <m:e>
+                        <m:r>
+                          <a:rPr lang="en-US" altLang="ko-KR" b="0" i="1" smtClean="0">
+                            <a:latin typeface="Cambria Math" panose="02040503050406030204" pitchFamily="18" charset="0"/>
+                          </a:rPr>
+                          <m:t>𝓉</m:t>
+                        </m:r>
+                        <m:sSup>
+                          <m:sSupPr>
+                            <m:ctrlPr>
+                              <a:rPr lang="en-US" altLang="ko-KR" b="0" i="1" smtClean="0">
+                                <a:latin typeface="Cambria Math" panose="02040503050406030204" pitchFamily="18" charset="0"/>
+                              </a:rPr>
+                            </m:ctrlPr>
+                          </m:sSupPr>
+                          <m:e>
+                            <m:r>
+                              <a:rPr lang="en-US" altLang="ko-KR" b="0" i="1" smtClean="0">
+                                <a:latin typeface="Cambria Math" panose="02040503050406030204" pitchFamily="18" charset="0"/>
+                              </a:rPr>
+                              <m:t>ℓ</m:t>
+                            </m:r>
+                          </m:e>
+                          <m:sup>
+                            <m:sSub>
+                              <m:sSubPr>
+                                <m:ctrlPr>
+                                  <a:rPr lang="en-US" altLang="ko-KR" b="0" i="1" smtClean="0">
+                                    <a:latin typeface="Cambria Math" panose="02040503050406030204" pitchFamily="18" charset="0"/>
+                                  </a:rPr>
+                                </m:ctrlPr>
+                              </m:sSubPr>
+                              <m:e>
+                                <m:r>
+                                  <m:rPr>
+                                    <m:sty m:val="p"/>
+                                  </m:rPr>
+                                  <a:rPr lang="en-US" altLang="ko-KR" b="0" i="0" smtClean="0">
+                                    <a:latin typeface="Cambria Math" panose="02040503050406030204" pitchFamily="18" charset="0"/>
+                                  </a:rPr>
+                                  <m:t>Δ</m:t>
+                                </m:r>
+                              </m:e>
+                              <m:sub>
+                                <m:r>
+                                  <a:rPr lang="en-US" altLang="ko-KR" b="0" i="1" smtClean="0">
+                                    <a:latin typeface="Cambria Math" panose="02040503050406030204" pitchFamily="18" charset="0"/>
+                                  </a:rPr>
+                                  <m:t>𝓉</m:t>
+                                </m:r>
+                              </m:sub>
+                            </m:sSub>
+                          </m:sup>
+                        </m:sSup>
+                        <m:r>
+                          <a:rPr lang="en-US" altLang="ko-KR" b="0" i="1" smtClean="0">
+                            <a:latin typeface="Cambria Math" panose="02040503050406030204" pitchFamily="18" charset="0"/>
+                          </a:rPr>
+                          <m:t>,</m:t>
+                        </m:r>
+                        <m:r>
+                          <a:rPr lang="en-US" altLang="ko-KR" b="0" i="1" smtClean="0">
+                            <a:latin typeface="Cambria Math" panose="02040503050406030204" pitchFamily="18" charset="0"/>
+                          </a:rPr>
+                          <m:t>𝒽</m:t>
+                        </m:r>
+                        <m:sSup>
+                          <m:sSupPr>
+                            <m:ctrlPr>
+                              <a:rPr lang="en-US" altLang="ko-KR" b="0" i="1" smtClean="0">
+                                <a:latin typeface="Cambria Math" panose="02040503050406030204" pitchFamily="18" charset="0"/>
+                              </a:rPr>
+                            </m:ctrlPr>
+                          </m:sSupPr>
+                          <m:e>
+                            <m:r>
+                              <a:rPr lang="en-US" altLang="ko-KR" b="0" i="1" smtClean="0">
+                                <a:latin typeface="Cambria Math" panose="02040503050406030204" pitchFamily="18" charset="0"/>
+                              </a:rPr>
+                              <m:t>ℓ</m:t>
+                            </m:r>
+                          </m:e>
+                          <m:sup>
+                            <m:sSub>
+                              <m:sSubPr>
+                                <m:ctrlPr>
+                                  <a:rPr lang="en-US" altLang="ko-KR" b="0" i="1" smtClean="0">
+                                    <a:latin typeface="Cambria Math" panose="02040503050406030204" pitchFamily="18" charset="0"/>
+                                  </a:rPr>
+                                </m:ctrlPr>
+                              </m:sSubPr>
+                              <m:e>
+                                <m:r>
+                                  <m:rPr>
+                                    <m:sty m:val="p"/>
+                                  </m:rPr>
+                                  <a:rPr lang="en-US" altLang="ko-KR" b="0" i="0" smtClean="0">
+                                    <a:latin typeface="Cambria Math" panose="02040503050406030204" pitchFamily="18" charset="0"/>
+                                  </a:rPr>
+                                  <m:t>Δ</m:t>
+                                </m:r>
+                              </m:e>
+                              <m:sub>
+                                <m:r>
+                                  <a:rPr lang="en-US" altLang="ko-KR" b="0" i="1" smtClean="0">
+                                    <a:latin typeface="Cambria Math" panose="02040503050406030204" pitchFamily="18" charset="0"/>
+                                  </a:rPr>
+                                  <m:t>𝒽</m:t>
+                                </m:r>
+                              </m:sub>
+                            </m:sSub>
+                          </m:sup>
+                        </m:sSup>
+                      </m:e>
+                    </m:d>
+                  </m:oMath>
+                </a14:m>
+                <a:r>
+                  <a:rPr lang="en-US" altLang="ko-KR" b="0" dirty="0"/>
+                  <a:t> for scaling dimension </a:t>
+                </a:r>
+                <a14:m>
+                  <m:oMath xmlns:m="http://schemas.openxmlformats.org/officeDocument/2006/math">
+                    <m:sSub>
+                      <m:sSubPr>
+                        <m:ctrlPr>
+                          <a:rPr lang="en-US" altLang="ko-KR" b="0" i="1" smtClean="0">
+                            <a:latin typeface="Cambria Math" panose="02040503050406030204" pitchFamily="18" charset="0"/>
+                          </a:rPr>
+                        </m:ctrlPr>
+                      </m:sSubPr>
+                      <m:e>
+                        <m:r>
+                          <m:rPr>
+                            <m:sty m:val="p"/>
+                          </m:rPr>
+                          <a:rPr lang="en-US" altLang="ko-KR" b="0" i="0" smtClean="0">
+                            <a:latin typeface="Cambria Math" panose="02040503050406030204" pitchFamily="18" charset="0"/>
+                          </a:rPr>
+                          <m:t>Δ</m:t>
+                        </m:r>
+                      </m:e>
+                      <m:sub>
+                        <m:r>
+                          <a:rPr lang="en-US" altLang="ko-KR" b="0" i="1" smtClean="0">
+                            <a:latin typeface="Cambria Math" panose="02040503050406030204" pitchFamily="18" charset="0"/>
+                          </a:rPr>
+                          <m:t>𝓉</m:t>
+                        </m:r>
+                      </m:sub>
+                    </m:sSub>
+                  </m:oMath>
+                </a14:m>
+                <a:r>
+                  <a:rPr lang="en-US" altLang="ko-KR" b="0" dirty="0"/>
+                  <a:t> and </a:t>
+                </a:r>
+                <a14:m>
+                  <m:oMath xmlns:m="http://schemas.openxmlformats.org/officeDocument/2006/math">
+                    <m:sSub>
+                      <m:sSubPr>
+                        <m:ctrlPr>
+                          <a:rPr lang="en-US" altLang="ko-KR" b="0" i="1" smtClean="0">
+                            <a:latin typeface="Cambria Math" panose="02040503050406030204" pitchFamily="18" charset="0"/>
+                          </a:rPr>
+                        </m:ctrlPr>
+                      </m:sSubPr>
+                      <m:e>
+                        <m:r>
+                          <m:rPr>
+                            <m:sty m:val="p"/>
+                          </m:rPr>
+                          <a:rPr lang="en-US" altLang="ko-KR" b="0" i="0" smtClean="0">
+                            <a:latin typeface="Cambria Math" panose="02040503050406030204" pitchFamily="18" charset="0"/>
+                          </a:rPr>
+                          <m:t>Δ</m:t>
+                        </m:r>
+                      </m:e>
+                      <m:sub>
+                        <m:r>
+                          <a:rPr lang="en-US" altLang="ko-KR" b="0" i="1" smtClean="0">
+                            <a:latin typeface="Cambria Math" panose="02040503050406030204" pitchFamily="18" charset="0"/>
+                          </a:rPr>
+                          <m:t>𝒽</m:t>
+                        </m:r>
+                      </m:sub>
+                    </m:sSub>
+                  </m:oMath>
+                </a14:m>
+                <a:endParaRPr lang="en-US" altLang="ko-KR" b="0" dirty="0"/>
+              </a:p>
+            </p:txBody>
+          </p:sp>
+        </mc:Choice>
+        <mc:Fallback xmlns="">
+          <p:sp>
+            <p:nvSpPr>
+              <p:cNvPr id="3" name="Content Placeholder 2">
+                <a:extLst>
+                  <a:ext uri="{FF2B5EF4-FFF2-40B4-BE49-F238E27FC236}">
+                    <a16:creationId xmlns:a16="http://schemas.microsoft.com/office/drawing/2014/main" id="{750CDB47-9916-96D6-90EC-22ED1FF5F88D}"/>
+                  </a:ext>
+                </a:extLst>
+              </p:cNvPr>
+              <p:cNvSpPr>
+                <a:spLocks noGrp="1" noRot="1" noChangeAspect="1" noMove="1" noResize="1" noEditPoints="1" noAdjustHandles="1" noChangeArrowheads="1" noChangeShapeType="1" noTextEdit="1"/>
+              </p:cNvSpPr>
+              <p:nvPr>
+                <p:ph idx="1"/>
+              </p:nvPr>
+            </p:nvSpPr>
+            <p:spPr>
+              <a:xfrm>
+                <a:off x="838199" y="1825625"/>
+                <a:ext cx="10688053" cy="4351338"/>
+              </a:xfrm>
+              <a:blipFill>
+                <a:blip r:embed="rId2"/>
+                <a:stretch>
+                  <a:fillRect l="-969" t="-2381"/>
+                </a:stretch>
+              </a:blipFill>
+            </p:spPr>
+            <p:txBody>
+              <a:bodyPr/>
+              <a:lstStyle/>
+              <a:p>
+                <a:r>
+                  <a:rPr lang="ko-KR" altLang="en-US">
+                    <a:noFill/>
+                  </a:rPr>
+                  <a:t> </a:t>
+                </a:r>
+              </a:p>
+            </p:txBody>
+          </p:sp>
+        </mc:Fallback>
+      </mc:AlternateContent>
+    </p:spTree>
+    <p:extLst>
+      <p:ext uri="{BB962C8B-B14F-4D97-AF65-F5344CB8AC3E}">
+        <p14:creationId xmlns:p14="http://schemas.microsoft.com/office/powerpoint/2010/main" val="3470195780"/>
+      </p:ext>
+    </p:extLst>
+  </p:cSld>
+  <p:clrMapOvr>
+    <a:masterClrMapping/>
+  </p:clrMapOvr>
+</p:sld>
+</file>
+
+<file path=ppt/slides/slide3.xml><?xml version="1.0" encoding="utf-8"?>
 <p:sld xmlns:a="http://schemas.openxmlformats.org/drawingml/2006/main" xmlns:r="http://schemas.openxmlformats.org/officeDocument/2006/relationships" xmlns:p="http://schemas.openxmlformats.org/presentationml/2006/main">
   <p:cSld>
     <p:spTree>
@@ -11459,7 +17275,7 @@
 </p:sld>
 </file>
 
-<file path=ppt/slides/slide3.xml><?xml version="1.0" encoding="utf-8"?>
+<file path=ppt/slides/slide4.xml><?xml version="1.0" encoding="utf-8"?>
 <p:sld xmlns:a="http://schemas.openxmlformats.org/drawingml/2006/main" xmlns:r="http://schemas.openxmlformats.org/officeDocument/2006/relationships" xmlns:p="http://schemas.openxmlformats.org/presentationml/2006/main">
   <p:cSld>
     <p:spTree>
@@ -13348,7 +19164,7 @@
 </p:sld>
 </file>
 
-<file path=ppt/slides/slide4.xml><?xml version="1.0" encoding="utf-8"?>
+<file path=ppt/slides/slide5.xml><?xml version="1.0" encoding="utf-8"?>
 <p:sld xmlns:a="http://schemas.openxmlformats.org/drawingml/2006/main" xmlns:r="http://schemas.openxmlformats.org/officeDocument/2006/relationships" xmlns:p="http://schemas.openxmlformats.org/presentationml/2006/main">
   <p:cSld>
     <p:spTree>
@@ -13394,7 +19210,7 @@
                 <a:latin typeface="Times New Roman" panose="02020603050405020304" pitchFamily="18" charset="0"/>
                 <a:cs typeface="Times New Roman" panose="02020603050405020304" pitchFamily="18" charset="0"/>
               </a:rPr>
-              <a:t>Scaling Relations</a:t>
+              <a:t>Scaling Laws</a:t>
             </a:r>
             <a:endParaRPr lang="ko-KR" altLang="en-US" sz="4800" dirty="0">
               <a:latin typeface="Times New Roman" panose="02020603050405020304" pitchFamily="18" charset="0"/>
@@ -14831,7 +20647,7 @@
 </p:sld>
 </file>
 
-<file path=ppt/slides/slide5.xml><?xml version="1.0" encoding="utf-8"?>
+<file path=ppt/slides/slide6.xml><?xml version="1.0" encoding="utf-8"?>
 <p:sld xmlns:a="http://schemas.openxmlformats.org/drawingml/2006/main" xmlns:r="http://schemas.openxmlformats.org/officeDocument/2006/relationships" xmlns:p="http://schemas.openxmlformats.org/presentationml/2006/main">
   <p:cSld>
     <p:spTree>
@@ -14949,8 +20765,8 @@
           </p:sp>
         </mc:Fallback>
       </mc:AlternateContent>
-      <mc:AlternateContent xmlns:mc="http://schemas.openxmlformats.org/markup-compatibility/2006">
-        <mc:Choice xmlns:a14="http://schemas.microsoft.com/office/drawing/2010/main" Requires="a14">
+      <mc:AlternateContent xmlns:mc="http://schemas.openxmlformats.org/markup-compatibility/2006" xmlns:a14="http://schemas.microsoft.com/office/drawing/2010/main">
+        <mc:Choice Requires="a14">
           <p:graphicFrame>
             <p:nvGraphicFramePr>
               <p:cNvPr id="7" name="Table 7">
@@ -16395,7 +22211,7 @@
             </a:graphic>
           </p:graphicFrame>
         </mc:Choice>
-        <mc:Fallback>
+        <mc:Fallback xmlns="">
           <p:graphicFrame>
             <p:nvGraphicFramePr>
               <p:cNvPr id="7" name="Table 7">
@@ -16848,7 +22664,7 @@
 </p:sld>
 </file>
 
-<file path=ppt/slides/slide6.xml><?xml version="1.0" encoding="utf-8"?>
+<file path=ppt/slides/slide7.xml><?xml version="1.0" encoding="utf-8"?>
 <p:sld xmlns:a="http://schemas.openxmlformats.org/drawingml/2006/main" xmlns:r="http://schemas.openxmlformats.org/officeDocument/2006/relationships" xmlns:p="http://schemas.openxmlformats.org/presentationml/2006/main">
   <p:cSld>
     <p:spTree>
@@ -16966,8 +22782,8 @@
           </p:sp>
         </mc:Fallback>
       </mc:AlternateContent>
-      <mc:AlternateContent xmlns:mc="http://schemas.openxmlformats.org/markup-compatibility/2006">
-        <mc:Choice xmlns:a14="http://schemas.microsoft.com/office/drawing/2010/main" Requires="a14">
+      <mc:AlternateContent xmlns:mc="http://schemas.openxmlformats.org/markup-compatibility/2006" xmlns:a14="http://schemas.microsoft.com/office/drawing/2010/main">
+        <mc:Choice Requires="a14">
           <p:graphicFrame>
             <p:nvGraphicFramePr>
               <p:cNvPr id="3" name="Table 2">
@@ -18812,7 +24628,7 @@
             </a:graphic>
           </p:graphicFrame>
         </mc:Choice>
-        <mc:Fallback>
+        <mc:Fallback xmlns="">
           <p:graphicFrame>
             <p:nvGraphicFramePr>
               <p:cNvPr id="3" name="Table 2">
@@ -19415,7 +25231,7 @@
 </p:sld>
 </file>
 
-<file path=ppt/slides/slide7.xml><?xml version="1.0" encoding="utf-8"?>
+<file path=ppt/slides/slide8.xml><?xml version="1.0" encoding="utf-8"?>
 <p:sld xmlns:a="http://schemas.openxmlformats.org/drawingml/2006/main" xmlns:r="http://schemas.openxmlformats.org/officeDocument/2006/relationships" xmlns:p="http://schemas.openxmlformats.org/presentationml/2006/main">
   <p:cSld>
     <p:spTree>
@@ -19432,8 +25248,8 @@
           <a:chExt cx="0" cy="0"/>
         </a:xfrm>
       </p:grpSpPr>
-      <mc:AlternateContent xmlns:mc="http://schemas.openxmlformats.org/markup-compatibility/2006">
-        <mc:Choice xmlns:a14="http://schemas.microsoft.com/office/drawing/2010/main" Requires="a14">
+      <mc:AlternateContent xmlns:mc="http://schemas.openxmlformats.org/markup-compatibility/2006" xmlns:a14="http://schemas.microsoft.com/office/drawing/2010/main">
+        <mc:Choice Requires="a14">
           <p:sp>
             <p:nvSpPr>
               <p:cNvPr id="2" name="Title 1">
@@ -19499,7 +25315,7 @@
             </p:txBody>
           </p:sp>
         </mc:Choice>
-        <mc:Fallback>
+        <mc:Fallback xmlns="">
           <p:sp>
             <p:nvSpPr>
               <p:cNvPr id="2" name="Title 1">
@@ -19539,8 +25355,8 @@
           </p:sp>
         </mc:Fallback>
       </mc:AlternateContent>
-      <mc:AlternateContent xmlns:mc="http://schemas.openxmlformats.org/markup-compatibility/2006">
-        <mc:Choice xmlns:a14="http://schemas.microsoft.com/office/drawing/2010/main" Requires="a14">
+      <mc:AlternateContent xmlns:mc="http://schemas.openxmlformats.org/markup-compatibility/2006" xmlns:a14="http://schemas.microsoft.com/office/drawing/2010/main">
+        <mc:Choice Requires="a14">
           <p:graphicFrame>
             <p:nvGraphicFramePr>
               <p:cNvPr id="4" name="Table 7">
@@ -21373,7 +27189,7 @@
             </a:graphic>
           </p:graphicFrame>
         </mc:Choice>
-        <mc:Fallback>
+        <mc:Fallback xmlns="">
           <p:graphicFrame>
             <p:nvGraphicFramePr>
               <p:cNvPr id="4" name="Table 7">
@@ -21734,7 +27550,7 @@
 </p:sld>
 </file>
 
-<file path=ppt/slides/slide8.xml><?xml version="1.0" encoding="utf-8"?>
+<file path=ppt/slides/slide9.xml><?xml version="1.0" encoding="utf-8"?>
 <p:sld xmlns:a="http://schemas.openxmlformats.org/drawingml/2006/main" xmlns:r="http://schemas.openxmlformats.org/officeDocument/2006/relationships" xmlns:p="http://schemas.openxmlformats.org/presentationml/2006/main">
   <p:cSld>
     <p:spTree>
@@ -21751,8 +27567,8 @@
           <a:chExt cx="0" cy="0"/>
         </a:xfrm>
       </p:grpSpPr>
-      <mc:AlternateContent xmlns:mc="http://schemas.openxmlformats.org/markup-compatibility/2006">
-        <mc:Choice xmlns:a14="http://schemas.microsoft.com/office/drawing/2010/main" Requires="a14">
+      <mc:AlternateContent xmlns:mc="http://schemas.openxmlformats.org/markup-compatibility/2006" xmlns:a14="http://schemas.microsoft.com/office/drawing/2010/main">
+        <mc:Choice Requires="a14">
           <p:sp>
             <p:nvSpPr>
               <p:cNvPr id="2" name="Title 1">
@@ -21818,7 +27634,7 @@
             </p:txBody>
           </p:sp>
         </mc:Choice>
-        <mc:Fallback>
+        <mc:Fallback xmlns="">
           <p:sp>
             <p:nvSpPr>
               <p:cNvPr id="2" name="Title 1">
@@ -21858,8 +27674,8 @@
           </p:sp>
         </mc:Fallback>
       </mc:AlternateContent>
-      <mc:AlternateContent xmlns:mc="http://schemas.openxmlformats.org/markup-compatibility/2006">
-        <mc:Choice xmlns:a14="http://schemas.microsoft.com/office/drawing/2010/main" Requires="a14">
+      <mc:AlternateContent xmlns:mc="http://schemas.openxmlformats.org/markup-compatibility/2006" xmlns:a14="http://schemas.microsoft.com/office/drawing/2010/main">
+        <mc:Choice Requires="a14">
           <p:graphicFrame>
             <p:nvGraphicFramePr>
               <p:cNvPr id="3" name="Table 2">
@@ -24560,7 +30376,7 @@
             </a:graphic>
           </p:graphicFrame>
         </mc:Choice>
-        <mc:Fallback>
+        <mc:Fallback xmlns="">
           <p:graphicFrame>
             <p:nvGraphicFramePr>
               <p:cNvPr id="3" name="Table 2">
@@ -25028,3199 +30844,6 @@
     <p:extLst>
       <p:ext uri="{BB962C8B-B14F-4D97-AF65-F5344CB8AC3E}">
         <p14:creationId xmlns:p14="http://schemas.microsoft.com/office/powerpoint/2010/main" val="226528355"/>
-      </p:ext>
-    </p:extLst>
-  </p:cSld>
-  <p:clrMapOvr>
-    <a:masterClrMapping/>
-  </p:clrMapOvr>
-</p:sld>
-</file>
-
-<file path=ppt/slides/slide9.xml><?xml version="1.0" encoding="utf-8"?>
-<p:sld xmlns:a="http://schemas.openxmlformats.org/drawingml/2006/main" xmlns:r="http://schemas.openxmlformats.org/officeDocument/2006/relationships" xmlns:p="http://schemas.openxmlformats.org/presentationml/2006/main">
-  <p:cSld>
-    <p:spTree>
-      <p:nvGrpSpPr>
-        <p:cNvPr id="1" name=""/>
-        <p:cNvGrpSpPr/>
-        <p:nvPr/>
-      </p:nvGrpSpPr>
-      <p:grpSpPr>
-        <a:xfrm>
-          <a:off x="0" y="0"/>
-          <a:ext cx="0" cy="0"/>
-          <a:chOff x="0" y="0"/>
-          <a:chExt cx="0" cy="0"/>
-        </a:xfrm>
-      </p:grpSpPr>
-      <mc:AlternateContent xmlns:mc="http://schemas.openxmlformats.org/markup-compatibility/2006">
-        <mc:Choice xmlns:a14="http://schemas.microsoft.com/office/drawing/2010/main" Requires="a14">
-          <p:sp>
-            <p:nvSpPr>
-              <p:cNvPr id="2" name="Title 1">
-                <a:extLst>
-                  <a:ext uri="{FF2B5EF4-FFF2-40B4-BE49-F238E27FC236}">
-                    <a16:creationId xmlns:a16="http://schemas.microsoft.com/office/drawing/2014/main" id="{BDC2CAD1-5F0F-A3E7-7271-0D2E73426F61}"/>
-                  </a:ext>
-                </a:extLst>
-              </p:cNvPr>
-              <p:cNvSpPr>
-                <a:spLocks noGrp="1"/>
-              </p:cNvSpPr>
-              <p:nvPr>
-                <p:ph type="title"/>
-              </p:nvPr>
-            </p:nvSpPr>
-            <p:spPr/>
-            <p:txBody>
-              <a:bodyPr/>
-              <a:lstStyle/>
-              <a:p>
-                <a14:m>
-                  <m:oMath xmlns:m="http://schemas.openxmlformats.org/officeDocument/2006/math">
-                    <m:r>
-                      <a:rPr lang="en-US" altLang="ko-KR" b="0" i="1" smtClean="0">
-                        <a:latin typeface="Cambria Math" panose="02040503050406030204" pitchFamily="18" charset="0"/>
-                      </a:rPr>
-                      <m:t>𝑂</m:t>
-                    </m:r>
-                    <m:d>
-                      <m:dPr>
-                        <m:ctrlPr>
-                          <a:rPr lang="en-US" altLang="ko-KR" b="0" i="1" smtClean="0">
-                            <a:latin typeface="Cambria Math" panose="02040503050406030204" pitchFamily="18" charset="0"/>
-                          </a:rPr>
-                        </m:ctrlPr>
-                      </m:dPr>
-                      <m:e>
-                        <m:r>
-                          <a:rPr lang="en-US" altLang="ko-KR" b="0" i="1" smtClean="0">
-                            <a:latin typeface="Cambria Math" panose="02040503050406030204" pitchFamily="18" charset="0"/>
-                          </a:rPr>
-                          <m:t>𝑛</m:t>
-                        </m:r>
-                        <m:r>
-                          <a:rPr lang="en-US" altLang="ko-KR" b="0" i="1" smtClean="0">
-                            <a:latin typeface="Cambria Math" panose="02040503050406030204" pitchFamily="18" charset="0"/>
-                          </a:rPr>
-                          <m:t>=0, ∞</m:t>
-                        </m:r>
-                      </m:e>
-                    </m:d>
-                  </m:oMath>
-                </a14:m>
-                <a:r>
-                  <a:rPr lang="ko-KR" altLang="en-US" dirty="0"/>
-                  <a:t> </a:t>
-                </a:r>
-                <a:r>
-                  <a:rPr lang="en-US" altLang="ko-KR" dirty="0"/>
-                  <a:t>model at </a:t>
-                </a:r>
-                <a14:m>
-                  <m:oMath xmlns:m="http://schemas.openxmlformats.org/officeDocument/2006/math">
-                    <m:r>
-                      <a:rPr lang="en-US" altLang="ko-KR" b="0" i="1" smtClean="0">
-                        <a:latin typeface="Cambria Math" panose="02040503050406030204" pitchFamily="18" charset="0"/>
-                      </a:rPr>
-                      <m:t>𝑑</m:t>
-                    </m:r>
-                    <m:r>
-                      <a:rPr lang="en-US" altLang="ko-KR" b="0" i="1" smtClean="0">
-                        <a:latin typeface="Cambria Math" panose="02040503050406030204" pitchFamily="18" charset="0"/>
-                      </a:rPr>
-                      <m:t>=3</m:t>
-                    </m:r>
-                  </m:oMath>
-                </a14:m>
-                <a:endParaRPr lang="ko-KR" altLang="en-US" dirty="0"/>
-              </a:p>
-            </p:txBody>
-          </p:sp>
-        </mc:Choice>
-        <mc:Fallback>
-          <p:sp>
-            <p:nvSpPr>
-              <p:cNvPr id="2" name="Title 1">
-                <a:extLst>
-                  <a:ext uri="{FF2B5EF4-FFF2-40B4-BE49-F238E27FC236}">
-                    <a16:creationId xmlns:a16="http://schemas.microsoft.com/office/drawing/2014/main" id="{BDC2CAD1-5F0F-A3E7-7271-0D2E73426F61}"/>
-                  </a:ext>
-                </a:extLst>
-              </p:cNvPr>
-              <p:cNvSpPr>
-                <a:spLocks noGrp="1" noRot="1" noChangeAspect="1" noMove="1" noResize="1" noEditPoints="1" noAdjustHandles="1" noChangeArrowheads="1" noChangeShapeType="1" noTextEdit="1"/>
-              </p:cNvSpPr>
-              <p:nvPr>
-                <p:ph type="title"/>
-              </p:nvPr>
-            </p:nvSpPr>
-            <p:spPr>
-              <a:blipFill>
-                <a:blip r:embed="rId2"/>
-                <a:stretch>
-                  <a:fillRect/>
-                </a:stretch>
-              </a:blipFill>
-            </p:spPr>
-            <p:txBody>
-              <a:bodyPr/>
-              <a:lstStyle/>
-              <a:p>
-                <a:r>
-                  <a:rPr lang="ko-KR" altLang="en-US">
-                    <a:noFill/>
-                  </a:rPr>
-                  <a:t> </a:t>
-                </a:r>
-              </a:p>
-            </p:txBody>
-          </p:sp>
-        </mc:Fallback>
-      </mc:AlternateContent>
-      <mc:AlternateContent xmlns:mc="http://schemas.openxmlformats.org/markup-compatibility/2006">
-        <mc:Choice xmlns:a14="http://schemas.microsoft.com/office/drawing/2010/main" Requires="a14">
-          <p:graphicFrame>
-            <p:nvGraphicFramePr>
-              <p:cNvPr id="5" name="Table 5">
-                <a:extLst>
-                  <a:ext uri="{FF2B5EF4-FFF2-40B4-BE49-F238E27FC236}">
-                    <a16:creationId xmlns:a16="http://schemas.microsoft.com/office/drawing/2014/main" id="{A679695A-C065-7D2C-79A5-06E0451101AD}"/>
-                  </a:ext>
-                </a:extLst>
-              </p:cNvPr>
-              <p:cNvGraphicFramePr>
-                <a:graphicFrameLocks noGrp="1"/>
-              </p:cNvGraphicFramePr>
-              <p:nvPr>
-                <p:extLst>
-                  <p:ext uri="{D42A27DB-BD31-4B8C-83A1-F6EECF244321}">
-                    <p14:modId xmlns:p14="http://schemas.microsoft.com/office/powerpoint/2010/main" val="1885619648"/>
-                  </p:ext>
-                </p:extLst>
-              </p:nvPr>
-            </p:nvGraphicFramePr>
-            <p:xfrm>
-              <a:off x="838200" y="1874389"/>
-              <a:ext cx="10515600" cy="4500880"/>
-            </p:xfrm>
-            <a:graphic>
-              <a:graphicData uri="http://schemas.openxmlformats.org/drawingml/2006/table">
-                <a:tbl>
-                  <a:tblPr firstRow="1" bandRow="1">
-                    <a:tableStyleId>{793D81CF-94F2-401A-BA57-92F5A7B2D0C5}</a:tableStyleId>
-                  </a:tblPr>
-                  <a:tblGrid>
-                    <a:gridCol w="3505200">
-                      <a:extLst>
-                        <a:ext uri="{9D8B030D-6E8A-4147-A177-3AD203B41FA5}">
-                          <a16:colId xmlns:a16="http://schemas.microsoft.com/office/drawing/2014/main" val="817749264"/>
-                        </a:ext>
-                      </a:extLst>
-                    </a:gridCol>
-                    <a:gridCol w="3505200">
-                      <a:extLst>
-                        <a:ext uri="{9D8B030D-6E8A-4147-A177-3AD203B41FA5}">
-                          <a16:colId xmlns:a16="http://schemas.microsoft.com/office/drawing/2014/main" val="1391012440"/>
-                        </a:ext>
-                      </a:extLst>
-                    </a:gridCol>
-                    <a:gridCol w="3505200">
-                      <a:extLst>
-                        <a:ext uri="{9D8B030D-6E8A-4147-A177-3AD203B41FA5}">
-                          <a16:colId xmlns:a16="http://schemas.microsoft.com/office/drawing/2014/main" val="2109227712"/>
-                        </a:ext>
-                      </a:extLst>
-                    </a:gridCol>
-                  </a:tblGrid>
-                  <a:tr h="370840">
-                    <a:tc>
-                      <a:txBody>
-                        <a:bodyPr/>
-                        <a:lstStyle/>
-                        <a:p>
-                          <a:pPr algn="ctr" latinLnBrk="1"/>
-                          <a:r>
-                            <a:rPr lang="en-US" altLang="ko-KR" dirty="0"/>
-                            <a:t>Scaling dimensions and </a:t>
-                          </a:r>
-                        </a:p>
-                        <a:p>
-                          <a:pPr algn="ctr" latinLnBrk="1"/>
-                          <a:r>
-                            <a:rPr lang="en-US" altLang="ko-KR" dirty="0"/>
-                            <a:t>critical exponents</a:t>
-                          </a:r>
-                          <a:endParaRPr lang="ko-KR" altLang="en-US" dirty="0"/>
-                        </a:p>
-                      </a:txBody>
-                      <a:tcPr anchor="ctr"/>
-                    </a:tc>
-                    <a:tc>
-                      <a:txBody>
-                        <a:bodyPr/>
-                        <a:lstStyle/>
-                        <a:p>
-                          <a:pPr algn="ctr" latinLnBrk="1"/>
-                          <a14:m>
-                            <m:oMathPara xmlns:m="http://schemas.openxmlformats.org/officeDocument/2006/math">
-                              <m:oMathParaPr>
-                                <m:jc m:val="centerGroup"/>
-                              </m:oMathParaPr>
-                              <m:oMath xmlns:m="http://schemas.openxmlformats.org/officeDocument/2006/math">
-                                <m:r>
-                                  <a:rPr lang="en-US" altLang="ko-KR" b="1" i="1" smtClean="0">
-                                    <a:latin typeface="Cambria Math" panose="02040503050406030204" pitchFamily="18" charset="0"/>
-                                  </a:rPr>
-                                  <m:t>𝜺</m:t>
-                                </m:r>
-                                <m:r>
-                                  <a:rPr lang="en-US" altLang="ko-KR" b="1" i="1" smtClean="0">
-                                    <a:latin typeface="Cambria Math" panose="02040503050406030204" pitchFamily="18" charset="0"/>
-                                  </a:rPr>
-                                  <m:t>=</m:t>
-                                </m:r>
-                                <m:r>
-                                  <a:rPr lang="en-US" altLang="ko-KR" b="1" i="1" smtClean="0">
-                                    <a:latin typeface="Cambria Math" panose="02040503050406030204" pitchFamily="18" charset="0"/>
-                                  </a:rPr>
-                                  <m:t>𝟏</m:t>
-                                </m:r>
-                                <m:r>
-                                  <a:rPr lang="en-US" altLang="ko-KR" b="1" i="1" smtClean="0">
-                                    <a:latin typeface="Cambria Math" panose="02040503050406030204" pitchFamily="18" charset="0"/>
-                                  </a:rPr>
-                                  <m:t>↔</m:t>
-                                </m:r>
-                                <m:r>
-                                  <a:rPr lang="en-US" altLang="ko-KR" b="1" i="1" smtClean="0">
-                                    <a:latin typeface="Cambria Math" panose="02040503050406030204" pitchFamily="18" charset="0"/>
-                                  </a:rPr>
-                                  <m:t>𝒅</m:t>
-                                </m:r>
-                                <m:r>
-                                  <a:rPr lang="en-US" altLang="ko-KR" b="1" i="1" smtClean="0">
-                                    <a:latin typeface="Cambria Math" panose="02040503050406030204" pitchFamily="18" charset="0"/>
-                                  </a:rPr>
-                                  <m:t>=</m:t>
-                                </m:r>
-                                <m:r>
-                                  <a:rPr lang="en-US" altLang="ko-KR" b="1" i="1" smtClean="0">
-                                    <a:latin typeface="Cambria Math" panose="02040503050406030204" pitchFamily="18" charset="0"/>
-                                  </a:rPr>
-                                  <m:t>𝟑</m:t>
-                                </m:r>
-                              </m:oMath>
-                            </m:oMathPara>
-                          </a14:m>
-                          <a:endParaRPr lang="en-US" altLang="ko-KR" b="1" dirty="0"/>
-                        </a:p>
-                        <a:p>
-                          <a:pPr algn="ctr" latinLnBrk="1"/>
-                          <a14:m>
-                            <m:oMath xmlns:m="http://schemas.openxmlformats.org/officeDocument/2006/math">
-                              <m:r>
-                                <a:rPr lang="en-US" altLang="ko-KR" b="1" i="1" smtClean="0">
-                                  <a:latin typeface="Cambria Math" panose="02040503050406030204" pitchFamily="18" charset="0"/>
-                                </a:rPr>
-                                <m:t>𝑶</m:t>
-                              </m:r>
-                              <m:d>
-                                <m:dPr>
-                                  <m:ctrlPr>
-                                    <a:rPr lang="en-US" altLang="ko-KR" b="1" i="1" smtClean="0">
-                                      <a:latin typeface="Cambria Math" panose="02040503050406030204" pitchFamily="18" charset="0"/>
-                                    </a:rPr>
-                                  </m:ctrlPr>
-                                </m:dPr>
-                                <m:e>
-                                  <m:r>
-                                    <a:rPr lang="en-US" altLang="ko-KR" b="1" i="1" smtClean="0">
-                                      <a:latin typeface="Cambria Math" panose="02040503050406030204" pitchFamily="18" charset="0"/>
-                                    </a:rPr>
-                                    <m:t>𝒏</m:t>
-                                  </m:r>
-                                </m:e>
-                              </m:d>
-                            </m:oMath>
-                          </a14:m>
-                          <a:r>
-                            <a:rPr lang="ko-KR" altLang="en-US" dirty="0"/>
-                            <a:t> </a:t>
-                          </a:r>
-                          <a:r>
-                            <a:rPr lang="en-US" altLang="ko-KR" dirty="0"/>
-                            <a:t>model at </a:t>
-                          </a:r>
-                          <a14:m>
-                            <m:oMath xmlns:m="http://schemas.openxmlformats.org/officeDocument/2006/math">
-                              <m:r>
-                                <a:rPr lang="en-US" altLang="ko-KR" b="1" i="1" smtClean="0">
-                                  <a:latin typeface="Cambria Math" panose="02040503050406030204" pitchFamily="18" charset="0"/>
-                                </a:rPr>
-                                <m:t>𝒏</m:t>
-                              </m:r>
-                              <m:r>
-                                <a:rPr lang="en-US" altLang="ko-KR" b="1" i="1" smtClean="0">
-                                  <a:latin typeface="Cambria Math" panose="02040503050406030204" pitchFamily="18" charset="0"/>
-                                </a:rPr>
-                                <m:t>=</m:t>
-                              </m:r>
-                              <m:r>
-                                <a:rPr lang="en-US" altLang="ko-KR" b="1" i="1" smtClean="0">
-                                  <a:latin typeface="Cambria Math" panose="02040503050406030204" pitchFamily="18" charset="0"/>
-                                </a:rPr>
-                                <m:t>𝟎</m:t>
-                              </m:r>
-                            </m:oMath>
-                          </a14:m>
-                          <a:endParaRPr lang="ko-KR" altLang="en-US" dirty="0"/>
-                        </a:p>
-                      </a:txBody>
-                      <a:tcPr anchor="ctr"/>
-                    </a:tc>
-                    <a:tc>
-                      <a:txBody>
-                        <a:bodyPr/>
-                        <a:lstStyle/>
-                        <a:p>
-                          <a:pPr algn="ctr" latinLnBrk="1"/>
-                          <a14:m>
-                            <m:oMathPara xmlns:m="http://schemas.openxmlformats.org/officeDocument/2006/math">
-                              <m:oMathParaPr>
-                                <m:jc m:val="centerGroup"/>
-                              </m:oMathParaPr>
-                              <m:oMath xmlns:m="http://schemas.openxmlformats.org/officeDocument/2006/math">
-                                <m:r>
-                                  <a:rPr lang="en-US" altLang="ko-KR" b="1" i="1" smtClean="0">
-                                    <a:latin typeface="Cambria Math" panose="02040503050406030204" pitchFamily="18" charset="0"/>
-                                  </a:rPr>
-                                  <m:t>𝜺</m:t>
-                                </m:r>
-                                <m:r>
-                                  <a:rPr lang="en-US" altLang="ko-KR" b="1" i="1" smtClean="0">
-                                    <a:latin typeface="Cambria Math" panose="02040503050406030204" pitchFamily="18" charset="0"/>
-                                  </a:rPr>
-                                  <m:t>=</m:t>
-                                </m:r>
-                                <m:r>
-                                  <a:rPr lang="en-US" altLang="ko-KR" b="1" i="1" smtClean="0">
-                                    <a:latin typeface="Cambria Math" panose="02040503050406030204" pitchFamily="18" charset="0"/>
-                                  </a:rPr>
-                                  <m:t>𝟏</m:t>
-                                </m:r>
-                                <m:r>
-                                  <a:rPr lang="en-US" altLang="ko-KR" b="1" i="1" smtClean="0">
-                                    <a:latin typeface="Cambria Math" panose="02040503050406030204" pitchFamily="18" charset="0"/>
-                                  </a:rPr>
-                                  <m:t>↔</m:t>
-                                </m:r>
-                                <m:r>
-                                  <a:rPr lang="en-US" altLang="ko-KR" b="1" i="1" smtClean="0">
-                                    <a:latin typeface="Cambria Math" panose="02040503050406030204" pitchFamily="18" charset="0"/>
-                                  </a:rPr>
-                                  <m:t>𝒅</m:t>
-                                </m:r>
-                                <m:r>
-                                  <a:rPr lang="en-US" altLang="ko-KR" b="1" i="1" smtClean="0">
-                                    <a:latin typeface="Cambria Math" panose="02040503050406030204" pitchFamily="18" charset="0"/>
-                                  </a:rPr>
-                                  <m:t>=</m:t>
-                                </m:r>
-                                <m:r>
-                                  <a:rPr lang="en-US" altLang="ko-KR" b="1" i="1" smtClean="0">
-                                    <a:latin typeface="Cambria Math" panose="02040503050406030204" pitchFamily="18" charset="0"/>
-                                  </a:rPr>
-                                  <m:t>𝟑</m:t>
-                                </m:r>
-                              </m:oMath>
-                            </m:oMathPara>
-                          </a14:m>
-                          <a:endParaRPr lang="en-US" altLang="ko-KR" b="1" dirty="0"/>
-                        </a:p>
-                        <a:p>
-                          <a:pPr algn="ctr" latinLnBrk="1"/>
-                          <a14:m>
-                            <m:oMath xmlns:m="http://schemas.openxmlformats.org/officeDocument/2006/math">
-                              <m:r>
-                                <a:rPr lang="en-US" altLang="ko-KR" b="1" i="1" smtClean="0">
-                                  <a:latin typeface="Cambria Math" panose="02040503050406030204" pitchFamily="18" charset="0"/>
-                                </a:rPr>
-                                <m:t>𝑶</m:t>
-                              </m:r>
-                              <m:d>
-                                <m:dPr>
-                                  <m:ctrlPr>
-                                    <a:rPr lang="en-US" altLang="ko-KR" b="1" i="1" smtClean="0">
-                                      <a:latin typeface="Cambria Math" panose="02040503050406030204" pitchFamily="18" charset="0"/>
-                                    </a:rPr>
-                                  </m:ctrlPr>
-                                </m:dPr>
-                                <m:e>
-                                  <m:r>
-                                    <a:rPr lang="en-US" altLang="ko-KR" b="1" i="1" smtClean="0">
-                                      <a:latin typeface="Cambria Math" panose="02040503050406030204" pitchFamily="18" charset="0"/>
-                                    </a:rPr>
-                                    <m:t>𝒏</m:t>
-                                  </m:r>
-                                </m:e>
-                              </m:d>
-                            </m:oMath>
-                          </a14:m>
-                          <a:r>
-                            <a:rPr lang="ko-KR" altLang="en-US" dirty="0"/>
-                            <a:t> </a:t>
-                          </a:r>
-                          <a:r>
-                            <a:rPr lang="en-US" altLang="ko-KR" dirty="0"/>
-                            <a:t>model at </a:t>
-                          </a:r>
-                          <a14:m>
-                            <m:oMath xmlns:m="http://schemas.openxmlformats.org/officeDocument/2006/math">
-                              <m:r>
-                                <a:rPr lang="en-US" altLang="ko-KR" b="1" i="1" smtClean="0">
-                                  <a:latin typeface="Cambria Math" panose="02040503050406030204" pitchFamily="18" charset="0"/>
-                                </a:rPr>
-                                <m:t>𝒏</m:t>
-                              </m:r>
-                              <m:r>
-                                <a:rPr lang="en-US" altLang="ko-KR" b="1" i="1" smtClean="0">
-                                  <a:latin typeface="Cambria Math" panose="02040503050406030204" pitchFamily="18" charset="0"/>
-                                </a:rPr>
-                                <m:t>=∞</m:t>
-                              </m:r>
-                            </m:oMath>
-                          </a14:m>
-                          <a:endParaRPr lang="ko-KR" altLang="en-US" dirty="0"/>
-                        </a:p>
-                      </a:txBody>
-                      <a:tcPr anchor="ctr"/>
-                    </a:tc>
-                    <a:extLst>
-                      <a:ext uri="{0D108BD9-81ED-4DB2-BD59-A6C34878D82A}">
-                        <a16:rowId xmlns:a16="http://schemas.microsoft.com/office/drawing/2014/main" val="105785113"/>
-                      </a:ext>
-                    </a:extLst>
-                  </a:tr>
-                  <a:tr h="370840">
-                    <a:tc>
-                      <a:txBody>
-                        <a:bodyPr/>
-                        <a:lstStyle/>
-                        <a:p>
-                          <a:pPr algn="ctr" latinLnBrk="1"/>
-                          <a14:m>
-                            <m:oMathPara xmlns:m="http://schemas.openxmlformats.org/officeDocument/2006/math">
-                              <m:oMathParaPr>
-                                <m:jc m:val="centerGroup"/>
-                              </m:oMathParaPr>
-                              <m:oMath xmlns:m="http://schemas.openxmlformats.org/officeDocument/2006/math">
-                                <m:sSub>
-                                  <m:sSubPr>
-                                    <m:ctrlPr>
-                                      <a:rPr lang="en-US" altLang="ko-KR" b="1" i="1" smtClean="0">
-                                        <a:latin typeface="Cambria Math" panose="02040503050406030204" pitchFamily="18" charset="0"/>
-                                      </a:rPr>
-                                    </m:ctrlPr>
-                                  </m:sSubPr>
-                                  <m:e>
-                                    <m:r>
-                                      <a:rPr lang="en-US" altLang="ko-KR" b="1" i="0" smtClean="0">
-                                        <a:latin typeface="Cambria Math" panose="02040503050406030204" pitchFamily="18" charset="0"/>
-                                      </a:rPr>
-                                      <m:t>𝚫</m:t>
-                                    </m:r>
-                                  </m:e>
-                                  <m:sub>
-                                    <m:r>
-                                      <a:rPr lang="en-US" altLang="ko-KR" b="1" i="1" smtClean="0">
-                                        <a:latin typeface="Cambria Math" panose="02040503050406030204" pitchFamily="18" charset="0"/>
-                                      </a:rPr>
-                                      <m:t>𝓽</m:t>
-                                    </m:r>
-                                  </m:sub>
-                                </m:sSub>
-                              </m:oMath>
-                            </m:oMathPara>
-                          </a14:m>
-                          <a:endParaRPr lang="ko-KR" altLang="en-US" b="1" i="1" dirty="0"/>
-                        </a:p>
-                      </a:txBody>
-                      <a:tcPr anchor="ctr"/>
-                    </a:tc>
-                    <a:tc>
-                      <a:txBody>
-                        <a:bodyPr/>
-                        <a:lstStyle/>
-                        <a:p>
-                          <a:pPr algn="ctr" latinLnBrk="1"/>
-                          <a14:m>
-                            <m:oMathPara xmlns:m="http://schemas.openxmlformats.org/officeDocument/2006/math">
-                              <m:oMathParaPr>
-                                <m:jc m:val="centerGroup"/>
-                              </m:oMathParaPr>
-                              <m:oMath xmlns:m="http://schemas.openxmlformats.org/officeDocument/2006/math">
-                                <m:f>
-                                  <m:fPr>
-                                    <m:type m:val="lin"/>
-                                    <m:ctrlPr>
-                                      <a:rPr kumimoji="0" lang="ko-KR" altLang="en-US" sz="1800" b="0" i="1" u="none" strike="noStrike" kern="1200" cap="none" spc="0" normalizeH="0" baseline="0" noProof="0" smtClean="0">
-                                        <a:ln>
-                                          <a:noFill/>
-                                        </a:ln>
-                                        <a:solidFill>
-                                          <a:prstClr val="black"/>
-                                        </a:solidFill>
-                                        <a:effectLst/>
-                                        <a:uLnTx/>
-                                        <a:uFillTx/>
-                                        <a:latin typeface="Cambria Math" panose="02040503050406030204" pitchFamily="18" charset="0"/>
-                                        <a:cs typeface="+mn-cs"/>
-                                      </a:rPr>
-                                    </m:ctrlPr>
-                                  </m:fPr>
-                                  <m:num>
-                                    <m:r>
-                                      <a:rPr kumimoji="0" lang="en-US" altLang="ko-KR" sz="1800" b="0" i="1" u="none" strike="noStrike" kern="1200" cap="none" spc="0" normalizeH="0" baseline="0" noProof="0" smtClean="0">
-                                        <a:ln>
-                                          <a:noFill/>
-                                        </a:ln>
-                                        <a:solidFill>
-                                          <a:prstClr val="black"/>
-                                        </a:solidFill>
-                                        <a:effectLst/>
-                                        <a:uLnTx/>
-                                        <a:uFillTx/>
-                                        <a:latin typeface="Cambria Math" panose="02040503050406030204" pitchFamily="18" charset="0"/>
-                                        <a:cs typeface="+mn-cs"/>
-                                      </a:rPr>
-                                      <m:t>213</m:t>
-                                    </m:r>
-                                  </m:num>
-                                  <m:den>
-                                    <m:r>
-                                      <a:rPr kumimoji="0" lang="en-US" altLang="ko-KR" sz="1800" b="0" i="1" u="none" strike="noStrike" kern="1200" cap="none" spc="0" normalizeH="0" baseline="0" noProof="0" smtClean="0">
-                                        <a:ln>
-                                          <a:noFill/>
-                                        </a:ln>
-                                        <a:solidFill>
-                                          <a:prstClr val="black"/>
-                                        </a:solidFill>
-                                        <a:effectLst/>
-                                        <a:uLnTx/>
-                                        <a:uFillTx/>
-                                        <a:latin typeface="Cambria Math" panose="02040503050406030204" pitchFamily="18" charset="0"/>
-                                        <a:cs typeface="+mn-cs"/>
-                                      </a:rPr>
-                                      <m:t>128</m:t>
-                                    </m:r>
-                                  </m:den>
-                                </m:f>
-                                <m:r>
-                                  <a:rPr kumimoji="0" lang="en-US" altLang="ko-KR" sz="1800" b="0" i="1" u="none" strike="noStrike" kern="1200" cap="none" spc="0" normalizeH="0" baseline="0" noProof="0" smtClean="0">
-                                    <a:ln>
-                                      <a:noFill/>
-                                    </a:ln>
-                                    <a:solidFill>
-                                      <a:prstClr val="black"/>
-                                    </a:solidFill>
-                                    <a:effectLst/>
-                                    <a:uLnTx/>
-                                    <a:uFillTx/>
-                                    <a:latin typeface="Cambria Math" panose="02040503050406030204" pitchFamily="18" charset="0"/>
-                                    <a:cs typeface="+mn-cs"/>
-                                  </a:rPr>
-                                  <m:t>=1.664</m:t>
-                                </m:r>
-                              </m:oMath>
-                            </m:oMathPara>
-                          </a14:m>
-                          <a:endParaRPr lang="ko-KR" altLang="en-US" dirty="0"/>
-                        </a:p>
-                      </a:txBody>
-                      <a:tcPr/>
-                    </a:tc>
-                    <a:tc>
-                      <a:txBody>
-                        <a:bodyPr/>
-                        <a:lstStyle/>
-                        <a:p>
-                          <a:pPr algn="ctr" latinLnBrk="1"/>
-                          <a14:m>
-                            <m:oMathPara xmlns:m="http://schemas.openxmlformats.org/officeDocument/2006/math">
-                              <m:oMathParaPr>
-                                <m:jc m:val="centerGroup"/>
-                              </m:oMathParaPr>
-                              <m:oMath xmlns:m="http://schemas.openxmlformats.org/officeDocument/2006/math">
-                                <m:r>
-                                  <a:rPr kumimoji="0" lang="en-US" altLang="ko-KR" sz="1800" b="0" i="1" u="none" strike="noStrike" kern="1200" cap="none" spc="0" normalizeH="0" baseline="0" noProof="0" smtClean="0">
-                                    <a:ln>
-                                      <a:noFill/>
-                                    </a:ln>
-                                    <a:solidFill>
-                                      <a:prstClr val="black"/>
-                                    </a:solidFill>
-                                    <a:effectLst/>
-                                    <a:uLnTx/>
-                                    <a:uFillTx/>
-                                    <a:latin typeface="Cambria Math" panose="02040503050406030204" pitchFamily="18" charset="0"/>
-                                    <a:cs typeface="+mn-cs"/>
-                                  </a:rPr>
-                                  <m:t>1</m:t>
-                                </m:r>
-                              </m:oMath>
-                            </m:oMathPara>
-                          </a14:m>
-                          <a:endParaRPr lang="ko-KR" altLang="en-US" dirty="0"/>
-                        </a:p>
-                      </a:txBody>
-                      <a:tcPr/>
-                    </a:tc>
-                    <a:extLst>
-                      <a:ext uri="{0D108BD9-81ED-4DB2-BD59-A6C34878D82A}">
-                        <a16:rowId xmlns:a16="http://schemas.microsoft.com/office/drawing/2014/main" val="716123568"/>
-                      </a:ext>
-                    </a:extLst>
-                  </a:tr>
-                  <a:tr h="370840">
-                    <a:tc>
-                      <a:txBody>
-                        <a:bodyPr/>
-                        <a:lstStyle/>
-                        <a:p>
-                          <a:pPr algn="ctr" latinLnBrk="1"/>
-                          <a14:m>
-                            <m:oMathPara xmlns:m="http://schemas.openxmlformats.org/officeDocument/2006/math">
-                              <m:oMathParaPr>
-                                <m:jc m:val="centerGroup"/>
-                              </m:oMathParaPr>
-                              <m:oMath xmlns:m="http://schemas.openxmlformats.org/officeDocument/2006/math">
-                                <m:sSub>
-                                  <m:sSubPr>
-                                    <m:ctrlPr>
-                                      <a:rPr lang="en-US" altLang="ko-KR" b="1" i="1" smtClean="0">
-                                        <a:latin typeface="Cambria Math" panose="02040503050406030204" pitchFamily="18" charset="0"/>
-                                      </a:rPr>
-                                    </m:ctrlPr>
-                                  </m:sSubPr>
-                                  <m:e>
-                                    <m:r>
-                                      <a:rPr lang="en-US" altLang="ko-KR" b="1" i="0" smtClean="0">
-                                        <a:latin typeface="Cambria Math" panose="02040503050406030204" pitchFamily="18" charset="0"/>
-                                      </a:rPr>
-                                      <m:t>𝚫</m:t>
-                                    </m:r>
-                                  </m:e>
-                                  <m:sub>
-                                    <m:r>
-                                      <a:rPr lang="en-US" altLang="ko-KR" b="1" i="1" smtClean="0">
-                                        <a:latin typeface="Cambria Math" panose="02040503050406030204" pitchFamily="18" charset="0"/>
-                                      </a:rPr>
-                                      <m:t>𝓱</m:t>
-                                    </m:r>
-                                  </m:sub>
-                                </m:sSub>
-                              </m:oMath>
-                            </m:oMathPara>
-                          </a14:m>
-                          <a:endParaRPr lang="ko-KR" altLang="en-US" b="1" i="1" dirty="0"/>
-                        </a:p>
-                      </a:txBody>
-                      <a:tcPr anchor="ctr"/>
-                    </a:tc>
-                    <a:tc>
-                      <a:txBody>
-                        <a:bodyPr/>
-                        <a:lstStyle/>
-                        <a:p>
-                          <a:pPr algn="ctr" latinLnBrk="1"/>
-                          <a14:m>
-                            <m:oMathPara xmlns:m="http://schemas.openxmlformats.org/officeDocument/2006/math">
-                              <m:oMathParaPr>
-                                <m:jc m:val="centerGroup"/>
-                              </m:oMathParaPr>
-                              <m:oMath xmlns:m="http://schemas.openxmlformats.org/officeDocument/2006/math">
-                                <m:f>
-                                  <m:fPr>
-                                    <m:type m:val="lin"/>
-                                    <m:ctrlPr>
-                                      <a:rPr kumimoji="0" lang="ko-KR" altLang="en-US" sz="1800" b="0" i="1" u="none" strike="noStrike" kern="1200" cap="none" spc="0" normalizeH="0" baseline="0" noProof="0" smtClean="0">
-                                        <a:ln>
-                                          <a:noFill/>
-                                        </a:ln>
-                                        <a:solidFill>
-                                          <a:prstClr val="black"/>
-                                        </a:solidFill>
-                                        <a:effectLst/>
-                                        <a:uLnTx/>
-                                        <a:uFillTx/>
-                                        <a:latin typeface="Cambria Math" panose="02040503050406030204" pitchFamily="18" charset="0"/>
-                                        <a:cs typeface="+mn-cs"/>
-                                      </a:rPr>
-                                    </m:ctrlPr>
-                                  </m:fPr>
-                                  <m:num>
-                                    <m:r>
-                                      <a:rPr kumimoji="0" lang="en-US" altLang="ko-KR" sz="1800" b="0" i="1" u="none" strike="noStrike" kern="1200" cap="none" spc="0" normalizeH="0" baseline="0" noProof="0" smtClean="0">
-                                        <a:ln>
-                                          <a:noFill/>
-                                        </a:ln>
-                                        <a:solidFill>
-                                          <a:prstClr val="black"/>
-                                        </a:solidFill>
-                                        <a:effectLst/>
-                                        <a:uLnTx/>
-                                        <a:uFillTx/>
-                                        <a:latin typeface="Cambria Math" panose="02040503050406030204" pitchFamily="18" charset="0"/>
-                                        <a:cs typeface="+mn-cs"/>
-                                      </a:rPr>
-                                      <m:t>319</m:t>
-                                    </m:r>
-                                  </m:num>
-                                  <m:den>
-                                    <m:r>
-                                      <a:rPr kumimoji="0" lang="en-US" altLang="ko-KR" sz="1800" b="0" i="1" u="none" strike="noStrike" kern="1200" cap="none" spc="0" normalizeH="0" baseline="0" noProof="0" smtClean="0">
-                                        <a:ln>
-                                          <a:noFill/>
-                                        </a:ln>
-                                        <a:solidFill>
-                                          <a:prstClr val="black"/>
-                                        </a:solidFill>
-                                        <a:effectLst/>
-                                        <a:uLnTx/>
-                                        <a:uFillTx/>
-                                        <a:latin typeface="Cambria Math" panose="02040503050406030204" pitchFamily="18" charset="0"/>
-                                        <a:cs typeface="+mn-cs"/>
-                                      </a:rPr>
-                                      <m:t>128</m:t>
-                                    </m:r>
-                                  </m:den>
-                                </m:f>
-                                <m:r>
-                                  <a:rPr kumimoji="0" lang="en-US" altLang="ko-KR" sz="1800" b="0" i="1" u="none" strike="noStrike" kern="1200" cap="none" spc="0" normalizeH="0" baseline="0" noProof="0" smtClean="0">
-                                    <a:ln>
-                                      <a:noFill/>
-                                    </a:ln>
-                                    <a:solidFill>
-                                      <a:prstClr val="black"/>
-                                    </a:solidFill>
-                                    <a:effectLst/>
-                                    <a:uLnTx/>
-                                    <a:uFillTx/>
-                                    <a:latin typeface="Cambria Math" panose="02040503050406030204" pitchFamily="18" charset="0"/>
-                                    <a:cs typeface="+mn-cs"/>
-                                  </a:rPr>
-                                  <m:t>=2.492</m:t>
-                                </m:r>
-                              </m:oMath>
-                            </m:oMathPara>
-                          </a14:m>
-                          <a:endParaRPr lang="ko-KR" altLang="en-US" dirty="0"/>
-                        </a:p>
-                      </a:txBody>
-                      <a:tcPr/>
-                    </a:tc>
-                    <a:tc>
-                      <a:txBody>
-                        <a:bodyPr/>
-                        <a:lstStyle/>
-                        <a:p>
-                          <a:pPr algn="ctr" latinLnBrk="1"/>
-                          <a14:m>
-                            <m:oMathPara xmlns:m="http://schemas.openxmlformats.org/officeDocument/2006/math">
-                              <m:oMathParaPr>
-                                <m:jc m:val="centerGroup"/>
-                              </m:oMathParaPr>
-                              <m:oMath xmlns:m="http://schemas.openxmlformats.org/officeDocument/2006/math">
-                                <m:f>
-                                  <m:fPr>
-                                    <m:type m:val="lin"/>
-                                    <m:ctrlPr>
-                                      <a:rPr kumimoji="0" lang="ko-KR" altLang="en-US" sz="1800" b="0" i="1" u="none" strike="noStrike" kern="1200" cap="none" spc="0" normalizeH="0" baseline="0" noProof="0" smtClean="0">
-                                        <a:ln>
-                                          <a:noFill/>
-                                        </a:ln>
-                                        <a:solidFill>
-                                          <a:prstClr val="black"/>
-                                        </a:solidFill>
-                                        <a:effectLst/>
-                                        <a:uLnTx/>
-                                        <a:uFillTx/>
-                                        <a:latin typeface="Cambria Math" panose="02040503050406030204" pitchFamily="18" charset="0"/>
-                                        <a:cs typeface="+mn-cs"/>
-                                      </a:rPr>
-                                    </m:ctrlPr>
-                                  </m:fPr>
-                                  <m:num>
-                                    <m:r>
-                                      <a:rPr kumimoji="0" lang="en-US" altLang="ko-KR" sz="1800" b="0" i="1" u="none" strike="noStrike" kern="1200" cap="none" spc="0" normalizeH="0" baseline="0" noProof="0" smtClean="0">
-                                        <a:ln>
-                                          <a:noFill/>
-                                        </a:ln>
-                                        <a:solidFill>
-                                          <a:prstClr val="black"/>
-                                        </a:solidFill>
-                                        <a:effectLst/>
-                                        <a:uLnTx/>
-                                        <a:uFillTx/>
-                                        <a:latin typeface="Cambria Math" panose="02040503050406030204" pitchFamily="18" charset="0"/>
-                                        <a:cs typeface="+mn-cs"/>
-                                      </a:rPr>
-                                      <m:t>5</m:t>
-                                    </m:r>
-                                  </m:num>
-                                  <m:den>
-                                    <m:r>
-                                      <a:rPr kumimoji="0" lang="en-US" altLang="ko-KR" sz="1800" b="0" i="1" u="none" strike="noStrike" kern="1200" cap="none" spc="0" normalizeH="0" baseline="0" noProof="0" smtClean="0">
-                                        <a:ln>
-                                          <a:noFill/>
-                                        </a:ln>
-                                        <a:solidFill>
-                                          <a:prstClr val="black"/>
-                                        </a:solidFill>
-                                        <a:effectLst/>
-                                        <a:uLnTx/>
-                                        <a:uFillTx/>
-                                        <a:latin typeface="Cambria Math" panose="02040503050406030204" pitchFamily="18" charset="0"/>
-                                        <a:cs typeface="+mn-cs"/>
-                                      </a:rPr>
-                                      <m:t>2</m:t>
-                                    </m:r>
-                                  </m:den>
-                                </m:f>
-                              </m:oMath>
-                            </m:oMathPara>
-                          </a14:m>
-                          <a:endParaRPr lang="ko-KR" altLang="en-US" dirty="0"/>
-                        </a:p>
-                      </a:txBody>
-                      <a:tcPr/>
-                    </a:tc>
-                    <a:extLst>
-                      <a:ext uri="{0D108BD9-81ED-4DB2-BD59-A6C34878D82A}">
-                        <a16:rowId xmlns:a16="http://schemas.microsoft.com/office/drawing/2014/main" val="276304929"/>
-                      </a:ext>
-                    </a:extLst>
-                  </a:tr>
-                  <a:tr h="370840">
-                    <a:tc>
-                      <a:txBody>
-                        <a:bodyPr/>
-                        <a:lstStyle/>
-                        <a:p>
-                          <a:pPr algn="ctr" latinLnBrk="1"/>
-                          <a14:m>
-                            <m:oMathPara xmlns:m="http://schemas.openxmlformats.org/officeDocument/2006/math">
-                              <m:oMathParaPr>
-                                <m:jc m:val="centerGroup"/>
-                              </m:oMathParaPr>
-                              <m:oMath xmlns:m="http://schemas.openxmlformats.org/officeDocument/2006/math">
-                                <m:r>
-                                  <a:rPr lang="en-US" altLang="ko-KR" b="1" i="1" smtClean="0">
-                                    <a:latin typeface="Cambria Math" panose="02040503050406030204" pitchFamily="18" charset="0"/>
-                                  </a:rPr>
-                                  <m:t>𝒅</m:t>
-                                </m:r>
-                                <m:r>
-                                  <a:rPr lang="en-US" altLang="ko-KR" b="1" i="1" smtClean="0">
-                                    <a:latin typeface="Cambria Math" panose="02040503050406030204" pitchFamily="18" charset="0"/>
-                                  </a:rPr>
-                                  <m:t>−</m:t>
-                                </m:r>
-                                <m:sSub>
-                                  <m:sSubPr>
-                                    <m:ctrlPr>
-                                      <a:rPr lang="en-US" altLang="ko-KR" b="1" i="1" smtClean="0">
-                                        <a:latin typeface="Cambria Math" panose="02040503050406030204" pitchFamily="18" charset="0"/>
-                                      </a:rPr>
-                                    </m:ctrlPr>
-                                  </m:sSubPr>
-                                  <m:e>
-                                    <m:r>
-                                      <a:rPr lang="en-US" altLang="ko-KR" b="1" i="0" smtClean="0">
-                                        <a:latin typeface="Cambria Math" panose="02040503050406030204" pitchFamily="18" charset="0"/>
-                                      </a:rPr>
-                                      <m:t>𝚫</m:t>
-                                    </m:r>
-                                  </m:e>
-                                  <m:sub>
-                                    <m:r>
-                                      <a:rPr lang="en-US" altLang="ko-KR" b="1" i="1" smtClean="0">
-                                        <a:latin typeface="Cambria Math" panose="02040503050406030204" pitchFamily="18" charset="0"/>
-                                      </a:rPr>
-                                      <m:t>𝓽</m:t>
-                                    </m:r>
-                                  </m:sub>
-                                </m:sSub>
-                              </m:oMath>
-                            </m:oMathPara>
-                          </a14:m>
-                          <a:endParaRPr lang="ko-KR" altLang="en-US" b="1" i="1" dirty="0"/>
-                        </a:p>
-                      </a:txBody>
-                      <a:tcPr anchor="ctr"/>
-                    </a:tc>
-                    <a:tc>
-                      <a:txBody>
-                        <a:bodyPr/>
-                        <a:lstStyle/>
-                        <a:p>
-                          <a:pPr algn="ctr" latinLnBrk="1"/>
-                          <a14:m>
-                            <m:oMathPara xmlns:m="http://schemas.openxmlformats.org/officeDocument/2006/math">
-                              <m:oMathParaPr>
-                                <m:jc m:val="centerGroup"/>
-                              </m:oMathParaPr>
-                              <m:oMath xmlns:m="http://schemas.openxmlformats.org/officeDocument/2006/math">
-                                <m:f>
-                                  <m:fPr>
-                                    <m:type m:val="lin"/>
-                                    <m:ctrlPr>
-                                      <a:rPr kumimoji="0" lang="ko-KR" altLang="en-US" sz="1800" b="0" i="1" u="none" strike="noStrike" kern="1200" cap="none" spc="0" normalizeH="0" baseline="0" noProof="0" smtClean="0">
-                                        <a:ln>
-                                          <a:noFill/>
-                                        </a:ln>
-                                        <a:solidFill>
-                                          <a:prstClr val="black"/>
-                                        </a:solidFill>
-                                        <a:effectLst/>
-                                        <a:uLnTx/>
-                                        <a:uFillTx/>
-                                        <a:latin typeface="Cambria Math" panose="02040503050406030204" pitchFamily="18" charset="0"/>
-                                        <a:cs typeface="+mn-cs"/>
-                                      </a:rPr>
-                                    </m:ctrlPr>
-                                  </m:fPr>
-                                  <m:num>
-                                    <m:r>
-                                      <a:rPr kumimoji="0" lang="en-US" altLang="ko-KR" sz="1800" b="0" i="1" u="none" strike="noStrike" kern="1200" cap="none" spc="0" normalizeH="0" baseline="0" noProof="0" smtClean="0">
-                                        <a:ln>
-                                          <a:noFill/>
-                                        </a:ln>
-                                        <a:solidFill>
-                                          <a:prstClr val="black"/>
-                                        </a:solidFill>
-                                        <a:effectLst/>
-                                        <a:uLnTx/>
-                                        <a:uFillTx/>
-                                        <a:latin typeface="Cambria Math" panose="02040503050406030204" pitchFamily="18" charset="0"/>
-                                        <a:cs typeface="+mn-cs"/>
-                                      </a:rPr>
-                                      <m:t>171</m:t>
-                                    </m:r>
-                                  </m:num>
-                                  <m:den>
-                                    <m:r>
-                                      <a:rPr kumimoji="0" lang="en-US" altLang="ko-KR" sz="1800" b="0" i="1" u="none" strike="noStrike" kern="1200" cap="none" spc="0" normalizeH="0" baseline="0" noProof="0" smtClean="0">
-                                        <a:ln>
-                                          <a:noFill/>
-                                        </a:ln>
-                                        <a:solidFill>
-                                          <a:prstClr val="black"/>
-                                        </a:solidFill>
-                                        <a:effectLst/>
-                                        <a:uLnTx/>
-                                        <a:uFillTx/>
-                                        <a:latin typeface="Cambria Math" panose="02040503050406030204" pitchFamily="18" charset="0"/>
-                                        <a:cs typeface="+mn-cs"/>
-                                      </a:rPr>
-                                      <m:t>128</m:t>
-                                    </m:r>
-                                  </m:den>
-                                </m:f>
-                                <m:r>
-                                  <a:rPr kumimoji="0" lang="en-US" altLang="ko-KR" sz="1800" b="0" i="1" u="none" strike="noStrike" kern="1200" cap="none" spc="0" normalizeH="0" baseline="0" noProof="0" smtClean="0">
-                                    <a:ln>
-                                      <a:noFill/>
-                                    </a:ln>
-                                    <a:solidFill>
-                                      <a:prstClr val="black"/>
-                                    </a:solidFill>
-                                    <a:effectLst/>
-                                    <a:uLnTx/>
-                                    <a:uFillTx/>
-                                    <a:latin typeface="Cambria Math" panose="02040503050406030204" pitchFamily="18" charset="0"/>
-                                    <a:cs typeface="+mn-cs"/>
-                                  </a:rPr>
-                                  <m:t>=1.336</m:t>
-                                </m:r>
-                              </m:oMath>
-                            </m:oMathPara>
-                          </a14:m>
-                          <a:endParaRPr lang="ko-KR" altLang="en-US" dirty="0"/>
-                        </a:p>
-                      </a:txBody>
-                      <a:tcPr/>
-                    </a:tc>
-                    <a:tc>
-                      <a:txBody>
-                        <a:bodyPr/>
-                        <a:lstStyle/>
-                        <a:p>
-                          <a:pPr algn="ctr" latinLnBrk="1"/>
-                          <a14:m>
-                            <m:oMathPara xmlns:m="http://schemas.openxmlformats.org/officeDocument/2006/math">
-                              <m:oMathParaPr>
-                                <m:jc m:val="centerGroup"/>
-                              </m:oMathParaPr>
-                              <m:oMath xmlns:m="http://schemas.openxmlformats.org/officeDocument/2006/math">
-                                <m:r>
-                                  <a:rPr kumimoji="0" lang="en-US" altLang="ko-KR" sz="1800" b="0" i="1" u="none" strike="noStrike" kern="1200" cap="none" spc="0" normalizeH="0" baseline="0" noProof="0" smtClean="0">
-                                    <a:ln>
-                                      <a:noFill/>
-                                    </a:ln>
-                                    <a:solidFill>
-                                      <a:prstClr val="black"/>
-                                    </a:solidFill>
-                                    <a:effectLst/>
-                                    <a:uLnTx/>
-                                    <a:uFillTx/>
-                                    <a:latin typeface="Cambria Math" panose="02040503050406030204" pitchFamily="18" charset="0"/>
-                                    <a:cs typeface="+mn-cs"/>
-                                  </a:rPr>
-                                  <m:t>2</m:t>
-                                </m:r>
-                              </m:oMath>
-                            </m:oMathPara>
-                          </a14:m>
-                          <a:endParaRPr lang="ko-KR" altLang="en-US" dirty="0"/>
-                        </a:p>
-                      </a:txBody>
-                      <a:tcPr/>
-                    </a:tc>
-                    <a:extLst>
-                      <a:ext uri="{0D108BD9-81ED-4DB2-BD59-A6C34878D82A}">
-                        <a16:rowId xmlns:a16="http://schemas.microsoft.com/office/drawing/2014/main" val="2433927649"/>
-                      </a:ext>
-                    </a:extLst>
-                  </a:tr>
-                  <a:tr h="370840">
-                    <a:tc>
-                      <a:txBody>
-                        <a:bodyPr/>
-                        <a:lstStyle/>
-                        <a:p>
-                          <a:pPr algn="ctr" latinLnBrk="1"/>
-                          <a14:m>
-                            <m:oMathPara xmlns:m="http://schemas.openxmlformats.org/officeDocument/2006/math">
-                              <m:oMathParaPr>
-                                <m:jc m:val="centerGroup"/>
-                              </m:oMathParaPr>
-                              <m:oMath xmlns:m="http://schemas.openxmlformats.org/officeDocument/2006/math">
-                                <m:r>
-                                  <a:rPr lang="en-US" altLang="ko-KR" b="1" i="1" smtClean="0">
-                                    <a:latin typeface="Cambria Math" panose="02040503050406030204" pitchFamily="18" charset="0"/>
-                                  </a:rPr>
-                                  <m:t>𝒅</m:t>
-                                </m:r>
-                                <m:r>
-                                  <a:rPr lang="en-US" altLang="ko-KR" b="1" i="1" smtClean="0">
-                                    <a:latin typeface="Cambria Math" panose="02040503050406030204" pitchFamily="18" charset="0"/>
-                                  </a:rPr>
-                                  <m:t>−</m:t>
-                                </m:r>
-                                <m:sSub>
-                                  <m:sSubPr>
-                                    <m:ctrlPr>
-                                      <a:rPr lang="en-US" altLang="ko-KR" b="1" i="1" smtClean="0">
-                                        <a:latin typeface="Cambria Math" panose="02040503050406030204" pitchFamily="18" charset="0"/>
-                                      </a:rPr>
-                                    </m:ctrlPr>
-                                  </m:sSubPr>
-                                  <m:e>
-                                    <m:r>
-                                      <a:rPr lang="en-US" altLang="ko-KR" b="1" i="0" smtClean="0">
-                                        <a:latin typeface="Cambria Math" panose="02040503050406030204" pitchFamily="18" charset="0"/>
-                                      </a:rPr>
-                                      <m:t>𝚫</m:t>
-                                    </m:r>
-                                  </m:e>
-                                  <m:sub>
-                                    <m:r>
-                                      <a:rPr lang="en-US" altLang="ko-KR" b="1" i="1" smtClean="0">
-                                        <a:latin typeface="Cambria Math" panose="02040503050406030204" pitchFamily="18" charset="0"/>
-                                      </a:rPr>
-                                      <m:t>𝓱</m:t>
-                                    </m:r>
-                                  </m:sub>
-                                </m:sSub>
-                              </m:oMath>
-                            </m:oMathPara>
-                          </a14:m>
-                          <a:endParaRPr lang="ko-KR" altLang="en-US" b="1" i="1" dirty="0"/>
-                        </a:p>
-                      </a:txBody>
-                      <a:tcPr anchor="ctr"/>
-                    </a:tc>
-                    <a:tc>
-                      <a:txBody>
-                        <a:bodyPr/>
-                        <a:lstStyle/>
-                        <a:p>
-                          <a:pPr algn="ctr" latinLnBrk="1"/>
-                          <a14:m>
-                            <m:oMathPara xmlns:m="http://schemas.openxmlformats.org/officeDocument/2006/math">
-                              <m:oMathParaPr>
-                                <m:jc m:val="centerGroup"/>
-                              </m:oMathParaPr>
-                              <m:oMath xmlns:m="http://schemas.openxmlformats.org/officeDocument/2006/math">
-                                <m:f>
-                                  <m:fPr>
-                                    <m:type m:val="lin"/>
-                                    <m:ctrlPr>
-                                      <a:rPr kumimoji="0" lang="ko-KR" altLang="en-US" sz="1800" b="0" i="1" u="none" strike="noStrike" kern="1200" cap="none" spc="0" normalizeH="0" baseline="0" noProof="0" smtClean="0">
-                                        <a:ln>
-                                          <a:noFill/>
-                                        </a:ln>
-                                        <a:solidFill>
-                                          <a:prstClr val="black"/>
-                                        </a:solidFill>
-                                        <a:effectLst/>
-                                        <a:uLnTx/>
-                                        <a:uFillTx/>
-                                        <a:latin typeface="Cambria Math" panose="02040503050406030204" pitchFamily="18" charset="0"/>
-                                        <a:cs typeface="+mn-cs"/>
-                                      </a:rPr>
-                                    </m:ctrlPr>
-                                  </m:fPr>
-                                  <m:num>
-                                    <m:r>
-                                      <a:rPr kumimoji="0" lang="en-US" altLang="ko-KR" sz="1800" b="0" i="1" u="none" strike="noStrike" kern="1200" cap="none" spc="0" normalizeH="0" baseline="0" noProof="0" smtClean="0">
-                                        <a:ln>
-                                          <a:noFill/>
-                                        </a:ln>
-                                        <a:solidFill>
-                                          <a:prstClr val="black"/>
-                                        </a:solidFill>
-                                        <a:effectLst/>
-                                        <a:uLnTx/>
-                                        <a:uFillTx/>
-                                        <a:latin typeface="Cambria Math" panose="02040503050406030204" pitchFamily="18" charset="0"/>
-                                        <a:cs typeface="+mn-cs"/>
-                                      </a:rPr>
-                                      <m:t>65</m:t>
-                                    </m:r>
-                                  </m:num>
-                                  <m:den>
-                                    <m:r>
-                                      <a:rPr kumimoji="0" lang="en-US" altLang="ko-KR" sz="1800" b="0" i="1" u="none" strike="noStrike" kern="1200" cap="none" spc="0" normalizeH="0" baseline="0" noProof="0" smtClean="0">
-                                        <a:ln>
-                                          <a:noFill/>
-                                        </a:ln>
-                                        <a:solidFill>
-                                          <a:prstClr val="black"/>
-                                        </a:solidFill>
-                                        <a:effectLst/>
-                                        <a:uLnTx/>
-                                        <a:uFillTx/>
-                                        <a:latin typeface="Cambria Math" panose="02040503050406030204" pitchFamily="18" charset="0"/>
-                                        <a:cs typeface="+mn-cs"/>
-                                      </a:rPr>
-                                      <m:t>128</m:t>
-                                    </m:r>
-                                  </m:den>
-                                </m:f>
-                                <m:r>
-                                  <a:rPr kumimoji="0" lang="en-US" altLang="ko-KR" sz="1800" b="0" i="1" u="none" strike="noStrike" kern="1200" cap="none" spc="0" normalizeH="0" baseline="0" noProof="0" smtClean="0">
-                                    <a:ln>
-                                      <a:noFill/>
-                                    </a:ln>
-                                    <a:solidFill>
-                                      <a:prstClr val="black"/>
-                                    </a:solidFill>
-                                    <a:effectLst/>
-                                    <a:uLnTx/>
-                                    <a:uFillTx/>
-                                    <a:latin typeface="Cambria Math" panose="02040503050406030204" pitchFamily="18" charset="0"/>
-                                    <a:cs typeface="+mn-cs"/>
-                                  </a:rPr>
-                                  <m:t>=0.508</m:t>
-                                </m:r>
-                              </m:oMath>
-                            </m:oMathPara>
-                          </a14:m>
-                          <a:endParaRPr lang="ko-KR" altLang="en-US" dirty="0"/>
-                        </a:p>
-                      </a:txBody>
-                      <a:tcPr/>
-                    </a:tc>
-                    <a:tc>
-                      <a:txBody>
-                        <a:bodyPr/>
-                        <a:lstStyle/>
-                        <a:p>
-                          <a:pPr algn="ctr" latinLnBrk="1"/>
-                          <a14:m>
-                            <m:oMathPara xmlns:m="http://schemas.openxmlformats.org/officeDocument/2006/math">
-                              <m:oMathParaPr>
-                                <m:jc m:val="centerGroup"/>
-                              </m:oMathParaPr>
-                              <m:oMath xmlns:m="http://schemas.openxmlformats.org/officeDocument/2006/math">
-                                <m:f>
-                                  <m:fPr>
-                                    <m:type m:val="lin"/>
-                                    <m:ctrlPr>
-                                      <a:rPr kumimoji="0" lang="ko-KR" altLang="en-US" sz="1800" b="0" i="1" u="none" strike="noStrike" kern="1200" cap="none" spc="0" normalizeH="0" baseline="0" noProof="0" smtClean="0">
-                                        <a:ln>
-                                          <a:noFill/>
-                                        </a:ln>
-                                        <a:solidFill>
-                                          <a:prstClr val="black"/>
-                                        </a:solidFill>
-                                        <a:effectLst/>
-                                        <a:uLnTx/>
-                                        <a:uFillTx/>
-                                        <a:latin typeface="Cambria Math" panose="02040503050406030204" pitchFamily="18" charset="0"/>
-                                        <a:cs typeface="+mn-cs"/>
-                                      </a:rPr>
-                                    </m:ctrlPr>
-                                  </m:fPr>
-                                  <m:num>
-                                    <m:r>
-                                      <a:rPr kumimoji="0" lang="en-US" altLang="ko-KR" sz="1800" b="0" i="1" u="none" strike="noStrike" kern="1200" cap="none" spc="0" normalizeH="0" baseline="0" noProof="0" smtClean="0">
-                                        <a:ln>
-                                          <a:noFill/>
-                                        </a:ln>
-                                        <a:solidFill>
-                                          <a:prstClr val="black"/>
-                                        </a:solidFill>
-                                        <a:effectLst/>
-                                        <a:uLnTx/>
-                                        <a:uFillTx/>
-                                        <a:latin typeface="Cambria Math" panose="02040503050406030204" pitchFamily="18" charset="0"/>
-                                        <a:cs typeface="+mn-cs"/>
-                                      </a:rPr>
-                                      <m:t>1</m:t>
-                                    </m:r>
-                                  </m:num>
-                                  <m:den>
-                                    <m:r>
-                                      <a:rPr kumimoji="0" lang="en-US" altLang="ko-KR" sz="1800" b="0" i="1" u="none" strike="noStrike" kern="1200" cap="none" spc="0" normalizeH="0" baseline="0" noProof="0" smtClean="0">
-                                        <a:ln>
-                                          <a:noFill/>
-                                        </a:ln>
-                                        <a:solidFill>
-                                          <a:prstClr val="black"/>
-                                        </a:solidFill>
-                                        <a:effectLst/>
-                                        <a:uLnTx/>
-                                        <a:uFillTx/>
-                                        <a:latin typeface="Cambria Math" panose="02040503050406030204" pitchFamily="18" charset="0"/>
-                                        <a:cs typeface="+mn-cs"/>
-                                      </a:rPr>
-                                      <m:t>2</m:t>
-                                    </m:r>
-                                  </m:den>
-                                </m:f>
-                              </m:oMath>
-                            </m:oMathPara>
-                          </a14:m>
-                          <a:endParaRPr lang="ko-KR" altLang="en-US" dirty="0"/>
-                        </a:p>
-                      </a:txBody>
-                      <a:tcPr/>
-                    </a:tc>
-                    <a:extLst>
-                      <a:ext uri="{0D108BD9-81ED-4DB2-BD59-A6C34878D82A}">
-                        <a16:rowId xmlns:a16="http://schemas.microsoft.com/office/drawing/2014/main" val="1058165080"/>
-                      </a:ext>
-                    </a:extLst>
-                  </a:tr>
-                  <a:tr h="370840">
-                    <a:tc>
-                      <a:txBody>
-                        <a:bodyPr/>
-                        <a:lstStyle/>
-                        <a:p>
-                          <a:pPr algn="ctr" latinLnBrk="1"/>
-                          <a14:m>
-                            <m:oMathPara xmlns:m="http://schemas.openxmlformats.org/officeDocument/2006/math">
-                              <m:oMathParaPr>
-                                <m:jc m:val="centerGroup"/>
-                              </m:oMathParaPr>
-                              <m:oMath xmlns:m="http://schemas.openxmlformats.org/officeDocument/2006/math">
-                                <m:r>
-                                  <a:rPr lang="en-US" altLang="ko-KR" sz="2000" b="1" i="1" smtClean="0">
-                                    <a:latin typeface="Cambria Math" panose="02040503050406030204" pitchFamily="18" charset="0"/>
-                                  </a:rPr>
-                                  <m:t>𝜶</m:t>
-                                </m:r>
-                              </m:oMath>
-                            </m:oMathPara>
-                          </a14:m>
-                          <a:endParaRPr lang="ko-KR" altLang="en-US" sz="2000" b="1" i="1" dirty="0"/>
-                        </a:p>
-                      </a:txBody>
-                      <a:tcPr anchor="ctr"/>
-                    </a:tc>
-                    <a:tc>
-                      <a:txBody>
-                        <a:bodyPr/>
-                        <a:lstStyle/>
-                        <a:p>
-                          <a:pPr algn="ctr" latinLnBrk="1"/>
-                          <a14:m>
-                            <m:oMathPara xmlns:m="http://schemas.openxmlformats.org/officeDocument/2006/math">
-                              <m:oMathParaPr>
-                                <m:jc m:val="centerGroup"/>
-                              </m:oMathParaPr>
-                              <m:oMath xmlns:m="http://schemas.openxmlformats.org/officeDocument/2006/math">
-                                <m:f>
-                                  <m:fPr>
-                                    <m:type m:val="lin"/>
-                                    <m:ctrlPr>
-                                      <a:rPr kumimoji="0" lang="ko-KR" altLang="en-US" sz="1800" b="0" i="1" u="none" strike="noStrike" kern="1200" cap="none" spc="0" normalizeH="0" baseline="0" noProof="0" smtClean="0">
-                                        <a:ln>
-                                          <a:noFill/>
-                                        </a:ln>
-                                        <a:solidFill>
-                                          <a:prstClr val="black"/>
-                                        </a:solidFill>
-                                        <a:effectLst/>
-                                        <a:uLnTx/>
-                                        <a:uFillTx/>
-                                        <a:latin typeface="Cambria Math" panose="02040503050406030204" pitchFamily="18" charset="0"/>
-                                        <a:cs typeface="+mn-cs"/>
-                                      </a:rPr>
-                                    </m:ctrlPr>
-                                  </m:fPr>
-                                  <m:num>
-                                    <m:r>
-                                      <a:rPr kumimoji="0" lang="en-US" altLang="ko-KR" sz="1800" b="0" i="1" u="none" strike="noStrike" kern="1200" cap="none" spc="0" normalizeH="0" baseline="0" noProof="0" smtClean="0">
-                                        <a:ln>
-                                          <a:noFill/>
-                                        </a:ln>
-                                        <a:solidFill>
-                                          <a:prstClr val="black"/>
-                                        </a:solidFill>
-                                        <a:effectLst/>
-                                        <a:uLnTx/>
-                                        <a:uFillTx/>
-                                        <a:latin typeface="Cambria Math" panose="02040503050406030204" pitchFamily="18" charset="0"/>
-                                        <a:cs typeface="+mn-cs"/>
-                                      </a:rPr>
-                                      <m:t>25</m:t>
-                                    </m:r>
-                                  </m:num>
-                                  <m:den>
-                                    <m:r>
-                                      <a:rPr kumimoji="0" lang="en-US" altLang="ko-KR" sz="1800" b="0" i="1" u="none" strike="noStrike" kern="1200" cap="none" spc="0" normalizeH="0" baseline="0" noProof="0" smtClean="0">
-                                        <a:ln>
-                                          <a:noFill/>
-                                        </a:ln>
-                                        <a:solidFill>
-                                          <a:prstClr val="black"/>
-                                        </a:solidFill>
-                                        <a:effectLst/>
-                                        <a:uLnTx/>
-                                        <a:uFillTx/>
-                                        <a:latin typeface="Cambria Math" panose="02040503050406030204" pitchFamily="18" charset="0"/>
-                                        <a:cs typeface="+mn-cs"/>
-                                      </a:rPr>
-                                      <m:t>128</m:t>
-                                    </m:r>
-                                  </m:den>
-                                </m:f>
-                                <m:r>
-                                  <a:rPr kumimoji="0" lang="en-US" altLang="ko-KR" sz="1800" b="0" i="1" u="none" strike="noStrike" kern="1200" cap="none" spc="0" normalizeH="0" baseline="0" noProof="0" smtClean="0">
-                                    <a:ln>
-                                      <a:noFill/>
-                                    </a:ln>
-                                    <a:solidFill>
-                                      <a:prstClr val="black"/>
-                                    </a:solidFill>
-                                    <a:effectLst/>
-                                    <a:uLnTx/>
-                                    <a:uFillTx/>
-                                    <a:latin typeface="Cambria Math" panose="02040503050406030204" pitchFamily="18" charset="0"/>
-                                    <a:cs typeface="+mn-cs"/>
-                                  </a:rPr>
-                                  <m:t>=0.195</m:t>
-                                </m:r>
-                              </m:oMath>
-                            </m:oMathPara>
-                          </a14:m>
-                          <a:endParaRPr lang="ko-KR" altLang="en-US" dirty="0"/>
-                        </a:p>
-                      </a:txBody>
-                      <a:tcPr/>
-                    </a:tc>
-                    <a:tc>
-                      <a:txBody>
-                        <a:bodyPr/>
-                        <a:lstStyle/>
-                        <a:p>
-                          <a:pPr algn="ctr" latinLnBrk="1"/>
-                          <a14:m>
-                            <m:oMathPara xmlns:m="http://schemas.openxmlformats.org/officeDocument/2006/math">
-                              <m:oMathParaPr>
-                                <m:jc m:val="centerGroup"/>
-                              </m:oMathParaPr>
-                              <m:oMath xmlns:m="http://schemas.openxmlformats.org/officeDocument/2006/math">
-                                <m:r>
-                                  <a:rPr kumimoji="0" lang="en-US" altLang="ko-KR" sz="1800" b="0" i="1" u="none" strike="noStrike" kern="1200" cap="none" spc="0" normalizeH="0" baseline="0" noProof="0" smtClean="0">
-                                    <a:ln>
-                                      <a:noFill/>
-                                    </a:ln>
-                                    <a:solidFill>
-                                      <a:prstClr val="black"/>
-                                    </a:solidFill>
-                                    <a:effectLst/>
-                                    <a:uLnTx/>
-                                    <a:uFillTx/>
-                                    <a:latin typeface="Cambria Math" panose="02040503050406030204" pitchFamily="18" charset="0"/>
-                                    <a:cs typeface="+mn-cs"/>
-                                  </a:rPr>
-                                  <m:t>−</m:t>
-                                </m:r>
-                                <m:f>
-                                  <m:fPr>
-                                    <m:type m:val="lin"/>
-                                    <m:ctrlPr>
-                                      <a:rPr kumimoji="0" lang="ko-KR" altLang="en-US" sz="1800" b="0" i="1" u="none" strike="noStrike" kern="1200" cap="none" spc="0" normalizeH="0" baseline="0" noProof="0" smtClean="0">
-                                        <a:ln>
-                                          <a:noFill/>
-                                        </a:ln>
-                                        <a:solidFill>
-                                          <a:prstClr val="black"/>
-                                        </a:solidFill>
-                                        <a:effectLst/>
-                                        <a:uLnTx/>
-                                        <a:uFillTx/>
-                                        <a:latin typeface="Cambria Math" panose="02040503050406030204" pitchFamily="18" charset="0"/>
-                                        <a:cs typeface="+mn-cs"/>
-                                      </a:rPr>
-                                    </m:ctrlPr>
-                                  </m:fPr>
-                                  <m:num>
-                                    <m:r>
-                                      <a:rPr kumimoji="0" lang="en-US" altLang="ko-KR" sz="1800" b="0" i="1" u="none" strike="noStrike" kern="1200" cap="none" spc="0" normalizeH="0" baseline="0" noProof="0" smtClean="0">
-                                        <a:ln>
-                                          <a:noFill/>
-                                        </a:ln>
-                                        <a:solidFill>
-                                          <a:prstClr val="black"/>
-                                        </a:solidFill>
-                                        <a:effectLst/>
-                                        <a:uLnTx/>
-                                        <a:uFillTx/>
-                                        <a:latin typeface="Cambria Math" panose="02040503050406030204" pitchFamily="18" charset="0"/>
-                                        <a:cs typeface="+mn-cs"/>
-                                      </a:rPr>
-                                      <m:t>3</m:t>
-                                    </m:r>
-                                  </m:num>
-                                  <m:den>
-                                    <m:r>
-                                      <a:rPr kumimoji="0" lang="en-US" altLang="ko-KR" sz="1800" b="0" i="1" u="none" strike="noStrike" kern="1200" cap="none" spc="0" normalizeH="0" baseline="0" noProof="0" smtClean="0">
-                                        <a:ln>
-                                          <a:noFill/>
-                                        </a:ln>
-                                        <a:solidFill>
-                                          <a:prstClr val="black"/>
-                                        </a:solidFill>
-                                        <a:effectLst/>
-                                        <a:uLnTx/>
-                                        <a:uFillTx/>
-                                        <a:latin typeface="Cambria Math" panose="02040503050406030204" pitchFamily="18" charset="0"/>
-                                        <a:cs typeface="+mn-cs"/>
-                                      </a:rPr>
-                                      <m:t>4</m:t>
-                                    </m:r>
-                                  </m:den>
-                                </m:f>
-                              </m:oMath>
-                            </m:oMathPara>
-                          </a14:m>
-                          <a:endParaRPr lang="ko-KR" altLang="en-US" dirty="0"/>
-                        </a:p>
-                      </a:txBody>
-                      <a:tcPr/>
-                    </a:tc>
-                    <a:extLst>
-                      <a:ext uri="{0D108BD9-81ED-4DB2-BD59-A6C34878D82A}">
-                        <a16:rowId xmlns:a16="http://schemas.microsoft.com/office/drawing/2014/main" val="4089143451"/>
-                      </a:ext>
-                    </a:extLst>
-                  </a:tr>
-                  <a:tr h="370840">
-                    <a:tc>
-                      <a:txBody>
-                        <a:bodyPr/>
-                        <a:lstStyle/>
-                        <a:p>
-                          <a:pPr algn="ctr" latinLnBrk="1"/>
-                          <a14:m>
-                            <m:oMathPara xmlns:m="http://schemas.openxmlformats.org/officeDocument/2006/math">
-                              <m:oMathParaPr>
-                                <m:jc m:val="centerGroup"/>
-                              </m:oMathParaPr>
-                              <m:oMath xmlns:m="http://schemas.openxmlformats.org/officeDocument/2006/math">
-                                <m:r>
-                                  <a:rPr lang="en-US" altLang="ko-KR" sz="2000" b="1" i="1" smtClean="0">
-                                    <a:latin typeface="Cambria Math" panose="02040503050406030204" pitchFamily="18" charset="0"/>
-                                  </a:rPr>
-                                  <m:t>𝜷</m:t>
-                                </m:r>
-                              </m:oMath>
-                            </m:oMathPara>
-                          </a14:m>
-                          <a:endParaRPr lang="ko-KR" altLang="en-US" sz="2000" b="1" i="1" dirty="0"/>
-                        </a:p>
-                      </a:txBody>
-                      <a:tcPr anchor="ctr"/>
-                    </a:tc>
-                    <a:tc>
-                      <a:txBody>
-                        <a:bodyPr/>
-                        <a:lstStyle/>
-                        <a:p>
-                          <a:pPr algn="ctr" latinLnBrk="1"/>
-                          <a14:m>
-                            <m:oMathPara xmlns:m="http://schemas.openxmlformats.org/officeDocument/2006/math">
-                              <m:oMathParaPr>
-                                <m:jc m:val="centerGroup"/>
-                              </m:oMathParaPr>
-                              <m:oMath xmlns:m="http://schemas.openxmlformats.org/officeDocument/2006/math">
-                                <m:f>
-                                  <m:fPr>
-                                    <m:type m:val="lin"/>
-                                    <m:ctrlPr>
-                                      <a:rPr kumimoji="0" lang="ko-KR" altLang="en-US" sz="1800" b="0" i="1" u="none" strike="noStrike" kern="1200" cap="none" spc="0" normalizeH="0" baseline="0" noProof="0" smtClean="0">
-                                        <a:ln>
-                                          <a:noFill/>
-                                        </a:ln>
-                                        <a:solidFill>
-                                          <a:prstClr val="black"/>
-                                        </a:solidFill>
-                                        <a:effectLst/>
-                                        <a:uLnTx/>
-                                        <a:uFillTx/>
-                                        <a:latin typeface="Cambria Math" panose="02040503050406030204" pitchFamily="18" charset="0"/>
-                                        <a:cs typeface="+mn-cs"/>
-                                      </a:rPr>
-                                    </m:ctrlPr>
-                                  </m:fPr>
-                                  <m:num>
-                                    <m:r>
-                                      <a:rPr kumimoji="0" lang="en-US" altLang="ko-KR" sz="1800" b="0" i="1" u="none" strike="noStrike" kern="1200" cap="none" spc="0" normalizeH="0" baseline="0" noProof="0" smtClean="0">
-                                        <a:ln>
-                                          <a:noFill/>
-                                        </a:ln>
-                                        <a:solidFill>
-                                          <a:prstClr val="black"/>
-                                        </a:solidFill>
-                                        <a:effectLst/>
-                                        <a:uLnTx/>
-                                        <a:uFillTx/>
-                                        <a:latin typeface="Cambria Math" panose="02040503050406030204" pitchFamily="18" charset="0"/>
-                                        <a:cs typeface="+mn-cs"/>
-                                      </a:rPr>
-                                      <m:t>161</m:t>
-                                    </m:r>
-                                  </m:num>
-                                  <m:den>
-                                    <m:r>
-                                      <a:rPr kumimoji="0" lang="en-US" altLang="ko-KR" sz="1800" b="0" i="1" u="none" strike="noStrike" kern="1200" cap="none" spc="0" normalizeH="0" baseline="0" noProof="0" smtClean="0">
-                                        <a:ln>
-                                          <a:noFill/>
-                                        </a:ln>
-                                        <a:solidFill>
-                                          <a:prstClr val="black"/>
-                                        </a:solidFill>
-                                        <a:effectLst/>
-                                        <a:uLnTx/>
-                                        <a:uFillTx/>
-                                        <a:latin typeface="Cambria Math" panose="02040503050406030204" pitchFamily="18" charset="0"/>
-                                        <a:cs typeface="+mn-cs"/>
-                                      </a:rPr>
-                                      <m:t>512</m:t>
-                                    </m:r>
-                                  </m:den>
-                                </m:f>
-                                <m:r>
-                                  <a:rPr kumimoji="0" lang="en-US" altLang="ko-KR" sz="1800" b="0" i="1" u="none" strike="noStrike" kern="1200" cap="none" spc="0" normalizeH="0" baseline="0" noProof="0" smtClean="0">
-                                    <a:ln>
-                                      <a:noFill/>
-                                    </a:ln>
-                                    <a:solidFill>
-                                      <a:prstClr val="black"/>
-                                    </a:solidFill>
-                                    <a:effectLst/>
-                                    <a:uLnTx/>
-                                    <a:uFillTx/>
-                                    <a:latin typeface="Cambria Math" panose="02040503050406030204" pitchFamily="18" charset="0"/>
-                                    <a:cs typeface="+mn-cs"/>
-                                  </a:rPr>
-                                  <m:t>=0.314</m:t>
-                                </m:r>
-                              </m:oMath>
-                            </m:oMathPara>
-                          </a14:m>
-                          <a:endParaRPr lang="ko-KR" altLang="en-US" dirty="0"/>
-                        </a:p>
-                      </a:txBody>
-                      <a:tcPr/>
-                    </a:tc>
-                    <a:tc>
-                      <a:txBody>
-                        <a:bodyPr/>
-                        <a:lstStyle/>
-                        <a:p>
-                          <a:pPr algn="ctr" latinLnBrk="1"/>
-                          <a14:m>
-                            <m:oMathPara xmlns:m="http://schemas.openxmlformats.org/officeDocument/2006/math">
-                              <m:oMathParaPr>
-                                <m:jc m:val="centerGroup"/>
-                              </m:oMathParaPr>
-                              <m:oMath xmlns:m="http://schemas.openxmlformats.org/officeDocument/2006/math">
-                                <m:f>
-                                  <m:fPr>
-                                    <m:type m:val="lin"/>
-                                    <m:ctrlPr>
-                                      <a:rPr kumimoji="0" lang="ko-KR" altLang="en-US" sz="1800" b="0" i="1" u="none" strike="noStrike" kern="1200" cap="none" spc="0" normalizeH="0" baseline="0" noProof="0" smtClean="0">
-                                        <a:ln>
-                                          <a:noFill/>
-                                        </a:ln>
-                                        <a:solidFill>
-                                          <a:prstClr val="black"/>
-                                        </a:solidFill>
-                                        <a:effectLst/>
-                                        <a:uLnTx/>
-                                        <a:uFillTx/>
-                                        <a:latin typeface="Cambria Math" panose="02040503050406030204" pitchFamily="18" charset="0"/>
-                                        <a:cs typeface="+mn-cs"/>
-                                      </a:rPr>
-                                    </m:ctrlPr>
-                                  </m:fPr>
-                                  <m:num>
-                                    <m:r>
-                                      <a:rPr kumimoji="0" lang="en-US" altLang="ko-KR" sz="1800" b="0" i="1" u="none" strike="noStrike" kern="1200" cap="none" spc="0" normalizeH="0" baseline="0" noProof="0" smtClean="0">
-                                        <a:ln>
-                                          <a:noFill/>
-                                        </a:ln>
-                                        <a:solidFill>
-                                          <a:prstClr val="black"/>
-                                        </a:solidFill>
-                                        <a:effectLst/>
-                                        <a:uLnTx/>
-                                        <a:uFillTx/>
-                                        <a:latin typeface="Cambria Math" panose="02040503050406030204" pitchFamily="18" charset="0"/>
-                                        <a:cs typeface="+mn-cs"/>
-                                      </a:rPr>
-                                      <m:t>1</m:t>
-                                    </m:r>
-                                  </m:num>
-                                  <m:den>
-                                    <m:r>
-                                      <a:rPr kumimoji="0" lang="en-US" altLang="ko-KR" sz="1800" b="0" i="1" u="none" strike="noStrike" kern="1200" cap="none" spc="0" normalizeH="0" baseline="0" noProof="0" smtClean="0">
-                                        <a:ln>
-                                          <a:noFill/>
-                                        </a:ln>
-                                        <a:solidFill>
-                                          <a:prstClr val="black"/>
-                                        </a:solidFill>
-                                        <a:effectLst/>
-                                        <a:uLnTx/>
-                                        <a:uFillTx/>
-                                        <a:latin typeface="Cambria Math" panose="02040503050406030204" pitchFamily="18" charset="0"/>
-                                        <a:cs typeface="+mn-cs"/>
-                                      </a:rPr>
-                                      <m:t>2</m:t>
-                                    </m:r>
-                                  </m:den>
-                                </m:f>
-                              </m:oMath>
-                            </m:oMathPara>
-                          </a14:m>
-                          <a:endParaRPr lang="ko-KR" altLang="en-US" dirty="0"/>
-                        </a:p>
-                      </a:txBody>
-                      <a:tcPr/>
-                    </a:tc>
-                    <a:extLst>
-                      <a:ext uri="{0D108BD9-81ED-4DB2-BD59-A6C34878D82A}">
-                        <a16:rowId xmlns:a16="http://schemas.microsoft.com/office/drawing/2014/main" val="2131826791"/>
-                      </a:ext>
-                    </a:extLst>
-                  </a:tr>
-                  <a:tr h="370840">
-                    <a:tc>
-                      <a:txBody>
-                        <a:bodyPr/>
-                        <a:lstStyle/>
-                        <a:p>
-                          <a:pPr algn="ctr" latinLnBrk="1"/>
-                          <a14:m>
-                            <m:oMathPara xmlns:m="http://schemas.openxmlformats.org/officeDocument/2006/math">
-                              <m:oMathParaPr>
-                                <m:jc m:val="centerGroup"/>
-                              </m:oMathParaPr>
-                              <m:oMath xmlns:m="http://schemas.openxmlformats.org/officeDocument/2006/math">
-                                <m:r>
-                                  <a:rPr lang="en-US" altLang="ko-KR" sz="2000" b="1" i="1" smtClean="0">
-                                    <a:latin typeface="Cambria Math" panose="02040503050406030204" pitchFamily="18" charset="0"/>
-                                  </a:rPr>
-                                  <m:t>𝜸</m:t>
-                                </m:r>
-                              </m:oMath>
-                            </m:oMathPara>
-                          </a14:m>
-                          <a:endParaRPr lang="ko-KR" altLang="en-US" sz="2000" b="1" i="1" dirty="0"/>
-                        </a:p>
-                      </a:txBody>
-                      <a:tcPr anchor="ctr"/>
-                    </a:tc>
-                    <a:tc>
-                      <a:txBody>
-                        <a:bodyPr/>
-                        <a:lstStyle/>
-                        <a:p>
-                          <a:pPr algn="ctr" latinLnBrk="1"/>
-                          <a14:m>
-                            <m:oMathPara xmlns:m="http://schemas.openxmlformats.org/officeDocument/2006/math">
-                              <m:oMathParaPr>
-                                <m:jc m:val="centerGroup"/>
-                              </m:oMathParaPr>
-                              <m:oMath xmlns:m="http://schemas.openxmlformats.org/officeDocument/2006/math">
-                                <m:f>
-                                  <m:fPr>
-                                    <m:type m:val="lin"/>
-                                    <m:ctrlPr>
-                                      <a:rPr kumimoji="0" lang="ko-KR" altLang="en-US" sz="1800" b="0" i="1" u="none" strike="noStrike" kern="1200" cap="none" spc="0" normalizeH="0" baseline="0" noProof="0" smtClean="0">
-                                        <a:ln>
-                                          <a:noFill/>
-                                        </a:ln>
-                                        <a:solidFill>
-                                          <a:prstClr val="black"/>
-                                        </a:solidFill>
-                                        <a:effectLst/>
-                                        <a:uLnTx/>
-                                        <a:uFillTx/>
-                                        <a:latin typeface="Cambria Math" panose="02040503050406030204" pitchFamily="18" charset="0"/>
-                                        <a:cs typeface="+mn-cs"/>
-                                      </a:rPr>
-                                    </m:ctrlPr>
-                                  </m:fPr>
-                                  <m:num>
-                                    <m:r>
-                                      <a:rPr kumimoji="0" lang="en-US" altLang="ko-KR" sz="1800" b="0" i="1" u="none" strike="noStrike" kern="1200" cap="none" spc="0" normalizeH="0" baseline="0" noProof="0" smtClean="0">
-                                        <a:ln>
-                                          <a:noFill/>
-                                        </a:ln>
-                                        <a:solidFill>
-                                          <a:prstClr val="black"/>
-                                        </a:solidFill>
-                                        <a:effectLst/>
-                                        <a:uLnTx/>
-                                        <a:uFillTx/>
-                                        <a:latin typeface="Cambria Math" panose="02040503050406030204" pitchFamily="18" charset="0"/>
-                                        <a:cs typeface="+mn-cs"/>
-                                      </a:rPr>
-                                      <m:t>301</m:t>
-                                    </m:r>
-                                  </m:num>
-                                  <m:den>
-                                    <m:r>
-                                      <a:rPr kumimoji="0" lang="en-US" altLang="ko-KR" sz="1800" b="0" i="1" u="none" strike="noStrike" kern="1200" cap="none" spc="0" normalizeH="0" baseline="0" noProof="0" smtClean="0">
-                                        <a:ln>
-                                          <a:noFill/>
-                                        </a:ln>
-                                        <a:solidFill>
-                                          <a:prstClr val="black"/>
-                                        </a:solidFill>
-                                        <a:effectLst/>
-                                        <a:uLnTx/>
-                                        <a:uFillTx/>
-                                        <a:latin typeface="Cambria Math" panose="02040503050406030204" pitchFamily="18" charset="0"/>
-                                        <a:cs typeface="+mn-cs"/>
-                                      </a:rPr>
-                                      <m:t>256</m:t>
-                                    </m:r>
-                                  </m:den>
-                                </m:f>
-                                <m:r>
-                                  <a:rPr kumimoji="0" lang="en-US" altLang="ko-KR" sz="1800" b="0" i="1" u="none" strike="noStrike" kern="1200" cap="none" spc="0" normalizeH="0" baseline="0" noProof="0" smtClean="0">
-                                    <a:ln>
-                                      <a:noFill/>
-                                    </a:ln>
-                                    <a:solidFill>
-                                      <a:prstClr val="black"/>
-                                    </a:solidFill>
-                                    <a:effectLst/>
-                                    <a:uLnTx/>
-                                    <a:uFillTx/>
-                                    <a:latin typeface="Cambria Math" panose="02040503050406030204" pitchFamily="18" charset="0"/>
-                                    <a:cs typeface="+mn-cs"/>
-                                  </a:rPr>
-                                  <m:t>=1.176</m:t>
-                                </m:r>
-                              </m:oMath>
-                            </m:oMathPara>
-                          </a14:m>
-                          <a:endParaRPr lang="ko-KR" altLang="en-US" dirty="0"/>
-                        </a:p>
-                      </a:txBody>
-                      <a:tcPr/>
-                    </a:tc>
-                    <a:tc>
-                      <a:txBody>
-                        <a:bodyPr/>
-                        <a:lstStyle/>
-                        <a:p>
-                          <a:pPr algn="ctr" latinLnBrk="1"/>
-                          <a14:m>
-                            <m:oMathPara xmlns:m="http://schemas.openxmlformats.org/officeDocument/2006/math">
-                              <m:oMathParaPr>
-                                <m:jc m:val="centerGroup"/>
-                              </m:oMathParaPr>
-                              <m:oMath xmlns:m="http://schemas.openxmlformats.org/officeDocument/2006/math">
-                                <m:f>
-                                  <m:fPr>
-                                    <m:type m:val="lin"/>
-                                    <m:ctrlPr>
-                                      <a:rPr kumimoji="0" lang="ko-KR" altLang="en-US" sz="1800" b="0" i="1" u="none" strike="noStrike" kern="1200" cap="none" spc="0" normalizeH="0" baseline="0" noProof="0" smtClean="0">
-                                        <a:ln>
-                                          <a:noFill/>
-                                        </a:ln>
-                                        <a:solidFill>
-                                          <a:prstClr val="black"/>
-                                        </a:solidFill>
-                                        <a:effectLst/>
-                                        <a:uLnTx/>
-                                        <a:uFillTx/>
-                                        <a:latin typeface="Cambria Math" panose="02040503050406030204" pitchFamily="18" charset="0"/>
-                                        <a:cs typeface="+mn-cs"/>
-                                      </a:rPr>
-                                    </m:ctrlPr>
-                                  </m:fPr>
-                                  <m:num>
-                                    <m:r>
-                                      <a:rPr kumimoji="0" lang="en-US" altLang="ko-KR" sz="1800" b="0" i="1" u="none" strike="noStrike" kern="1200" cap="none" spc="0" normalizeH="0" baseline="0" noProof="0" smtClean="0">
-                                        <a:ln>
-                                          <a:noFill/>
-                                        </a:ln>
-                                        <a:solidFill>
-                                          <a:prstClr val="black"/>
-                                        </a:solidFill>
-                                        <a:effectLst/>
-                                        <a:uLnTx/>
-                                        <a:uFillTx/>
-                                        <a:latin typeface="Cambria Math" panose="02040503050406030204" pitchFamily="18" charset="0"/>
-                                        <a:cs typeface="+mn-cs"/>
-                                      </a:rPr>
-                                      <m:t>7</m:t>
-                                    </m:r>
-                                  </m:num>
-                                  <m:den>
-                                    <m:r>
-                                      <a:rPr kumimoji="0" lang="en-US" altLang="ko-KR" sz="1800" b="0" i="1" u="none" strike="noStrike" kern="1200" cap="none" spc="0" normalizeH="0" baseline="0" noProof="0" smtClean="0">
-                                        <a:ln>
-                                          <a:noFill/>
-                                        </a:ln>
-                                        <a:solidFill>
-                                          <a:prstClr val="black"/>
-                                        </a:solidFill>
-                                        <a:effectLst/>
-                                        <a:uLnTx/>
-                                        <a:uFillTx/>
-                                        <a:latin typeface="Cambria Math" panose="02040503050406030204" pitchFamily="18" charset="0"/>
-                                        <a:cs typeface="+mn-cs"/>
-                                      </a:rPr>
-                                      <m:t>4</m:t>
-                                    </m:r>
-                                  </m:den>
-                                </m:f>
-                              </m:oMath>
-                            </m:oMathPara>
-                          </a14:m>
-                          <a:endParaRPr lang="ko-KR" altLang="en-US" dirty="0"/>
-                        </a:p>
-                      </a:txBody>
-                      <a:tcPr/>
-                    </a:tc>
-                    <a:extLst>
-                      <a:ext uri="{0D108BD9-81ED-4DB2-BD59-A6C34878D82A}">
-                        <a16:rowId xmlns:a16="http://schemas.microsoft.com/office/drawing/2014/main" val="1194850936"/>
-                      </a:ext>
-                    </a:extLst>
-                  </a:tr>
-                  <a:tr h="370840">
-                    <a:tc>
-                      <a:txBody>
-                        <a:bodyPr/>
-                        <a:lstStyle/>
-                        <a:p>
-                          <a:pPr algn="ctr" latinLnBrk="1"/>
-                          <a14:m>
-                            <m:oMathPara xmlns:m="http://schemas.openxmlformats.org/officeDocument/2006/math">
-                              <m:oMathParaPr>
-                                <m:jc m:val="centerGroup"/>
-                              </m:oMathParaPr>
-                              <m:oMath xmlns:m="http://schemas.openxmlformats.org/officeDocument/2006/math">
-                                <m:r>
-                                  <a:rPr lang="en-US" altLang="ko-KR" sz="2000" b="1" i="1" smtClean="0">
-                                    <a:latin typeface="Cambria Math" panose="02040503050406030204" pitchFamily="18" charset="0"/>
-                                  </a:rPr>
-                                  <m:t>𝜹</m:t>
-                                </m:r>
-                              </m:oMath>
-                            </m:oMathPara>
-                          </a14:m>
-                          <a:endParaRPr lang="ko-KR" altLang="en-US" sz="2000" b="1" i="1" dirty="0"/>
-                        </a:p>
-                      </a:txBody>
-                      <a:tcPr anchor="ctr"/>
-                    </a:tc>
-                    <a:tc>
-                      <a:txBody>
-                        <a:bodyPr/>
-                        <a:lstStyle/>
-                        <a:p>
-                          <a:pPr algn="ctr" latinLnBrk="1"/>
-                          <a14:m>
-                            <m:oMathPara xmlns:m="http://schemas.openxmlformats.org/officeDocument/2006/math">
-                              <m:oMathParaPr>
-                                <m:jc m:val="centerGroup"/>
-                              </m:oMathParaPr>
-                              <m:oMath xmlns:m="http://schemas.openxmlformats.org/officeDocument/2006/math">
-                                <m:f>
-                                  <m:fPr>
-                                    <m:type m:val="lin"/>
-                                    <m:ctrlPr>
-                                      <a:rPr kumimoji="0" lang="ko-KR" altLang="en-US" sz="1800" b="0" i="1" u="none" strike="noStrike" kern="1200" cap="none" spc="0" normalizeH="0" baseline="0" noProof="0" smtClean="0">
-                                        <a:ln>
-                                          <a:noFill/>
-                                        </a:ln>
-                                        <a:solidFill>
-                                          <a:prstClr val="black"/>
-                                        </a:solidFill>
-                                        <a:effectLst/>
-                                        <a:uLnTx/>
-                                        <a:uFillTx/>
-                                        <a:latin typeface="Cambria Math" panose="02040503050406030204" pitchFamily="18" charset="0"/>
-                                        <a:cs typeface="+mn-cs"/>
-                                      </a:rPr>
-                                    </m:ctrlPr>
-                                  </m:fPr>
-                                  <m:num>
-                                    <m:r>
-                                      <a:rPr kumimoji="0" lang="en-US" altLang="ko-KR" sz="1800" b="0" i="1" u="none" strike="noStrike" kern="1200" cap="none" spc="0" normalizeH="0" baseline="0" noProof="0" smtClean="0">
-                                        <a:ln>
-                                          <a:noFill/>
-                                        </a:ln>
-                                        <a:solidFill>
-                                          <a:prstClr val="black"/>
-                                        </a:solidFill>
-                                        <a:effectLst/>
-                                        <a:uLnTx/>
-                                        <a:uFillTx/>
-                                        <a:latin typeface="Cambria Math" panose="02040503050406030204" pitchFamily="18" charset="0"/>
-                                        <a:cs typeface="+mn-cs"/>
-                                      </a:rPr>
-                                      <m:t>143</m:t>
-                                    </m:r>
-                                  </m:num>
-                                  <m:den>
-                                    <m:r>
-                                      <a:rPr kumimoji="0" lang="en-US" altLang="ko-KR" sz="1800" b="0" i="1" u="none" strike="noStrike" kern="1200" cap="none" spc="0" normalizeH="0" baseline="0" noProof="0" smtClean="0">
-                                        <a:ln>
-                                          <a:noFill/>
-                                        </a:ln>
-                                        <a:solidFill>
-                                          <a:prstClr val="black"/>
-                                        </a:solidFill>
-                                        <a:effectLst/>
-                                        <a:uLnTx/>
-                                        <a:uFillTx/>
-                                        <a:latin typeface="Cambria Math" panose="02040503050406030204" pitchFamily="18" charset="0"/>
-                                        <a:cs typeface="+mn-cs"/>
-                                      </a:rPr>
-                                      <m:t>32</m:t>
-                                    </m:r>
-                                  </m:den>
-                                </m:f>
-                                <m:r>
-                                  <a:rPr kumimoji="0" lang="en-US" altLang="ko-KR" sz="1800" b="0" i="1" u="none" strike="noStrike" kern="1200" cap="none" spc="0" normalizeH="0" baseline="0" noProof="0" smtClean="0">
-                                    <a:ln>
-                                      <a:noFill/>
-                                    </a:ln>
-                                    <a:solidFill>
-                                      <a:prstClr val="black"/>
-                                    </a:solidFill>
-                                    <a:effectLst/>
-                                    <a:uLnTx/>
-                                    <a:uFillTx/>
-                                    <a:latin typeface="Cambria Math" panose="02040503050406030204" pitchFamily="18" charset="0"/>
-                                    <a:cs typeface="+mn-cs"/>
-                                  </a:rPr>
-                                  <m:t>=4.469</m:t>
-                                </m:r>
-                              </m:oMath>
-                            </m:oMathPara>
-                          </a14:m>
-                          <a:endParaRPr lang="ko-KR" altLang="en-US" dirty="0"/>
-                        </a:p>
-                      </a:txBody>
-                      <a:tcPr/>
-                    </a:tc>
-                    <a:tc>
-                      <a:txBody>
-                        <a:bodyPr/>
-                        <a:lstStyle/>
-                        <a:p>
-                          <a:pPr algn="ctr" latinLnBrk="1"/>
-                          <a14:m>
-                            <m:oMathPara xmlns:m="http://schemas.openxmlformats.org/officeDocument/2006/math">
-                              <m:oMathParaPr>
-                                <m:jc m:val="centerGroup"/>
-                              </m:oMathParaPr>
-                              <m:oMath xmlns:m="http://schemas.openxmlformats.org/officeDocument/2006/math">
-                                <m:f>
-                                  <m:fPr>
-                                    <m:type m:val="lin"/>
-                                    <m:ctrlPr>
-                                      <a:rPr kumimoji="0" lang="ko-KR" altLang="en-US" sz="1800" b="0" i="1" u="none" strike="noStrike" kern="1200" cap="none" spc="0" normalizeH="0" baseline="0" noProof="0" smtClean="0">
-                                        <a:ln>
-                                          <a:noFill/>
-                                        </a:ln>
-                                        <a:solidFill>
-                                          <a:prstClr val="black"/>
-                                        </a:solidFill>
-                                        <a:effectLst/>
-                                        <a:uLnTx/>
-                                        <a:uFillTx/>
-                                        <a:latin typeface="Cambria Math" panose="02040503050406030204" pitchFamily="18" charset="0"/>
-                                        <a:cs typeface="+mn-cs"/>
-                                      </a:rPr>
-                                    </m:ctrlPr>
-                                  </m:fPr>
-                                  <m:num>
-                                    <m:r>
-                                      <a:rPr kumimoji="0" lang="en-US" altLang="ko-KR" sz="1800" b="0" i="1" u="none" strike="noStrike" kern="1200" cap="none" spc="0" normalizeH="0" baseline="0" noProof="0" smtClean="0">
-                                        <a:ln>
-                                          <a:noFill/>
-                                        </a:ln>
-                                        <a:solidFill>
-                                          <a:prstClr val="black"/>
-                                        </a:solidFill>
-                                        <a:effectLst/>
-                                        <a:uLnTx/>
-                                        <a:uFillTx/>
-                                        <a:latin typeface="Cambria Math" panose="02040503050406030204" pitchFamily="18" charset="0"/>
-                                        <a:cs typeface="+mn-cs"/>
-                                      </a:rPr>
-                                      <m:t>9</m:t>
-                                    </m:r>
-                                  </m:num>
-                                  <m:den>
-                                    <m:r>
-                                      <a:rPr kumimoji="0" lang="en-US" altLang="ko-KR" sz="1800" b="0" i="1" u="none" strike="noStrike" kern="1200" cap="none" spc="0" normalizeH="0" baseline="0" noProof="0" smtClean="0">
-                                        <a:ln>
-                                          <a:noFill/>
-                                        </a:ln>
-                                        <a:solidFill>
-                                          <a:prstClr val="black"/>
-                                        </a:solidFill>
-                                        <a:effectLst/>
-                                        <a:uLnTx/>
-                                        <a:uFillTx/>
-                                        <a:latin typeface="Cambria Math" panose="02040503050406030204" pitchFamily="18" charset="0"/>
-                                        <a:cs typeface="+mn-cs"/>
-                                      </a:rPr>
-                                      <m:t>2</m:t>
-                                    </m:r>
-                                  </m:den>
-                                </m:f>
-                              </m:oMath>
-                            </m:oMathPara>
-                          </a14:m>
-                          <a:endParaRPr lang="ko-KR" altLang="en-US" dirty="0"/>
-                        </a:p>
-                      </a:txBody>
-                      <a:tcPr/>
-                    </a:tc>
-                    <a:extLst>
-                      <a:ext uri="{0D108BD9-81ED-4DB2-BD59-A6C34878D82A}">
-                        <a16:rowId xmlns:a16="http://schemas.microsoft.com/office/drawing/2014/main" val="186033924"/>
-                      </a:ext>
-                    </a:extLst>
-                  </a:tr>
-                  <a:tr h="370840">
-                    <a:tc>
-                      <a:txBody>
-                        <a:bodyPr/>
-                        <a:lstStyle/>
-                        <a:p>
-                          <a:pPr algn="ctr" latinLnBrk="1"/>
-                          <a14:m>
-                            <m:oMathPara xmlns:m="http://schemas.openxmlformats.org/officeDocument/2006/math">
-                              <m:oMathParaPr>
-                                <m:jc m:val="centerGroup"/>
-                              </m:oMathParaPr>
-                              <m:oMath xmlns:m="http://schemas.openxmlformats.org/officeDocument/2006/math">
-                                <m:r>
-                                  <a:rPr lang="en-US" altLang="ko-KR" sz="2000" b="1" i="1" smtClean="0">
-                                    <a:latin typeface="Cambria Math" panose="02040503050406030204" pitchFamily="18" charset="0"/>
-                                  </a:rPr>
-                                  <m:t>𝝂</m:t>
-                                </m:r>
-                              </m:oMath>
-                            </m:oMathPara>
-                          </a14:m>
-                          <a:endParaRPr lang="ko-KR" altLang="en-US" sz="2000" b="1" i="1" dirty="0"/>
-                        </a:p>
-                      </a:txBody>
-                      <a:tcPr anchor="ctr"/>
-                    </a:tc>
-                    <a:tc>
-                      <a:txBody>
-                        <a:bodyPr/>
-                        <a:lstStyle/>
-                        <a:p>
-                          <a:pPr algn="ctr" latinLnBrk="1"/>
-                          <a14:m>
-                            <m:oMathPara xmlns:m="http://schemas.openxmlformats.org/officeDocument/2006/math">
-                              <m:oMathParaPr>
-                                <m:jc m:val="centerGroup"/>
-                              </m:oMathParaPr>
-                              <m:oMath xmlns:m="http://schemas.openxmlformats.org/officeDocument/2006/math">
-                                <m:f>
-                                  <m:fPr>
-                                    <m:type m:val="lin"/>
-                                    <m:ctrlPr>
-                                      <a:rPr kumimoji="0" lang="ko-KR" altLang="en-US" sz="1800" b="0" i="1" u="none" strike="noStrike" kern="1200" cap="none" spc="0" normalizeH="0" baseline="0" noProof="0" smtClean="0">
-                                        <a:ln>
-                                          <a:noFill/>
-                                        </a:ln>
-                                        <a:solidFill>
-                                          <a:prstClr val="black"/>
-                                        </a:solidFill>
-                                        <a:effectLst/>
-                                        <a:uLnTx/>
-                                        <a:uFillTx/>
-                                        <a:latin typeface="Cambria Math" panose="02040503050406030204" pitchFamily="18" charset="0"/>
-                                        <a:cs typeface="+mn-cs"/>
-                                      </a:rPr>
-                                    </m:ctrlPr>
-                                  </m:fPr>
-                                  <m:num>
-                                    <m:r>
-                                      <a:rPr kumimoji="0" lang="en-US" altLang="ko-KR" sz="1800" b="0" i="1" u="none" strike="noStrike" kern="1200" cap="none" spc="0" normalizeH="0" baseline="0" noProof="0" smtClean="0">
-                                        <a:ln>
-                                          <a:noFill/>
-                                        </a:ln>
-                                        <a:solidFill>
-                                          <a:prstClr val="black"/>
-                                        </a:solidFill>
-                                        <a:effectLst/>
-                                        <a:uLnTx/>
-                                        <a:uFillTx/>
-                                        <a:latin typeface="Cambria Math" panose="02040503050406030204" pitchFamily="18" charset="0"/>
-                                        <a:cs typeface="+mn-cs"/>
-                                      </a:rPr>
-                                      <m:t>303</m:t>
-                                    </m:r>
-                                  </m:num>
-                                  <m:den>
-                                    <m:r>
-                                      <a:rPr kumimoji="0" lang="en-US" altLang="ko-KR" sz="1800" b="0" i="1" u="none" strike="noStrike" kern="1200" cap="none" spc="0" normalizeH="0" baseline="0" noProof="0" smtClean="0">
-                                        <a:ln>
-                                          <a:noFill/>
-                                        </a:ln>
-                                        <a:solidFill>
-                                          <a:prstClr val="black"/>
-                                        </a:solidFill>
-                                        <a:effectLst/>
-                                        <a:uLnTx/>
-                                        <a:uFillTx/>
-                                        <a:latin typeface="Cambria Math" panose="02040503050406030204" pitchFamily="18" charset="0"/>
-                                        <a:cs typeface="+mn-cs"/>
-                                      </a:rPr>
-                                      <m:t>512</m:t>
-                                    </m:r>
-                                  </m:den>
-                                </m:f>
-                                <m:r>
-                                  <a:rPr kumimoji="0" lang="en-US" altLang="ko-KR" sz="1800" b="0" i="1" u="none" strike="noStrike" kern="1200" cap="none" spc="0" normalizeH="0" baseline="0" noProof="0" smtClean="0">
-                                    <a:ln>
-                                      <a:noFill/>
-                                    </a:ln>
-                                    <a:solidFill>
-                                      <a:prstClr val="black"/>
-                                    </a:solidFill>
-                                    <a:effectLst/>
-                                    <a:uLnTx/>
-                                    <a:uFillTx/>
-                                    <a:latin typeface="Cambria Math" panose="02040503050406030204" pitchFamily="18" charset="0"/>
-                                    <a:cs typeface="+mn-cs"/>
-                                  </a:rPr>
-                                  <m:t>=0.592</m:t>
-                                </m:r>
-                              </m:oMath>
-                            </m:oMathPara>
-                          </a14:m>
-                          <a:endParaRPr lang="ko-KR" altLang="en-US" dirty="0"/>
-                        </a:p>
-                      </a:txBody>
-                      <a:tcPr/>
-                    </a:tc>
-                    <a:tc>
-                      <a:txBody>
-                        <a:bodyPr/>
-                        <a:lstStyle/>
-                        <a:p>
-                          <a:pPr algn="ctr" latinLnBrk="1"/>
-                          <a14:m>
-                            <m:oMathPara xmlns:m="http://schemas.openxmlformats.org/officeDocument/2006/math">
-                              <m:oMathParaPr>
-                                <m:jc m:val="centerGroup"/>
-                              </m:oMathParaPr>
-                              <m:oMath xmlns:m="http://schemas.openxmlformats.org/officeDocument/2006/math">
-                                <m:f>
-                                  <m:fPr>
-                                    <m:type m:val="lin"/>
-                                    <m:ctrlPr>
-                                      <a:rPr kumimoji="0" lang="ko-KR" altLang="en-US" sz="1800" b="0" i="1" u="none" strike="noStrike" kern="1200" cap="none" spc="0" normalizeH="0" baseline="0" noProof="0" smtClean="0">
-                                        <a:ln>
-                                          <a:noFill/>
-                                        </a:ln>
-                                        <a:solidFill>
-                                          <a:prstClr val="black"/>
-                                        </a:solidFill>
-                                        <a:effectLst/>
-                                        <a:uLnTx/>
-                                        <a:uFillTx/>
-                                        <a:latin typeface="Cambria Math" panose="02040503050406030204" pitchFamily="18" charset="0"/>
-                                        <a:cs typeface="+mn-cs"/>
-                                      </a:rPr>
-                                    </m:ctrlPr>
-                                  </m:fPr>
-                                  <m:num>
-                                    <m:r>
-                                      <a:rPr kumimoji="0" lang="en-US" altLang="ko-KR" sz="1800" b="0" i="1" u="none" strike="noStrike" kern="1200" cap="none" spc="0" normalizeH="0" baseline="0" noProof="0" smtClean="0">
-                                        <a:ln>
-                                          <a:noFill/>
-                                        </a:ln>
-                                        <a:solidFill>
-                                          <a:prstClr val="black"/>
-                                        </a:solidFill>
-                                        <a:effectLst/>
-                                        <a:uLnTx/>
-                                        <a:uFillTx/>
-                                        <a:latin typeface="Cambria Math" panose="02040503050406030204" pitchFamily="18" charset="0"/>
-                                        <a:cs typeface="+mn-cs"/>
-                                      </a:rPr>
-                                      <m:t>7</m:t>
-                                    </m:r>
-                                  </m:num>
-                                  <m:den>
-                                    <m:r>
-                                      <a:rPr kumimoji="0" lang="en-US" altLang="ko-KR" sz="1800" b="0" i="1" u="none" strike="noStrike" kern="1200" cap="none" spc="0" normalizeH="0" baseline="0" noProof="0" smtClean="0">
-                                        <a:ln>
-                                          <a:noFill/>
-                                        </a:ln>
-                                        <a:solidFill>
-                                          <a:prstClr val="black"/>
-                                        </a:solidFill>
-                                        <a:effectLst/>
-                                        <a:uLnTx/>
-                                        <a:uFillTx/>
-                                        <a:latin typeface="Cambria Math" panose="02040503050406030204" pitchFamily="18" charset="0"/>
-                                        <a:cs typeface="+mn-cs"/>
-                                      </a:rPr>
-                                      <m:t>8</m:t>
-                                    </m:r>
-                                  </m:den>
-                                </m:f>
-                              </m:oMath>
-                            </m:oMathPara>
-                          </a14:m>
-                          <a:endParaRPr lang="ko-KR" altLang="en-US" dirty="0"/>
-                        </a:p>
-                      </a:txBody>
-                      <a:tcPr/>
-                    </a:tc>
-                    <a:extLst>
-                      <a:ext uri="{0D108BD9-81ED-4DB2-BD59-A6C34878D82A}">
-                        <a16:rowId xmlns:a16="http://schemas.microsoft.com/office/drawing/2014/main" val="1723006947"/>
-                      </a:ext>
-                    </a:extLst>
-                  </a:tr>
-                  <a:tr h="370840">
-                    <a:tc>
-                      <a:txBody>
-                        <a:bodyPr/>
-                        <a:lstStyle/>
-                        <a:p>
-                          <a:pPr algn="ctr" latinLnBrk="1"/>
-                          <a14:m>
-                            <m:oMathPara xmlns:m="http://schemas.openxmlformats.org/officeDocument/2006/math">
-                              <m:oMathParaPr>
-                                <m:jc m:val="centerGroup"/>
-                              </m:oMathParaPr>
-                              <m:oMath xmlns:m="http://schemas.openxmlformats.org/officeDocument/2006/math">
-                                <m:r>
-                                  <a:rPr lang="en-US" altLang="ko-KR" sz="2000" b="1" i="1" smtClean="0">
-                                    <a:latin typeface="Cambria Math" panose="02040503050406030204" pitchFamily="18" charset="0"/>
-                                  </a:rPr>
-                                  <m:t>𝜼</m:t>
-                                </m:r>
-                              </m:oMath>
-                            </m:oMathPara>
-                          </a14:m>
-                          <a:endParaRPr lang="ko-KR" altLang="en-US" sz="2000" b="1" i="1" dirty="0"/>
-                        </a:p>
-                      </a:txBody>
-                      <a:tcPr anchor="ctr"/>
-                    </a:tc>
-                    <a:tc>
-                      <a:txBody>
-                        <a:bodyPr/>
-                        <a:lstStyle/>
-                        <a:p>
-                          <a:pPr algn="ctr" latinLnBrk="1"/>
-                          <a14:m>
-                            <m:oMathPara xmlns:m="http://schemas.openxmlformats.org/officeDocument/2006/math">
-                              <m:oMathParaPr>
-                                <m:jc m:val="centerGroup"/>
-                              </m:oMathParaPr>
-                              <m:oMath xmlns:m="http://schemas.openxmlformats.org/officeDocument/2006/math">
-                                <m:f>
-                                  <m:fPr>
-                                    <m:type m:val="lin"/>
-                                    <m:ctrlPr>
-                                      <a:rPr kumimoji="0" lang="ko-KR" altLang="en-US" sz="1800" b="0" i="1" u="none" strike="noStrike" kern="1200" cap="none" spc="0" normalizeH="0" baseline="0" noProof="0" smtClean="0">
-                                        <a:ln>
-                                          <a:noFill/>
-                                        </a:ln>
-                                        <a:solidFill>
-                                          <a:prstClr val="black"/>
-                                        </a:solidFill>
-                                        <a:effectLst/>
-                                        <a:uLnTx/>
-                                        <a:uFillTx/>
-                                        <a:latin typeface="Cambria Math" panose="02040503050406030204" pitchFamily="18" charset="0"/>
-                                        <a:cs typeface="+mn-cs"/>
-                                      </a:rPr>
-                                    </m:ctrlPr>
-                                  </m:fPr>
-                                  <m:num>
-                                    <m:r>
-                                      <a:rPr kumimoji="0" lang="en-US" altLang="ko-KR" sz="1800" b="0" i="1" u="none" strike="noStrike" kern="1200" cap="none" spc="0" normalizeH="0" baseline="0" noProof="0" smtClean="0">
-                                        <a:ln>
-                                          <a:noFill/>
-                                        </a:ln>
-                                        <a:solidFill>
-                                          <a:prstClr val="black"/>
-                                        </a:solidFill>
-                                        <a:effectLst/>
-                                        <a:uLnTx/>
-                                        <a:uFillTx/>
-                                        <a:latin typeface="Cambria Math" panose="02040503050406030204" pitchFamily="18" charset="0"/>
-                                        <a:cs typeface="+mn-cs"/>
-                                      </a:rPr>
-                                      <m:t>1</m:t>
-                                    </m:r>
-                                  </m:num>
-                                  <m:den>
-                                    <m:r>
-                                      <a:rPr kumimoji="0" lang="en-US" altLang="ko-KR" sz="1800" b="0" i="1" u="none" strike="noStrike" kern="1200" cap="none" spc="0" normalizeH="0" baseline="0" noProof="0" smtClean="0">
-                                        <a:ln>
-                                          <a:noFill/>
-                                        </a:ln>
-                                        <a:solidFill>
-                                          <a:prstClr val="black"/>
-                                        </a:solidFill>
-                                        <a:effectLst/>
-                                        <a:uLnTx/>
-                                        <a:uFillTx/>
-                                        <a:latin typeface="Cambria Math" panose="02040503050406030204" pitchFamily="18" charset="0"/>
-                                        <a:cs typeface="+mn-cs"/>
-                                      </a:rPr>
-                                      <m:t>64</m:t>
-                                    </m:r>
-                                  </m:den>
-                                </m:f>
-                                <m:r>
-                                  <a:rPr kumimoji="0" lang="en-US" altLang="ko-KR" sz="1800" b="0" i="1" u="none" strike="noStrike" kern="1200" cap="none" spc="0" normalizeH="0" baseline="0" noProof="0" smtClean="0">
-                                    <a:ln>
-                                      <a:noFill/>
-                                    </a:ln>
-                                    <a:solidFill>
-                                      <a:prstClr val="black"/>
-                                    </a:solidFill>
-                                    <a:effectLst/>
-                                    <a:uLnTx/>
-                                    <a:uFillTx/>
-                                    <a:latin typeface="Cambria Math" panose="02040503050406030204" pitchFamily="18" charset="0"/>
-                                    <a:cs typeface="+mn-cs"/>
-                                  </a:rPr>
-                                  <m:t>=0.016</m:t>
-                                </m:r>
-                              </m:oMath>
-                            </m:oMathPara>
-                          </a14:m>
-                          <a:endParaRPr lang="ko-KR" altLang="en-US" dirty="0"/>
-                        </a:p>
-                      </a:txBody>
-                      <a:tcPr/>
-                    </a:tc>
-                    <a:tc>
-                      <a:txBody>
-                        <a:bodyPr/>
-                        <a:lstStyle/>
-                        <a:p>
-                          <a:pPr algn="ctr" latinLnBrk="1"/>
-                          <a14:m>
-                            <m:oMathPara xmlns:m="http://schemas.openxmlformats.org/officeDocument/2006/math">
-                              <m:oMathParaPr>
-                                <m:jc m:val="centerGroup"/>
-                              </m:oMathParaPr>
-                              <m:oMath xmlns:m="http://schemas.openxmlformats.org/officeDocument/2006/math">
-                                <m:r>
-                                  <a:rPr kumimoji="0" lang="en-US" altLang="ko-KR" sz="1800" b="0" i="1" u="none" strike="noStrike" kern="1200" cap="none" spc="0" normalizeH="0" baseline="0" noProof="0" smtClean="0">
-                                    <a:ln>
-                                      <a:noFill/>
-                                    </a:ln>
-                                    <a:solidFill>
-                                      <a:prstClr val="black"/>
-                                    </a:solidFill>
-                                    <a:effectLst/>
-                                    <a:uLnTx/>
-                                    <a:uFillTx/>
-                                    <a:latin typeface="Cambria Math" panose="02040503050406030204" pitchFamily="18" charset="0"/>
-                                    <a:cs typeface="+mn-cs"/>
-                                  </a:rPr>
-                                  <m:t>0</m:t>
-                                </m:r>
-                              </m:oMath>
-                            </m:oMathPara>
-                          </a14:m>
-                          <a:endParaRPr lang="ko-KR" altLang="en-US" dirty="0"/>
-                        </a:p>
-                      </a:txBody>
-                      <a:tcPr/>
-                    </a:tc>
-                    <a:extLst>
-                      <a:ext uri="{0D108BD9-81ED-4DB2-BD59-A6C34878D82A}">
-                        <a16:rowId xmlns:a16="http://schemas.microsoft.com/office/drawing/2014/main" val="1313305172"/>
-                      </a:ext>
-                    </a:extLst>
-                  </a:tr>
-                </a:tbl>
-              </a:graphicData>
-            </a:graphic>
-          </p:graphicFrame>
-        </mc:Choice>
-        <mc:Fallback>
-          <p:graphicFrame>
-            <p:nvGraphicFramePr>
-              <p:cNvPr id="5" name="Table 5">
-                <a:extLst>
-                  <a:ext uri="{FF2B5EF4-FFF2-40B4-BE49-F238E27FC236}">
-                    <a16:creationId xmlns:a16="http://schemas.microsoft.com/office/drawing/2014/main" id="{A679695A-C065-7D2C-79A5-06E0451101AD}"/>
-                  </a:ext>
-                </a:extLst>
-              </p:cNvPr>
-              <p:cNvGraphicFramePr>
-                <a:graphicFrameLocks noGrp="1"/>
-              </p:cNvGraphicFramePr>
-              <p:nvPr>
-                <p:extLst>
-                  <p:ext uri="{D42A27DB-BD31-4B8C-83A1-F6EECF244321}">
-                    <p14:modId xmlns:p14="http://schemas.microsoft.com/office/powerpoint/2010/main" val="1885619648"/>
-                  </p:ext>
-                </p:extLst>
-              </p:nvPr>
-            </p:nvGraphicFramePr>
-            <p:xfrm>
-              <a:off x="838200" y="1874389"/>
-              <a:ext cx="10515600" cy="4500880"/>
-            </p:xfrm>
-            <a:graphic>
-              <a:graphicData uri="http://schemas.openxmlformats.org/drawingml/2006/table">
-                <a:tbl>
-                  <a:tblPr firstRow="1" bandRow="1">
-                    <a:tableStyleId>{793D81CF-94F2-401A-BA57-92F5A7B2D0C5}</a:tableStyleId>
-                  </a:tblPr>
-                  <a:tblGrid>
-                    <a:gridCol w="3505200">
-                      <a:extLst>
-                        <a:ext uri="{9D8B030D-6E8A-4147-A177-3AD203B41FA5}">
-                          <a16:colId xmlns:a16="http://schemas.microsoft.com/office/drawing/2014/main" val="817749264"/>
-                        </a:ext>
-                      </a:extLst>
-                    </a:gridCol>
-                    <a:gridCol w="3505200">
-                      <a:extLst>
-                        <a:ext uri="{9D8B030D-6E8A-4147-A177-3AD203B41FA5}">
-                          <a16:colId xmlns:a16="http://schemas.microsoft.com/office/drawing/2014/main" val="1391012440"/>
-                        </a:ext>
-                      </a:extLst>
-                    </a:gridCol>
-                    <a:gridCol w="3505200">
-                      <a:extLst>
-                        <a:ext uri="{9D8B030D-6E8A-4147-A177-3AD203B41FA5}">
-                          <a16:colId xmlns:a16="http://schemas.microsoft.com/office/drawing/2014/main" val="2109227712"/>
-                        </a:ext>
-                      </a:extLst>
-                    </a:gridCol>
-                  </a:tblGrid>
-                  <a:tr h="640080">
-                    <a:tc>
-                      <a:txBody>
-                        <a:bodyPr/>
-                        <a:lstStyle/>
-                        <a:p>
-                          <a:pPr algn="ctr" latinLnBrk="1"/>
-                          <a:r>
-                            <a:rPr lang="en-US" altLang="ko-KR" dirty="0"/>
-                            <a:t>Scaling dimensions and </a:t>
-                          </a:r>
-                        </a:p>
-                        <a:p>
-                          <a:pPr algn="ctr" latinLnBrk="1"/>
-                          <a:r>
-                            <a:rPr lang="en-US" altLang="ko-KR" dirty="0"/>
-                            <a:t>critical exponents</a:t>
-                          </a:r>
-                          <a:endParaRPr lang="ko-KR" altLang="en-US" dirty="0"/>
-                        </a:p>
-                      </a:txBody>
-                      <a:tcPr anchor="ctr"/>
-                    </a:tc>
-                    <a:tc>
-                      <a:txBody>
-                        <a:bodyPr/>
-                        <a:lstStyle/>
-                        <a:p>
-                          <a:endParaRPr lang="ko-KR"/>
-                        </a:p>
-                      </a:txBody>
-                      <a:tcPr anchor="ctr">
-                        <a:blipFill>
-                          <a:blip r:embed="rId3"/>
-                          <a:stretch>
-                            <a:fillRect l="-100000" t="-4762" r="-100174" b="-702857"/>
-                          </a:stretch>
-                        </a:blipFill>
-                      </a:tcPr>
-                    </a:tc>
-                    <a:tc>
-                      <a:txBody>
-                        <a:bodyPr/>
-                        <a:lstStyle/>
-                        <a:p>
-                          <a:endParaRPr lang="ko-KR"/>
-                        </a:p>
-                      </a:txBody>
-                      <a:tcPr anchor="ctr">
-                        <a:blipFill>
-                          <a:blip r:embed="rId3"/>
-                          <a:stretch>
-                            <a:fillRect l="-200348" t="-4762" r="-348" b="-702857"/>
-                          </a:stretch>
-                        </a:blipFill>
-                      </a:tcPr>
-                    </a:tc>
-                    <a:extLst>
-                      <a:ext uri="{0D108BD9-81ED-4DB2-BD59-A6C34878D82A}">
-                        <a16:rowId xmlns:a16="http://schemas.microsoft.com/office/drawing/2014/main" val="105785113"/>
-                      </a:ext>
-                    </a:extLst>
-                  </a:tr>
-                  <a:tr h="370840">
-                    <a:tc>
-                      <a:txBody>
-                        <a:bodyPr/>
-                        <a:lstStyle/>
-                        <a:p>
-                          <a:endParaRPr lang="ko-KR"/>
-                        </a:p>
-                      </a:txBody>
-                      <a:tcPr anchor="ctr">
-                        <a:blipFill>
-                          <a:blip r:embed="rId3"/>
-                          <a:stretch>
-                            <a:fillRect l="-174" t="-180328" r="-200522" b="-1109836"/>
-                          </a:stretch>
-                        </a:blipFill>
-                      </a:tcPr>
-                    </a:tc>
-                    <a:tc>
-                      <a:txBody>
-                        <a:bodyPr/>
-                        <a:lstStyle/>
-                        <a:p>
-                          <a:endParaRPr lang="ko-KR"/>
-                        </a:p>
-                      </a:txBody>
-                      <a:tcPr>
-                        <a:blipFill>
-                          <a:blip r:embed="rId3"/>
-                          <a:stretch>
-                            <a:fillRect l="-100000" t="-180328" r="-100174" b="-1109836"/>
-                          </a:stretch>
-                        </a:blipFill>
-                      </a:tcPr>
-                    </a:tc>
-                    <a:tc>
-                      <a:txBody>
-                        <a:bodyPr/>
-                        <a:lstStyle/>
-                        <a:p>
-                          <a:endParaRPr lang="ko-KR"/>
-                        </a:p>
-                      </a:txBody>
-                      <a:tcPr>
-                        <a:blipFill>
-                          <a:blip r:embed="rId3"/>
-                          <a:stretch>
-                            <a:fillRect l="-200348" t="-180328" r="-348" b="-1109836"/>
-                          </a:stretch>
-                        </a:blipFill>
-                      </a:tcPr>
-                    </a:tc>
-                    <a:extLst>
-                      <a:ext uri="{0D108BD9-81ED-4DB2-BD59-A6C34878D82A}">
-                        <a16:rowId xmlns:a16="http://schemas.microsoft.com/office/drawing/2014/main" val="716123568"/>
-                      </a:ext>
-                    </a:extLst>
-                  </a:tr>
-                  <a:tr h="370840">
-                    <a:tc>
-                      <a:txBody>
-                        <a:bodyPr/>
-                        <a:lstStyle/>
-                        <a:p>
-                          <a:endParaRPr lang="ko-KR"/>
-                        </a:p>
-                      </a:txBody>
-                      <a:tcPr anchor="ctr">
-                        <a:blipFill>
-                          <a:blip r:embed="rId3"/>
-                          <a:stretch>
-                            <a:fillRect l="-174" t="-280328" r="-200522" b="-1009836"/>
-                          </a:stretch>
-                        </a:blipFill>
-                      </a:tcPr>
-                    </a:tc>
-                    <a:tc>
-                      <a:txBody>
-                        <a:bodyPr/>
-                        <a:lstStyle/>
-                        <a:p>
-                          <a:endParaRPr lang="ko-KR"/>
-                        </a:p>
-                      </a:txBody>
-                      <a:tcPr>
-                        <a:blipFill>
-                          <a:blip r:embed="rId3"/>
-                          <a:stretch>
-                            <a:fillRect l="-100000" t="-280328" r="-100174" b="-1009836"/>
-                          </a:stretch>
-                        </a:blipFill>
-                      </a:tcPr>
-                    </a:tc>
-                    <a:tc>
-                      <a:txBody>
-                        <a:bodyPr/>
-                        <a:lstStyle/>
-                        <a:p>
-                          <a:endParaRPr lang="ko-KR"/>
-                        </a:p>
-                      </a:txBody>
-                      <a:tcPr>
-                        <a:blipFill>
-                          <a:blip r:embed="rId3"/>
-                          <a:stretch>
-                            <a:fillRect l="-200348" t="-280328" r="-348" b="-1009836"/>
-                          </a:stretch>
-                        </a:blipFill>
-                      </a:tcPr>
-                    </a:tc>
-                    <a:extLst>
-                      <a:ext uri="{0D108BD9-81ED-4DB2-BD59-A6C34878D82A}">
-                        <a16:rowId xmlns:a16="http://schemas.microsoft.com/office/drawing/2014/main" val="276304929"/>
-                      </a:ext>
-                    </a:extLst>
-                  </a:tr>
-                  <a:tr h="370840">
-                    <a:tc>
-                      <a:txBody>
-                        <a:bodyPr/>
-                        <a:lstStyle/>
-                        <a:p>
-                          <a:endParaRPr lang="ko-KR"/>
-                        </a:p>
-                      </a:txBody>
-                      <a:tcPr anchor="ctr">
-                        <a:blipFill>
-                          <a:blip r:embed="rId3"/>
-                          <a:stretch>
-                            <a:fillRect l="-174" t="-380328" r="-200522" b="-909836"/>
-                          </a:stretch>
-                        </a:blipFill>
-                      </a:tcPr>
-                    </a:tc>
-                    <a:tc>
-                      <a:txBody>
-                        <a:bodyPr/>
-                        <a:lstStyle/>
-                        <a:p>
-                          <a:endParaRPr lang="ko-KR"/>
-                        </a:p>
-                      </a:txBody>
-                      <a:tcPr>
-                        <a:blipFill>
-                          <a:blip r:embed="rId3"/>
-                          <a:stretch>
-                            <a:fillRect l="-100000" t="-380328" r="-100174" b="-909836"/>
-                          </a:stretch>
-                        </a:blipFill>
-                      </a:tcPr>
-                    </a:tc>
-                    <a:tc>
-                      <a:txBody>
-                        <a:bodyPr/>
-                        <a:lstStyle/>
-                        <a:p>
-                          <a:endParaRPr lang="ko-KR"/>
-                        </a:p>
-                      </a:txBody>
-                      <a:tcPr>
-                        <a:blipFill>
-                          <a:blip r:embed="rId3"/>
-                          <a:stretch>
-                            <a:fillRect l="-200348" t="-380328" r="-348" b="-909836"/>
-                          </a:stretch>
-                        </a:blipFill>
-                      </a:tcPr>
-                    </a:tc>
-                    <a:extLst>
-                      <a:ext uri="{0D108BD9-81ED-4DB2-BD59-A6C34878D82A}">
-                        <a16:rowId xmlns:a16="http://schemas.microsoft.com/office/drawing/2014/main" val="2433927649"/>
-                      </a:ext>
-                    </a:extLst>
-                  </a:tr>
-                  <a:tr h="370840">
-                    <a:tc>
-                      <a:txBody>
-                        <a:bodyPr/>
-                        <a:lstStyle/>
-                        <a:p>
-                          <a:endParaRPr lang="ko-KR"/>
-                        </a:p>
-                      </a:txBody>
-                      <a:tcPr anchor="ctr">
-                        <a:blipFill>
-                          <a:blip r:embed="rId3"/>
-                          <a:stretch>
-                            <a:fillRect l="-174" t="-480328" r="-200522" b="-809836"/>
-                          </a:stretch>
-                        </a:blipFill>
-                      </a:tcPr>
-                    </a:tc>
-                    <a:tc>
-                      <a:txBody>
-                        <a:bodyPr/>
-                        <a:lstStyle/>
-                        <a:p>
-                          <a:endParaRPr lang="ko-KR"/>
-                        </a:p>
-                      </a:txBody>
-                      <a:tcPr>
-                        <a:blipFill>
-                          <a:blip r:embed="rId3"/>
-                          <a:stretch>
-                            <a:fillRect l="-100000" t="-480328" r="-100174" b="-809836"/>
-                          </a:stretch>
-                        </a:blipFill>
-                      </a:tcPr>
-                    </a:tc>
-                    <a:tc>
-                      <a:txBody>
-                        <a:bodyPr/>
-                        <a:lstStyle/>
-                        <a:p>
-                          <a:endParaRPr lang="ko-KR"/>
-                        </a:p>
-                      </a:txBody>
-                      <a:tcPr>
-                        <a:blipFill>
-                          <a:blip r:embed="rId3"/>
-                          <a:stretch>
-                            <a:fillRect l="-200348" t="-480328" r="-348" b="-809836"/>
-                          </a:stretch>
-                        </a:blipFill>
-                      </a:tcPr>
-                    </a:tc>
-                    <a:extLst>
-                      <a:ext uri="{0D108BD9-81ED-4DB2-BD59-A6C34878D82A}">
-                        <a16:rowId xmlns:a16="http://schemas.microsoft.com/office/drawing/2014/main" val="1058165080"/>
-                      </a:ext>
-                    </a:extLst>
-                  </a:tr>
-                  <a:tr h="396240">
-                    <a:tc>
-                      <a:txBody>
-                        <a:bodyPr/>
-                        <a:lstStyle/>
-                        <a:p>
-                          <a:endParaRPr lang="ko-KR"/>
-                        </a:p>
-                      </a:txBody>
-                      <a:tcPr anchor="ctr">
-                        <a:blipFill>
-                          <a:blip r:embed="rId3"/>
-                          <a:stretch>
-                            <a:fillRect l="-174" t="-544615" r="-200522" b="-660000"/>
-                          </a:stretch>
-                        </a:blipFill>
-                      </a:tcPr>
-                    </a:tc>
-                    <a:tc>
-                      <a:txBody>
-                        <a:bodyPr/>
-                        <a:lstStyle/>
-                        <a:p>
-                          <a:endParaRPr lang="ko-KR"/>
-                        </a:p>
-                      </a:txBody>
-                      <a:tcPr>
-                        <a:blipFill>
-                          <a:blip r:embed="rId3"/>
-                          <a:stretch>
-                            <a:fillRect l="-100000" t="-544615" r="-100174" b="-660000"/>
-                          </a:stretch>
-                        </a:blipFill>
-                      </a:tcPr>
-                    </a:tc>
-                    <a:tc>
-                      <a:txBody>
-                        <a:bodyPr/>
-                        <a:lstStyle/>
-                        <a:p>
-                          <a:endParaRPr lang="ko-KR"/>
-                        </a:p>
-                      </a:txBody>
-                      <a:tcPr>
-                        <a:blipFill>
-                          <a:blip r:embed="rId3"/>
-                          <a:stretch>
-                            <a:fillRect l="-200348" t="-544615" r="-348" b="-660000"/>
-                          </a:stretch>
-                        </a:blipFill>
-                      </a:tcPr>
-                    </a:tc>
-                    <a:extLst>
-                      <a:ext uri="{0D108BD9-81ED-4DB2-BD59-A6C34878D82A}">
-                        <a16:rowId xmlns:a16="http://schemas.microsoft.com/office/drawing/2014/main" val="4089143451"/>
-                      </a:ext>
-                    </a:extLst>
-                  </a:tr>
-                  <a:tr h="396240">
-                    <a:tc>
-                      <a:txBody>
-                        <a:bodyPr/>
-                        <a:lstStyle/>
-                        <a:p>
-                          <a:endParaRPr lang="ko-KR"/>
-                        </a:p>
-                      </a:txBody>
-                      <a:tcPr anchor="ctr">
-                        <a:blipFill>
-                          <a:blip r:embed="rId3"/>
-                          <a:stretch>
-                            <a:fillRect l="-174" t="-644615" r="-200522" b="-560000"/>
-                          </a:stretch>
-                        </a:blipFill>
-                      </a:tcPr>
-                    </a:tc>
-                    <a:tc>
-                      <a:txBody>
-                        <a:bodyPr/>
-                        <a:lstStyle/>
-                        <a:p>
-                          <a:endParaRPr lang="ko-KR"/>
-                        </a:p>
-                      </a:txBody>
-                      <a:tcPr>
-                        <a:blipFill>
-                          <a:blip r:embed="rId3"/>
-                          <a:stretch>
-                            <a:fillRect l="-100000" t="-644615" r="-100174" b="-560000"/>
-                          </a:stretch>
-                        </a:blipFill>
-                      </a:tcPr>
-                    </a:tc>
-                    <a:tc>
-                      <a:txBody>
-                        <a:bodyPr/>
-                        <a:lstStyle/>
-                        <a:p>
-                          <a:endParaRPr lang="ko-KR"/>
-                        </a:p>
-                      </a:txBody>
-                      <a:tcPr>
-                        <a:blipFill>
-                          <a:blip r:embed="rId3"/>
-                          <a:stretch>
-                            <a:fillRect l="-200348" t="-644615" r="-348" b="-560000"/>
-                          </a:stretch>
-                        </a:blipFill>
-                      </a:tcPr>
-                    </a:tc>
-                    <a:extLst>
-                      <a:ext uri="{0D108BD9-81ED-4DB2-BD59-A6C34878D82A}">
-                        <a16:rowId xmlns:a16="http://schemas.microsoft.com/office/drawing/2014/main" val="2131826791"/>
-                      </a:ext>
-                    </a:extLst>
-                  </a:tr>
-                  <a:tr h="396240">
-                    <a:tc>
-                      <a:txBody>
-                        <a:bodyPr/>
-                        <a:lstStyle/>
-                        <a:p>
-                          <a:endParaRPr lang="ko-KR"/>
-                        </a:p>
-                      </a:txBody>
-                      <a:tcPr anchor="ctr">
-                        <a:blipFill>
-                          <a:blip r:embed="rId3"/>
-                          <a:stretch>
-                            <a:fillRect l="-174" t="-744615" r="-200522" b="-460000"/>
-                          </a:stretch>
-                        </a:blipFill>
-                      </a:tcPr>
-                    </a:tc>
-                    <a:tc>
-                      <a:txBody>
-                        <a:bodyPr/>
-                        <a:lstStyle/>
-                        <a:p>
-                          <a:endParaRPr lang="ko-KR"/>
-                        </a:p>
-                      </a:txBody>
-                      <a:tcPr>
-                        <a:blipFill>
-                          <a:blip r:embed="rId3"/>
-                          <a:stretch>
-                            <a:fillRect l="-100000" t="-744615" r="-100174" b="-460000"/>
-                          </a:stretch>
-                        </a:blipFill>
-                      </a:tcPr>
-                    </a:tc>
-                    <a:tc>
-                      <a:txBody>
-                        <a:bodyPr/>
-                        <a:lstStyle/>
-                        <a:p>
-                          <a:endParaRPr lang="ko-KR"/>
-                        </a:p>
-                      </a:txBody>
-                      <a:tcPr>
-                        <a:blipFill>
-                          <a:blip r:embed="rId3"/>
-                          <a:stretch>
-                            <a:fillRect l="-200348" t="-744615" r="-348" b="-460000"/>
-                          </a:stretch>
-                        </a:blipFill>
-                      </a:tcPr>
-                    </a:tc>
-                    <a:extLst>
-                      <a:ext uri="{0D108BD9-81ED-4DB2-BD59-A6C34878D82A}">
-                        <a16:rowId xmlns:a16="http://schemas.microsoft.com/office/drawing/2014/main" val="1194850936"/>
-                      </a:ext>
-                    </a:extLst>
-                  </a:tr>
-                  <a:tr h="396240">
-                    <a:tc>
-                      <a:txBody>
-                        <a:bodyPr/>
-                        <a:lstStyle/>
-                        <a:p>
-                          <a:endParaRPr lang="ko-KR"/>
-                        </a:p>
-                      </a:txBody>
-                      <a:tcPr anchor="ctr">
-                        <a:blipFill>
-                          <a:blip r:embed="rId3"/>
-                          <a:stretch>
-                            <a:fillRect l="-174" t="-844615" r="-200522" b="-360000"/>
-                          </a:stretch>
-                        </a:blipFill>
-                      </a:tcPr>
-                    </a:tc>
-                    <a:tc>
-                      <a:txBody>
-                        <a:bodyPr/>
-                        <a:lstStyle/>
-                        <a:p>
-                          <a:endParaRPr lang="ko-KR"/>
-                        </a:p>
-                      </a:txBody>
-                      <a:tcPr>
-                        <a:blipFill>
-                          <a:blip r:embed="rId3"/>
-                          <a:stretch>
-                            <a:fillRect l="-100000" t="-844615" r="-100174" b="-360000"/>
-                          </a:stretch>
-                        </a:blipFill>
-                      </a:tcPr>
-                    </a:tc>
-                    <a:tc>
-                      <a:txBody>
-                        <a:bodyPr/>
-                        <a:lstStyle/>
-                        <a:p>
-                          <a:endParaRPr lang="ko-KR"/>
-                        </a:p>
-                      </a:txBody>
-                      <a:tcPr>
-                        <a:blipFill>
-                          <a:blip r:embed="rId3"/>
-                          <a:stretch>
-                            <a:fillRect l="-200348" t="-844615" r="-348" b="-360000"/>
-                          </a:stretch>
-                        </a:blipFill>
-                      </a:tcPr>
-                    </a:tc>
-                    <a:extLst>
-                      <a:ext uri="{0D108BD9-81ED-4DB2-BD59-A6C34878D82A}">
-                        <a16:rowId xmlns:a16="http://schemas.microsoft.com/office/drawing/2014/main" val="186033924"/>
-                      </a:ext>
-                    </a:extLst>
-                  </a:tr>
-                  <a:tr h="396240">
-                    <a:tc>
-                      <a:txBody>
-                        <a:bodyPr/>
-                        <a:lstStyle/>
-                        <a:p>
-                          <a:endParaRPr lang="ko-KR"/>
-                        </a:p>
-                      </a:txBody>
-                      <a:tcPr anchor="ctr">
-                        <a:blipFill>
-                          <a:blip r:embed="rId3"/>
-                          <a:stretch>
-                            <a:fillRect l="-174" t="-944615" r="-200522" b="-260000"/>
-                          </a:stretch>
-                        </a:blipFill>
-                      </a:tcPr>
-                    </a:tc>
-                    <a:tc>
-                      <a:txBody>
-                        <a:bodyPr/>
-                        <a:lstStyle/>
-                        <a:p>
-                          <a:endParaRPr lang="ko-KR"/>
-                        </a:p>
-                      </a:txBody>
-                      <a:tcPr>
-                        <a:blipFill>
-                          <a:blip r:embed="rId3"/>
-                          <a:stretch>
-                            <a:fillRect l="-100000" t="-944615" r="-100174" b="-260000"/>
-                          </a:stretch>
-                        </a:blipFill>
-                      </a:tcPr>
-                    </a:tc>
-                    <a:tc>
-                      <a:txBody>
-                        <a:bodyPr/>
-                        <a:lstStyle/>
-                        <a:p>
-                          <a:endParaRPr lang="ko-KR"/>
-                        </a:p>
-                      </a:txBody>
-                      <a:tcPr>
-                        <a:blipFill>
-                          <a:blip r:embed="rId3"/>
-                          <a:stretch>
-                            <a:fillRect l="-200348" t="-944615" r="-348" b="-260000"/>
-                          </a:stretch>
-                        </a:blipFill>
-                      </a:tcPr>
-                    </a:tc>
-                    <a:extLst>
-                      <a:ext uri="{0D108BD9-81ED-4DB2-BD59-A6C34878D82A}">
-                        <a16:rowId xmlns:a16="http://schemas.microsoft.com/office/drawing/2014/main" val="1723006947"/>
-                      </a:ext>
-                    </a:extLst>
-                  </a:tr>
-                  <a:tr h="396240">
-                    <a:tc>
-                      <a:txBody>
-                        <a:bodyPr/>
-                        <a:lstStyle/>
-                        <a:p>
-                          <a:endParaRPr lang="ko-KR"/>
-                        </a:p>
-                      </a:txBody>
-                      <a:tcPr anchor="ctr">
-                        <a:blipFill>
-                          <a:blip r:embed="rId3"/>
-                          <a:stretch>
-                            <a:fillRect l="-174" t="-1044615" r="-200522" b="-160000"/>
-                          </a:stretch>
-                        </a:blipFill>
-                      </a:tcPr>
-                    </a:tc>
-                    <a:tc>
-                      <a:txBody>
-                        <a:bodyPr/>
-                        <a:lstStyle/>
-                        <a:p>
-                          <a:endParaRPr lang="ko-KR"/>
-                        </a:p>
-                      </a:txBody>
-                      <a:tcPr>
-                        <a:blipFill>
-                          <a:blip r:embed="rId3"/>
-                          <a:stretch>
-                            <a:fillRect l="-100000" t="-1044615" r="-100174" b="-160000"/>
-                          </a:stretch>
-                        </a:blipFill>
-                      </a:tcPr>
-                    </a:tc>
-                    <a:tc>
-                      <a:txBody>
-                        <a:bodyPr/>
-                        <a:lstStyle/>
-                        <a:p>
-                          <a:endParaRPr lang="ko-KR"/>
-                        </a:p>
-                      </a:txBody>
-                      <a:tcPr>
-                        <a:blipFill>
-                          <a:blip r:embed="rId3"/>
-                          <a:stretch>
-                            <a:fillRect l="-200348" t="-1044615" r="-348" b="-160000"/>
-                          </a:stretch>
-                        </a:blipFill>
-                      </a:tcPr>
-                    </a:tc>
-                    <a:extLst>
-                      <a:ext uri="{0D108BD9-81ED-4DB2-BD59-A6C34878D82A}">
-                        <a16:rowId xmlns:a16="http://schemas.microsoft.com/office/drawing/2014/main" val="1313305172"/>
-                      </a:ext>
-                    </a:extLst>
-                  </a:tr>
-                </a:tbl>
-              </a:graphicData>
-            </a:graphic>
-          </p:graphicFrame>
-        </mc:Fallback>
-      </mc:AlternateContent>
-    </p:spTree>
-    <p:extLst>
-      <p:ext uri="{BB962C8B-B14F-4D97-AF65-F5344CB8AC3E}">
-        <p14:creationId xmlns:p14="http://schemas.microsoft.com/office/powerpoint/2010/main" val="53504164"/>
       </p:ext>
     </p:extLst>
   </p:cSld>
